--- a/Презентация Microsoft PowerPoint.pptx
+++ b/Презентация Microsoft PowerPoint.pptx
@@ -5,7 +5,7 @@
     <p:sldMasterId id="2147483660" r:id="rId1"/>
   </p:sldMasterIdLst>
   <p:notesMasterIdLst>
-    <p:notesMasterId r:id="rId8"/>
+    <p:notesMasterId r:id="rId9"/>
   </p:notesMasterIdLst>
   <p:sldIdLst>
     <p:sldId id="256" r:id="rId2"/>
@@ -14,6 +14,7 @@
     <p:sldId id="261" r:id="rId5"/>
     <p:sldId id="259" r:id="rId6"/>
     <p:sldId id="260" r:id="rId7"/>
+    <p:sldId id="262" r:id="rId8"/>
   </p:sldIdLst>
   <p:sldSz cx="12192000" cy="6858000"/>
   <p:notesSz cx="6858000" cy="9144000"/>
@@ -112,15 +113,20 @@
       </a:defRPr>
     </a:lvl9pPr>
   </p:defaultTextStyle>
+  <p:extLst>
+    <p:ext uri="{EFAFB233-063F-42B5-8137-9DF3F51BA10A}">
+      <p15:sldGuideLst xmlns:p15="http://schemas.microsoft.com/office/powerpoint/2012/main"/>
+    </p:ext>
+  </p:extLst>
 </p:presentation>
 </file>
 
 <file path=ppt/diagrams/colors1.xml><?xml version="1.0" encoding="utf-8"?>
-<dgm:colorsDef xmlns:dgm="http://schemas.openxmlformats.org/drawingml/2006/diagram" xmlns:a="http://schemas.openxmlformats.org/drawingml/2006/main" uniqueId="urn:microsoft.com/office/officeart/2005/8/colors/accent1_2">
+<dgm:colorsDef xmlns:dgm="http://schemas.openxmlformats.org/drawingml/2006/diagram" xmlns:a="http://schemas.openxmlformats.org/drawingml/2006/main" uniqueId="urn:microsoft.com/office/officeart/2005/8/colors/colorful2">
   <dgm:title val=""/>
   <dgm:desc val=""/>
   <dgm:catLst>
-    <dgm:cat type="accent1" pri="11200"/>
+    <dgm:cat type="colorful" pri="10200"/>
   </dgm:catLst>
   <dgm:styleLbl name="node0">
     <dgm:fillClrLst meth="repeat">
@@ -134,21 +140,10 @@
     <dgm:txFillClrLst/>
     <dgm:txEffectClrLst/>
   </dgm:styleLbl>
-  <dgm:styleLbl name="alignNode1">
-    <dgm:fillClrLst meth="repeat">
-      <a:schemeClr val="accent1"/>
-    </dgm:fillClrLst>
-    <dgm:linClrLst meth="repeat">
-      <a:schemeClr val="accent1"/>
-    </dgm:linClrLst>
-    <dgm:effectClrLst/>
-    <dgm:txLinClrLst/>
-    <dgm:txFillClrLst/>
-    <dgm:txEffectClrLst/>
-  </dgm:styleLbl>
   <dgm:styleLbl name="node1">
-    <dgm:fillClrLst meth="repeat">
-      <a:schemeClr val="accent1"/>
+    <dgm:fillClrLst>
+      <a:schemeClr val="accent2"/>
+      <a:schemeClr val="accent3"/>
     </dgm:fillClrLst>
     <dgm:linClrLst meth="repeat">
       <a:schemeClr val="lt1"/>
@@ -158,9 +153,24 @@
     <dgm:txFillClrLst/>
     <dgm:txEffectClrLst/>
   </dgm:styleLbl>
+  <dgm:styleLbl name="alignNode1">
+    <dgm:fillClrLst>
+      <a:schemeClr val="accent2"/>
+      <a:schemeClr val="accent3"/>
+    </dgm:fillClrLst>
+    <dgm:linClrLst>
+      <a:schemeClr val="accent2"/>
+      <a:schemeClr val="accent3"/>
+    </dgm:linClrLst>
+    <dgm:effectClrLst/>
+    <dgm:txLinClrLst/>
+    <dgm:txFillClrLst/>
+    <dgm:txEffectClrLst/>
+  </dgm:styleLbl>
   <dgm:styleLbl name="lnNode1">
-    <dgm:fillClrLst meth="repeat">
-      <a:schemeClr val="accent1"/>
+    <dgm:fillClrLst>
+      <a:schemeClr val="accent2"/>
+      <a:schemeClr val="accent3"/>
     </dgm:fillClrLst>
     <dgm:linClrLst meth="repeat">
       <a:schemeClr val="lt1"/>
@@ -171,8 +181,11 @@
     <dgm:txEffectClrLst/>
   </dgm:styleLbl>
   <dgm:styleLbl name="vennNode1">
-    <dgm:fillClrLst meth="repeat">
-      <a:schemeClr val="accent1">
+    <dgm:fillClrLst>
+      <a:schemeClr val="accent2">
+        <a:alpha val="50000"/>
+      </a:schemeClr>
+      <a:schemeClr val="accent3">
         <a:alpha val="50000"/>
       </a:schemeClr>
     </dgm:fillClrLst>
@@ -185,8 +198,8 @@
     <dgm:txEffectClrLst/>
   </dgm:styleLbl>
   <dgm:styleLbl name="node2">
-    <dgm:fillClrLst meth="repeat">
-      <a:schemeClr val="accent1"/>
+    <dgm:fillClrLst>
+      <a:schemeClr val="accent3"/>
     </dgm:fillClrLst>
     <dgm:linClrLst meth="repeat">
       <a:schemeClr val="lt1"/>
@@ -197,8 +210,8 @@
     <dgm:txEffectClrLst/>
   </dgm:styleLbl>
   <dgm:styleLbl name="node3">
-    <dgm:fillClrLst meth="repeat">
-      <a:schemeClr val="accent1"/>
+    <dgm:fillClrLst>
+      <a:schemeClr val="accent4"/>
     </dgm:fillClrLst>
     <dgm:linClrLst meth="repeat">
       <a:schemeClr val="lt1"/>
@@ -209,8 +222,8 @@
     <dgm:txEffectClrLst/>
   </dgm:styleLbl>
   <dgm:styleLbl name="node4">
-    <dgm:fillClrLst meth="repeat">
-      <a:schemeClr val="accent1"/>
+    <dgm:fillClrLst>
+      <a:schemeClr val="accent5"/>
     </dgm:fillClrLst>
     <dgm:linClrLst meth="repeat">
       <a:schemeClr val="lt1"/>
@@ -221,8 +234,11 @@
     <dgm:txEffectClrLst/>
   </dgm:styleLbl>
   <dgm:styleLbl name="fgImgPlace1">
-    <dgm:fillClrLst meth="repeat">
-      <a:schemeClr val="accent1">
+    <dgm:fillClrLst>
+      <a:schemeClr val="accent2">
+        <a:tint val="50000"/>
+      </a:schemeClr>
+      <a:schemeClr val="accent3">
         <a:tint val="50000"/>
       </a:schemeClr>
     </dgm:fillClrLst>
@@ -237,9 +253,12 @@
     <dgm:txEffectClrLst/>
   </dgm:styleLbl>
   <dgm:styleLbl name="alignImgPlace1">
-    <dgm:fillClrLst meth="repeat">
-      <a:schemeClr val="accent1">
+    <dgm:fillClrLst>
+      <a:schemeClr val="accent2">
         <a:tint val="50000"/>
+      </a:schemeClr>
+      <a:schemeClr val="accent3">
+        <a:tint val="20000"/>
       </a:schemeClr>
     </dgm:fillClrLst>
     <dgm:linClrLst meth="repeat">
@@ -253,9 +272,12 @@
     <dgm:txEffectClrLst/>
   </dgm:styleLbl>
   <dgm:styleLbl name="bgImgPlace1">
-    <dgm:fillClrLst meth="repeat">
-      <a:schemeClr val="accent1">
+    <dgm:fillClrLst>
+      <a:schemeClr val="accent2">
         <a:tint val="50000"/>
+      </a:schemeClr>
+      <a:schemeClr val="accent3">
+        <a:tint val="20000"/>
       </a:schemeClr>
     </dgm:fillClrLst>
     <dgm:linClrLst meth="repeat">
@@ -269,15 +291,12 @@
     <dgm:txEffectClrLst/>
   </dgm:styleLbl>
   <dgm:styleLbl name="sibTrans2D1">
-    <dgm:fillClrLst meth="repeat">
-      <a:schemeClr val="accent1">
-        <a:tint val="60000"/>
-      </a:schemeClr>
+    <dgm:fillClrLst>
+      <a:schemeClr val="accent2"/>
+      <a:schemeClr val="accent3"/>
     </dgm:fillClrLst>
     <dgm:linClrLst meth="repeat">
-      <a:schemeClr val="accent1">
-        <a:tint val="60000"/>
-      </a:schemeClr>
+      <a:schemeClr val="lt1"/>
     </dgm:linClrLst>
     <dgm:effectClrLst/>
     <dgm:txLinClrLst/>
@@ -285,43 +304,40 @@
     <dgm:txEffectClrLst/>
   </dgm:styleLbl>
   <dgm:styleLbl name="fgSibTrans2D1">
-    <dgm:fillClrLst meth="repeat">
-      <a:schemeClr val="accent1">
-        <a:tint val="60000"/>
-      </a:schemeClr>
+    <dgm:fillClrLst>
+      <a:schemeClr val="accent2"/>
+      <a:schemeClr val="accent3"/>
     </dgm:fillClrLst>
     <dgm:linClrLst meth="repeat">
-      <a:schemeClr val="accent1">
-        <a:tint val="60000"/>
-      </a:schemeClr>
+      <a:schemeClr val="lt1"/>
     </dgm:linClrLst>
     <dgm:effectClrLst/>
     <dgm:txLinClrLst/>
-    <dgm:txFillClrLst/>
+    <dgm:txFillClrLst meth="repeat">
+      <a:schemeClr val="lt1"/>
+    </dgm:txFillClrLst>
     <dgm:txEffectClrLst/>
   </dgm:styleLbl>
   <dgm:styleLbl name="bgSibTrans2D1">
-    <dgm:fillClrLst meth="repeat">
-      <a:schemeClr val="accent1">
-        <a:tint val="60000"/>
-      </a:schemeClr>
+    <dgm:fillClrLst>
+      <a:schemeClr val="accent2"/>
+      <a:schemeClr val="accent3"/>
     </dgm:fillClrLst>
     <dgm:linClrLst meth="repeat">
-      <a:schemeClr val="accent1">
-        <a:tint val="60000"/>
-      </a:schemeClr>
+      <a:schemeClr val="lt1"/>
     </dgm:linClrLst>
     <dgm:effectClrLst/>
     <dgm:txLinClrLst/>
-    <dgm:txFillClrLst/>
+    <dgm:txFillClrLst meth="repeat">
+      <a:schemeClr val="lt1"/>
+    </dgm:txFillClrLst>
     <dgm:txEffectClrLst/>
   </dgm:styleLbl>
   <dgm:styleLbl name="sibTrans1D1">
-    <dgm:fillClrLst meth="repeat">
-      <a:schemeClr val="accent1"/>
-    </dgm:fillClrLst>
-    <dgm:linClrLst meth="repeat">
-      <a:schemeClr val="accent1"/>
+    <dgm:fillClrLst/>
+    <dgm:linClrLst>
+      <a:schemeClr val="accent2"/>
+      <a:schemeClr val="accent3"/>
     </dgm:linClrLst>
     <dgm:effectClrLst/>
     <dgm:txLinClrLst/>
@@ -332,10 +348,10 @@
   </dgm:styleLbl>
   <dgm:styleLbl name="callout">
     <dgm:fillClrLst meth="repeat">
-      <a:schemeClr val="accent1"/>
+      <a:schemeClr val="accent2"/>
     </dgm:fillClrLst>
     <dgm:linClrLst meth="repeat">
-      <a:schemeClr val="accent1">
+      <a:schemeClr val="accent2">
         <a:tint val="50000"/>
       </a:schemeClr>
     </dgm:linClrLst>
@@ -348,10 +364,12 @@
   </dgm:styleLbl>
   <dgm:styleLbl name="asst0">
     <dgm:fillClrLst meth="repeat">
-      <a:schemeClr val="accent1"/>
+      <a:schemeClr val="accent2"/>
     </dgm:fillClrLst>
     <dgm:linClrLst meth="repeat">
-      <a:schemeClr val="lt1"/>
+      <a:schemeClr val="lt1">
+        <a:shade val="80000"/>
+      </a:schemeClr>
     </dgm:linClrLst>
     <dgm:effectClrLst/>
     <dgm:txLinClrLst/>
@@ -360,10 +378,12 @@
   </dgm:styleLbl>
   <dgm:styleLbl name="asst1">
     <dgm:fillClrLst meth="repeat">
-      <a:schemeClr val="accent1"/>
+      <a:schemeClr val="accent3"/>
     </dgm:fillClrLst>
     <dgm:linClrLst meth="repeat">
-      <a:schemeClr val="lt1"/>
+      <a:schemeClr val="lt1">
+        <a:shade val="80000"/>
+      </a:schemeClr>
     </dgm:linClrLst>
     <dgm:effectClrLst/>
     <dgm:txLinClrLst/>
@@ -371,8 +391,8 @@
     <dgm:txEffectClrLst/>
   </dgm:styleLbl>
   <dgm:styleLbl name="asst2">
-    <dgm:fillClrLst meth="repeat">
-      <a:schemeClr val="accent1"/>
+    <dgm:fillClrLst>
+      <a:schemeClr val="accent4"/>
     </dgm:fillClrLst>
     <dgm:linClrLst meth="repeat">
       <a:schemeClr val="lt1"/>
@@ -383,8 +403,8 @@
     <dgm:txEffectClrLst/>
   </dgm:styleLbl>
   <dgm:styleLbl name="asst3">
-    <dgm:fillClrLst meth="repeat">
-      <a:schemeClr val="accent1"/>
+    <dgm:fillClrLst>
+      <a:schemeClr val="accent5"/>
     </dgm:fillClrLst>
     <dgm:linClrLst meth="repeat">
       <a:schemeClr val="lt1"/>
@@ -395,8 +415,8 @@
     <dgm:txEffectClrLst/>
   </dgm:styleLbl>
   <dgm:styleLbl name="asst4">
-    <dgm:fillClrLst meth="repeat">
-      <a:schemeClr val="accent1"/>
+    <dgm:fillClrLst>
+      <a:schemeClr val="accent6"/>
     </dgm:fillClrLst>
     <dgm:linClrLst meth="repeat">
       <a:schemeClr val="lt1"/>
@@ -408,14 +428,10 @@
   </dgm:styleLbl>
   <dgm:styleLbl name="parChTrans2D1">
     <dgm:fillClrLst meth="repeat">
-      <a:schemeClr val="accent1">
-        <a:tint val="60000"/>
-      </a:schemeClr>
+      <a:schemeClr val="accent2"/>
     </dgm:fillClrLst>
     <dgm:linClrLst meth="repeat">
-      <a:schemeClr val="accent1">
-        <a:tint val="60000"/>
-      </a:schemeClr>
+      <a:schemeClr val="lt1"/>
     </dgm:linClrLst>
     <dgm:effectClrLst/>
     <dgm:txLinClrLst/>
@@ -426,38 +442,34 @@
   </dgm:styleLbl>
   <dgm:styleLbl name="parChTrans2D2">
     <dgm:fillClrLst meth="repeat">
-      <a:schemeClr val="accent1"/>
+      <a:schemeClr val="accent3"/>
     </dgm:fillClrLst>
     <dgm:linClrLst meth="repeat">
-      <a:schemeClr val="accent1"/>
+      <a:schemeClr val="lt1"/>
     </dgm:linClrLst>
     <dgm:effectClrLst/>
     <dgm:txLinClrLst/>
-    <dgm:txFillClrLst meth="repeat">
-      <a:schemeClr val="lt1"/>
-    </dgm:txFillClrLst>
+    <dgm:txFillClrLst/>
     <dgm:txEffectClrLst/>
   </dgm:styleLbl>
   <dgm:styleLbl name="parChTrans2D3">
     <dgm:fillClrLst meth="repeat">
-      <a:schemeClr val="accent1"/>
+      <a:schemeClr val="accent4"/>
     </dgm:fillClrLst>
     <dgm:linClrLst meth="repeat">
-      <a:schemeClr val="accent1"/>
+      <a:schemeClr val="lt1"/>
     </dgm:linClrLst>
     <dgm:effectClrLst/>
     <dgm:txLinClrLst/>
-    <dgm:txFillClrLst meth="repeat">
-      <a:schemeClr val="lt1"/>
-    </dgm:txFillClrLst>
+    <dgm:txFillClrLst/>
     <dgm:txEffectClrLst/>
   </dgm:styleLbl>
   <dgm:styleLbl name="parChTrans2D4">
     <dgm:fillClrLst meth="repeat">
-      <a:schemeClr val="accent1"/>
+      <a:schemeClr val="accent5"/>
     </dgm:fillClrLst>
     <dgm:linClrLst meth="repeat">
-      <a:schemeClr val="accent1"/>
+      <a:schemeClr val="lt1"/>
     </dgm:linClrLst>
     <dgm:effectClrLst/>
     <dgm:txLinClrLst/>
@@ -468,12 +480,10 @@
   </dgm:styleLbl>
   <dgm:styleLbl name="parChTrans1D1">
     <dgm:fillClrLst meth="repeat">
-      <a:schemeClr val="accent1"/>
+      <a:schemeClr val="accent2"/>
     </dgm:fillClrLst>
     <dgm:linClrLst meth="repeat">
-      <a:schemeClr val="accent1">
-        <a:shade val="60000"/>
-      </a:schemeClr>
+      <a:schemeClr val="accent2"/>
     </dgm:linClrLst>
     <dgm:effectClrLst/>
     <dgm:txLinClrLst/>
@@ -484,12 +494,12 @@
   </dgm:styleLbl>
   <dgm:styleLbl name="parChTrans1D2">
     <dgm:fillClrLst meth="repeat">
-      <a:schemeClr val="accent1"/>
+      <a:schemeClr val="accent2">
+        <a:tint val="90000"/>
+      </a:schemeClr>
     </dgm:fillClrLst>
     <dgm:linClrLst meth="repeat">
-      <a:schemeClr val="accent1">
-        <a:shade val="60000"/>
-      </a:schemeClr>
+      <a:schemeClr val="accent3"/>
     </dgm:linClrLst>
     <dgm:effectClrLst/>
     <dgm:txLinClrLst/>
@@ -500,12 +510,12 @@
   </dgm:styleLbl>
   <dgm:styleLbl name="parChTrans1D3">
     <dgm:fillClrLst meth="repeat">
-      <a:schemeClr val="accent1"/>
+      <a:schemeClr val="accent2">
+        <a:tint val="70000"/>
+      </a:schemeClr>
     </dgm:fillClrLst>
     <dgm:linClrLst meth="repeat">
-      <a:schemeClr val="accent1">
-        <a:shade val="80000"/>
-      </a:schemeClr>
+      <a:schemeClr val="accent4"/>
     </dgm:linClrLst>
     <dgm:effectClrLst/>
     <dgm:txLinClrLst/>
@@ -516,12 +526,12 @@
   </dgm:styleLbl>
   <dgm:styleLbl name="parChTrans1D4">
     <dgm:fillClrLst meth="repeat">
-      <a:schemeClr val="accent1"/>
+      <a:schemeClr val="accent2">
+        <a:tint val="50000"/>
+      </a:schemeClr>
     </dgm:fillClrLst>
     <dgm:linClrLst meth="repeat">
-      <a:schemeClr val="accent1">
-        <a:shade val="80000"/>
-      </a:schemeClr>
+      <a:schemeClr val="accent5"/>
     </dgm:linClrLst>
     <dgm:effectClrLst/>
     <dgm:txLinClrLst/>
@@ -536,8 +546,9 @@
         <a:alpha val="90000"/>
       </a:schemeClr>
     </dgm:fillClrLst>
-    <dgm:linClrLst meth="repeat">
-      <a:schemeClr val="accent1"/>
+    <dgm:linClrLst>
+      <a:schemeClr val="accent2"/>
+      <a:schemeClr val="accent3"/>
     </dgm:linClrLst>
     <dgm:effectClrLst/>
     <dgm:txLinClrLst/>
@@ -552,8 +563,9 @@
         <a:alpha val="90000"/>
       </a:schemeClr>
     </dgm:fillClrLst>
-    <dgm:linClrLst meth="repeat">
-      <a:schemeClr val="accent1"/>
+    <dgm:linClrLst>
+      <a:schemeClr val="accent2"/>
+      <a:schemeClr val="accent3"/>
     </dgm:linClrLst>
     <dgm:effectClrLst/>
     <dgm:txLinClrLst/>
@@ -568,8 +580,9 @@
         <a:alpha val="90000"/>
       </a:schemeClr>
     </dgm:fillClrLst>
-    <dgm:linClrLst meth="repeat">
-      <a:schemeClr val="accent1"/>
+    <dgm:linClrLst>
+      <a:schemeClr val="accent2"/>
+      <a:schemeClr val="accent3"/>
     </dgm:linClrLst>
     <dgm:effectClrLst/>
     <dgm:txLinClrLst/>
@@ -585,7 +598,7 @@
       </a:schemeClr>
     </dgm:fillClrLst>
     <dgm:linClrLst meth="repeat">
-      <a:schemeClr val="accent1"/>
+      <a:schemeClr val="accent2"/>
     </dgm:linClrLst>
     <dgm:effectClrLst/>
     <dgm:txLinClrLst/>
@@ -600,8 +613,9 @@
         <a:alpha val="90000"/>
       </a:schemeClr>
     </dgm:fillClrLst>
-    <dgm:linClrLst meth="repeat">
-      <a:schemeClr val="accent1"/>
+    <dgm:linClrLst>
+      <a:schemeClr val="accent2"/>
+      <a:schemeClr val="accent3"/>
     </dgm:linClrLst>
     <dgm:effectClrLst/>
     <dgm:txLinClrLst/>
@@ -614,8 +628,9 @@
     <dgm:fillClrLst meth="repeat">
       <a:schemeClr val="lt1"/>
     </dgm:fillClrLst>
-    <dgm:linClrLst meth="repeat">
-      <a:schemeClr val="accent1"/>
+    <dgm:linClrLst>
+      <a:schemeClr val="accent2"/>
+      <a:schemeClr val="accent3"/>
     </dgm:linClrLst>
     <dgm:effectClrLst/>
     <dgm:txLinClrLst/>
@@ -628,8 +643,9 @@
     <dgm:fillClrLst meth="repeat">
       <a:schemeClr val="lt1"/>
     </dgm:fillClrLst>
-    <dgm:linClrLst meth="repeat">
-      <a:schemeClr val="accent1"/>
+    <dgm:linClrLst>
+      <a:schemeClr val="accent2"/>
+      <a:schemeClr val="accent3"/>
     </dgm:linClrLst>
     <dgm:effectClrLst/>
     <dgm:txLinClrLst/>
@@ -642,8 +658,9 @@
     <dgm:fillClrLst meth="repeat">
       <a:schemeClr val="lt1"/>
     </dgm:fillClrLst>
-    <dgm:linClrLst meth="repeat">
-      <a:schemeClr val="accent1"/>
+    <dgm:linClrLst>
+      <a:schemeClr val="accent2"/>
+      <a:schemeClr val="accent3"/>
     </dgm:linClrLst>
     <dgm:effectClrLst/>
     <dgm:txLinClrLst/>
@@ -653,16 +670,24 @@
     <dgm:txEffectClrLst/>
   </dgm:styleLbl>
   <dgm:styleLbl name="fgAccFollowNode1">
-    <dgm:fillClrLst meth="repeat">
-      <a:schemeClr val="accent1">
+    <dgm:fillClrLst>
+      <a:schemeClr val="accent2">
+        <a:tint val="40000"/>
         <a:alpha val="90000"/>
+      </a:schemeClr>
+      <a:schemeClr val="accent3">
         <a:tint val="40000"/>
+        <a:alpha val="90000"/>
       </a:schemeClr>
     </dgm:fillClrLst>
-    <dgm:linClrLst meth="repeat">
-      <a:schemeClr val="accent1">
+    <dgm:linClrLst>
+      <a:schemeClr val="accent2">
+        <a:tint val="40000"/>
         <a:alpha val="90000"/>
+      </a:schemeClr>
+      <a:schemeClr val="accent3">
         <a:tint val="40000"/>
+        <a:alpha val="90000"/>
       </a:schemeClr>
     </dgm:linClrLst>
     <dgm:effectClrLst/>
@@ -673,16 +698,24 @@
     <dgm:txEffectClrLst/>
   </dgm:styleLbl>
   <dgm:styleLbl name="alignAccFollowNode1">
-    <dgm:fillClrLst meth="repeat">
-      <a:schemeClr val="accent1">
+    <dgm:fillClrLst>
+      <a:schemeClr val="accent2">
+        <a:tint val="40000"/>
         <a:alpha val="90000"/>
+      </a:schemeClr>
+      <a:schemeClr val="accent3">
         <a:tint val="40000"/>
+        <a:alpha val="90000"/>
       </a:schemeClr>
     </dgm:fillClrLst>
-    <dgm:linClrLst meth="repeat">
-      <a:schemeClr val="accent1">
+    <dgm:linClrLst>
+      <a:schemeClr val="accent2">
+        <a:tint val="40000"/>
         <a:alpha val="90000"/>
+      </a:schemeClr>
+      <a:schemeClr val="accent3">
         <a:tint val="40000"/>
+        <a:alpha val="90000"/>
       </a:schemeClr>
     </dgm:linClrLst>
     <dgm:effectClrLst/>
@@ -693,16 +726,24 @@
     <dgm:txEffectClrLst/>
   </dgm:styleLbl>
   <dgm:styleLbl name="bgAccFollowNode1">
-    <dgm:fillClrLst meth="repeat">
-      <a:schemeClr val="accent1">
+    <dgm:fillClrLst>
+      <a:schemeClr val="accent2">
+        <a:tint val="40000"/>
         <a:alpha val="90000"/>
+      </a:schemeClr>
+      <a:schemeClr val="accent3">
         <a:tint val="40000"/>
+        <a:alpha val="90000"/>
       </a:schemeClr>
     </dgm:fillClrLst>
-    <dgm:linClrLst meth="repeat">
-      <a:schemeClr val="accent1">
+    <dgm:linClrLst>
+      <a:schemeClr val="accent2">
+        <a:tint val="40000"/>
         <a:alpha val="90000"/>
+      </a:schemeClr>
+      <a:schemeClr val="accent3">
         <a:tint val="40000"/>
+        <a:alpha val="90000"/>
       </a:schemeClr>
     </dgm:linClrLst>
     <dgm:effectClrLst/>
@@ -718,7 +759,7 @@
         <a:alpha val="90000"/>
       </a:schemeClr>
     </dgm:fillClrLst>
-    <dgm:linClrLst meth="repeat">
+    <dgm:linClrLst>
       <a:schemeClr val="accent1"/>
     </dgm:linClrLst>
     <dgm:effectClrLst/>
@@ -734,8 +775,8 @@
         <a:alpha val="90000"/>
       </a:schemeClr>
     </dgm:fillClrLst>
-    <dgm:linClrLst meth="repeat">
-      <a:schemeClr val="accent1"/>
+    <dgm:linClrLst>
+      <a:schemeClr val="accent3"/>
     </dgm:linClrLst>
     <dgm:effectClrLst/>
     <dgm:txLinClrLst/>
@@ -750,8 +791,8 @@
         <a:alpha val="90000"/>
       </a:schemeClr>
     </dgm:fillClrLst>
-    <dgm:linClrLst meth="repeat">
-      <a:schemeClr val="accent1"/>
+    <dgm:linClrLst>
+      <a:schemeClr val="accent4"/>
     </dgm:linClrLst>
     <dgm:effectClrLst/>
     <dgm:txLinClrLst/>
@@ -766,8 +807,8 @@
         <a:alpha val="90000"/>
       </a:schemeClr>
     </dgm:fillClrLst>
-    <dgm:linClrLst meth="repeat">
-      <a:schemeClr val="accent1"/>
+    <dgm:linClrLst>
+      <a:schemeClr val="accent5"/>
     </dgm:linClrLst>
     <dgm:effectClrLst/>
     <dgm:txLinClrLst/>
@@ -778,12 +819,12 @@
   </dgm:styleLbl>
   <dgm:styleLbl name="bgShp">
     <dgm:fillClrLst meth="repeat">
-      <a:schemeClr val="accent1">
+      <a:schemeClr val="accent2">
         <a:tint val="40000"/>
       </a:schemeClr>
     </dgm:fillClrLst>
     <dgm:linClrLst meth="repeat">
-      <a:schemeClr val="accent1"/>
+      <a:schemeClr val="dk1"/>
     </dgm:linClrLst>
     <dgm:effectClrLst/>
     <dgm:txLinClrLst/>
@@ -794,12 +835,12 @@
   </dgm:styleLbl>
   <dgm:styleLbl name="dkBgShp">
     <dgm:fillClrLst meth="repeat">
-      <a:schemeClr val="accent1">
-        <a:shade val="80000"/>
+      <a:schemeClr val="accent2">
+        <a:shade val="90000"/>
       </a:schemeClr>
     </dgm:fillClrLst>
     <dgm:linClrLst meth="repeat">
-      <a:schemeClr val="accent1"/>
+      <a:schemeClr val="dk1"/>
     </dgm:linClrLst>
     <dgm:effectClrLst/>
     <dgm:txLinClrLst/>
@@ -810,13 +851,13 @@
   </dgm:styleLbl>
   <dgm:styleLbl name="trBgShp">
     <dgm:fillClrLst meth="repeat">
-      <a:schemeClr val="accent1">
+      <a:schemeClr val="accent2">
         <a:tint val="50000"/>
         <a:alpha val="40000"/>
       </a:schemeClr>
     </dgm:fillClrLst>
     <dgm:linClrLst meth="repeat">
-      <a:schemeClr val="accent1"/>
+      <a:schemeClr val="accent2"/>
     </dgm:linClrLst>
     <dgm:effectClrLst/>
     <dgm:txLinClrLst/>
@@ -827,8 +868,8 @@
   </dgm:styleLbl>
   <dgm:styleLbl name="fgShp">
     <dgm:fillClrLst meth="repeat">
-      <a:schemeClr val="accent1">
-        <a:tint val="60000"/>
+      <a:schemeClr val="accent2">
+        <a:tint val="40000"/>
       </a:schemeClr>
     </dgm:fillClrLst>
     <dgm:linClrLst meth="repeat">
@@ -866,11 +907,26 @@
 <dgm:dataModel xmlns:dgm="http://schemas.openxmlformats.org/drawingml/2006/diagram" xmlns:a="http://schemas.openxmlformats.org/drawingml/2006/main">
   <dgm:ptLst>
     <dgm:pt modelId="{4A54E5C4-0F79-43F5-82AF-3BA838C43317}" type="doc">
-      <dgm:prSet loTypeId="urn:microsoft.com/office/officeart/2005/8/layout/process1" loCatId="process" qsTypeId="urn:microsoft.com/office/officeart/2005/8/quickstyle/simple1" qsCatId="simple" csTypeId="urn:microsoft.com/office/officeart/2005/8/colors/accent1_2" csCatId="accent1" phldr="0"/>
+      <dgm:prSet loTypeId="urn:microsoft.com/office/officeart/2005/8/layout/process1" loCatId="process" qsTypeId="urn:microsoft.com/office/officeart/2005/8/quickstyle/simple1" qsCatId="simple" csTypeId="urn:microsoft.com/office/officeart/2005/8/colors/colorful2" csCatId="colorful" phldr="1"/>
       <dgm:spPr/>
     </dgm:pt>
     <dgm:pt modelId="{ACC8A687-BC31-429B-80D4-6F3E2E725BEC}">
-      <dgm:prSet phldrT="[Текст]" phldr="1"/>
+      <dgm:prSet phldrT="[Текст]"/>
+      <dgm:spPr/>
+      <dgm:t>
+        <a:bodyPr/>
+        <a:lstStyle/>
+        <a:p>
+          <a:r>
+            <a:rPr lang="ru-RU" dirty="0" smtClean="0"/>
+            <a:t>Получение инфы о существовании игры</a:t>
+          </a:r>
+          <a:endParaRPr lang="ru-RU" dirty="0"/>
+        </a:p>
+      </dgm:t>
+    </dgm:pt>
+    <dgm:pt modelId="{AC88049D-E4C5-44AF-BA75-A30EF6AFF86A}" type="parTrans" cxnId="{8E57A595-45B6-4C18-9F68-386175BFE25D}">
+      <dgm:prSet/>
       <dgm:spPr/>
       <dgm:t>
         <a:bodyPr/>
@@ -879,10 +935,6 @@
           <a:endParaRPr lang="ru-RU"/>
         </a:p>
       </dgm:t>
-    </dgm:pt>
-    <dgm:pt modelId="{AC88049D-E4C5-44AF-BA75-A30EF6AFF86A}" type="parTrans" cxnId="{8E57A595-45B6-4C18-9F68-386175BFE25D}">
-      <dgm:prSet/>
-      <dgm:spPr/>
     </dgm:pt>
     <dgm:pt modelId="{3052F7BB-1FDC-4C27-B71C-E393CF09BD25}" type="sibTrans" cxnId="{8E57A595-45B6-4C18-9F68-386175BFE25D}">
       <dgm:prSet/>
@@ -896,7 +948,42 @@
       </dgm:t>
     </dgm:pt>
     <dgm:pt modelId="{47A9E6A3-5618-47DF-A73F-BA67F404F689}">
-      <dgm:prSet phldrT="[Текст]" phldr="1"/>
+      <dgm:prSet phldrT="[Текст]"/>
+      <dgm:spPr/>
+      <dgm:t>
+        <a:bodyPr/>
+        <a:lstStyle/>
+        <a:p>
+          <a:r>
+            <a:rPr lang="ru-RU" dirty="0" smtClean="0"/>
+            <a:t>Понимание со временем, что на </a:t>
+          </a:r>
+          <a:r>
+            <a:rPr lang="ru-RU" dirty="0" err="1" smtClean="0"/>
+            <a:t>паблике</a:t>
+          </a:r>
+          <a:r>
+            <a:rPr lang="ru-RU" dirty="0" smtClean="0"/>
+            <a:t> </a:t>
+          </a:r>
+          <a:r>
+            <a:rPr lang="ru-RU" dirty="0" err="1" smtClean="0"/>
+            <a:t>донат</a:t>
+          </a:r>
+          <a:r>
+            <a:rPr lang="ru-RU" dirty="0" smtClean="0"/>
+            <a:t>, и чтобы выигрывать нужен </a:t>
+          </a:r>
+          <a:r>
+            <a:rPr lang="ru-RU" dirty="0" err="1" smtClean="0"/>
+            <a:t>донат</a:t>
+          </a:r>
+          <a:endParaRPr lang="ru-RU" dirty="0"/>
+        </a:p>
+      </dgm:t>
+    </dgm:pt>
+    <dgm:pt modelId="{A9EEA232-A541-4318-90C9-F92BCAB2D003}" type="parTrans" cxnId="{AAC837D6-D2CD-494A-9475-EB39AFC6BDAB}">
+      <dgm:prSet/>
       <dgm:spPr/>
       <dgm:t>
         <a:bodyPr/>
@@ -905,10 +992,6 @@
           <a:endParaRPr lang="ru-RU"/>
         </a:p>
       </dgm:t>
-    </dgm:pt>
-    <dgm:pt modelId="{A9EEA232-A541-4318-90C9-F92BCAB2D003}" type="parTrans" cxnId="{AAC837D6-D2CD-494A-9475-EB39AFC6BDAB}">
-      <dgm:prSet/>
-      <dgm:spPr/>
     </dgm:pt>
     <dgm:pt modelId="{6B5EB557-09EA-4717-968D-0AE4221AE211}" type="sibTrans" cxnId="{AAC837D6-D2CD-494A-9475-EB39AFC6BDAB}">
       <dgm:prSet/>
@@ -922,7 +1005,27 @@
       </dgm:t>
     </dgm:pt>
     <dgm:pt modelId="{0F80DAA3-2709-4C82-BFF7-60F412C68DE6}">
-      <dgm:prSet phldrT="[Текст]" phldr="1"/>
+      <dgm:prSet phldrT="[Текст]"/>
+      <dgm:spPr/>
+      <dgm:t>
+        <a:bodyPr/>
+        <a:lstStyle/>
+        <a:p>
+          <a:pPr algn="l"/>
+          <a:r>
+            <a:rPr lang="ru-RU" dirty="0" smtClean="0"/>
+            <a:t>Закидывание денег в игру в попытке выкрутить </a:t>
+          </a:r>
+          <a:r>
+            <a:rPr lang="ru-RU" dirty="0" err="1" smtClean="0"/>
+            <a:t>донат</a:t>
+          </a:r>
+          <a:endParaRPr lang="ru-RU" dirty="0"/>
+        </a:p>
+      </dgm:t>
+    </dgm:pt>
+    <dgm:pt modelId="{260F9626-A099-4883-8575-8E3D1C770958}" type="parTrans" cxnId="{16B44777-95E0-47A9-A6AB-87692B8A6772}">
+      <dgm:prSet/>
       <dgm:spPr/>
       <dgm:t>
         <a:bodyPr/>
@@ -932,13 +1035,80 @@
         </a:p>
       </dgm:t>
     </dgm:pt>
-    <dgm:pt modelId="{260F9626-A099-4883-8575-8E3D1C770958}" type="parTrans" cxnId="{16B44777-95E0-47A9-A6AB-87692B8A6772}">
+    <dgm:pt modelId="{DFCFCD57-97C9-4FB8-8998-8407B34983E2}" type="sibTrans" cxnId="{16B44777-95E0-47A9-A6AB-87692B8A6772}">
+      <dgm:prSet/>
+      <dgm:spPr/>
+      <dgm:t>
+        <a:bodyPr/>
+        <a:lstStyle/>
+        <a:p>
+          <a:endParaRPr lang="ru-RU"/>
+        </a:p>
+      </dgm:t>
+    </dgm:pt>
+    <dgm:pt modelId="{4A5B773C-4354-44A9-BF33-3DAEE7D0BFA7}">
+      <dgm:prSet/>
+      <dgm:spPr/>
+      <dgm:t>
+        <a:bodyPr/>
+        <a:lstStyle/>
+        <a:p>
+          <a:r>
+            <a:rPr lang="ru-RU" dirty="0" smtClean="0"/>
+            <a:t>Скачивание с установкой</a:t>
+          </a:r>
+          <a:endParaRPr lang="ru-RU" dirty="0"/>
+        </a:p>
+      </dgm:t>
+    </dgm:pt>
+    <dgm:pt modelId="{996B6CED-25DC-46EA-B6D5-9548932F6510}" type="parTrans" cxnId="{DB74CBD0-F8AE-4B2A-AAAE-367484547004}">
       <dgm:prSet/>
       <dgm:spPr/>
     </dgm:pt>
-    <dgm:pt modelId="{DFCFCD57-97C9-4FB8-8998-8407B34983E2}" type="sibTrans" cxnId="{16B44777-95E0-47A9-A6AB-87692B8A6772}">
+    <dgm:pt modelId="{7A7BBF31-FD92-402D-84EA-05A0C31F478A}" type="sibTrans" cxnId="{DB74CBD0-F8AE-4B2A-AAAE-367484547004}">
       <dgm:prSet/>
       <dgm:spPr/>
+      <dgm:t>
+        <a:bodyPr/>
+        <a:lstStyle/>
+        <a:p>
+          <a:endParaRPr lang="ru-RU"/>
+        </a:p>
+      </dgm:t>
+    </dgm:pt>
+    <dgm:pt modelId="{1EF3898B-C8D8-4CB7-9F37-A98148943ACB}">
+      <dgm:prSet/>
+      <dgm:spPr/>
+      <dgm:t>
+        <a:bodyPr/>
+        <a:lstStyle/>
+        <a:p>
+          <a:r>
+            <a:rPr lang="ru-RU" dirty="0" smtClean="0"/>
+            <a:t>Первые</a:t>
+          </a:r>
+          <a:r>
+            <a:rPr lang="ru-RU" baseline="0" dirty="0" smtClean="0"/>
+            <a:t> ощущения и от игры</a:t>
+          </a:r>
+          <a:endParaRPr lang="ru-RU" dirty="0"/>
+        </a:p>
+      </dgm:t>
+    </dgm:pt>
+    <dgm:pt modelId="{85B3C44A-CA90-477C-871D-55CEEB7E099A}" type="parTrans" cxnId="{88D709CC-A50F-4A50-A96D-DD02C53695EE}">
+      <dgm:prSet/>
+      <dgm:spPr/>
+    </dgm:pt>
+    <dgm:pt modelId="{E62B9084-7848-4239-A4F4-6049B619E59F}" type="sibTrans" cxnId="{88D709CC-A50F-4A50-A96D-DD02C53695EE}">
+      <dgm:prSet/>
+      <dgm:spPr/>
+      <dgm:t>
+        <a:bodyPr/>
+        <a:lstStyle/>
+        <a:p>
+          <a:endParaRPr lang="ru-RU"/>
+        </a:p>
+      </dgm:t>
     </dgm:pt>
     <dgm:pt modelId="{E39CCEEA-C13B-4B86-AA37-633DB0C224F7}" type="pres">
       <dgm:prSet presAssocID="{4A54E5C4-0F79-43F5-82AF-3BA838C43317}" presName="Name0" presStyleCnt="0">
@@ -950,65 +1120,174 @@
       <dgm:spPr/>
     </dgm:pt>
     <dgm:pt modelId="{EA6F0469-A2DE-4EB3-BA64-952E26D6E052}" type="pres">
-      <dgm:prSet presAssocID="{ACC8A687-BC31-429B-80D4-6F3E2E725BEC}" presName="node" presStyleLbl="node1" presStyleIdx="0" presStyleCnt="3">
+      <dgm:prSet presAssocID="{ACC8A687-BC31-429B-80D4-6F3E2E725BEC}" presName="node" presStyleLbl="node1" presStyleIdx="0" presStyleCnt="5">
         <dgm:presLayoutVars>
           <dgm:bulletEnabled val="1"/>
         </dgm:presLayoutVars>
       </dgm:prSet>
       <dgm:spPr/>
+      <dgm:t>
+        <a:bodyPr/>
+        <a:lstStyle/>
+        <a:p>
+          <a:endParaRPr lang="ru-RU"/>
+        </a:p>
+      </dgm:t>
     </dgm:pt>
     <dgm:pt modelId="{438821CE-B543-421C-A1E0-037C8A4B381A}" type="pres">
-      <dgm:prSet presAssocID="{3052F7BB-1FDC-4C27-B71C-E393CF09BD25}" presName="sibTrans" presStyleLbl="sibTrans2D1" presStyleIdx="0" presStyleCnt="2"/>
+      <dgm:prSet presAssocID="{3052F7BB-1FDC-4C27-B71C-E393CF09BD25}" presName="sibTrans" presStyleLbl="sibTrans2D1" presStyleIdx="0" presStyleCnt="4"/>
       <dgm:spPr/>
+      <dgm:t>
+        <a:bodyPr/>
+        <a:lstStyle/>
+        <a:p>
+          <a:endParaRPr lang="ru-RU"/>
+        </a:p>
+      </dgm:t>
     </dgm:pt>
     <dgm:pt modelId="{33A41000-7737-4C12-91F8-4DD8C72BDA12}" type="pres">
-      <dgm:prSet presAssocID="{3052F7BB-1FDC-4C27-B71C-E393CF09BD25}" presName="connectorText" presStyleLbl="sibTrans2D1" presStyleIdx="0" presStyleCnt="2"/>
+      <dgm:prSet presAssocID="{3052F7BB-1FDC-4C27-B71C-E393CF09BD25}" presName="connectorText" presStyleLbl="sibTrans2D1" presStyleIdx="0" presStyleCnt="4"/>
       <dgm:spPr/>
+      <dgm:t>
+        <a:bodyPr/>
+        <a:lstStyle/>
+        <a:p>
+          <a:endParaRPr lang="ru-RU"/>
+        </a:p>
+      </dgm:t>
     </dgm:pt>
-    <dgm:pt modelId="{1F9AEDB3-DD5C-49AB-8DC6-16912162E839}" type="pres">
-      <dgm:prSet presAssocID="{47A9E6A3-5618-47DF-A73F-BA67F404F689}" presName="node" presStyleLbl="node1" presStyleIdx="1" presStyleCnt="3">
+    <dgm:pt modelId="{3A3D2CF8-813D-4732-AF5E-86B57EEAE79A}" type="pres">
+      <dgm:prSet presAssocID="{4A5B773C-4354-44A9-BF33-3DAEE7D0BFA7}" presName="node" presStyleLbl="node1" presStyleIdx="1" presStyleCnt="5">
         <dgm:presLayoutVars>
           <dgm:bulletEnabled val="1"/>
         </dgm:presLayoutVars>
       </dgm:prSet>
       <dgm:spPr/>
+      <dgm:t>
+        <a:bodyPr/>
+        <a:lstStyle/>
+        <a:p>
+          <a:endParaRPr lang="ru-RU"/>
+        </a:p>
+      </dgm:t>
     </dgm:pt>
-    <dgm:pt modelId="{D44B980A-6803-4116-8826-27F6789327B9}" type="pres">
-      <dgm:prSet presAssocID="{6B5EB557-09EA-4717-968D-0AE4221AE211}" presName="sibTrans" presStyleLbl="sibTrans2D1" presStyleIdx="1" presStyleCnt="2"/>
+    <dgm:pt modelId="{9FA7D59A-5652-49BE-B67D-13642326184A}" type="pres">
+      <dgm:prSet presAssocID="{7A7BBF31-FD92-402D-84EA-05A0C31F478A}" presName="sibTrans" presStyleLbl="sibTrans2D1" presStyleIdx="1" presStyleCnt="4"/>
       <dgm:spPr/>
     </dgm:pt>
-    <dgm:pt modelId="{1066658E-94F5-46B4-83B6-9AF2B834AFB4}" type="pres">
-      <dgm:prSet presAssocID="{6B5EB557-09EA-4717-968D-0AE4221AE211}" presName="connectorText" presStyleLbl="sibTrans2D1" presStyleIdx="1" presStyleCnt="2"/>
+    <dgm:pt modelId="{C3651A59-708A-46AF-AEE1-4F63410CE2AA}" type="pres">
+      <dgm:prSet presAssocID="{7A7BBF31-FD92-402D-84EA-05A0C31F478A}" presName="connectorText" presStyleLbl="sibTrans2D1" presStyleIdx="1" presStyleCnt="4"/>
       <dgm:spPr/>
     </dgm:pt>
-    <dgm:pt modelId="{22A61939-6A31-4A96-BC41-B215228C3CB2}" type="pres">
-      <dgm:prSet presAssocID="{0F80DAA3-2709-4C82-BFF7-60F412C68DE6}" presName="node" presStyleLbl="node1" presStyleIdx="2" presStyleCnt="3">
+    <dgm:pt modelId="{4B6625AB-1FFD-4224-85ED-1E1C2DD464DE}" type="pres">
+      <dgm:prSet presAssocID="{1EF3898B-C8D8-4CB7-9F37-A98148943ACB}" presName="node" presStyleLbl="node1" presStyleIdx="2" presStyleCnt="5">
         <dgm:presLayoutVars>
           <dgm:bulletEnabled val="1"/>
         </dgm:presLayoutVars>
       </dgm:prSet>
       <dgm:spPr/>
+      <dgm:t>
+        <a:bodyPr/>
+        <a:lstStyle/>
+        <a:p>
+          <a:endParaRPr lang="ru-RU"/>
+        </a:p>
+      </dgm:t>
+    </dgm:pt>
+    <dgm:pt modelId="{B125608D-EDF0-49DE-B28B-E935A17B55F1}" type="pres">
+      <dgm:prSet presAssocID="{E62B9084-7848-4239-A4F4-6049B619E59F}" presName="sibTrans" presStyleLbl="sibTrans2D1" presStyleIdx="2" presStyleCnt="4"/>
+      <dgm:spPr/>
+    </dgm:pt>
+    <dgm:pt modelId="{BB99EB98-0778-4F0B-B164-57B61502AFE2}" type="pres">
+      <dgm:prSet presAssocID="{E62B9084-7848-4239-A4F4-6049B619E59F}" presName="connectorText" presStyleLbl="sibTrans2D1" presStyleIdx="2" presStyleCnt="4"/>
+      <dgm:spPr/>
+    </dgm:pt>
+    <dgm:pt modelId="{1F9AEDB3-DD5C-49AB-8DC6-16912162E839}" type="pres">
+      <dgm:prSet presAssocID="{47A9E6A3-5618-47DF-A73F-BA67F404F689}" presName="node" presStyleLbl="node1" presStyleIdx="3" presStyleCnt="5">
+        <dgm:presLayoutVars>
+          <dgm:bulletEnabled val="1"/>
+        </dgm:presLayoutVars>
+      </dgm:prSet>
+      <dgm:spPr/>
+      <dgm:t>
+        <a:bodyPr/>
+        <a:lstStyle/>
+        <a:p>
+          <a:endParaRPr lang="ru-RU"/>
+        </a:p>
+      </dgm:t>
+    </dgm:pt>
+    <dgm:pt modelId="{D44B980A-6803-4116-8826-27F6789327B9}" type="pres">
+      <dgm:prSet presAssocID="{6B5EB557-09EA-4717-968D-0AE4221AE211}" presName="sibTrans" presStyleLbl="sibTrans2D1" presStyleIdx="3" presStyleCnt="4"/>
+      <dgm:spPr/>
+      <dgm:t>
+        <a:bodyPr/>
+        <a:lstStyle/>
+        <a:p>
+          <a:endParaRPr lang="ru-RU"/>
+        </a:p>
+      </dgm:t>
+    </dgm:pt>
+    <dgm:pt modelId="{1066658E-94F5-46B4-83B6-9AF2B834AFB4}" type="pres">
+      <dgm:prSet presAssocID="{6B5EB557-09EA-4717-968D-0AE4221AE211}" presName="connectorText" presStyleLbl="sibTrans2D1" presStyleIdx="3" presStyleCnt="4"/>
+      <dgm:spPr/>
+      <dgm:t>
+        <a:bodyPr/>
+        <a:lstStyle/>
+        <a:p>
+          <a:endParaRPr lang="ru-RU"/>
+        </a:p>
+      </dgm:t>
+    </dgm:pt>
+    <dgm:pt modelId="{22A61939-6A31-4A96-BC41-B215228C3CB2}" type="pres">
+      <dgm:prSet presAssocID="{0F80DAA3-2709-4C82-BFF7-60F412C68DE6}" presName="node" presStyleLbl="node1" presStyleIdx="4" presStyleCnt="5">
+        <dgm:presLayoutVars>
+          <dgm:bulletEnabled val="1"/>
+        </dgm:presLayoutVars>
+      </dgm:prSet>
+      <dgm:spPr/>
+      <dgm:t>
+        <a:bodyPr/>
+        <a:lstStyle/>
+        <a:p>
+          <a:endParaRPr lang="ru-RU"/>
+        </a:p>
+      </dgm:t>
     </dgm:pt>
   </dgm:ptLst>
   <dgm:cxnLst>
     <dgm:cxn modelId="{0C0259E0-054D-4AE3-B364-74ECF390D689}" type="presOf" srcId="{4A54E5C4-0F79-43F5-82AF-3BA838C43317}" destId="{E39CCEEA-C13B-4B86-AA37-633DB0C224F7}" srcOrd="0" destOrd="0" presId="urn:microsoft.com/office/officeart/2005/8/layout/process1"/>
+    <dgm:cxn modelId="{3F0012F0-D53A-42E2-9C9A-3F395A2D4C37}" type="presOf" srcId="{E62B9084-7848-4239-A4F4-6049B619E59F}" destId="{B125608D-EDF0-49DE-B28B-E935A17B55F1}" srcOrd="0" destOrd="0" presId="urn:microsoft.com/office/officeart/2005/8/layout/process1"/>
+    <dgm:cxn modelId="{88D709CC-A50F-4A50-A96D-DD02C53695EE}" srcId="{4A54E5C4-0F79-43F5-82AF-3BA838C43317}" destId="{1EF3898B-C8D8-4CB7-9F37-A98148943ACB}" srcOrd="2" destOrd="0" parTransId="{85B3C44A-CA90-477C-871D-55CEEB7E099A}" sibTransId="{E62B9084-7848-4239-A4F4-6049B619E59F}"/>
     <dgm:cxn modelId="{A153275C-9291-4989-8A02-187B438B88CB}" type="presOf" srcId="{6B5EB557-09EA-4717-968D-0AE4221AE211}" destId="{D44B980A-6803-4116-8826-27F6789327B9}" srcOrd="0" destOrd="0" presId="urn:microsoft.com/office/officeart/2005/8/layout/process1"/>
-    <dgm:cxn modelId="{16B44777-95E0-47A9-A6AB-87692B8A6772}" srcId="{4A54E5C4-0F79-43F5-82AF-3BA838C43317}" destId="{0F80DAA3-2709-4C82-BFF7-60F412C68DE6}" srcOrd="2" destOrd="0" parTransId="{260F9626-A099-4883-8575-8E3D1C770958}" sibTransId="{DFCFCD57-97C9-4FB8-8998-8407B34983E2}"/>
-    <dgm:cxn modelId="{AAC837D6-D2CD-494A-9475-EB39AFC6BDAB}" srcId="{4A54E5C4-0F79-43F5-82AF-3BA838C43317}" destId="{47A9E6A3-5618-47DF-A73F-BA67F404F689}" srcOrd="1" destOrd="0" parTransId="{A9EEA232-A541-4318-90C9-F92BCAB2D003}" sibTransId="{6B5EB557-09EA-4717-968D-0AE4221AE211}"/>
+    <dgm:cxn modelId="{16B44777-95E0-47A9-A6AB-87692B8A6772}" srcId="{4A54E5C4-0F79-43F5-82AF-3BA838C43317}" destId="{0F80DAA3-2709-4C82-BFF7-60F412C68DE6}" srcOrd="4" destOrd="0" parTransId="{260F9626-A099-4883-8575-8E3D1C770958}" sibTransId="{DFCFCD57-97C9-4FB8-8998-8407B34983E2}"/>
+    <dgm:cxn modelId="{AAC837D6-D2CD-494A-9475-EB39AFC6BDAB}" srcId="{4A54E5C4-0F79-43F5-82AF-3BA838C43317}" destId="{47A9E6A3-5618-47DF-A73F-BA67F404F689}" srcOrd="3" destOrd="0" parTransId="{A9EEA232-A541-4318-90C9-F92BCAB2D003}" sibTransId="{6B5EB557-09EA-4717-968D-0AE4221AE211}"/>
+    <dgm:cxn modelId="{DB74CBD0-F8AE-4B2A-AAAE-367484547004}" srcId="{4A54E5C4-0F79-43F5-82AF-3BA838C43317}" destId="{4A5B773C-4354-44A9-BF33-3DAEE7D0BFA7}" srcOrd="1" destOrd="0" parTransId="{996B6CED-25DC-46EA-B6D5-9548932F6510}" sibTransId="{7A7BBF31-FD92-402D-84EA-05A0C31F478A}"/>
     <dgm:cxn modelId="{8E57A595-45B6-4C18-9F68-386175BFE25D}" srcId="{4A54E5C4-0F79-43F5-82AF-3BA838C43317}" destId="{ACC8A687-BC31-429B-80D4-6F3E2E725BEC}" srcOrd="0" destOrd="0" parTransId="{AC88049D-E4C5-44AF-BA75-A30EF6AFF86A}" sibTransId="{3052F7BB-1FDC-4C27-B71C-E393CF09BD25}"/>
     <dgm:cxn modelId="{387B82C6-5FC4-4573-974B-E28220EBE7E8}" type="presOf" srcId="{3052F7BB-1FDC-4C27-B71C-E393CF09BD25}" destId="{33A41000-7737-4C12-91F8-4DD8C72BDA12}" srcOrd="1" destOrd="0" presId="urn:microsoft.com/office/officeart/2005/8/layout/process1"/>
+    <dgm:cxn modelId="{B20C2869-E246-42AC-8018-9303AC48A5D0}" type="presOf" srcId="{7A7BBF31-FD92-402D-84EA-05A0C31F478A}" destId="{C3651A59-708A-46AF-AEE1-4F63410CE2AA}" srcOrd="1" destOrd="0" presId="urn:microsoft.com/office/officeart/2005/8/layout/process1"/>
+    <dgm:cxn modelId="{58505036-EBCF-4226-A04B-0BD923B393B9}" type="presOf" srcId="{E62B9084-7848-4239-A4F4-6049B619E59F}" destId="{BB99EB98-0778-4F0B-B164-57B61502AFE2}" srcOrd="1" destOrd="0" presId="urn:microsoft.com/office/officeart/2005/8/layout/process1"/>
     <dgm:cxn modelId="{3E1E1919-7468-4097-8EC2-04A677C49FC0}" type="presOf" srcId="{0F80DAA3-2709-4C82-BFF7-60F412C68DE6}" destId="{22A61939-6A31-4A96-BC41-B215228C3CB2}" srcOrd="0" destOrd="0" presId="urn:microsoft.com/office/officeart/2005/8/layout/process1"/>
+    <dgm:cxn modelId="{0A07B030-8241-4C18-9671-E5BA0978D6FC}" type="presOf" srcId="{4A5B773C-4354-44A9-BF33-3DAEE7D0BFA7}" destId="{3A3D2CF8-813D-4732-AF5E-86B57EEAE79A}" srcOrd="0" destOrd="0" presId="urn:microsoft.com/office/officeart/2005/8/layout/process1"/>
     <dgm:cxn modelId="{2D81D582-70A2-488F-B1D0-7D929C5895DC}" type="presOf" srcId="{6B5EB557-09EA-4717-968D-0AE4221AE211}" destId="{1066658E-94F5-46B4-83B6-9AF2B834AFB4}" srcOrd="1" destOrd="0" presId="urn:microsoft.com/office/officeart/2005/8/layout/process1"/>
     <dgm:cxn modelId="{D5560647-7ECD-4988-806A-A3CDD59E271D}" type="presOf" srcId="{3052F7BB-1FDC-4C27-B71C-E393CF09BD25}" destId="{438821CE-B543-421C-A1E0-037C8A4B381A}" srcOrd="0" destOrd="0" presId="urn:microsoft.com/office/officeart/2005/8/layout/process1"/>
+    <dgm:cxn modelId="{F78C5D01-21F5-49EB-B0EA-4BE8CFDE15BB}" type="presOf" srcId="{7A7BBF31-FD92-402D-84EA-05A0C31F478A}" destId="{9FA7D59A-5652-49BE-B67D-13642326184A}" srcOrd="0" destOrd="0" presId="urn:microsoft.com/office/officeart/2005/8/layout/process1"/>
     <dgm:cxn modelId="{E5889D2F-47BD-4581-BCC4-FB4BF6446D54}" type="presOf" srcId="{47A9E6A3-5618-47DF-A73F-BA67F404F689}" destId="{1F9AEDB3-DD5C-49AB-8DC6-16912162E839}" srcOrd="0" destOrd="0" presId="urn:microsoft.com/office/officeart/2005/8/layout/process1"/>
     <dgm:cxn modelId="{758996D3-DBFE-4FAB-8BBB-955A7061B728}" type="presOf" srcId="{ACC8A687-BC31-429B-80D4-6F3E2E725BEC}" destId="{EA6F0469-A2DE-4EB3-BA64-952E26D6E052}" srcOrd="0" destOrd="0" presId="urn:microsoft.com/office/officeart/2005/8/layout/process1"/>
+    <dgm:cxn modelId="{905C7093-3E0B-4382-8F56-009896333BCD}" type="presOf" srcId="{1EF3898B-C8D8-4CB7-9F37-A98148943ACB}" destId="{4B6625AB-1FFD-4224-85ED-1E1C2DD464DE}" srcOrd="0" destOrd="0" presId="urn:microsoft.com/office/officeart/2005/8/layout/process1"/>
     <dgm:cxn modelId="{BEA26D78-3577-4488-8D84-959EEE6E0321}" type="presParOf" srcId="{E39CCEEA-C13B-4B86-AA37-633DB0C224F7}" destId="{EA6F0469-A2DE-4EB3-BA64-952E26D6E052}" srcOrd="0" destOrd="0" presId="urn:microsoft.com/office/officeart/2005/8/layout/process1"/>
     <dgm:cxn modelId="{F2542A10-F1D7-4531-9DD9-F7B71EF53878}" type="presParOf" srcId="{E39CCEEA-C13B-4B86-AA37-633DB0C224F7}" destId="{438821CE-B543-421C-A1E0-037C8A4B381A}" srcOrd="1" destOrd="0" presId="urn:microsoft.com/office/officeart/2005/8/layout/process1"/>
     <dgm:cxn modelId="{D6E4BA08-CD9D-4AC1-A4E6-A3C75D5FAF3B}" type="presParOf" srcId="{438821CE-B543-421C-A1E0-037C8A4B381A}" destId="{33A41000-7737-4C12-91F8-4DD8C72BDA12}" srcOrd="0" destOrd="0" presId="urn:microsoft.com/office/officeart/2005/8/layout/process1"/>
-    <dgm:cxn modelId="{7B0F56C3-F684-4412-9809-D1CAFB4367E4}" type="presParOf" srcId="{E39CCEEA-C13B-4B86-AA37-633DB0C224F7}" destId="{1F9AEDB3-DD5C-49AB-8DC6-16912162E839}" srcOrd="2" destOrd="0" presId="urn:microsoft.com/office/officeart/2005/8/layout/process1"/>
-    <dgm:cxn modelId="{4179568B-3E9C-42A3-A306-0B200E71D63B}" type="presParOf" srcId="{E39CCEEA-C13B-4B86-AA37-633DB0C224F7}" destId="{D44B980A-6803-4116-8826-27F6789327B9}" srcOrd="3" destOrd="0" presId="urn:microsoft.com/office/officeart/2005/8/layout/process1"/>
+    <dgm:cxn modelId="{52F1806E-CDE1-44FE-81BD-AE91DAD9FAC6}" type="presParOf" srcId="{E39CCEEA-C13B-4B86-AA37-633DB0C224F7}" destId="{3A3D2CF8-813D-4732-AF5E-86B57EEAE79A}" srcOrd="2" destOrd="0" presId="urn:microsoft.com/office/officeart/2005/8/layout/process1"/>
+    <dgm:cxn modelId="{73E8EFFA-018F-475B-8087-DE7AC9DB9417}" type="presParOf" srcId="{E39CCEEA-C13B-4B86-AA37-633DB0C224F7}" destId="{9FA7D59A-5652-49BE-B67D-13642326184A}" srcOrd="3" destOrd="0" presId="urn:microsoft.com/office/officeart/2005/8/layout/process1"/>
+    <dgm:cxn modelId="{C355A252-DEB1-46F4-BC46-C77CDAB11C81}" type="presParOf" srcId="{9FA7D59A-5652-49BE-B67D-13642326184A}" destId="{C3651A59-708A-46AF-AEE1-4F63410CE2AA}" srcOrd="0" destOrd="0" presId="urn:microsoft.com/office/officeart/2005/8/layout/process1"/>
+    <dgm:cxn modelId="{2205E587-3D1A-4BB7-9513-47F02FEEFA71}" type="presParOf" srcId="{E39CCEEA-C13B-4B86-AA37-633DB0C224F7}" destId="{4B6625AB-1FFD-4224-85ED-1E1C2DD464DE}" srcOrd="4" destOrd="0" presId="urn:microsoft.com/office/officeart/2005/8/layout/process1"/>
+    <dgm:cxn modelId="{EDCC7585-315A-47F8-9547-7DCDEE874162}" type="presParOf" srcId="{E39CCEEA-C13B-4B86-AA37-633DB0C224F7}" destId="{B125608D-EDF0-49DE-B28B-E935A17B55F1}" srcOrd="5" destOrd="0" presId="urn:microsoft.com/office/officeart/2005/8/layout/process1"/>
+    <dgm:cxn modelId="{AA1AE4AF-F307-493C-A1B6-0943F88353C9}" type="presParOf" srcId="{B125608D-EDF0-49DE-B28B-E935A17B55F1}" destId="{BB99EB98-0778-4F0B-B164-57B61502AFE2}" srcOrd="0" destOrd="0" presId="urn:microsoft.com/office/officeart/2005/8/layout/process1"/>
+    <dgm:cxn modelId="{7B0F56C3-F684-4412-9809-D1CAFB4367E4}" type="presParOf" srcId="{E39CCEEA-C13B-4B86-AA37-633DB0C224F7}" destId="{1F9AEDB3-DD5C-49AB-8DC6-16912162E839}" srcOrd="6" destOrd="0" presId="urn:microsoft.com/office/officeart/2005/8/layout/process1"/>
+    <dgm:cxn modelId="{4179568B-3E9C-42A3-A306-0B200E71D63B}" type="presParOf" srcId="{E39CCEEA-C13B-4B86-AA37-633DB0C224F7}" destId="{D44B980A-6803-4116-8826-27F6789327B9}" srcOrd="7" destOrd="0" presId="urn:microsoft.com/office/officeart/2005/8/layout/process1"/>
     <dgm:cxn modelId="{48581E0F-8D8F-45C9-8E86-340D8594D4EF}" type="presParOf" srcId="{D44B980A-6803-4116-8826-27F6789327B9}" destId="{1066658E-94F5-46B4-83B6-9AF2B834AFB4}" srcOrd="0" destOrd="0" presId="urn:microsoft.com/office/officeart/2005/8/layout/process1"/>
-    <dgm:cxn modelId="{94782DDD-F10B-4F85-ACB2-D21E08972F80}" type="presParOf" srcId="{E39CCEEA-C13B-4B86-AA37-633DB0C224F7}" destId="{22A61939-6A31-4A96-BC41-B215228C3CB2}" srcOrd="4" destOrd="0" presId="urn:microsoft.com/office/officeart/2005/8/layout/process1"/>
+    <dgm:cxn modelId="{94782DDD-F10B-4F85-ACB2-D21E08972F80}" type="presParOf" srcId="{E39CCEEA-C13B-4B86-AA37-633DB0C224F7}" destId="{22A61939-6A31-4A96-BC41-B215228C3CB2}" srcOrd="8" destOrd="0" presId="urn:microsoft.com/office/officeart/2005/8/layout/process1"/>
   </dgm:cxnLst>
   <dgm:bg/>
   <dgm:whole/>
@@ -1035,8 +1314,8 @@
       </dsp:nvSpPr>
       <dsp:spPr>
         <a:xfrm>
-          <a:off x="7555" y="1263255"/>
-          <a:ext cx="2258210" cy="1354926"/>
+          <a:off x="4197" y="1307908"/>
+          <a:ext cx="1301199" cy="1265619"/>
         </a:xfrm>
         <a:prstGeom prst="roundRect">
           <a:avLst>
@@ -1044,7 +1323,7 @@
           </a:avLst>
         </a:prstGeom>
         <a:solidFill>
-          <a:schemeClr val="accent1">
+          <a:schemeClr val="accent2">
             <a:hueOff val="0"/>
             <a:satOff val="0"/>
             <a:lumOff val="0"/>
@@ -1079,12 +1358,12 @@
         </a:fontRef>
       </dsp:style>
       <dsp:txBody>
-        <a:bodyPr spcFirstLastPara="0" vert="horz" wrap="square" lIns="190500" tIns="190500" rIns="190500" bIns="190500" numCol="1" spcCol="1270" anchor="ctr" anchorCtr="0">
+        <a:bodyPr spcFirstLastPara="0" vert="horz" wrap="square" lIns="49530" tIns="49530" rIns="49530" bIns="49530" numCol="1" spcCol="1270" anchor="ctr" anchorCtr="0">
           <a:noAutofit/>
         </a:bodyPr>
         <a:lstStyle/>
         <a:p>
-          <a:pPr lvl="0" algn="ctr" defTabSz="2222500">
+          <a:pPr lvl="0" algn="ctr" defTabSz="577850">
             <a:lnSpc>
               <a:spcPct val="90000"/>
             </a:lnSpc>
@@ -1095,12 +1374,16 @@
               <a:spcPct val="35000"/>
             </a:spcAft>
           </a:pPr>
-          <a:endParaRPr lang="ru-RU" sz="5000" kern="1200"/>
+          <a:r>
+            <a:rPr lang="ru-RU" sz="1300" kern="1200" dirty="0" smtClean="0"/>
+            <a:t>Получение инфы о существовании игры</a:t>
+          </a:r>
+          <a:endParaRPr lang="ru-RU" sz="1300" kern="1200" dirty="0"/>
         </a:p>
       </dsp:txBody>
       <dsp:txXfrm>
-        <a:off x="47239" y="1302939"/>
-        <a:ext cx="2178842" cy="1275558"/>
+        <a:off x="41266" y="1344977"/>
+        <a:ext cx="1227061" cy="1191481"/>
       </dsp:txXfrm>
     </dsp:sp>
     <dsp:sp modelId="{438821CE-B543-421C-A1E0-037C8A4B381A}">
@@ -1110,8 +1393,8 @@
       </dsp:nvSpPr>
       <dsp:spPr>
         <a:xfrm>
-          <a:off x="2491587" y="1660700"/>
-          <a:ext cx="478740" cy="560036"/>
+          <a:off x="1435516" y="1779369"/>
+          <a:ext cx="275854" cy="322697"/>
         </a:xfrm>
         <a:prstGeom prst="rightArrow">
           <a:avLst>
@@ -1120,8 +1403,7 @@
           </a:avLst>
         </a:prstGeom>
         <a:solidFill>
-          <a:schemeClr val="accent1">
-            <a:tint val="60000"/>
+          <a:schemeClr val="accent2">
             <a:hueOff val="0"/>
             <a:satOff val="0"/>
             <a:lumOff val="0"/>
@@ -1153,7 +1435,7 @@
         </a:bodyPr>
         <a:lstStyle/>
         <a:p>
-          <a:pPr lvl="0" algn="ctr" defTabSz="1066800">
+          <a:pPr lvl="0" algn="ctr" defTabSz="444500">
             <a:lnSpc>
               <a:spcPct val="90000"/>
             </a:lnSpc>
@@ -1164,23 +1446,23 @@
               <a:spcPct val="35000"/>
             </a:spcAft>
           </a:pPr>
-          <a:endParaRPr lang="ru-RU" sz="2400" kern="1200"/>
+          <a:endParaRPr lang="ru-RU" sz="1000" kern="1200"/>
         </a:p>
       </dsp:txBody>
       <dsp:txXfrm>
-        <a:off x="2491587" y="1772707"/>
-        <a:ext cx="335118" cy="336022"/>
+        <a:off x="1435516" y="1843908"/>
+        <a:ext cx="193098" cy="193619"/>
       </dsp:txXfrm>
     </dsp:sp>
-    <dsp:sp modelId="{1F9AEDB3-DD5C-49AB-8DC6-16912162E839}">
+    <dsp:sp modelId="{3A3D2CF8-813D-4732-AF5E-86B57EEAE79A}">
       <dsp:nvSpPr>
         <dsp:cNvPr id="0" name=""/>
         <dsp:cNvSpPr/>
       </dsp:nvSpPr>
       <dsp:spPr>
         <a:xfrm>
-          <a:off x="3169050" y="1263255"/>
-          <a:ext cx="2258210" cy="1354926"/>
+          <a:off x="1825876" y="1307908"/>
+          <a:ext cx="1301199" cy="1265619"/>
         </a:xfrm>
         <a:prstGeom prst="roundRect">
           <a:avLst>
@@ -1188,10 +1470,10 @@
           </a:avLst>
         </a:prstGeom>
         <a:solidFill>
-          <a:schemeClr val="accent1">
-            <a:hueOff val="0"/>
-            <a:satOff val="0"/>
-            <a:lumOff val="0"/>
+          <a:schemeClr val="accent2">
+            <a:hueOff val="-209531"/>
+            <a:satOff val="-2415"/>
+            <a:lumOff val="540"/>
             <a:alphaOff val="0"/>
           </a:schemeClr>
         </a:solidFill>
@@ -1223,12 +1505,12 @@
         </a:fontRef>
       </dsp:style>
       <dsp:txBody>
-        <a:bodyPr spcFirstLastPara="0" vert="horz" wrap="square" lIns="190500" tIns="190500" rIns="190500" bIns="190500" numCol="1" spcCol="1270" anchor="ctr" anchorCtr="0">
+        <a:bodyPr spcFirstLastPara="0" vert="horz" wrap="square" lIns="49530" tIns="49530" rIns="49530" bIns="49530" numCol="1" spcCol="1270" anchor="ctr" anchorCtr="0">
           <a:noAutofit/>
         </a:bodyPr>
         <a:lstStyle/>
         <a:p>
-          <a:pPr lvl="0" algn="ctr" defTabSz="2222500">
+          <a:pPr lvl="0" algn="ctr" defTabSz="577850">
             <a:lnSpc>
               <a:spcPct val="90000"/>
             </a:lnSpc>
@@ -1239,23 +1521,27 @@
               <a:spcPct val="35000"/>
             </a:spcAft>
           </a:pPr>
-          <a:endParaRPr lang="ru-RU" sz="5000" kern="1200"/>
+          <a:r>
+            <a:rPr lang="ru-RU" sz="1300" kern="1200" dirty="0" smtClean="0"/>
+            <a:t>Скачивание с установкой</a:t>
+          </a:r>
+          <a:endParaRPr lang="ru-RU" sz="1300" kern="1200" dirty="0"/>
         </a:p>
       </dsp:txBody>
       <dsp:txXfrm>
-        <a:off x="3208734" y="1302939"/>
-        <a:ext cx="2178842" cy="1275558"/>
+        <a:off x="1862945" y="1344977"/>
+        <a:ext cx="1227061" cy="1191481"/>
       </dsp:txXfrm>
     </dsp:sp>
-    <dsp:sp modelId="{D44B980A-6803-4116-8826-27F6789327B9}">
+    <dsp:sp modelId="{9FA7D59A-5652-49BE-B67D-13642326184A}">
       <dsp:nvSpPr>
         <dsp:cNvPr id="0" name=""/>
         <dsp:cNvSpPr/>
       </dsp:nvSpPr>
       <dsp:spPr>
         <a:xfrm>
-          <a:off x="5653082" y="1660700"/>
-          <a:ext cx="478740" cy="560036"/>
+          <a:off x="3257196" y="1779369"/>
+          <a:ext cx="275854" cy="322697"/>
         </a:xfrm>
         <a:prstGeom prst="rightArrow">
           <a:avLst>
@@ -1264,11 +1550,10 @@
           </a:avLst>
         </a:prstGeom>
         <a:solidFill>
-          <a:schemeClr val="accent1">
-            <a:tint val="60000"/>
-            <a:hueOff val="0"/>
-            <a:satOff val="0"/>
-            <a:lumOff val="0"/>
+          <a:schemeClr val="accent2">
+            <a:hueOff val="-279374"/>
+            <a:satOff val="-3219"/>
+            <a:lumOff val="720"/>
             <a:alphaOff val="0"/>
           </a:schemeClr>
         </a:solidFill>
@@ -1297,7 +1582,7 @@
         </a:bodyPr>
         <a:lstStyle/>
         <a:p>
-          <a:pPr lvl="0" algn="ctr" defTabSz="1066800">
+          <a:pPr lvl="0" algn="ctr" defTabSz="444500">
             <a:lnSpc>
               <a:spcPct val="90000"/>
             </a:lnSpc>
@@ -1308,23 +1593,23 @@
               <a:spcPct val="35000"/>
             </a:spcAft>
           </a:pPr>
-          <a:endParaRPr lang="ru-RU" sz="2400" kern="1200"/>
+          <a:endParaRPr lang="ru-RU" sz="1000" kern="1200"/>
         </a:p>
       </dsp:txBody>
       <dsp:txXfrm>
-        <a:off x="5653082" y="1772707"/>
-        <a:ext cx="335118" cy="336022"/>
+        <a:off x="3257196" y="1843908"/>
+        <a:ext cx="193098" cy="193619"/>
       </dsp:txXfrm>
     </dsp:sp>
-    <dsp:sp modelId="{22A61939-6A31-4A96-BC41-B215228C3CB2}">
+    <dsp:sp modelId="{4B6625AB-1FFD-4224-85ED-1E1C2DD464DE}">
       <dsp:nvSpPr>
         <dsp:cNvPr id="0" name=""/>
         <dsp:cNvSpPr/>
       </dsp:nvSpPr>
       <dsp:spPr>
         <a:xfrm>
-          <a:off x="6330545" y="1263255"/>
-          <a:ext cx="2258210" cy="1354926"/>
+          <a:off x="3647556" y="1307908"/>
+          <a:ext cx="1301199" cy="1265619"/>
         </a:xfrm>
         <a:prstGeom prst="roundRect">
           <a:avLst>
@@ -1332,10 +1617,10 @@
           </a:avLst>
         </a:prstGeom>
         <a:solidFill>
-          <a:schemeClr val="accent1">
-            <a:hueOff val="0"/>
-            <a:satOff val="0"/>
-            <a:lumOff val="0"/>
+          <a:schemeClr val="accent2">
+            <a:hueOff val="-419062"/>
+            <a:satOff val="-4829"/>
+            <a:lumOff val="1079"/>
             <a:alphaOff val="0"/>
           </a:schemeClr>
         </a:solidFill>
@@ -1367,12 +1652,12 @@
         </a:fontRef>
       </dsp:style>
       <dsp:txBody>
-        <a:bodyPr spcFirstLastPara="0" vert="horz" wrap="square" lIns="190500" tIns="190500" rIns="190500" bIns="190500" numCol="1" spcCol="1270" anchor="ctr" anchorCtr="0">
+        <a:bodyPr spcFirstLastPara="0" vert="horz" wrap="square" lIns="49530" tIns="49530" rIns="49530" bIns="49530" numCol="1" spcCol="1270" anchor="ctr" anchorCtr="0">
           <a:noAutofit/>
         </a:bodyPr>
         <a:lstStyle/>
         <a:p>
-          <a:pPr lvl="0" algn="ctr" defTabSz="2222500">
+          <a:pPr lvl="0" algn="ctr" defTabSz="577850">
             <a:lnSpc>
               <a:spcPct val="90000"/>
             </a:lnSpc>
@@ -1383,12 +1668,338 @@
               <a:spcPct val="35000"/>
             </a:spcAft>
           </a:pPr>
-          <a:endParaRPr lang="ru-RU" sz="5000" kern="1200"/>
+          <a:r>
+            <a:rPr lang="ru-RU" sz="1300" kern="1200" dirty="0" smtClean="0"/>
+            <a:t>Первые</a:t>
+          </a:r>
+          <a:r>
+            <a:rPr lang="ru-RU" sz="1300" kern="1200" baseline="0" dirty="0" smtClean="0"/>
+            <a:t> ощущения и от игры</a:t>
+          </a:r>
+          <a:endParaRPr lang="ru-RU" sz="1300" kern="1200" dirty="0"/>
         </a:p>
       </dsp:txBody>
       <dsp:txXfrm>
-        <a:off x="6370229" y="1302939"/>
-        <a:ext cx="2178842" cy="1275558"/>
+        <a:off x="3684625" y="1344977"/>
+        <a:ext cx="1227061" cy="1191481"/>
+      </dsp:txXfrm>
+    </dsp:sp>
+    <dsp:sp modelId="{B125608D-EDF0-49DE-B28B-E935A17B55F1}">
+      <dsp:nvSpPr>
+        <dsp:cNvPr id="0" name=""/>
+        <dsp:cNvSpPr/>
+      </dsp:nvSpPr>
+      <dsp:spPr>
+        <a:xfrm>
+          <a:off x="5078875" y="1779369"/>
+          <a:ext cx="275854" cy="322697"/>
+        </a:xfrm>
+        <a:prstGeom prst="rightArrow">
+          <a:avLst>
+            <a:gd name="adj1" fmla="val 60000"/>
+            <a:gd name="adj2" fmla="val 50000"/>
+          </a:avLst>
+        </a:prstGeom>
+        <a:solidFill>
+          <a:schemeClr val="accent2">
+            <a:hueOff val="-558749"/>
+            <a:satOff val="-6439"/>
+            <a:lumOff val="1439"/>
+            <a:alphaOff val="0"/>
+          </a:schemeClr>
+        </a:solidFill>
+        <a:ln>
+          <a:noFill/>
+        </a:ln>
+        <a:effectLst/>
+      </dsp:spPr>
+      <dsp:style>
+        <a:lnRef idx="0">
+          <a:scrgbClr r="0" g="0" b="0"/>
+        </a:lnRef>
+        <a:fillRef idx="1">
+          <a:scrgbClr r="0" g="0" b="0"/>
+        </a:fillRef>
+        <a:effectRef idx="0">
+          <a:scrgbClr r="0" g="0" b="0"/>
+        </a:effectRef>
+        <a:fontRef idx="minor">
+          <a:schemeClr val="lt1"/>
+        </a:fontRef>
+      </dsp:style>
+      <dsp:txBody>
+        <a:bodyPr spcFirstLastPara="0" vert="horz" wrap="square" lIns="0" tIns="0" rIns="0" bIns="0" numCol="1" spcCol="1270" anchor="ctr" anchorCtr="0">
+          <a:noAutofit/>
+        </a:bodyPr>
+        <a:lstStyle/>
+        <a:p>
+          <a:pPr lvl="0" algn="ctr" defTabSz="444500">
+            <a:lnSpc>
+              <a:spcPct val="90000"/>
+            </a:lnSpc>
+            <a:spcBef>
+              <a:spcPct val="0"/>
+            </a:spcBef>
+            <a:spcAft>
+              <a:spcPct val="35000"/>
+            </a:spcAft>
+          </a:pPr>
+          <a:endParaRPr lang="ru-RU" sz="1000" kern="1200"/>
+        </a:p>
+      </dsp:txBody>
+      <dsp:txXfrm>
+        <a:off x="5078875" y="1843908"/>
+        <a:ext cx="193098" cy="193619"/>
+      </dsp:txXfrm>
+    </dsp:sp>
+    <dsp:sp modelId="{1F9AEDB3-DD5C-49AB-8DC6-16912162E839}">
+      <dsp:nvSpPr>
+        <dsp:cNvPr id="0" name=""/>
+        <dsp:cNvSpPr/>
+      </dsp:nvSpPr>
+      <dsp:spPr>
+        <a:xfrm>
+          <a:off x="5469235" y="1307908"/>
+          <a:ext cx="1301199" cy="1265619"/>
+        </a:xfrm>
+        <a:prstGeom prst="roundRect">
+          <a:avLst>
+            <a:gd name="adj" fmla="val 10000"/>
+          </a:avLst>
+        </a:prstGeom>
+        <a:solidFill>
+          <a:schemeClr val="accent2">
+            <a:hueOff val="-628592"/>
+            <a:satOff val="-7244"/>
+            <a:lumOff val="1619"/>
+            <a:alphaOff val="0"/>
+          </a:schemeClr>
+        </a:solidFill>
+        <a:ln w="19050" cap="rnd" cmpd="sng" algn="ctr">
+          <a:solidFill>
+            <a:schemeClr val="lt1">
+              <a:hueOff val="0"/>
+              <a:satOff val="0"/>
+              <a:lumOff val="0"/>
+              <a:alphaOff val="0"/>
+            </a:schemeClr>
+          </a:solidFill>
+          <a:prstDash val="solid"/>
+        </a:ln>
+        <a:effectLst/>
+      </dsp:spPr>
+      <dsp:style>
+        <a:lnRef idx="2">
+          <a:scrgbClr r="0" g="0" b="0"/>
+        </a:lnRef>
+        <a:fillRef idx="1">
+          <a:scrgbClr r="0" g="0" b="0"/>
+        </a:fillRef>
+        <a:effectRef idx="0">
+          <a:scrgbClr r="0" g="0" b="0"/>
+        </a:effectRef>
+        <a:fontRef idx="minor">
+          <a:schemeClr val="lt1"/>
+        </a:fontRef>
+      </dsp:style>
+      <dsp:txBody>
+        <a:bodyPr spcFirstLastPara="0" vert="horz" wrap="square" lIns="49530" tIns="49530" rIns="49530" bIns="49530" numCol="1" spcCol="1270" anchor="ctr" anchorCtr="0">
+          <a:noAutofit/>
+        </a:bodyPr>
+        <a:lstStyle/>
+        <a:p>
+          <a:pPr lvl="0" algn="ctr" defTabSz="577850">
+            <a:lnSpc>
+              <a:spcPct val="90000"/>
+            </a:lnSpc>
+            <a:spcBef>
+              <a:spcPct val="0"/>
+            </a:spcBef>
+            <a:spcAft>
+              <a:spcPct val="35000"/>
+            </a:spcAft>
+          </a:pPr>
+          <a:r>
+            <a:rPr lang="ru-RU" sz="1300" kern="1200" dirty="0" smtClean="0"/>
+            <a:t>Понимание со временем, что на </a:t>
+          </a:r>
+          <a:r>
+            <a:rPr lang="ru-RU" sz="1300" kern="1200" dirty="0" err="1" smtClean="0"/>
+            <a:t>паблике</a:t>
+          </a:r>
+          <a:r>
+            <a:rPr lang="ru-RU" sz="1300" kern="1200" dirty="0" smtClean="0"/>
+            <a:t> </a:t>
+          </a:r>
+          <a:r>
+            <a:rPr lang="ru-RU" sz="1300" kern="1200" dirty="0" err="1" smtClean="0"/>
+            <a:t>донат</a:t>
+          </a:r>
+          <a:r>
+            <a:rPr lang="ru-RU" sz="1300" kern="1200" dirty="0" smtClean="0"/>
+            <a:t>, и чтобы выигрывать нужен </a:t>
+          </a:r>
+          <a:r>
+            <a:rPr lang="ru-RU" sz="1300" kern="1200" dirty="0" err="1" smtClean="0"/>
+            <a:t>донат</a:t>
+          </a:r>
+          <a:endParaRPr lang="ru-RU" sz="1300" kern="1200" dirty="0"/>
+        </a:p>
+      </dsp:txBody>
+      <dsp:txXfrm>
+        <a:off x="5506304" y="1344977"/>
+        <a:ext cx="1227061" cy="1191481"/>
+      </dsp:txXfrm>
+    </dsp:sp>
+    <dsp:sp modelId="{D44B980A-6803-4116-8826-27F6789327B9}">
+      <dsp:nvSpPr>
+        <dsp:cNvPr id="0" name=""/>
+        <dsp:cNvSpPr/>
+      </dsp:nvSpPr>
+      <dsp:spPr>
+        <a:xfrm>
+          <a:off x="6900555" y="1779369"/>
+          <a:ext cx="275854" cy="322697"/>
+        </a:xfrm>
+        <a:prstGeom prst="rightArrow">
+          <a:avLst>
+            <a:gd name="adj1" fmla="val 60000"/>
+            <a:gd name="adj2" fmla="val 50000"/>
+          </a:avLst>
+        </a:prstGeom>
+        <a:solidFill>
+          <a:schemeClr val="accent2">
+            <a:hueOff val="-838123"/>
+            <a:satOff val="-9658"/>
+            <a:lumOff val="2159"/>
+            <a:alphaOff val="0"/>
+          </a:schemeClr>
+        </a:solidFill>
+        <a:ln>
+          <a:noFill/>
+        </a:ln>
+        <a:effectLst/>
+      </dsp:spPr>
+      <dsp:style>
+        <a:lnRef idx="0">
+          <a:scrgbClr r="0" g="0" b="0"/>
+        </a:lnRef>
+        <a:fillRef idx="1">
+          <a:scrgbClr r="0" g="0" b="0"/>
+        </a:fillRef>
+        <a:effectRef idx="0">
+          <a:scrgbClr r="0" g="0" b="0"/>
+        </a:effectRef>
+        <a:fontRef idx="minor">
+          <a:schemeClr val="lt1"/>
+        </a:fontRef>
+      </dsp:style>
+      <dsp:txBody>
+        <a:bodyPr spcFirstLastPara="0" vert="horz" wrap="square" lIns="0" tIns="0" rIns="0" bIns="0" numCol="1" spcCol="1270" anchor="ctr" anchorCtr="0">
+          <a:noAutofit/>
+        </a:bodyPr>
+        <a:lstStyle/>
+        <a:p>
+          <a:pPr lvl="0" algn="ctr" defTabSz="444500">
+            <a:lnSpc>
+              <a:spcPct val="90000"/>
+            </a:lnSpc>
+            <a:spcBef>
+              <a:spcPct val="0"/>
+            </a:spcBef>
+            <a:spcAft>
+              <a:spcPct val="35000"/>
+            </a:spcAft>
+          </a:pPr>
+          <a:endParaRPr lang="ru-RU" sz="1000" kern="1200"/>
+        </a:p>
+      </dsp:txBody>
+      <dsp:txXfrm>
+        <a:off x="6900555" y="1843908"/>
+        <a:ext cx="193098" cy="193619"/>
+      </dsp:txXfrm>
+    </dsp:sp>
+    <dsp:sp modelId="{22A61939-6A31-4A96-BC41-B215228C3CB2}">
+      <dsp:nvSpPr>
+        <dsp:cNvPr id="0" name=""/>
+        <dsp:cNvSpPr/>
+      </dsp:nvSpPr>
+      <dsp:spPr>
+        <a:xfrm>
+          <a:off x="7290915" y="1307908"/>
+          <a:ext cx="1301199" cy="1265619"/>
+        </a:xfrm>
+        <a:prstGeom prst="roundRect">
+          <a:avLst>
+            <a:gd name="adj" fmla="val 10000"/>
+          </a:avLst>
+        </a:prstGeom>
+        <a:solidFill>
+          <a:schemeClr val="accent2">
+            <a:hueOff val="-838123"/>
+            <a:satOff val="-9658"/>
+            <a:lumOff val="2159"/>
+            <a:alphaOff val="0"/>
+          </a:schemeClr>
+        </a:solidFill>
+        <a:ln w="19050" cap="rnd" cmpd="sng" algn="ctr">
+          <a:solidFill>
+            <a:schemeClr val="lt1">
+              <a:hueOff val="0"/>
+              <a:satOff val="0"/>
+              <a:lumOff val="0"/>
+              <a:alphaOff val="0"/>
+            </a:schemeClr>
+          </a:solidFill>
+          <a:prstDash val="solid"/>
+        </a:ln>
+        <a:effectLst/>
+      </dsp:spPr>
+      <dsp:style>
+        <a:lnRef idx="2">
+          <a:scrgbClr r="0" g="0" b="0"/>
+        </a:lnRef>
+        <a:fillRef idx="1">
+          <a:scrgbClr r="0" g="0" b="0"/>
+        </a:fillRef>
+        <a:effectRef idx="0">
+          <a:scrgbClr r="0" g="0" b="0"/>
+        </a:effectRef>
+        <a:fontRef idx="minor">
+          <a:schemeClr val="lt1"/>
+        </a:fontRef>
+      </dsp:style>
+      <dsp:txBody>
+        <a:bodyPr spcFirstLastPara="0" vert="horz" wrap="square" lIns="49530" tIns="49530" rIns="49530" bIns="49530" numCol="1" spcCol="1270" anchor="ctr" anchorCtr="0">
+          <a:noAutofit/>
+        </a:bodyPr>
+        <a:lstStyle/>
+        <a:p>
+          <a:pPr lvl="0" algn="l" defTabSz="577850">
+            <a:lnSpc>
+              <a:spcPct val="90000"/>
+            </a:lnSpc>
+            <a:spcBef>
+              <a:spcPct val="0"/>
+            </a:spcBef>
+            <a:spcAft>
+              <a:spcPct val="35000"/>
+            </a:spcAft>
+          </a:pPr>
+          <a:r>
+            <a:rPr lang="ru-RU" sz="1300" kern="1200" dirty="0" smtClean="0"/>
+            <a:t>Закидывание денег в игру в попытке выкрутить </a:t>
+          </a:r>
+          <a:r>
+            <a:rPr lang="ru-RU" sz="1300" kern="1200" dirty="0" err="1" smtClean="0"/>
+            <a:t>донат</a:t>
+          </a:r>
+          <a:endParaRPr lang="ru-RU" sz="1300" kern="1200" dirty="0"/>
+        </a:p>
+      </dsp:txBody>
+      <dsp:txXfrm>
+        <a:off x="7327984" y="1344977"/>
+        <a:ext cx="1227061" cy="1191481"/>
       </dsp:txXfrm>
     </dsp:sp>
   </dsp:spTree>
@@ -2657,7 +3268,7 @@
           <a:p>
             <a:fld id="{569190FB-7325-48CB-A3A7-0ABBFA9F29F9}" type="datetimeFigureOut">
               <a:rPr lang="ru-RU" smtClean="0"/>
-              <a:t>11.02.2020</a:t>
+              <a:t>18.02.2020</a:t>
             </a:fld>
             <a:endParaRPr lang="ru-RU"/>
           </a:p>
@@ -3731,7 +4342,7 @@
           <a:p>
             <a:fld id="{F62FFFB8-A30D-4AB6-B7FE-3163BF69B5C2}" type="datetime1">
               <a:rPr lang="ru-RU" smtClean="0"/>
-              <a:t>11.02.2020</a:t>
+              <a:t>18.02.2020</a:t>
             </a:fld>
             <a:endParaRPr lang="ru-RU"/>
           </a:p>
@@ -3986,7 +4597,7 @@
           <a:p>
             <a:fld id="{8FEEDF46-D3C9-4005-9B80-AFB0D1DA9819}" type="datetime1">
               <a:rPr lang="ru-RU" smtClean="0"/>
-              <a:t>11.02.2020</a:t>
+              <a:t>18.02.2020</a:t>
             </a:fld>
             <a:endParaRPr lang="ru-RU"/>
           </a:p>
@@ -4304,7 +4915,7 @@
           <a:p>
             <a:fld id="{249C7AF2-FBFA-43D2-9C89-861C773599C3}" type="datetime1">
               <a:rPr lang="ru-RU" smtClean="0"/>
-              <a:t>11.02.2020</a:t>
+              <a:t>18.02.2020</a:t>
             </a:fld>
             <a:endParaRPr lang="ru-RU"/>
           </a:p>
@@ -4649,7 +5260,7 @@
           <a:p>
             <a:fld id="{7D076939-02ED-44BE-B129-63ACD162979C}" type="datetime1">
               <a:rPr lang="ru-RU" smtClean="0"/>
-              <a:t>11.02.2020</a:t>
+              <a:t>18.02.2020</a:t>
             </a:fld>
             <a:endParaRPr lang="ru-RU"/>
           </a:p>
@@ -4967,7 +5578,7 @@
           <a:p>
             <a:fld id="{A378F061-0CED-42C4-948E-5E26C03369B7}" type="datetime1">
               <a:rPr lang="ru-RU" smtClean="0"/>
-              <a:t>11.02.2020</a:t>
+              <a:t>18.02.2020</a:t>
             </a:fld>
             <a:endParaRPr lang="ru-RU"/>
           </a:p>
@@ -5364,7 +5975,7 @@
           <a:p>
             <a:fld id="{2CD1612F-3B36-4DB2-A1BD-7570CB80545F}" type="datetime1">
               <a:rPr lang="ru-RU" smtClean="0"/>
-              <a:t>11.02.2020</a:t>
+              <a:t>18.02.2020</a:t>
             </a:fld>
             <a:endParaRPr lang="ru-RU"/>
           </a:p>
@@ -5538,7 +6149,7 @@
           <a:p>
             <a:fld id="{2B24C8AA-3DFC-487C-ADB4-AC01B31FD497}" type="datetime1">
               <a:rPr lang="ru-RU" smtClean="0"/>
-              <a:t>11.02.2020</a:t>
+              <a:t>18.02.2020</a:t>
             </a:fld>
             <a:endParaRPr lang="ru-RU"/>
           </a:p>
@@ -5722,7 +6333,7 @@
           <a:p>
             <a:fld id="{DDD34A39-8C57-4575-B405-2F180F33C206}" type="datetime1">
               <a:rPr lang="ru-RU" smtClean="0"/>
-              <a:t>11.02.2020</a:t>
+              <a:t>18.02.2020</a:t>
             </a:fld>
             <a:endParaRPr lang="ru-RU"/>
           </a:p>
@@ -5902,7 +6513,7 @@
           <a:p>
             <a:fld id="{2541E3A7-DAA1-4CE9-B900-5AA6FDC56BCF}" type="datetime1">
               <a:rPr lang="ru-RU" smtClean="0"/>
-              <a:t>11.02.2020</a:t>
+              <a:t>18.02.2020</a:t>
             </a:fld>
             <a:endParaRPr lang="ru-RU"/>
           </a:p>
@@ -6153,7 +6764,7 @@
           <a:p>
             <a:fld id="{F6F11960-00AC-40B9-A97B-B066684A8DBC}" type="datetime1">
               <a:rPr lang="ru-RU" smtClean="0"/>
-              <a:t>11.02.2020</a:t>
+              <a:t>18.02.2020</a:t>
             </a:fld>
             <a:endParaRPr lang="ru-RU"/>
           </a:p>
@@ -6389,7 +7000,7 @@
           <a:p>
             <a:fld id="{12DFABBD-9363-4CEF-997B-0B693E8C3133}" type="datetime1">
               <a:rPr lang="ru-RU" smtClean="0"/>
-              <a:t>11.02.2020</a:t>
+              <a:t>18.02.2020</a:t>
             </a:fld>
             <a:endParaRPr lang="ru-RU"/>
           </a:p>
@@ -6767,7 +7378,7 @@
           <a:p>
             <a:fld id="{A6A9923B-074C-4007-A450-3F28DF7B4F61}" type="datetime1">
               <a:rPr lang="ru-RU" smtClean="0"/>
-              <a:t>11.02.2020</a:t>
+              <a:t>18.02.2020</a:t>
             </a:fld>
             <a:endParaRPr lang="ru-RU"/>
           </a:p>
@@ -6894,7 +7505,7 @@
           <a:p>
             <a:fld id="{C9BDC4C5-091C-4201-9036-6AAA5388F51E}" type="datetime1">
               <a:rPr lang="ru-RU" smtClean="0"/>
-              <a:t>11.02.2020</a:t>
+              <a:t>18.02.2020</a:t>
             </a:fld>
             <a:endParaRPr lang="ru-RU"/>
           </a:p>
@@ -6993,7 +7604,7 @@
           <a:p>
             <a:fld id="{CBE3A603-B1F1-4BF8-9369-AE6A1FEE2C07}" type="datetime1">
               <a:rPr lang="ru-RU" smtClean="0"/>
-              <a:t>11.02.2020</a:t>
+              <a:t>18.02.2020</a:t>
             </a:fld>
             <a:endParaRPr lang="ru-RU"/>
           </a:p>
@@ -7252,7 +7863,7 @@
           <a:p>
             <a:fld id="{06A037F2-C05C-4820-8F43-3D2A666D0FA0}" type="datetime1">
               <a:rPr lang="ru-RU" smtClean="0"/>
-              <a:t>11.02.2020</a:t>
+              <a:t>18.02.2020</a:t>
             </a:fld>
             <a:endParaRPr lang="ru-RU"/>
           </a:p>
@@ -7519,7 +8130,7 @@
           <a:p>
             <a:fld id="{B6005DFD-3C1B-42D6-951C-7AF2D9850E09}" type="datetime1">
               <a:rPr lang="ru-RU" smtClean="0"/>
-              <a:t>11.02.2020</a:t>
+              <a:t>18.02.2020</a:t>
             </a:fld>
             <a:endParaRPr lang="ru-RU"/>
           </a:p>
@@ -8266,7 +8877,7 @@
           <a:p>
             <a:fld id="{DBA06E76-3242-4811-A583-C23B86241ADC}" type="datetime1">
               <a:rPr lang="ru-RU" smtClean="0"/>
-              <a:t>11.02.2020</a:t>
+              <a:t>18.02.2020</a:t>
             </a:fld>
             <a:endParaRPr lang="ru-RU"/>
           </a:p>
@@ -9745,7 +10356,7 @@
             <p:ph idx="1"/>
             <p:extLst>
               <p:ext uri="{D42A27DB-BD31-4B8C-83A1-F6EECF244321}">
-                <p14:modId xmlns:p14="http://schemas.microsoft.com/office/powerpoint/2010/main" val="1730242743"/>
+                <p14:modId xmlns:p14="http://schemas.microsoft.com/office/powerpoint/2010/main" val="585086190"/>
               </p:ext>
             </p:extLst>
           </p:nvPr>
@@ -9773,7 +10384,7 @@
                     <a:p>
                       <a:r>
                         <a:rPr lang="ru-RU" dirty="0" smtClean="0"/>
-                        <a:t>Оружие начального уровня</a:t>
+                        <a:t>Параметры</a:t>
                       </a:r>
                       <a:endParaRPr lang="ru-RU" dirty="0"/>
                     </a:p>
@@ -9823,7 +10434,568 @@
                     <a:bodyPr/>
                     <a:lstStyle/>
                     <a:p>
+                      <a:r>
+                        <a:rPr lang="ru-RU" dirty="0" smtClean="0"/>
+                        <a:t>Валюта</a:t>
+                      </a:r>
                       <a:endParaRPr lang="ru-RU" dirty="0"/>
+                    </a:p>
+                  </a:txBody>
+                  <a:tcPr/>
+                </a:tc>
+                <a:tc>
+                  <a:txBody>
+                    <a:bodyPr/>
+                    <a:lstStyle/>
+                    <a:p>
+                      <a:r>
+                        <a:rPr lang="ru-RU" dirty="0" err="1" smtClean="0"/>
+                        <a:t>Варбаксы</a:t>
+                      </a:r>
+                      <a:endParaRPr lang="ru-RU" dirty="0"/>
+                    </a:p>
+                  </a:txBody>
+                  <a:tcPr/>
+                </a:tc>
+                <a:tc>
+                  <a:txBody>
+                    <a:bodyPr/>
+                    <a:lstStyle/>
+                    <a:p>
+                      <a:r>
+                        <a:rPr lang="ru-RU" dirty="0" smtClean="0"/>
+                        <a:t>Кредиты</a:t>
+                      </a:r>
+                      <a:endParaRPr lang="ru-RU" dirty="0"/>
+                    </a:p>
+                  </a:txBody>
+                  <a:tcPr/>
+                </a:tc>
+              </a:tr>
+              <a:tr h="370840">
+                <a:tc>
+                  <a:txBody>
+                    <a:bodyPr/>
+                    <a:lstStyle/>
+                    <a:p>
+                      <a:r>
+                        <a:rPr lang="ru-RU" dirty="0" smtClean="0"/>
+                        <a:t>ТТК</a:t>
+                      </a:r>
+                      <a:endParaRPr lang="ru-RU" dirty="0"/>
+                    </a:p>
+                  </a:txBody>
+                  <a:tcPr/>
+                </a:tc>
+                <a:tc>
+                  <a:txBody>
+                    <a:bodyPr/>
+                    <a:lstStyle/>
+                    <a:p>
+                      <a:r>
+                        <a:rPr lang="en-US" dirty="0" smtClean="0"/>
+                        <a:t>&gt;</a:t>
+                      </a:r>
+                      <a:r>
+                        <a:rPr lang="en-US" baseline="0" dirty="0" smtClean="0"/>
+                        <a:t> 1 c</a:t>
+                      </a:r>
+                      <a:endParaRPr lang="ru-RU" dirty="0"/>
+                    </a:p>
+                  </a:txBody>
+                  <a:tcPr/>
+                </a:tc>
+                <a:tc>
+                  <a:txBody>
+                    <a:bodyPr/>
+                    <a:lstStyle/>
+                    <a:p>
+                      <a:r>
+                        <a:rPr lang="en-US" dirty="0" smtClean="0"/>
+                        <a:t>~1</a:t>
+                      </a:r>
+                      <a:r>
+                        <a:rPr lang="ru-RU" baseline="0" dirty="0" smtClean="0"/>
+                        <a:t> с</a:t>
+                      </a:r>
+                      <a:endParaRPr lang="ru-RU" dirty="0"/>
+                    </a:p>
+                  </a:txBody>
+                  <a:tcPr/>
+                </a:tc>
+              </a:tr>
+              <a:tr h="370840">
+                <a:tc>
+                  <a:txBody>
+                    <a:bodyPr/>
+                    <a:lstStyle/>
+                    <a:p>
+                      <a:r>
+                        <a:rPr lang="ru-RU" dirty="0" smtClean="0"/>
+                        <a:t>Урон</a:t>
+                      </a:r>
+                      <a:endParaRPr lang="ru-RU" dirty="0"/>
+                    </a:p>
+                  </a:txBody>
+                  <a:tcPr/>
+                </a:tc>
+                <a:tc>
+                  <a:txBody>
+                    <a:bodyPr/>
+                    <a:lstStyle/>
+                    <a:p>
+                      <a:r>
+                        <a:rPr lang="ru-RU" dirty="0" smtClean="0"/>
+                        <a:t>83</a:t>
+                      </a:r>
+                      <a:endParaRPr lang="ru-RU" dirty="0"/>
+                    </a:p>
+                  </a:txBody>
+                  <a:tcPr/>
+                </a:tc>
+                <a:tc>
+                  <a:txBody>
+                    <a:bodyPr/>
+                    <a:lstStyle/>
+                    <a:p>
+                      <a:r>
+                        <a:rPr lang="ru-RU" dirty="0" smtClean="0"/>
+                        <a:t>87</a:t>
+                      </a:r>
+                      <a:endParaRPr lang="ru-RU" dirty="0"/>
+                    </a:p>
+                  </a:txBody>
+                  <a:tcPr/>
+                </a:tc>
+              </a:tr>
+              <a:tr h="370840">
+                <a:tc>
+                  <a:txBody>
+                    <a:bodyPr/>
+                    <a:lstStyle/>
+                    <a:p>
+                      <a:r>
+                        <a:rPr lang="ru-RU" dirty="0" smtClean="0"/>
+                        <a:t>Точность</a:t>
+                      </a:r>
+                      <a:endParaRPr lang="ru-RU" dirty="0"/>
+                    </a:p>
+                  </a:txBody>
+                  <a:tcPr/>
+                </a:tc>
+                <a:tc>
+                  <a:txBody>
+                    <a:bodyPr/>
+                    <a:lstStyle/>
+                    <a:p>
+                      <a:r>
+                        <a:rPr lang="ru-RU" dirty="0" smtClean="0"/>
+                        <a:t>70</a:t>
+                      </a:r>
+                      <a:endParaRPr lang="ru-RU" dirty="0"/>
+                    </a:p>
+                  </a:txBody>
+                  <a:tcPr/>
+                </a:tc>
+                <a:tc>
+                  <a:txBody>
+                    <a:bodyPr/>
+                    <a:lstStyle/>
+                    <a:p>
+                      <a:r>
+                        <a:rPr lang="ru-RU" dirty="0" smtClean="0"/>
+                        <a:t>100</a:t>
+                      </a:r>
+                      <a:endParaRPr lang="ru-RU" dirty="0"/>
+                    </a:p>
+                  </a:txBody>
+                  <a:tcPr/>
+                </a:tc>
+              </a:tr>
+              <a:tr h="370840">
+                <a:tc>
+                  <a:txBody>
+                    <a:bodyPr/>
+                    <a:lstStyle/>
+                    <a:p>
+                      <a:r>
+                        <a:rPr lang="ru-RU" dirty="0" smtClean="0"/>
+                        <a:t>Уникальные</a:t>
+                      </a:r>
+                      <a:r>
+                        <a:rPr lang="ru-RU" baseline="0" dirty="0" smtClean="0"/>
+                        <a:t> модули</a:t>
+                      </a:r>
+                      <a:endParaRPr lang="ru-RU" dirty="0"/>
+                    </a:p>
+                  </a:txBody>
+                  <a:tcPr/>
+                </a:tc>
+                <a:tc>
+                  <a:txBody>
+                    <a:bodyPr/>
+                    <a:lstStyle/>
+                    <a:p>
+                      <a:r>
+                        <a:rPr lang="ru-RU" dirty="0" smtClean="0"/>
+                        <a:t>Нет</a:t>
+                      </a:r>
+                      <a:endParaRPr lang="ru-RU" dirty="0"/>
+                    </a:p>
+                  </a:txBody>
+                  <a:tcPr/>
+                </a:tc>
+                <a:tc>
+                  <a:txBody>
+                    <a:bodyPr/>
+                    <a:lstStyle/>
+                    <a:p>
+                      <a:r>
+                        <a:rPr lang="ru-RU" dirty="0" smtClean="0"/>
+                        <a:t>Есть</a:t>
+                      </a:r>
+                      <a:endParaRPr lang="ru-RU" dirty="0"/>
+                    </a:p>
+                  </a:txBody>
+                  <a:tcPr/>
+                </a:tc>
+              </a:tr>
+              <a:tr h="370840">
+                <a:tc>
+                  <a:txBody>
+                    <a:bodyPr/>
+                    <a:lstStyle/>
+                    <a:p>
+                      <a:r>
+                        <a:rPr lang="ru-RU" dirty="0" smtClean="0"/>
+                        <a:t>Комфорт</a:t>
+                      </a:r>
+                      <a:endParaRPr lang="ru-RU" dirty="0"/>
+                    </a:p>
+                  </a:txBody>
+                  <a:tcPr/>
+                </a:tc>
+                <a:tc>
+                  <a:txBody>
+                    <a:bodyPr/>
+                    <a:lstStyle/>
+                    <a:p>
+                      <a:r>
+                        <a:rPr lang="ru-RU" dirty="0" smtClean="0"/>
+                        <a:t>Низкий</a:t>
+                      </a:r>
+                      <a:r>
+                        <a:rPr lang="en-US" dirty="0" smtClean="0"/>
+                        <a:t>/</a:t>
+                      </a:r>
+                      <a:r>
+                        <a:rPr lang="ru-RU" dirty="0" smtClean="0"/>
+                        <a:t>средний</a:t>
+                      </a:r>
+                      <a:endParaRPr lang="ru-RU" dirty="0"/>
+                    </a:p>
+                  </a:txBody>
+                  <a:tcPr/>
+                </a:tc>
+                <a:tc>
+                  <a:txBody>
+                    <a:bodyPr/>
+                    <a:lstStyle/>
+                    <a:p>
+                      <a:r>
+                        <a:rPr lang="ru-RU" dirty="0" smtClean="0"/>
+                        <a:t>Высокий</a:t>
+                      </a:r>
+                      <a:endParaRPr lang="ru-RU" dirty="0"/>
+                    </a:p>
+                  </a:txBody>
+                  <a:tcPr/>
+                </a:tc>
+              </a:tr>
+            </a:tbl>
+          </a:graphicData>
+        </a:graphic>
+      </p:graphicFrame>
+      <p:sp>
+        <p:nvSpPr>
+          <p:cNvPr id="4" name="Нижний колонтитул 3"/>
+          <p:cNvSpPr>
+            <a:spLocks noGrp="1"/>
+          </p:cNvSpPr>
+          <p:nvPr>
+            <p:ph type="ftr" sz="quarter" idx="11"/>
+          </p:nvPr>
+        </p:nvSpPr>
+        <p:spPr/>
+        <p:txBody>
+          <a:bodyPr/>
+          <a:lstStyle/>
+          <a:p>
+            <a:r>
+              <a:rPr lang="ru-RU" smtClean="0"/>
+              <a:t>Наверное очень полезная и интересная информация, но я не понял.</a:t>
+            </a:r>
+            <a:endParaRPr lang="ru-RU"/>
+          </a:p>
+        </p:txBody>
+      </p:sp>
+      <p:sp>
+        <p:nvSpPr>
+          <p:cNvPr id="5" name="Номер слайда 4"/>
+          <p:cNvSpPr>
+            <a:spLocks noGrp="1"/>
+          </p:cNvSpPr>
+          <p:nvPr>
+            <p:ph type="sldNum" sz="quarter" idx="12"/>
+          </p:nvPr>
+        </p:nvSpPr>
+        <p:spPr/>
+        <p:txBody>
+          <a:bodyPr/>
+          <a:lstStyle/>
+          <a:p>
+            <a:fld id="{AD626709-9CB7-4DB2-B14C-87763500207E}" type="slidenum">
+              <a:rPr lang="ru-RU" smtClean="0"/>
+              <a:t>5</a:t>
+            </a:fld>
+            <a:endParaRPr lang="ru-RU"/>
+          </a:p>
+        </p:txBody>
+      </p:sp>
+    </p:spTree>
+    <p:extLst>
+      <p:ext uri="{BB962C8B-B14F-4D97-AF65-F5344CB8AC3E}">
+        <p14:creationId xmlns:p14="http://schemas.microsoft.com/office/powerpoint/2010/main" val="807805230"/>
+      </p:ext>
+    </p:extLst>
+  </p:cSld>
+  <p:clrMapOvr>
+    <a:masterClrMapping/>
+  </p:clrMapOvr>
+</p:sld>
+</file>
+
+<file path=ppt/slides/slide6.xml><?xml version="1.0" encoding="utf-8"?>
+<p:sld xmlns:a="http://schemas.openxmlformats.org/drawingml/2006/main" xmlns:r="http://schemas.openxmlformats.org/officeDocument/2006/relationships" xmlns:p="http://schemas.openxmlformats.org/presentationml/2006/main">
+  <p:cSld>
+    <p:spTree>
+      <p:nvGrpSpPr>
+        <p:cNvPr id="1" name=""/>
+        <p:cNvGrpSpPr/>
+        <p:nvPr/>
+      </p:nvGrpSpPr>
+      <p:grpSpPr>
+        <a:xfrm>
+          <a:off x="0" y="0"/>
+          <a:ext cx="0" cy="0"/>
+          <a:chOff x="0" y="0"/>
+          <a:chExt cx="0" cy="0"/>
+        </a:xfrm>
+      </p:grpSpPr>
+      <p:sp>
+        <p:nvSpPr>
+          <p:cNvPr id="2" name="Заголовок 1"/>
+          <p:cNvSpPr>
+            <a:spLocks noGrp="1"/>
+          </p:cNvSpPr>
+          <p:nvPr>
+            <p:ph type="title"/>
+          </p:nvPr>
+        </p:nvSpPr>
+        <p:spPr/>
+        <p:txBody>
+          <a:bodyPr/>
+          <a:lstStyle/>
+          <a:p>
+            <a:r>
+              <a:rPr lang="ru-RU" dirty="0" smtClean="0"/>
+              <a:t>Подготовительная стадия</a:t>
+            </a:r>
+            <a:endParaRPr lang="ru-RU" dirty="0"/>
+          </a:p>
+        </p:txBody>
+      </p:sp>
+      <p:graphicFrame>
+        <p:nvGraphicFramePr>
+          <p:cNvPr id="6" name="Объект 5"/>
+          <p:cNvGraphicFramePr>
+            <a:graphicFrameLocks noGrp="1"/>
+          </p:cNvGraphicFramePr>
+          <p:nvPr>
+            <p:ph idx="1"/>
+            <p:extLst>
+              <p:ext uri="{D42A27DB-BD31-4B8C-83A1-F6EECF244321}">
+                <p14:modId xmlns:p14="http://schemas.microsoft.com/office/powerpoint/2010/main" val="4143870563"/>
+              </p:ext>
+            </p:extLst>
+          </p:nvPr>
+        </p:nvGraphicFramePr>
+        <p:xfrm>
+          <a:off x="677863" y="2160588"/>
+          <a:ext cx="8596312" cy="3881437"/>
+        </p:xfrm>
+        <a:graphic>
+          <a:graphicData uri="http://schemas.openxmlformats.org/drawingml/2006/diagram">
+            <dgm:relIds xmlns:dgm="http://schemas.openxmlformats.org/drawingml/2006/diagram" xmlns:r="http://schemas.openxmlformats.org/officeDocument/2006/relationships" r:dm="rId2" r:lo="rId3" r:qs="rId4" r:cs="rId5"/>
+          </a:graphicData>
+        </a:graphic>
+      </p:graphicFrame>
+      <p:sp>
+        <p:nvSpPr>
+          <p:cNvPr id="4" name="Нижний колонтитул 3"/>
+          <p:cNvSpPr>
+            <a:spLocks noGrp="1"/>
+          </p:cNvSpPr>
+          <p:nvPr>
+            <p:ph type="ftr" sz="quarter" idx="11"/>
+          </p:nvPr>
+        </p:nvSpPr>
+        <p:spPr/>
+        <p:txBody>
+          <a:bodyPr/>
+          <a:lstStyle/>
+          <a:p>
+            <a:r>
+              <a:rPr lang="ru-RU" smtClean="0"/>
+              <a:t>Наверное очень полезная и интересная информация, но я не понял.</a:t>
+            </a:r>
+            <a:endParaRPr lang="ru-RU"/>
+          </a:p>
+        </p:txBody>
+      </p:sp>
+      <p:sp>
+        <p:nvSpPr>
+          <p:cNvPr id="5" name="Номер слайда 4"/>
+          <p:cNvSpPr>
+            <a:spLocks noGrp="1"/>
+          </p:cNvSpPr>
+          <p:nvPr>
+            <p:ph type="sldNum" sz="quarter" idx="12"/>
+          </p:nvPr>
+        </p:nvSpPr>
+        <p:spPr/>
+        <p:txBody>
+          <a:bodyPr/>
+          <a:lstStyle/>
+          <a:p>
+            <a:fld id="{AD626709-9CB7-4DB2-B14C-87763500207E}" type="slidenum">
+              <a:rPr lang="ru-RU" smtClean="0"/>
+              <a:t>6</a:t>
+            </a:fld>
+            <a:endParaRPr lang="ru-RU"/>
+          </a:p>
+        </p:txBody>
+      </p:sp>
+    </p:spTree>
+    <p:extLst>
+      <p:ext uri="{BB962C8B-B14F-4D97-AF65-F5344CB8AC3E}">
+        <p14:creationId xmlns:p14="http://schemas.microsoft.com/office/powerpoint/2010/main" val="3019562337"/>
+      </p:ext>
+    </p:extLst>
+  </p:cSld>
+  <p:clrMapOvr>
+    <a:masterClrMapping/>
+  </p:clrMapOvr>
+</p:sld>
+</file>
+
+<file path=ppt/slides/slide7.xml><?xml version="1.0" encoding="utf-8"?>
+<p:sld xmlns:a="http://schemas.openxmlformats.org/drawingml/2006/main" xmlns:r="http://schemas.openxmlformats.org/officeDocument/2006/relationships" xmlns:p="http://schemas.openxmlformats.org/presentationml/2006/main">
+  <p:cSld>
+    <p:spTree>
+      <p:nvGrpSpPr>
+        <p:cNvPr id="1" name=""/>
+        <p:cNvGrpSpPr/>
+        <p:nvPr/>
+      </p:nvGrpSpPr>
+      <p:grpSpPr>
+        <a:xfrm>
+          <a:off x="0" y="0"/>
+          <a:ext cx="0" cy="0"/>
+          <a:chOff x="0" y="0"/>
+          <a:chExt cx="0" cy="0"/>
+        </a:xfrm>
+      </p:grpSpPr>
+      <p:sp>
+        <p:nvSpPr>
+          <p:cNvPr id="2" name="Заголовок 1"/>
+          <p:cNvSpPr>
+            <a:spLocks noGrp="1"/>
+          </p:cNvSpPr>
+          <p:nvPr>
+            <p:ph type="title"/>
+          </p:nvPr>
+        </p:nvSpPr>
+        <p:spPr/>
+        <p:txBody>
+          <a:bodyPr>
+            <a:normAutofit/>
+          </a:bodyPr>
+          <a:lstStyle/>
+          <a:p>
+            <a:endParaRPr lang="ru-RU" sz="2800" dirty="0"/>
+          </a:p>
+        </p:txBody>
+      </p:sp>
+      <p:graphicFrame>
+        <p:nvGraphicFramePr>
+          <p:cNvPr id="6" name="Объект 5"/>
+          <p:cNvGraphicFramePr>
+            <a:graphicFrameLocks noGrp="1"/>
+          </p:cNvGraphicFramePr>
+          <p:nvPr>
+            <p:ph idx="1"/>
+            <p:extLst>
+              <p:ext uri="{D42A27DB-BD31-4B8C-83A1-F6EECF244321}">
+                <p14:modId xmlns:p14="http://schemas.microsoft.com/office/powerpoint/2010/main" val="2754233594"/>
+              </p:ext>
+            </p:extLst>
+          </p:nvPr>
+        </p:nvGraphicFramePr>
+        <p:xfrm>
+          <a:off x="677863" y="2160588"/>
+          <a:ext cx="8596310" cy="741680"/>
+        </p:xfrm>
+        <a:graphic>
+          <a:graphicData uri="http://schemas.openxmlformats.org/drawingml/2006/table">
+            <a:tbl>
+              <a:tblPr firstRow="1" bandRow="1">
+                <a:tableStyleId>{5C22544A-7EE6-4342-B048-85BDC9FD1C3A}</a:tableStyleId>
+              </a:tblPr>
+              <a:tblGrid>
+                <a:gridCol w="1719262"/>
+                <a:gridCol w="1719262"/>
+                <a:gridCol w="1719262"/>
+                <a:gridCol w="1719262"/>
+                <a:gridCol w="1719262"/>
+              </a:tblGrid>
+              <a:tr h="370840">
+                <a:tc>
+                  <a:txBody>
+                    <a:bodyPr/>
+                    <a:lstStyle/>
+                    <a:p>
+                      <a:endParaRPr lang="ru-RU" dirty="0"/>
+                    </a:p>
+                  </a:txBody>
+                  <a:tcPr/>
+                </a:tc>
+                <a:tc>
+                  <a:txBody>
+                    <a:bodyPr/>
+                    <a:lstStyle/>
+                    <a:p>
+                      <a:endParaRPr lang="ru-RU"/>
+                    </a:p>
+                  </a:txBody>
+                  <a:tcPr/>
+                </a:tc>
+                <a:tc>
+                  <a:txBody>
+                    <a:bodyPr/>
+                    <a:lstStyle/>
+                    <a:p>
+                      <a:endParaRPr lang="ru-RU"/>
                     </a:p>
                   </a:txBody>
                   <a:tcPr/>
@@ -9855,97 +11027,11 @@
                     <a:bodyPr/>
                     <a:lstStyle/>
                     <a:p>
-                      <a:endParaRPr lang="ru-RU" dirty="0"/>
-                    </a:p>
-                  </a:txBody>
-                  <a:tcPr/>
-                </a:tc>
-                <a:tc>
-                  <a:txBody>
-                    <a:bodyPr/>
-                    <a:lstStyle/>
-                    <a:p>
-                      <a:endParaRPr lang="ru-RU" dirty="0"/>
-                    </a:p>
-                  </a:txBody>
-                  <a:tcPr/>
-                </a:tc>
-                <a:tc>
-                  <a:txBody>
-                    <a:bodyPr/>
-                    <a:lstStyle/>
-                    <a:p>
                       <a:endParaRPr lang="ru-RU"/>
                     </a:p>
                   </a:txBody>
                   <a:tcPr/>
                 </a:tc>
-              </a:tr>
-              <a:tr h="370840">
-                <a:tc>
-                  <a:txBody>
-                    <a:bodyPr/>
-                    <a:lstStyle/>
-                    <a:p>
-                      <a:endParaRPr lang="ru-RU"/>
-                    </a:p>
-                  </a:txBody>
-                  <a:tcPr/>
-                </a:tc>
-                <a:tc>
-                  <a:txBody>
-                    <a:bodyPr/>
-                    <a:lstStyle/>
-                    <a:p>
-                      <a:endParaRPr lang="ru-RU" dirty="0"/>
-                    </a:p>
-                  </a:txBody>
-                  <a:tcPr/>
-                </a:tc>
-                <a:tc>
-                  <a:txBody>
-                    <a:bodyPr/>
-                    <a:lstStyle/>
-                    <a:p>
-                      <a:endParaRPr lang="ru-RU"/>
-                    </a:p>
-                  </a:txBody>
-                  <a:tcPr/>
-                </a:tc>
-              </a:tr>
-              <a:tr h="370840">
-                <a:tc>
-                  <a:txBody>
-                    <a:bodyPr/>
-                    <a:lstStyle/>
-                    <a:p>
-                      <a:endParaRPr lang="ru-RU"/>
-                    </a:p>
-                  </a:txBody>
-                  <a:tcPr/>
-                </a:tc>
-                <a:tc>
-                  <a:txBody>
-                    <a:bodyPr/>
-                    <a:lstStyle/>
-                    <a:p>
-                      <a:endParaRPr lang="ru-RU" dirty="0"/>
-                    </a:p>
-                  </a:txBody>
-                  <a:tcPr/>
-                </a:tc>
-                <a:tc>
-                  <a:txBody>
-                    <a:bodyPr/>
-                    <a:lstStyle/>
-                    <a:p>
-                      <a:endParaRPr lang="ru-RU" dirty="0"/>
-                    </a:p>
-                  </a:txBody>
-                  <a:tcPr/>
-                </a:tc>
-              </a:tr>
-              <a:tr h="370840">
                 <a:tc>
                   <a:txBody>
                     <a:bodyPr/>
@@ -9971,18 +11057,6 @@
                     <a:bodyPr/>
                     <a:lstStyle/>
                     <a:p>
-                      <a:endParaRPr lang="ru-RU" dirty="0"/>
-                    </a:p>
-                  </a:txBody>
-                  <a:tcPr/>
-                </a:tc>
-              </a:tr>
-              <a:tr h="370840">
-                <a:tc>
-                  <a:txBody>
-                    <a:bodyPr/>
-                    <a:lstStyle/>
-                    <a:p>
                       <a:endParaRPr lang="ru-RU"/>
                     </a:p>
                   </a:txBody>
@@ -9998,16 +11072,6 @@
                   </a:txBody>
                   <a:tcPr/>
                 </a:tc>
-                <a:tc>
-                  <a:txBody>
-                    <a:bodyPr/>
-                    <a:lstStyle/>
-                    <a:p>
-                      <a:endParaRPr lang="ru-RU" dirty="0"/>
-                    </a:p>
-                  </a:txBody>
-                  <a:tcPr/>
-                </a:tc>
               </a:tr>
             </a:tbl>
           </a:graphicData>
@@ -10053,7 +11117,7 @@
           <a:p>
             <a:fld id="{AD626709-9CB7-4DB2-B14C-87763500207E}" type="slidenum">
               <a:rPr lang="ru-RU" smtClean="0"/>
-              <a:t>5</a:t>
+              <a:t>7</a:t>
             </a:fld>
             <a:endParaRPr lang="ru-RU"/>
           </a:p>
@@ -10062,127 +11126,7 @@
     </p:spTree>
     <p:extLst>
       <p:ext uri="{BB962C8B-B14F-4D97-AF65-F5344CB8AC3E}">
-        <p14:creationId xmlns:p14="http://schemas.microsoft.com/office/powerpoint/2010/main" val="807805230"/>
-      </p:ext>
-    </p:extLst>
-  </p:cSld>
-  <p:clrMapOvr>
-    <a:masterClrMapping/>
-  </p:clrMapOvr>
-</p:sld>
-</file>
-
-<file path=ppt/slides/slide6.xml><?xml version="1.0" encoding="utf-8"?>
-<p:sld xmlns:a="http://schemas.openxmlformats.org/drawingml/2006/main" xmlns:r="http://schemas.openxmlformats.org/officeDocument/2006/relationships" xmlns:p="http://schemas.openxmlformats.org/presentationml/2006/main">
-  <p:cSld>
-    <p:spTree>
-      <p:nvGrpSpPr>
-        <p:cNvPr id="1" name=""/>
-        <p:cNvGrpSpPr/>
-        <p:nvPr/>
-      </p:nvGrpSpPr>
-      <p:grpSpPr>
-        <a:xfrm>
-          <a:off x="0" y="0"/>
-          <a:ext cx="0" cy="0"/>
-          <a:chOff x="0" y="0"/>
-          <a:chExt cx="0" cy="0"/>
-        </a:xfrm>
-      </p:grpSpPr>
-      <p:sp>
-        <p:nvSpPr>
-          <p:cNvPr id="2" name="Заголовок 1"/>
-          <p:cNvSpPr>
-            <a:spLocks noGrp="1"/>
-          </p:cNvSpPr>
-          <p:nvPr>
-            <p:ph type="title"/>
-          </p:nvPr>
-        </p:nvSpPr>
-        <p:spPr/>
-        <p:txBody>
-          <a:bodyPr/>
-          <a:lstStyle/>
-          <a:p>
-            <a:endParaRPr lang="ru-RU"/>
-          </a:p>
-        </p:txBody>
-      </p:sp>
-      <p:graphicFrame>
-        <p:nvGraphicFramePr>
-          <p:cNvPr id="6" name="Объект 5"/>
-          <p:cNvGraphicFramePr>
-            <a:graphicFrameLocks noGrp="1"/>
-          </p:cNvGraphicFramePr>
-          <p:nvPr>
-            <p:ph idx="1"/>
-            <p:extLst>
-              <p:ext uri="{D42A27DB-BD31-4B8C-83A1-F6EECF244321}">
-                <p14:modId xmlns:p14="http://schemas.microsoft.com/office/powerpoint/2010/main" val="2454461377"/>
-              </p:ext>
-            </p:extLst>
-          </p:nvPr>
-        </p:nvGraphicFramePr>
-        <p:xfrm>
-          <a:off x="677863" y="2160588"/>
-          <a:ext cx="8596312" cy="3881437"/>
-        </p:xfrm>
-        <a:graphic>
-          <a:graphicData uri="http://schemas.openxmlformats.org/drawingml/2006/diagram">
-            <dgm:relIds xmlns:dgm="http://schemas.openxmlformats.org/drawingml/2006/diagram" xmlns:r="http://schemas.openxmlformats.org/officeDocument/2006/relationships" r:dm="rId2" r:lo="rId3" r:qs="rId4" r:cs="rId5"/>
-          </a:graphicData>
-        </a:graphic>
-      </p:graphicFrame>
-      <p:sp>
-        <p:nvSpPr>
-          <p:cNvPr id="4" name="Нижний колонтитул 3"/>
-          <p:cNvSpPr>
-            <a:spLocks noGrp="1"/>
-          </p:cNvSpPr>
-          <p:nvPr>
-            <p:ph type="ftr" sz="quarter" idx="11"/>
-          </p:nvPr>
-        </p:nvSpPr>
-        <p:spPr/>
-        <p:txBody>
-          <a:bodyPr/>
-          <a:lstStyle/>
-          <a:p>
-            <a:r>
-              <a:rPr lang="ru-RU" smtClean="0"/>
-              <a:t>Наверное очень полезная и интересная информация, но я не понял.</a:t>
-            </a:r>
-            <a:endParaRPr lang="ru-RU"/>
-          </a:p>
-        </p:txBody>
-      </p:sp>
-      <p:sp>
-        <p:nvSpPr>
-          <p:cNvPr id="5" name="Номер слайда 4"/>
-          <p:cNvSpPr>
-            <a:spLocks noGrp="1"/>
-          </p:cNvSpPr>
-          <p:nvPr>
-            <p:ph type="sldNum" sz="quarter" idx="12"/>
-          </p:nvPr>
-        </p:nvSpPr>
-        <p:spPr/>
-        <p:txBody>
-          <a:bodyPr/>
-          <a:lstStyle/>
-          <a:p>
-            <a:fld id="{AD626709-9CB7-4DB2-B14C-87763500207E}" type="slidenum">
-              <a:rPr lang="ru-RU" smtClean="0"/>
-              <a:t>6</a:t>
-            </a:fld>
-            <a:endParaRPr lang="ru-RU"/>
-          </a:p>
-        </p:txBody>
-      </p:sp>
-    </p:spTree>
-    <p:extLst>
-      <p:ext uri="{BB962C8B-B14F-4D97-AF65-F5344CB8AC3E}">
-        <p14:creationId xmlns:p14="http://schemas.microsoft.com/office/powerpoint/2010/main" val="3019562337"/>
+        <p14:creationId xmlns:p14="http://schemas.microsoft.com/office/powerpoint/2010/main" val="3387746372"/>
       </p:ext>
     </p:extLst>
   </p:cSld>

--- a/Презентация Microsoft PowerPoint.pptx
+++ b/Презентация Microsoft PowerPoint.pptx
@@ -5,7 +5,7 @@
     <p:sldMasterId id="2147483660" r:id="rId1"/>
   </p:sldMasterIdLst>
   <p:notesMasterIdLst>
-    <p:notesMasterId r:id="rId9"/>
+    <p:notesMasterId r:id="rId12"/>
   </p:notesMasterIdLst>
   <p:sldIdLst>
     <p:sldId id="256" r:id="rId2"/>
@@ -15,6 +15,9 @@
     <p:sldId id="259" r:id="rId6"/>
     <p:sldId id="260" r:id="rId7"/>
     <p:sldId id="262" r:id="rId8"/>
+    <p:sldId id="263" r:id="rId9"/>
+    <p:sldId id="264" r:id="rId10"/>
+    <p:sldId id="265" r:id="rId11"/>
   </p:sldIdLst>
   <p:sldSz cx="12192000" cy="6858000"/>
   <p:notesSz cx="6858000" cy="9144000"/>
@@ -1174,10 +1177,24 @@
     <dgm:pt modelId="{9FA7D59A-5652-49BE-B67D-13642326184A}" type="pres">
       <dgm:prSet presAssocID="{7A7BBF31-FD92-402D-84EA-05A0C31F478A}" presName="sibTrans" presStyleLbl="sibTrans2D1" presStyleIdx="1" presStyleCnt="4"/>
       <dgm:spPr/>
+      <dgm:t>
+        <a:bodyPr/>
+        <a:lstStyle/>
+        <a:p>
+          <a:endParaRPr lang="ru-RU"/>
+        </a:p>
+      </dgm:t>
     </dgm:pt>
     <dgm:pt modelId="{C3651A59-708A-46AF-AEE1-4F63410CE2AA}" type="pres">
       <dgm:prSet presAssocID="{7A7BBF31-FD92-402D-84EA-05A0C31F478A}" presName="connectorText" presStyleLbl="sibTrans2D1" presStyleIdx="1" presStyleCnt="4"/>
       <dgm:spPr/>
+      <dgm:t>
+        <a:bodyPr/>
+        <a:lstStyle/>
+        <a:p>
+          <a:endParaRPr lang="ru-RU"/>
+        </a:p>
+      </dgm:t>
     </dgm:pt>
     <dgm:pt modelId="{4B6625AB-1FFD-4224-85ED-1E1C2DD464DE}" type="pres">
       <dgm:prSet presAssocID="{1EF3898B-C8D8-4CB7-9F37-A98148943ACB}" presName="node" presStyleLbl="node1" presStyleIdx="2" presStyleCnt="5">
@@ -1197,10 +1214,24 @@
     <dgm:pt modelId="{B125608D-EDF0-49DE-B28B-E935A17B55F1}" type="pres">
       <dgm:prSet presAssocID="{E62B9084-7848-4239-A4F4-6049B619E59F}" presName="sibTrans" presStyleLbl="sibTrans2D1" presStyleIdx="2" presStyleCnt="4"/>
       <dgm:spPr/>
+      <dgm:t>
+        <a:bodyPr/>
+        <a:lstStyle/>
+        <a:p>
+          <a:endParaRPr lang="ru-RU"/>
+        </a:p>
+      </dgm:t>
     </dgm:pt>
     <dgm:pt modelId="{BB99EB98-0778-4F0B-B164-57B61502AFE2}" type="pres">
       <dgm:prSet presAssocID="{E62B9084-7848-4239-A4F4-6049B619E59F}" presName="connectorText" presStyleLbl="sibTrans2D1" presStyleIdx="2" presStyleCnt="4"/>
       <dgm:spPr/>
+      <dgm:t>
+        <a:bodyPr/>
+        <a:lstStyle/>
+        <a:p>
+          <a:endParaRPr lang="ru-RU"/>
+        </a:p>
+      </dgm:t>
     </dgm:pt>
     <dgm:pt modelId="{1F9AEDB3-DD5C-49AB-8DC6-16912162E839}" type="pres">
       <dgm:prSet presAssocID="{47A9E6A3-5618-47DF-A73F-BA67F404F689}" presName="node" presStyleLbl="node1" presStyleIdx="3" presStyleCnt="5">
@@ -1256,25 +1287,25 @@
     </dgm:pt>
   </dgm:ptLst>
   <dgm:cxnLst>
+    <dgm:cxn modelId="{D5560647-7ECD-4988-806A-A3CDD59E271D}" type="presOf" srcId="{3052F7BB-1FDC-4C27-B71C-E393CF09BD25}" destId="{438821CE-B543-421C-A1E0-037C8A4B381A}" srcOrd="0" destOrd="0" presId="urn:microsoft.com/office/officeart/2005/8/layout/process1"/>
+    <dgm:cxn modelId="{AAC837D6-D2CD-494A-9475-EB39AFC6BDAB}" srcId="{4A54E5C4-0F79-43F5-82AF-3BA838C43317}" destId="{47A9E6A3-5618-47DF-A73F-BA67F404F689}" srcOrd="3" destOrd="0" parTransId="{A9EEA232-A541-4318-90C9-F92BCAB2D003}" sibTransId="{6B5EB557-09EA-4717-968D-0AE4221AE211}"/>
     <dgm:cxn modelId="{0C0259E0-054D-4AE3-B364-74ECF390D689}" type="presOf" srcId="{4A54E5C4-0F79-43F5-82AF-3BA838C43317}" destId="{E39CCEEA-C13B-4B86-AA37-633DB0C224F7}" srcOrd="0" destOrd="0" presId="urn:microsoft.com/office/officeart/2005/8/layout/process1"/>
+    <dgm:cxn modelId="{0A07B030-8241-4C18-9671-E5BA0978D6FC}" type="presOf" srcId="{4A5B773C-4354-44A9-BF33-3DAEE7D0BFA7}" destId="{3A3D2CF8-813D-4732-AF5E-86B57EEAE79A}" srcOrd="0" destOrd="0" presId="urn:microsoft.com/office/officeart/2005/8/layout/process1"/>
+    <dgm:cxn modelId="{B20C2869-E246-42AC-8018-9303AC48A5D0}" type="presOf" srcId="{7A7BBF31-FD92-402D-84EA-05A0C31F478A}" destId="{C3651A59-708A-46AF-AEE1-4F63410CE2AA}" srcOrd="1" destOrd="0" presId="urn:microsoft.com/office/officeart/2005/8/layout/process1"/>
+    <dgm:cxn modelId="{E5889D2F-47BD-4581-BCC4-FB4BF6446D54}" type="presOf" srcId="{47A9E6A3-5618-47DF-A73F-BA67F404F689}" destId="{1F9AEDB3-DD5C-49AB-8DC6-16912162E839}" srcOrd="0" destOrd="0" presId="urn:microsoft.com/office/officeart/2005/8/layout/process1"/>
+    <dgm:cxn modelId="{88D709CC-A50F-4A50-A96D-DD02C53695EE}" srcId="{4A54E5C4-0F79-43F5-82AF-3BA838C43317}" destId="{1EF3898B-C8D8-4CB7-9F37-A98148943ACB}" srcOrd="2" destOrd="0" parTransId="{85B3C44A-CA90-477C-871D-55CEEB7E099A}" sibTransId="{E62B9084-7848-4239-A4F4-6049B619E59F}"/>
+    <dgm:cxn modelId="{3E1E1919-7468-4097-8EC2-04A677C49FC0}" type="presOf" srcId="{0F80DAA3-2709-4C82-BFF7-60F412C68DE6}" destId="{22A61939-6A31-4A96-BC41-B215228C3CB2}" srcOrd="0" destOrd="0" presId="urn:microsoft.com/office/officeart/2005/8/layout/process1"/>
+    <dgm:cxn modelId="{58505036-EBCF-4226-A04B-0BD923B393B9}" type="presOf" srcId="{E62B9084-7848-4239-A4F4-6049B619E59F}" destId="{BB99EB98-0778-4F0B-B164-57B61502AFE2}" srcOrd="1" destOrd="0" presId="urn:microsoft.com/office/officeart/2005/8/layout/process1"/>
+    <dgm:cxn modelId="{387B82C6-5FC4-4573-974B-E28220EBE7E8}" type="presOf" srcId="{3052F7BB-1FDC-4C27-B71C-E393CF09BD25}" destId="{33A41000-7737-4C12-91F8-4DD8C72BDA12}" srcOrd="1" destOrd="0" presId="urn:microsoft.com/office/officeart/2005/8/layout/process1"/>
+    <dgm:cxn modelId="{A153275C-9291-4989-8A02-187B438B88CB}" type="presOf" srcId="{6B5EB557-09EA-4717-968D-0AE4221AE211}" destId="{D44B980A-6803-4116-8826-27F6789327B9}" srcOrd="0" destOrd="0" presId="urn:microsoft.com/office/officeart/2005/8/layout/process1"/>
+    <dgm:cxn modelId="{DB74CBD0-F8AE-4B2A-AAAE-367484547004}" srcId="{4A54E5C4-0F79-43F5-82AF-3BA838C43317}" destId="{4A5B773C-4354-44A9-BF33-3DAEE7D0BFA7}" srcOrd="1" destOrd="0" parTransId="{996B6CED-25DC-46EA-B6D5-9548932F6510}" sibTransId="{7A7BBF31-FD92-402D-84EA-05A0C31F478A}"/>
+    <dgm:cxn modelId="{2D81D582-70A2-488F-B1D0-7D929C5895DC}" type="presOf" srcId="{6B5EB557-09EA-4717-968D-0AE4221AE211}" destId="{1066658E-94F5-46B4-83B6-9AF2B834AFB4}" srcOrd="1" destOrd="0" presId="urn:microsoft.com/office/officeart/2005/8/layout/process1"/>
+    <dgm:cxn modelId="{758996D3-DBFE-4FAB-8BBB-955A7061B728}" type="presOf" srcId="{ACC8A687-BC31-429B-80D4-6F3E2E725BEC}" destId="{EA6F0469-A2DE-4EB3-BA64-952E26D6E052}" srcOrd="0" destOrd="0" presId="urn:microsoft.com/office/officeart/2005/8/layout/process1"/>
+    <dgm:cxn modelId="{8E57A595-45B6-4C18-9F68-386175BFE25D}" srcId="{4A54E5C4-0F79-43F5-82AF-3BA838C43317}" destId="{ACC8A687-BC31-429B-80D4-6F3E2E725BEC}" srcOrd="0" destOrd="0" parTransId="{AC88049D-E4C5-44AF-BA75-A30EF6AFF86A}" sibTransId="{3052F7BB-1FDC-4C27-B71C-E393CF09BD25}"/>
+    <dgm:cxn modelId="{16B44777-95E0-47A9-A6AB-87692B8A6772}" srcId="{4A54E5C4-0F79-43F5-82AF-3BA838C43317}" destId="{0F80DAA3-2709-4C82-BFF7-60F412C68DE6}" srcOrd="4" destOrd="0" parTransId="{260F9626-A099-4883-8575-8E3D1C770958}" sibTransId="{DFCFCD57-97C9-4FB8-8998-8407B34983E2}"/>
+    <dgm:cxn modelId="{905C7093-3E0B-4382-8F56-009896333BCD}" type="presOf" srcId="{1EF3898B-C8D8-4CB7-9F37-A98148943ACB}" destId="{4B6625AB-1FFD-4224-85ED-1E1C2DD464DE}" srcOrd="0" destOrd="0" presId="urn:microsoft.com/office/officeart/2005/8/layout/process1"/>
+    <dgm:cxn modelId="{F78C5D01-21F5-49EB-B0EA-4BE8CFDE15BB}" type="presOf" srcId="{7A7BBF31-FD92-402D-84EA-05A0C31F478A}" destId="{9FA7D59A-5652-49BE-B67D-13642326184A}" srcOrd="0" destOrd="0" presId="urn:microsoft.com/office/officeart/2005/8/layout/process1"/>
     <dgm:cxn modelId="{3F0012F0-D53A-42E2-9C9A-3F395A2D4C37}" type="presOf" srcId="{E62B9084-7848-4239-A4F4-6049B619E59F}" destId="{B125608D-EDF0-49DE-B28B-E935A17B55F1}" srcOrd="0" destOrd="0" presId="urn:microsoft.com/office/officeart/2005/8/layout/process1"/>
-    <dgm:cxn modelId="{88D709CC-A50F-4A50-A96D-DD02C53695EE}" srcId="{4A54E5C4-0F79-43F5-82AF-3BA838C43317}" destId="{1EF3898B-C8D8-4CB7-9F37-A98148943ACB}" srcOrd="2" destOrd="0" parTransId="{85B3C44A-CA90-477C-871D-55CEEB7E099A}" sibTransId="{E62B9084-7848-4239-A4F4-6049B619E59F}"/>
-    <dgm:cxn modelId="{A153275C-9291-4989-8A02-187B438B88CB}" type="presOf" srcId="{6B5EB557-09EA-4717-968D-0AE4221AE211}" destId="{D44B980A-6803-4116-8826-27F6789327B9}" srcOrd="0" destOrd="0" presId="urn:microsoft.com/office/officeart/2005/8/layout/process1"/>
-    <dgm:cxn modelId="{16B44777-95E0-47A9-A6AB-87692B8A6772}" srcId="{4A54E5C4-0F79-43F5-82AF-3BA838C43317}" destId="{0F80DAA3-2709-4C82-BFF7-60F412C68DE6}" srcOrd="4" destOrd="0" parTransId="{260F9626-A099-4883-8575-8E3D1C770958}" sibTransId="{DFCFCD57-97C9-4FB8-8998-8407B34983E2}"/>
-    <dgm:cxn modelId="{AAC837D6-D2CD-494A-9475-EB39AFC6BDAB}" srcId="{4A54E5C4-0F79-43F5-82AF-3BA838C43317}" destId="{47A9E6A3-5618-47DF-A73F-BA67F404F689}" srcOrd="3" destOrd="0" parTransId="{A9EEA232-A541-4318-90C9-F92BCAB2D003}" sibTransId="{6B5EB557-09EA-4717-968D-0AE4221AE211}"/>
-    <dgm:cxn modelId="{DB74CBD0-F8AE-4B2A-AAAE-367484547004}" srcId="{4A54E5C4-0F79-43F5-82AF-3BA838C43317}" destId="{4A5B773C-4354-44A9-BF33-3DAEE7D0BFA7}" srcOrd="1" destOrd="0" parTransId="{996B6CED-25DC-46EA-B6D5-9548932F6510}" sibTransId="{7A7BBF31-FD92-402D-84EA-05A0C31F478A}"/>
-    <dgm:cxn modelId="{8E57A595-45B6-4C18-9F68-386175BFE25D}" srcId="{4A54E5C4-0F79-43F5-82AF-3BA838C43317}" destId="{ACC8A687-BC31-429B-80D4-6F3E2E725BEC}" srcOrd="0" destOrd="0" parTransId="{AC88049D-E4C5-44AF-BA75-A30EF6AFF86A}" sibTransId="{3052F7BB-1FDC-4C27-B71C-E393CF09BD25}"/>
-    <dgm:cxn modelId="{387B82C6-5FC4-4573-974B-E28220EBE7E8}" type="presOf" srcId="{3052F7BB-1FDC-4C27-B71C-E393CF09BD25}" destId="{33A41000-7737-4C12-91F8-4DD8C72BDA12}" srcOrd="1" destOrd="0" presId="urn:microsoft.com/office/officeart/2005/8/layout/process1"/>
-    <dgm:cxn modelId="{B20C2869-E246-42AC-8018-9303AC48A5D0}" type="presOf" srcId="{7A7BBF31-FD92-402D-84EA-05A0C31F478A}" destId="{C3651A59-708A-46AF-AEE1-4F63410CE2AA}" srcOrd="1" destOrd="0" presId="urn:microsoft.com/office/officeart/2005/8/layout/process1"/>
-    <dgm:cxn modelId="{58505036-EBCF-4226-A04B-0BD923B393B9}" type="presOf" srcId="{E62B9084-7848-4239-A4F4-6049B619E59F}" destId="{BB99EB98-0778-4F0B-B164-57B61502AFE2}" srcOrd="1" destOrd="0" presId="urn:microsoft.com/office/officeart/2005/8/layout/process1"/>
-    <dgm:cxn modelId="{3E1E1919-7468-4097-8EC2-04A677C49FC0}" type="presOf" srcId="{0F80DAA3-2709-4C82-BFF7-60F412C68DE6}" destId="{22A61939-6A31-4A96-BC41-B215228C3CB2}" srcOrd="0" destOrd="0" presId="urn:microsoft.com/office/officeart/2005/8/layout/process1"/>
-    <dgm:cxn modelId="{0A07B030-8241-4C18-9671-E5BA0978D6FC}" type="presOf" srcId="{4A5B773C-4354-44A9-BF33-3DAEE7D0BFA7}" destId="{3A3D2CF8-813D-4732-AF5E-86B57EEAE79A}" srcOrd="0" destOrd="0" presId="urn:microsoft.com/office/officeart/2005/8/layout/process1"/>
-    <dgm:cxn modelId="{2D81D582-70A2-488F-B1D0-7D929C5895DC}" type="presOf" srcId="{6B5EB557-09EA-4717-968D-0AE4221AE211}" destId="{1066658E-94F5-46B4-83B6-9AF2B834AFB4}" srcOrd="1" destOrd="0" presId="urn:microsoft.com/office/officeart/2005/8/layout/process1"/>
-    <dgm:cxn modelId="{D5560647-7ECD-4988-806A-A3CDD59E271D}" type="presOf" srcId="{3052F7BB-1FDC-4C27-B71C-E393CF09BD25}" destId="{438821CE-B543-421C-A1E0-037C8A4B381A}" srcOrd="0" destOrd="0" presId="urn:microsoft.com/office/officeart/2005/8/layout/process1"/>
-    <dgm:cxn modelId="{F78C5D01-21F5-49EB-B0EA-4BE8CFDE15BB}" type="presOf" srcId="{7A7BBF31-FD92-402D-84EA-05A0C31F478A}" destId="{9FA7D59A-5652-49BE-B67D-13642326184A}" srcOrd="0" destOrd="0" presId="urn:microsoft.com/office/officeart/2005/8/layout/process1"/>
-    <dgm:cxn modelId="{E5889D2F-47BD-4581-BCC4-FB4BF6446D54}" type="presOf" srcId="{47A9E6A3-5618-47DF-A73F-BA67F404F689}" destId="{1F9AEDB3-DD5C-49AB-8DC6-16912162E839}" srcOrd="0" destOrd="0" presId="urn:microsoft.com/office/officeart/2005/8/layout/process1"/>
-    <dgm:cxn modelId="{758996D3-DBFE-4FAB-8BBB-955A7061B728}" type="presOf" srcId="{ACC8A687-BC31-429B-80D4-6F3E2E725BEC}" destId="{EA6F0469-A2DE-4EB3-BA64-952E26D6E052}" srcOrd="0" destOrd="0" presId="urn:microsoft.com/office/officeart/2005/8/layout/process1"/>
-    <dgm:cxn modelId="{905C7093-3E0B-4382-8F56-009896333BCD}" type="presOf" srcId="{1EF3898B-C8D8-4CB7-9F37-A98148943ACB}" destId="{4B6625AB-1FFD-4224-85ED-1E1C2DD464DE}" srcOrd="0" destOrd="0" presId="urn:microsoft.com/office/officeart/2005/8/layout/process1"/>
     <dgm:cxn modelId="{BEA26D78-3577-4488-8D84-959EEE6E0321}" type="presParOf" srcId="{E39CCEEA-C13B-4B86-AA37-633DB0C224F7}" destId="{EA6F0469-A2DE-4EB3-BA64-952E26D6E052}" srcOrd="0" destOrd="0" presId="urn:microsoft.com/office/officeart/2005/8/layout/process1"/>
     <dgm:cxn modelId="{F2542A10-F1D7-4531-9DD9-F7B71EF53878}" type="presParOf" srcId="{E39CCEEA-C13B-4B86-AA37-633DB0C224F7}" destId="{438821CE-B543-421C-A1E0-037C8A4B381A}" srcOrd="1" destOrd="0" presId="urn:microsoft.com/office/officeart/2005/8/layout/process1"/>
     <dgm:cxn modelId="{D6E4BA08-CD9D-4AC1-A4E6-A3C75D5FAF3B}" type="presParOf" srcId="{438821CE-B543-421C-A1E0-037C8A4B381A}" destId="{33A41000-7737-4C12-91F8-4DD8C72BDA12}" srcOrd="0" destOrd="0" presId="urn:microsoft.com/office/officeart/2005/8/layout/process1"/>
@@ -3268,7 +3299,7 @@
           <a:p>
             <a:fld id="{569190FB-7325-48CB-A3A7-0ABBFA9F29F9}" type="datetimeFigureOut">
               <a:rPr lang="ru-RU" smtClean="0"/>
-              <a:t>18.02.2020</a:t>
+              <a:t>02.03.2020</a:t>
             </a:fld>
             <a:endParaRPr lang="ru-RU"/>
           </a:p>
@@ -4342,7 +4373,7 @@
           <a:p>
             <a:fld id="{F62FFFB8-A30D-4AB6-B7FE-3163BF69B5C2}" type="datetime1">
               <a:rPr lang="ru-RU" smtClean="0"/>
-              <a:t>18.02.2020</a:t>
+              <a:t>02.03.2020</a:t>
             </a:fld>
             <a:endParaRPr lang="ru-RU"/>
           </a:p>
@@ -4597,7 +4628,7 @@
           <a:p>
             <a:fld id="{8FEEDF46-D3C9-4005-9B80-AFB0D1DA9819}" type="datetime1">
               <a:rPr lang="ru-RU" smtClean="0"/>
-              <a:t>18.02.2020</a:t>
+              <a:t>02.03.2020</a:t>
             </a:fld>
             <a:endParaRPr lang="ru-RU"/>
           </a:p>
@@ -4915,7 +4946,7 @@
           <a:p>
             <a:fld id="{249C7AF2-FBFA-43D2-9C89-861C773599C3}" type="datetime1">
               <a:rPr lang="ru-RU" smtClean="0"/>
-              <a:t>18.02.2020</a:t>
+              <a:t>02.03.2020</a:t>
             </a:fld>
             <a:endParaRPr lang="ru-RU"/>
           </a:p>
@@ -5260,7 +5291,7 @@
           <a:p>
             <a:fld id="{7D076939-02ED-44BE-B129-63ACD162979C}" type="datetime1">
               <a:rPr lang="ru-RU" smtClean="0"/>
-              <a:t>18.02.2020</a:t>
+              <a:t>02.03.2020</a:t>
             </a:fld>
             <a:endParaRPr lang="ru-RU"/>
           </a:p>
@@ -5578,7 +5609,7 @@
           <a:p>
             <a:fld id="{A378F061-0CED-42C4-948E-5E26C03369B7}" type="datetime1">
               <a:rPr lang="ru-RU" smtClean="0"/>
-              <a:t>18.02.2020</a:t>
+              <a:t>02.03.2020</a:t>
             </a:fld>
             <a:endParaRPr lang="ru-RU"/>
           </a:p>
@@ -5975,7 +6006,7 @@
           <a:p>
             <a:fld id="{2CD1612F-3B36-4DB2-A1BD-7570CB80545F}" type="datetime1">
               <a:rPr lang="ru-RU" smtClean="0"/>
-              <a:t>18.02.2020</a:t>
+              <a:t>02.03.2020</a:t>
             </a:fld>
             <a:endParaRPr lang="ru-RU"/>
           </a:p>
@@ -6149,7 +6180,7 @@
           <a:p>
             <a:fld id="{2B24C8AA-3DFC-487C-ADB4-AC01B31FD497}" type="datetime1">
               <a:rPr lang="ru-RU" smtClean="0"/>
-              <a:t>18.02.2020</a:t>
+              <a:t>02.03.2020</a:t>
             </a:fld>
             <a:endParaRPr lang="ru-RU"/>
           </a:p>
@@ -6333,7 +6364,7 @@
           <a:p>
             <a:fld id="{DDD34A39-8C57-4575-B405-2F180F33C206}" type="datetime1">
               <a:rPr lang="ru-RU" smtClean="0"/>
-              <a:t>18.02.2020</a:t>
+              <a:t>02.03.2020</a:t>
             </a:fld>
             <a:endParaRPr lang="ru-RU"/>
           </a:p>
@@ -6513,7 +6544,7 @@
           <a:p>
             <a:fld id="{2541E3A7-DAA1-4CE9-B900-5AA6FDC56BCF}" type="datetime1">
               <a:rPr lang="ru-RU" smtClean="0"/>
-              <a:t>18.02.2020</a:t>
+              <a:t>02.03.2020</a:t>
             </a:fld>
             <a:endParaRPr lang="ru-RU"/>
           </a:p>
@@ -6764,7 +6795,7 @@
           <a:p>
             <a:fld id="{F6F11960-00AC-40B9-A97B-B066684A8DBC}" type="datetime1">
               <a:rPr lang="ru-RU" smtClean="0"/>
-              <a:t>18.02.2020</a:t>
+              <a:t>02.03.2020</a:t>
             </a:fld>
             <a:endParaRPr lang="ru-RU"/>
           </a:p>
@@ -7000,7 +7031,7 @@
           <a:p>
             <a:fld id="{12DFABBD-9363-4CEF-997B-0B693E8C3133}" type="datetime1">
               <a:rPr lang="ru-RU" smtClean="0"/>
-              <a:t>18.02.2020</a:t>
+              <a:t>02.03.2020</a:t>
             </a:fld>
             <a:endParaRPr lang="ru-RU"/>
           </a:p>
@@ -7378,7 +7409,7 @@
           <a:p>
             <a:fld id="{A6A9923B-074C-4007-A450-3F28DF7B4F61}" type="datetime1">
               <a:rPr lang="ru-RU" smtClean="0"/>
-              <a:t>18.02.2020</a:t>
+              <a:t>02.03.2020</a:t>
             </a:fld>
             <a:endParaRPr lang="ru-RU"/>
           </a:p>
@@ -7505,7 +7536,7 @@
           <a:p>
             <a:fld id="{C9BDC4C5-091C-4201-9036-6AAA5388F51E}" type="datetime1">
               <a:rPr lang="ru-RU" smtClean="0"/>
-              <a:t>18.02.2020</a:t>
+              <a:t>02.03.2020</a:t>
             </a:fld>
             <a:endParaRPr lang="ru-RU"/>
           </a:p>
@@ -7604,7 +7635,7 @@
           <a:p>
             <a:fld id="{CBE3A603-B1F1-4BF8-9369-AE6A1FEE2C07}" type="datetime1">
               <a:rPr lang="ru-RU" smtClean="0"/>
-              <a:t>18.02.2020</a:t>
+              <a:t>02.03.2020</a:t>
             </a:fld>
             <a:endParaRPr lang="ru-RU"/>
           </a:p>
@@ -7863,7 +7894,7 @@
           <a:p>
             <a:fld id="{06A037F2-C05C-4820-8F43-3D2A666D0FA0}" type="datetime1">
               <a:rPr lang="ru-RU" smtClean="0"/>
-              <a:t>18.02.2020</a:t>
+              <a:t>02.03.2020</a:t>
             </a:fld>
             <a:endParaRPr lang="ru-RU"/>
           </a:p>
@@ -8130,7 +8161,7 @@
           <a:p>
             <a:fld id="{B6005DFD-3C1B-42D6-951C-7AF2D9850E09}" type="datetime1">
               <a:rPr lang="ru-RU" smtClean="0"/>
-              <a:t>18.02.2020</a:t>
+              <a:t>02.03.2020</a:t>
             </a:fld>
             <a:endParaRPr lang="ru-RU"/>
           </a:p>
@@ -8877,7 +8908,7 @@
           <a:p>
             <a:fld id="{DBA06E76-3242-4811-A583-C23B86241ADC}" type="datetime1">
               <a:rPr lang="ru-RU" smtClean="0"/>
-              <a:t>18.02.2020</a:t>
+              <a:t>02.03.2020</a:t>
             </a:fld>
             <a:endParaRPr lang="ru-RU"/>
           </a:p>
@@ -9543,6 +9574,452 @@
 </p:sld>
 </file>
 
+<file path=ppt/slides/slide10.xml><?xml version="1.0" encoding="utf-8"?>
+<p:sld xmlns:a="http://schemas.openxmlformats.org/drawingml/2006/main" xmlns:r="http://schemas.openxmlformats.org/officeDocument/2006/relationships" xmlns:p="http://schemas.openxmlformats.org/presentationml/2006/main">
+  <p:cSld>
+    <p:spTree>
+      <p:nvGrpSpPr>
+        <p:cNvPr id="1" name=""/>
+        <p:cNvGrpSpPr/>
+        <p:nvPr/>
+      </p:nvGrpSpPr>
+      <p:grpSpPr>
+        <a:xfrm>
+          <a:off x="0" y="0"/>
+          <a:ext cx="0" cy="0"/>
+          <a:chOff x="0" y="0"/>
+          <a:chExt cx="0" cy="0"/>
+        </a:xfrm>
+      </p:grpSpPr>
+      <p:sp>
+        <p:nvSpPr>
+          <p:cNvPr id="2" name="Заголовок 1"/>
+          <p:cNvSpPr>
+            <a:spLocks noGrp="1"/>
+          </p:cNvSpPr>
+          <p:nvPr>
+            <p:ph type="title"/>
+          </p:nvPr>
+        </p:nvSpPr>
+        <p:spPr/>
+        <p:txBody>
+          <a:bodyPr/>
+          <a:lstStyle/>
+          <a:p>
+            <a:endParaRPr lang="ru-RU"/>
+          </a:p>
+        </p:txBody>
+      </p:sp>
+      <p:graphicFrame>
+        <p:nvGraphicFramePr>
+          <p:cNvPr id="6" name="Объект 5"/>
+          <p:cNvGraphicFramePr>
+            <a:graphicFrameLocks noGrp="1"/>
+          </p:cNvGraphicFramePr>
+          <p:nvPr>
+            <p:ph idx="1"/>
+            <p:extLst>
+              <p:ext uri="{D42A27DB-BD31-4B8C-83A1-F6EECF244321}">
+                <p14:modId xmlns:p14="http://schemas.microsoft.com/office/powerpoint/2010/main" val="1137442629"/>
+              </p:ext>
+            </p:extLst>
+          </p:nvPr>
+        </p:nvGraphicFramePr>
+        <p:xfrm>
+          <a:off x="677863" y="2160588"/>
+          <a:ext cx="8596310" cy="1854200"/>
+        </p:xfrm>
+        <a:graphic>
+          <a:graphicData uri="http://schemas.openxmlformats.org/drawingml/2006/table">
+            <a:tbl>
+              <a:tblPr>
+                <a:tableStyleId>{5C22544A-7EE6-4342-B048-85BDC9FD1C3A}</a:tableStyleId>
+              </a:tblPr>
+              <a:tblGrid>
+                <a:gridCol w="1719262">
+                  <a:extLst>
+                    <a:ext uri="{9D8B030D-6E8A-4147-A177-3AD203B41FA5}">
+                      <a16:colId xmlns:a16="http://schemas.microsoft.com/office/drawing/2014/main" val="3077717491"/>
+                    </a:ext>
+                  </a:extLst>
+                </a:gridCol>
+                <a:gridCol w="1719262">
+                  <a:extLst>
+                    <a:ext uri="{9D8B030D-6E8A-4147-A177-3AD203B41FA5}">
+                      <a16:colId xmlns:a16="http://schemas.microsoft.com/office/drawing/2014/main" val="2207875201"/>
+                    </a:ext>
+                  </a:extLst>
+                </a:gridCol>
+                <a:gridCol w="1719262">
+                  <a:extLst>
+                    <a:ext uri="{9D8B030D-6E8A-4147-A177-3AD203B41FA5}">
+                      <a16:colId xmlns:a16="http://schemas.microsoft.com/office/drawing/2014/main" val="125991373"/>
+                    </a:ext>
+                  </a:extLst>
+                </a:gridCol>
+                <a:gridCol w="1719262">
+                  <a:extLst>
+                    <a:ext uri="{9D8B030D-6E8A-4147-A177-3AD203B41FA5}">
+                      <a16:colId xmlns:a16="http://schemas.microsoft.com/office/drawing/2014/main" val="2939543407"/>
+                    </a:ext>
+                  </a:extLst>
+                </a:gridCol>
+                <a:gridCol w="1719262">
+                  <a:extLst>
+                    <a:ext uri="{9D8B030D-6E8A-4147-A177-3AD203B41FA5}">
+                      <a16:colId xmlns:a16="http://schemas.microsoft.com/office/drawing/2014/main" val="2060251470"/>
+                    </a:ext>
+                  </a:extLst>
+                </a:gridCol>
+              </a:tblGrid>
+              <a:tr h="370840">
+                <a:tc>
+                  <a:txBody>
+                    <a:bodyPr/>
+                    <a:lstStyle/>
+                    <a:p>
+                      <a:endParaRPr lang="ru-RU" dirty="0"/>
+                    </a:p>
+                  </a:txBody>
+                  <a:tcPr/>
+                </a:tc>
+                <a:tc>
+                  <a:txBody>
+                    <a:bodyPr/>
+                    <a:lstStyle/>
+                    <a:p>
+                      <a:endParaRPr lang="ru-RU"/>
+                    </a:p>
+                  </a:txBody>
+                  <a:tcPr/>
+                </a:tc>
+                <a:tc>
+                  <a:txBody>
+                    <a:bodyPr/>
+                    <a:lstStyle/>
+                    <a:p>
+                      <a:endParaRPr lang="ru-RU"/>
+                    </a:p>
+                  </a:txBody>
+                  <a:tcPr/>
+                </a:tc>
+                <a:tc>
+                  <a:txBody>
+                    <a:bodyPr/>
+                    <a:lstStyle/>
+                    <a:p>
+                      <a:endParaRPr lang="ru-RU"/>
+                    </a:p>
+                  </a:txBody>
+                  <a:tcPr/>
+                </a:tc>
+                <a:tc>
+                  <a:txBody>
+                    <a:bodyPr/>
+                    <a:lstStyle/>
+                    <a:p>
+                      <a:endParaRPr lang="ru-RU"/>
+                    </a:p>
+                  </a:txBody>
+                  <a:tcPr/>
+                </a:tc>
+                <a:extLst>
+                  <a:ext uri="{0D108BD9-81ED-4DB2-BD59-A6C34878D82A}">
+                    <a16:rowId xmlns:a16="http://schemas.microsoft.com/office/drawing/2014/main" val="3472535930"/>
+                  </a:ext>
+                </a:extLst>
+              </a:tr>
+              <a:tr h="370840">
+                <a:tc>
+                  <a:txBody>
+                    <a:bodyPr/>
+                    <a:lstStyle/>
+                    <a:p>
+                      <a:endParaRPr lang="ru-RU"/>
+                    </a:p>
+                  </a:txBody>
+                  <a:tcPr/>
+                </a:tc>
+                <a:tc>
+                  <a:txBody>
+                    <a:bodyPr/>
+                    <a:lstStyle/>
+                    <a:p>
+                      <a:endParaRPr lang="ru-RU"/>
+                    </a:p>
+                  </a:txBody>
+                  <a:tcPr/>
+                </a:tc>
+                <a:tc>
+                  <a:txBody>
+                    <a:bodyPr/>
+                    <a:lstStyle/>
+                    <a:p>
+                      <a:endParaRPr lang="ru-RU"/>
+                    </a:p>
+                  </a:txBody>
+                  <a:tcPr/>
+                </a:tc>
+                <a:tc>
+                  <a:txBody>
+                    <a:bodyPr/>
+                    <a:lstStyle/>
+                    <a:p>
+                      <a:endParaRPr lang="ru-RU"/>
+                    </a:p>
+                  </a:txBody>
+                  <a:tcPr/>
+                </a:tc>
+                <a:tc>
+                  <a:txBody>
+                    <a:bodyPr/>
+                    <a:lstStyle/>
+                    <a:p>
+                      <a:endParaRPr lang="ru-RU"/>
+                    </a:p>
+                  </a:txBody>
+                  <a:tcPr/>
+                </a:tc>
+                <a:extLst>
+                  <a:ext uri="{0D108BD9-81ED-4DB2-BD59-A6C34878D82A}">
+                    <a16:rowId xmlns:a16="http://schemas.microsoft.com/office/drawing/2014/main" val="87784159"/>
+                  </a:ext>
+                </a:extLst>
+              </a:tr>
+              <a:tr h="370840">
+                <a:tc>
+                  <a:txBody>
+                    <a:bodyPr/>
+                    <a:lstStyle/>
+                    <a:p>
+                      <a:endParaRPr lang="ru-RU"/>
+                    </a:p>
+                  </a:txBody>
+                  <a:tcPr/>
+                </a:tc>
+                <a:tc>
+                  <a:txBody>
+                    <a:bodyPr/>
+                    <a:lstStyle/>
+                    <a:p>
+                      <a:endParaRPr lang="ru-RU"/>
+                    </a:p>
+                  </a:txBody>
+                  <a:tcPr/>
+                </a:tc>
+                <a:tc>
+                  <a:txBody>
+                    <a:bodyPr/>
+                    <a:lstStyle/>
+                    <a:p>
+                      <a:endParaRPr lang="ru-RU"/>
+                    </a:p>
+                  </a:txBody>
+                  <a:tcPr/>
+                </a:tc>
+                <a:tc>
+                  <a:txBody>
+                    <a:bodyPr/>
+                    <a:lstStyle/>
+                    <a:p>
+                      <a:endParaRPr lang="ru-RU"/>
+                    </a:p>
+                  </a:txBody>
+                  <a:tcPr/>
+                </a:tc>
+                <a:tc>
+                  <a:txBody>
+                    <a:bodyPr/>
+                    <a:lstStyle/>
+                    <a:p>
+                      <a:endParaRPr lang="ru-RU"/>
+                    </a:p>
+                  </a:txBody>
+                  <a:tcPr/>
+                </a:tc>
+                <a:extLst>
+                  <a:ext uri="{0D108BD9-81ED-4DB2-BD59-A6C34878D82A}">
+                    <a16:rowId xmlns:a16="http://schemas.microsoft.com/office/drawing/2014/main" val="2192033182"/>
+                  </a:ext>
+                </a:extLst>
+              </a:tr>
+              <a:tr h="370840">
+                <a:tc>
+                  <a:txBody>
+                    <a:bodyPr/>
+                    <a:lstStyle/>
+                    <a:p>
+                      <a:endParaRPr lang="ru-RU"/>
+                    </a:p>
+                  </a:txBody>
+                  <a:tcPr/>
+                </a:tc>
+                <a:tc>
+                  <a:txBody>
+                    <a:bodyPr/>
+                    <a:lstStyle/>
+                    <a:p>
+                      <a:endParaRPr lang="ru-RU"/>
+                    </a:p>
+                  </a:txBody>
+                  <a:tcPr/>
+                </a:tc>
+                <a:tc>
+                  <a:txBody>
+                    <a:bodyPr/>
+                    <a:lstStyle/>
+                    <a:p>
+                      <a:endParaRPr lang="ru-RU"/>
+                    </a:p>
+                  </a:txBody>
+                  <a:tcPr/>
+                </a:tc>
+                <a:tc>
+                  <a:txBody>
+                    <a:bodyPr/>
+                    <a:lstStyle/>
+                    <a:p>
+                      <a:endParaRPr lang="ru-RU"/>
+                    </a:p>
+                  </a:txBody>
+                  <a:tcPr/>
+                </a:tc>
+                <a:tc>
+                  <a:txBody>
+                    <a:bodyPr/>
+                    <a:lstStyle/>
+                    <a:p>
+                      <a:endParaRPr lang="ru-RU"/>
+                    </a:p>
+                  </a:txBody>
+                  <a:tcPr/>
+                </a:tc>
+                <a:extLst>
+                  <a:ext uri="{0D108BD9-81ED-4DB2-BD59-A6C34878D82A}">
+                    <a16:rowId xmlns:a16="http://schemas.microsoft.com/office/drawing/2014/main" val="1282579770"/>
+                  </a:ext>
+                </a:extLst>
+              </a:tr>
+              <a:tr h="370840">
+                <a:tc>
+                  <a:txBody>
+                    <a:bodyPr/>
+                    <a:lstStyle/>
+                    <a:p>
+                      <a:endParaRPr lang="ru-RU"/>
+                    </a:p>
+                  </a:txBody>
+                  <a:tcPr/>
+                </a:tc>
+                <a:tc>
+                  <a:txBody>
+                    <a:bodyPr/>
+                    <a:lstStyle/>
+                    <a:p>
+                      <a:endParaRPr lang="ru-RU"/>
+                    </a:p>
+                  </a:txBody>
+                  <a:tcPr/>
+                </a:tc>
+                <a:tc>
+                  <a:txBody>
+                    <a:bodyPr/>
+                    <a:lstStyle/>
+                    <a:p>
+                      <a:endParaRPr lang="ru-RU"/>
+                    </a:p>
+                  </a:txBody>
+                  <a:tcPr/>
+                </a:tc>
+                <a:tc>
+                  <a:txBody>
+                    <a:bodyPr/>
+                    <a:lstStyle/>
+                    <a:p>
+                      <a:endParaRPr lang="ru-RU"/>
+                    </a:p>
+                  </a:txBody>
+                  <a:tcPr/>
+                </a:tc>
+                <a:tc>
+                  <a:txBody>
+                    <a:bodyPr/>
+                    <a:lstStyle/>
+                    <a:p>
+                      <a:endParaRPr lang="ru-RU" dirty="0"/>
+                    </a:p>
+                  </a:txBody>
+                  <a:tcPr/>
+                </a:tc>
+                <a:extLst>
+                  <a:ext uri="{0D108BD9-81ED-4DB2-BD59-A6C34878D82A}">
+                    <a16:rowId xmlns:a16="http://schemas.microsoft.com/office/drawing/2014/main" val="1205177175"/>
+                  </a:ext>
+                </a:extLst>
+              </a:tr>
+            </a:tbl>
+          </a:graphicData>
+        </a:graphic>
+      </p:graphicFrame>
+      <p:sp>
+        <p:nvSpPr>
+          <p:cNvPr id="4" name="Нижний колонтитул 3"/>
+          <p:cNvSpPr>
+            <a:spLocks noGrp="1"/>
+          </p:cNvSpPr>
+          <p:nvPr>
+            <p:ph type="ftr" sz="quarter" idx="11"/>
+          </p:nvPr>
+        </p:nvSpPr>
+        <p:spPr/>
+        <p:txBody>
+          <a:bodyPr/>
+          <a:lstStyle/>
+          <a:p>
+            <a:r>
+              <a:rPr lang="ru-RU" smtClean="0"/>
+              <a:t>Наверное очень полезная и интересная информация, но я не понял.</a:t>
+            </a:r>
+            <a:endParaRPr lang="ru-RU"/>
+          </a:p>
+        </p:txBody>
+      </p:sp>
+      <p:sp>
+        <p:nvSpPr>
+          <p:cNvPr id="5" name="Номер слайда 4"/>
+          <p:cNvSpPr>
+            <a:spLocks noGrp="1"/>
+          </p:cNvSpPr>
+          <p:nvPr>
+            <p:ph type="sldNum" sz="quarter" idx="12"/>
+          </p:nvPr>
+        </p:nvSpPr>
+        <p:spPr/>
+        <p:txBody>
+          <a:bodyPr/>
+          <a:lstStyle/>
+          <a:p>
+            <a:fld id="{AD626709-9CB7-4DB2-B14C-87763500207E}" type="slidenum">
+              <a:rPr lang="ru-RU" smtClean="0"/>
+              <a:t>10</a:t>
+            </a:fld>
+            <a:endParaRPr lang="ru-RU"/>
+          </a:p>
+        </p:txBody>
+      </p:sp>
+    </p:spTree>
+    <p:extLst>
+      <p:ext uri="{BB962C8B-B14F-4D97-AF65-F5344CB8AC3E}">
+        <p14:creationId xmlns:p14="http://schemas.microsoft.com/office/powerpoint/2010/main" val="1813233119"/>
+      </p:ext>
+    </p:extLst>
+  </p:cSld>
+  <p:clrMapOvr>
+    <a:masterClrMapping/>
+  </p:clrMapOvr>
+</p:sld>
+</file>
+
 <file path=ppt/slides/slide2.xml><?xml version="1.0" encoding="utf-8"?>
 <p:sld xmlns:a="http://schemas.openxmlformats.org/drawingml/2006/main" xmlns:r="http://schemas.openxmlformats.org/officeDocument/2006/relationships" xmlns:p="http://schemas.openxmlformats.org/presentationml/2006/main">
   <p:cSld>
@@ -10096,7 +10573,9 @@
         </p:nvSpPr>
         <p:spPr/>
         <p:txBody>
-          <a:bodyPr/>
+          <a:bodyPr>
+            <a:normAutofit/>
+          </a:bodyPr>
           <a:lstStyle/>
           <a:p>
             <a:r>
@@ -10324,15 +10803,15 @@
           <a:p>
             <a:r>
               <a:rPr lang="ru-RU" dirty="0" smtClean="0"/>
-              <a:t>Эффективность игры с начальным </a:t>
-            </a:r>
-            <a:r>
-              <a:rPr lang="en-US" dirty="0" smtClean="0"/>
-              <a:t>/</a:t>
+              <a:t>Эффективность игры </a:t>
             </a:r>
             <a:r>
               <a:rPr lang="ru-RU" dirty="0" smtClean="0"/>
-              <a:t>бесплатным оружием</a:t>
+              <a:t>с бесплатным </a:t>
+            </a:r>
+            <a:r>
+              <a:rPr lang="ru-RU" dirty="0" smtClean="0"/>
+              <a:t>оружием</a:t>
             </a:r>
             <a:r>
               <a:rPr lang="en-US" dirty="0" smtClean="0"/>
@@ -10372,9 +10851,27 @@
                 <a:tableStyleId>{5C22544A-7EE6-4342-B048-85BDC9FD1C3A}</a:tableStyleId>
               </a:tblPr>
               <a:tblGrid>
-                <a:gridCol w="2865437"/>
-                <a:gridCol w="2865437"/>
-                <a:gridCol w="2865437"/>
+                <a:gridCol w="2865437">
+                  <a:extLst>
+                    <a:ext uri="{9D8B030D-6E8A-4147-A177-3AD203B41FA5}">
+                      <a16:colId xmlns:a16="http://schemas.microsoft.com/office/drawing/2014/main" val="20000"/>
+                    </a:ext>
+                  </a:extLst>
+                </a:gridCol>
+                <a:gridCol w="2865437">
+                  <a:extLst>
+                    <a:ext uri="{9D8B030D-6E8A-4147-A177-3AD203B41FA5}">
+                      <a16:colId xmlns:a16="http://schemas.microsoft.com/office/drawing/2014/main" val="20001"/>
+                    </a:ext>
+                  </a:extLst>
+                </a:gridCol>
+                <a:gridCol w="2865437">
+                  <a:extLst>
+                    <a:ext uri="{9D8B030D-6E8A-4147-A177-3AD203B41FA5}">
+                      <a16:colId xmlns:a16="http://schemas.microsoft.com/office/drawing/2014/main" val="20002"/>
+                    </a:ext>
+                  </a:extLst>
+                </a:gridCol>
               </a:tblGrid>
               <a:tr h="370840">
                 <a:tc>
@@ -10427,6 +10924,11 @@
                   </a:txBody>
                   <a:tcPr/>
                 </a:tc>
+                <a:extLst>
+                  <a:ext uri="{0D108BD9-81ED-4DB2-BD59-A6C34878D82A}">
+                    <a16:rowId xmlns:a16="http://schemas.microsoft.com/office/drawing/2014/main" val="10000"/>
+                  </a:ext>
+                </a:extLst>
               </a:tr>
               <a:tr h="370840">
                 <a:tc>
@@ -10471,6 +10973,11 @@
                   </a:txBody>
                   <a:tcPr/>
                 </a:tc>
+                <a:extLst>
+                  <a:ext uri="{0D108BD9-81ED-4DB2-BD59-A6C34878D82A}">
+                    <a16:rowId xmlns:a16="http://schemas.microsoft.com/office/drawing/2014/main" val="10001"/>
+                  </a:ext>
+                </a:extLst>
               </a:tr>
               <a:tr h="370840">
                 <a:tc>
@@ -10523,6 +11030,11 @@
                   </a:txBody>
                   <a:tcPr/>
                 </a:tc>
+                <a:extLst>
+                  <a:ext uri="{0D108BD9-81ED-4DB2-BD59-A6C34878D82A}">
+                    <a16:rowId xmlns:a16="http://schemas.microsoft.com/office/drawing/2014/main" val="10002"/>
+                  </a:ext>
+                </a:extLst>
               </a:tr>
               <a:tr h="370840">
                 <a:tc>
@@ -10567,6 +11079,11 @@
                   </a:txBody>
                   <a:tcPr/>
                 </a:tc>
+                <a:extLst>
+                  <a:ext uri="{0D108BD9-81ED-4DB2-BD59-A6C34878D82A}">
+                    <a16:rowId xmlns:a16="http://schemas.microsoft.com/office/drawing/2014/main" val="10003"/>
+                  </a:ext>
+                </a:extLst>
               </a:tr>
               <a:tr h="370840">
                 <a:tc>
@@ -10611,6 +11128,11 @@
                   </a:txBody>
                   <a:tcPr/>
                 </a:tc>
+                <a:extLst>
+                  <a:ext uri="{0D108BD9-81ED-4DB2-BD59-A6C34878D82A}">
+                    <a16:rowId xmlns:a16="http://schemas.microsoft.com/office/drawing/2014/main" val="10004"/>
+                  </a:ext>
+                </a:extLst>
               </a:tr>
               <a:tr h="370840">
                 <a:tc>
@@ -10659,6 +11181,11 @@
                   </a:txBody>
                   <a:tcPr/>
                 </a:tc>
+                <a:extLst>
+                  <a:ext uri="{0D108BD9-81ED-4DB2-BD59-A6C34878D82A}">
+                    <a16:rowId xmlns:a16="http://schemas.microsoft.com/office/drawing/2014/main" val="10005"/>
+                  </a:ext>
+                </a:extLst>
               </a:tr>
               <a:tr h="370840">
                 <a:tc>
@@ -10711,6 +11238,11 @@
                   </a:txBody>
                   <a:tcPr/>
                 </a:tc>
+                <a:extLst>
+                  <a:ext uri="{0D108BD9-81ED-4DB2-BD59-A6C34878D82A}">
+                    <a16:rowId xmlns:a16="http://schemas.microsoft.com/office/drawing/2014/main" val="10006"/>
+                  </a:ext>
+                </a:extLst>
               </a:tr>
             </a:tbl>
           </a:graphicData>
@@ -10933,6 +11465,18 @@
           </a:bodyPr>
           <a:lstStyle/>
           <a:p>
+            <a:r>
+              <a:rPr lang="ru-RU" sz="2800" dirty="0" smtClean="0"/>
+              <a:t>Сравнения ощущений от </a:t>
+            </a:r>
+            <a:r>
+              <a:rPr lang="ru-RU" sz="2800" dirty="0" err="1" smtClean="0"/>
+              <a:t>геймплея</a:t>
+            </a:r>
+            <a:r>
+              <a:rPr lang="ru-RU" sz="2800" dirty="0" smtClean="0"/>
+              <a:t> в 2012 году и 2020</a:t>
+            </a:r>
             <a:endParaRPr lang="ru-RU" sz="2800" dirty="0"/>
           </a:p>
         </p:txBody>
@@ -10947,131 +11491,1093 @@
             <p:ph idx="1"/>
             <p:extLst>
               <p:ext uri="{D42A27DB-BD31-4B8C-83A1-F6EECF244321}">
-                <p14:modId xmlns:p14="http://schemas.microsoft.com/office/powerpoint/2010/main" val="2754233594"/>
+                <p14:modId xmlns:p14="http://schemas.microsoft.com/office/powerpoint/2010/main" val="1805575991"/>
               </p:ext>
             </p:extLst>
           </p:nvPr>
         </p:nvGraphicFramePr>
         <p:xfrm>
-          <a:off x="677863" y="2160588"/>
-          <a:ext cx="8596310" cy="741680"/>
+          <a:off x="677863" y="2160584"/>
+          <a:ext cx="8410719" cy="3760638"/>
         </p:xfrm>
         <a:graphic>
           <a:graphicData uri="http://schemas.openxmlformats.org/drawingml/2006/table">
             <a:tbl>
               <a:tblPr firstRow="1" bandRow="1">
-                <a:tableStyleId>{5C22544A-7EE6-4342-B048-85BDC9FD1C3A}</a:tableStyleId>
+                <a:tableStyleId>{F5AB1C69-6EDB-4FF4-983F-18BD219EF322}</a:tableStyleId>
               </a:tblPr>
               <a:tblGrid>
-                <a:gridCol w="1719262"/>
-                <a:gridCol w="1719262"/>
-                <a:gridCol w="1719262"/>
-                <a:gridCol w="1719262"/>
-                <a:gridCol w="1719262"/>
+                <a:gridCol w="2803573">
+                  <a:extLst>
+                    <a:ext uri="{9D8B030D-6E8A-4147-A177-3AD203B41FA5}">
+                      <a16:colId xmlns:a16="http://schemas.microsoft.com/office/drawing/2014/main" val="20000"/>
+                    </a:ext>
+                  </a:extLst>
+                </a:gridCol>
+                <a:gridCol w="2803573">
+                  <a:extLst>
+                    <a:ext uri="{9D8B030D-6E8A-4147-A177-3AD203B41FA5}">
+                      <a16:colId xmlns:a16="http://schemas.microsoft.com/office/drawing/2014/main" val="3654005185"/>
+                    </a:ext>
+                  </a:extLst>
+                </a:gridCol>
+                <a:gridCol w="2803573">
+                  <a:extLst>
+                    <a:ext uri="{9D8B030D-6E8A-4147-A177-3AD203B41FA5}">
+                      <a16:colId xmlns:a16="http://schemas.microsoft.com/office/drawing/2014/main" val="1950544540"/>
+                    </a:ext>
+                  </a:extLst>
+                </a:gridCol>
               </a:tblGrid>
-              <a:tr h="370840">
+              <a:tr h="578890">
                 <a:tc>
                   <a:txBody>
                     <a:bodyPr/>
                     <a:lstStyle/>
                     <a:p>
+                      <a:pPr algn="ctr"/>
+                      <a:r>
+                        <a:rPr lang="ru-RU" dirty="0" smtClean="0"/>
+                        <a:t>Параметры</a:t>
+                      </a:r>
+                      <a:r>
+                        <a:rPr lang="ru-RU" baseline="0" dirty="0" smtClean="0"/>
+                        <a:t> сравнения</a:t>
+                      </a:r>
                       <a:endParaRPr lang="ru-RU" dirty="0"/>
                     </a:p>
                   </a:txBody>
-                  <a:tcPr/>
+                  <a:tcPr anchor="ctr">
+                    <a:lnL w="12700" cap="flat" cmpd="sng" algn="ctr">
+                      <a:solidFill>
+                        <a:schemeClr val="tx1"/>
+                      </a:solidFill>
+                      <a:prstDash val="solid"/>
+                      <a:round/>
+                      <a:headEnd type="none" w="med" len="med"/>
+                      <a:tailEnd type="none" w="med" len="med"/>
+                    </a:lnL>
+                    <a:lnR w="12700" cap="flat" cmpd="sng" algn="ctr">
+                      <a:solidFill>
+                        <a:schemeClr val="tx1"/>
+                      </a:solidFill>
+                      <a:prstDash val="solid"/>
+                      <a:round/>
+                      <a:headEnd type="none" w="med" len="med"/>
+                      <a:tailEnd type="none" w="med" len="med"/>
+                    </a:lnR>
+                    <a:lnT w="12700" cap="flat" cmpd="sng" algn="ctr">
+                      <a:solidFill>
+                        <a:schemeClr val="tx1"/>
+                      </a:solidFill>
+                      <a:prstDash val="solid"/>
+                      <a:round/>
+                      <a:headEnd type="none" w="med" len="med"/>
+                      <a:tailEnd type="none" w="med" len="med"/>
+                    </a:lnT>
+                    <a:lnB w="12700" cap="flat" cmpd="sng" algn="ctr">
+                      <a:solidFill>
+                        <a:schemeClr val="tx1"/>
+                      </a:solidFill>
+                      <a:prstDash val="solid"/>
+                      <a:round/>
+                      <a:headEnd type="none" w="med" len="med"/>
+                      <a:tailEnd type="none" w="med" len="med"/>
+                    </a:lnB>
+                  </a:tcPr>
                 </a:tc>
                 <a:tc>
                   <a:txBody>
                     <a:bodyPr/>
                     <a:lstStyle/>
                     <a:p>
-                      <a:endParaRPr lang="ru-RU"/>
+                      <a:pPr algn="ctr"/>
+                      <a:r>
+                        <a:rPr lang="ru-RU" dirty="0" smtClean="0"/>
+                        <a:t>2012</a:t>
+                      </a:r>
+                      <a:endParaRPr lang="ru-RU" dirty="0"/>
                     </a:p>
                   </a:txBody>
-                  <a:tcPr/>
+                  <a:tcPr anchor="ctr">
+                    <a:lnL w="12700" cap="flat" cmpd="sng" algn="ctr">
+                      <a:solidFill>
+                        <a:schemeClr val="tx1"/>
+                      </a:solidFill>
+                      <a:prstDash val="solid"/>
+                      <a:round/>
+                      <a:headEnd type="none" w="med" len="med"/>
+                      <a:tailEnd type="none" w="med" len="med"/>
+                    </a:lnL>
+                    <a:lnR w="12700" cap="flat" cmpd="sng" algn="ctr">
+                      <a:solidFill>
+                        <a:schemeClr val="tx1"/>
+                      </a:solidFill>
+                      <a:prstDash val="solid"/>
+                      <a:round/>
+                      <a:headEnd type="none" w="med" len="med"/>
+                      <a:tailEnd type="none" w="med" len="med"/>
+                    </a:lnR>
+                    <a:lnT w="12700" cap="flat" cmpd="sng" algn="ctr">
+                      <a:solidFill>
+                        <a:schemeClr val="tx1"/>
+                      </a:solidFill>
+                      <a:prstDash val="solid"/>
+                      <a:round/>
+                      <a:headEnd type="none" w="med" len="med"/>
+                      <a:tailEnd type="none" w="med" len="med"/>
+                    </a:lnT>
+                    <a:lnB w="12700" cap="flat" cmpd="sng" algn="ctr">
+                      <a:solidFill>
+                        <a:schemeClr val="tx1"/>
+                      </a:solidFill>
+                      <a:prstDash val="solid"/>
+                      <a:round/>
+                      <a:headEnd type="none" w="med" len="med"/>
+                      <a:tailEnd type="none" w="med" len="med"/>
+                    </a:lnB>
+                  </a:tcPr>
                 </a:tc>
                 <a:tc>
                   <a:txBody>
                     <a:bodyPr/>
                     <a:lstStyle/>
                     <a:p>
-                      <a:endParaRPr lang="ru-RU"/>
+                      <a:pPr algn="ctr"/>
+                      <a:r>
+                        <a:rPr lang="ru-RU" dirty="0" smtClean="0"/>
+                        <a:t>2020</a:t>
+                      </a:r>
+                      <a:endParaRPr lang="ru-RU" dirty="0"/>
                     </a:p>
                   </a:txBody>
-                  <a:tcPr/>
+                  <a:tcPr anchor="ctr">
+                    <a:lnL w="12700" cap="flat" cmpd="sng" algn="ctr">
+                      <a:solidFill>
+                        <a:schemeClr val="tx1"/>
+                      </a:solidFill>
+                      <a:prstDash val="solid"/>
+                      <a:round/>
+                      <a:headEnd type="none" w="med" len="med"/>
+                      <a:tailEnd type="none" w="med" len="med"/>
+                    </a:lnL>
+                    <a:lnR w="12700" cap="flat" cmpd="sng" algn="ctr">
+                      <a:solidFill>
+                        <a:schemeClr val="tx1"/>
+                      </a:solidFill>
+                      <a:prstDash val="solid"/>
+                      <a:round/>
+                      <a:headEnd type="none" w="med" len="med"/>
+                      <a:tailEnd type="none" w="med" len="med"/>
+                    </a:lnR>
+                    <a:lnT w="12700" cap="flat" cmpd="sng" algn="ctr">
+                      <a:solidFill>
+                        <a:schemeClr val="tx1"/>
+                      </a:solidFill>
+                      <a:prstDash val="solid"/>
+                      <a:round/>
+                      <a:headEnd type="none" w="med" len="med"/>
+                      <a:tailEnd type="none" w="med" len="med"/>
+                    </a:lnT>
+                    <a:lnB w="12700" cap="flat" cmpd="sng" algn="ctr">
+                      <a:solidFill>
+                        <a:schemeClr val="tx1"/>
+                      </a:solidFill>
+                      <a:prstDash val="solid"/>
+                      <a:round/>
+                      <a:headEnd type="none" w="med" len="med"/>
+                      <a:tailEnd type="none" w="med" len="med"/>
+                    </a:lnB>
+                  </a:tcPr>
+                </a:tc>
+                <a:extLst>
+                  <a:ext uri="{0D108BD9-81ED-4DB2-BD59-A6C34878D82A}">
+                    <a16:rowId xmlns:a16="http://schemas.microsoft.com/office/drawing/2014/main" val="10000"/>
+                  </a:ext>
+                </a:extLst>
+              </a:tr>
+              <a:tr h="621428">
+                <a:tc>
+                  <a:txBody>
+                    <a:bodyPr/>
+                    <a:lstStyle/>
+                    <a:p>
+                      <a:pPr algn="ctr"/>
+                      <a:r>
+                        <a:rPr lang="ru-RU" dirty="0" smtClean="0"/>
+                        <a:t>Телепорты</a:t>
+                      </a:r>
+                      <a:r>
+                        <a:rPr lang="en-US" dirty="0" smtClean="0"/>
+                        <a:t>/</a:t>
+                      </a:r>
+                      <a:r>
+                        <a:rPr lang="ru-RU" dirty="0" smtClean="0"/>
+                        <a:t>лаги</a:t>
+                      </a:r>
+                      <a:r>
+                        <a:rPr lang="en-US" dirty="0" smtClean="0"/>
+                        <a:t>/</a:t>
+                      </a:r>
+                      <a:r>
+                        <a:rPr lang="ru-RU" dirty="0" smtClean="0"/>
+                        <a:t>баги</a:t>
+                      </a:r>
+                      <a:endParaRPr lang="ru-RU" dirty="0"/>
+                    </a:p>
+                  </a:txBody>
+                  <a:tcPr anchor="ctr">
+                    <a:lnL w="12700" cap="flat" cmpd="sng" algn="ctr">
+                      <a:solidFill>
+                        <a:schemeClr val="tx1"/>
+                      </a:solidFill>
+                      <a:prstDash val="solid"/>
+                      <a:round/>
+                      <a:headEnd type="none" w="med" len="med"/>
+                      <a:tailEnd type="none" w="med" len="med"/>
+                    </a:lnL>
+                    <a:lnR w="12700" cap="flat" cmpd="sng" algn="ctr">
+                      <a:solidFill>
+                        <a:schemeClr val="tx1"/>
+                      </a:solidFill>
+                      <a:prstDash val="solid"/>
+                      <a:round/>
+                      <a:headEnd type="none" w="med" len="med"/>
+                      <a:tailEnd type="none" w="med" len="med"/>
+                    </a:lnR>
+                    <a:lnT w="12700" cap="flat" cmpd="sng" algn="ctr">
+                      <a:solidFill>
+                        <a:schemeClr val="tx1"/>
+                      </a:solidFill>
+                      <a:prstDash val="solid"/>
+                      <a:round/>
+                      <a:headEnd type="none" w="med" len="med"/>
+                      <a:tailEnd type="none" w="med" len="med"/>
+                    </a:lnT>
+                    <a:lnB w="12700" cap="flat" cmpd="sng" algn="ctr">
+                      <a:solidFill>
+                        <a:schemeClr val="tx1"/>
+                      </a:solidFill>
+                      <a:prstDash val="solid"/>
+                      <a:round/>
+                      <a:headEnd type="none" w="med" len="med"/>
+                      <a:tailEnd type="none" w="med" len="med"/>
+                    </a:lnB>
+                  </a:tcPr>
                 </a:tc>
                 <a:tc>
                   <a:txBody>
                     <a:bodyPr/>
                     <a:lstStyle/>
                     <a:p>
-                      <a:endParaRPr lang="ru-RU"/>
+                      <a:pPr algn="ctr"/>
+                      <a:r>
+                        <a:rPr lang="ru-RU" dirty="0" smtClean="0"/>
+                        <a:t>Меньше, но есть</a:t>
+                      </a:r>
+                      <a:endParaRPr lang="ru-RU" dirty="0"/>
                     </a:p>
                   </a:txBody>
-                  <a:tcPr/>
+                  <a:tcPr anchor="ctr">
+                    <a:lnL w="12700" cap="flat" cmpd="sng" algn="ctr">
+                      <a:solidFill>
+                        <a:schemeClr val="tx1"/>
+                      </a:solidFill>
+                      <a:prstDash val="solid"/>
+                      <a:round/>
+                      <a:headEnd type="none" w="med" len="med"/>
+                      <a:tailEnd type="none" w="med" len="med"/>
+                    </a:lnL>
+                    <a:lnR w="12700" cap="flat" cmpd="sng" algn="ctr">
+                      <a:solidFill>
+                        <a:schemeClr val="tx1"/>
+                      </a:solidFill>
+                      <a:prstDash val="solid"/>
+                      <a:round/>
+                      <a:headEnd type="none" w="med" len="med"/>
+                      <a:tailEnd type="none" w="med" len="med"/>
+                    </a:lnR>
+                    <a:lnT w="12700" cap="flat" cmpd="sng" algn="ctr">
+                      <a:solidFill>
+                        <a:schemeClr val="tx1"/>
+                      </a:solidFill>
+                      <a:prstDash val="solid"/>
+                      <a:round/>
+                      <a:headEnd type="none" w="med" len="med"/>
+                      <a:tailEnd type="none" w="med" len="med"/>
+                    </a:lnT>
+                    <a:lnB w="12700" cap="flat" cmpd="sng" algn="ctr">
+                      <a:solidFill>
+                        <a:schemeClr val="tx1"/>
+                      </a:solidFill>
+                      <a:prstDash val="solid"/>
+                      <a:round/>
+                      <a:headEnd type="none" w="med" len="med"/>
+                      <a:tailEnd type="none" w="med" len="med"/>
+                    </a:lnB>
+                  </a:tcPr>
                 </a:tc>
                 <a:tc>
                   <a:txBody>
                     <a:bodyPr/>
                     <a:lstStyle/>
                     <a:p>
-                      <a:endParaRPr lang="ru-RU"/>
+                      <a:pPr algn="ctr"/>
+                      <a:r>
+                        <a:rPr lang="ru-RU" dirty="0" smtClean="0"/>
+                        <a:t>Запредельное кол-во</a:t>
+                      </a:r>
+                      <a:endParaRPr lang="ru-RU" dirty="0"/>
                     </a:p>
                   </a:txBody>
-                  <a:tcPr/>
+                  <a:tcPr anchor="ctr">
+                    <a:lnL w="12700" cap="flat" cmpd="sng" algn="ctr">
+                      <a:solidFill>
+                        <a:schemeClr val="tx1"/>
+                      </a:solidFill>
+                      <a:prstDash val="solid"/>
+                      <a:round/>
+                      <a:headEnd type="none" w="med" len="med"/>
+                      <a:tailEnd type="none" w="med" len="med"/>
+                    </a:lnL>
+                    <a:lnR w="12700" cap="flat" cmpd="sng" algn="ctr">
+                      <a:solidFill>
+                        <a:schemeClr val="tx1"/>
+                      </a:solidFill>
+                      <a:prstDash val="solid"/>
+                      <a:round/>
+                      <a:headEnd type="none" w="med" len="med"/>
+                      <a:tailEnd type="none" w="med" len="med"/>
+                    </a:lnR>
+                    <a:lnT w="12700" cap="flat" cmpd="sng" algn="ctr">
+                      <a:solidFill>
+                        <a:schemeClr val="tx1"/>
+                      </a:solidFill>
+                      <a:prstDash val="solid"/>
+                      <a:round/>
+                      <a:headEnd type="none" w="med" len="med"/>
+                      <a:tailEnd type="none" w="med" len="med"/>
+                    </a:lnT>
+                    <a:lnB w="12700" cap="flat" cmpd="sng" algn="ctr">
+                      <a:solidFill>
+                        <a:schemeClr val="tx1"/>
+                      </a:solidFill>
+                      <a:prstDash val="solid"/>
+                      <a:round/>
+                      <a:headEnd type="none" w="med" len="med"/>
+                      <a:tailEnd type="none" w="med" len="med"/>
+                    </a:lnB>
+                  </a:tcPr>
                 </a:tc>
+                <a:extLst>
+                  <a:ext uri="{0D108BD9-81ED-4DB2-BD59-A6C34878D82A}">
+                    <a16:rowId xmlns:a16="http://schemas.microsoft.com/office/drawing/2014/main" val="2213018267"/>
+                  </a:ext>
+                </a:extLst>
               </a:tr>
-              <a:tr h="370840">
+              <a:tr h="621429">
                 <a:tc>
                   <a:txBody>
                     <a:bodyPr/>
                     <a:lstStyle/>
                     <a:p>
-                      <a:endParaRPr lang="ru-RU"/>
+                      <a:pPr algn="ctr"/>
+                      <a:r>
+                        <a:rPr lang="ru-RU" dirty="0" smtClean="0"/>
+                        <a:t>Доступность</a:t>
+                      </a:r>
+                      <a:r>
+                        <a:rPr lang="ru-RU" baseline="0" dirty="0" smtClean="0"/>
+                        <a:t> оружия</a:t>
+                      </a:r>
+                      <a:endParaRPr lang="ru-RU" dirty="0"/>
                     </a:p>
                   </a:txBody>
-                  <a:tcPr/>
+                  <a:tcPr anchor="ctr">
+                    <a:lnL w="12700" cap="flat" cmpd="sng" algn="ctr">
+                      <a:solidFill>
+                        <a:schemeClr val="tx1"/>
+                      </a:solidFill>
+                      <a:prstDash val="solid"/>
+                      <a:round/>
+                      <a:headEnd type="none" w="med" len="med"/>
+                      <a:tailEnd type="none" w="med" len="med"/>
+                    </a:lnL>
+                    <a:lnR w="12700" cap="flat" cmpd="sng" algn="ctr">
+                      <a:solidFill>
+                        <a:schemeClr val="tx1"/>
+                      </a:solidFill>
+                      <a:prstDash val="solid"/>
+                      <a:round/>
+                      <a:headEnd type="none" w="med" len="med"/>
+                      <a:tailEnd type="none" w="med" len="med"/>
+                    </a:lnR>
+                    <a:lnT w="12700" cap="flat" cmpd="sng" algn="ctr">
+                      <a:solidFill>
+                        <a:schemeClr val="tx1"/>
+                      </a:solidFill>
+                      <a:prstDash val="solid"/>
+                      <a:round/>
+                      <a:headEnd type="none" w="med" len="med"/>
+                      <a:tailEnd type="none" w="med" len="med"/>
+                    </a:lnT>
+                    <a:lnB w="12700" cap="flat" cmpd="sng" algn="ctr">
+                      <a:solidFill>
+                        <a:schemeClr val="tx1"/>
+                      </a:solidFill>
+                      <a:prstDash val="solid"/>
+                      <a:round/>
+                      <a:headEnd type="none" w="med" len="med"/>
+                      <a:tailEnd type="none" w="med" len="med"/>
+                    </a:lnB>
+                  </a:tcPr>
                 </a:tc>
                 <a:tc>
                   <a:txBody>
                     <a:bodyPr/>
                     <a:lstStyle/>
                     <a:p>
-                      <a:endParaRPr lang="ru-RU"/>
+                      <a:pPr algn="ctr"/>
+                      <a:r>
+                        <a:rPr lang="ru-RU" dirty="0" smtClean="0"/>
+                        <a:t>Помимо</a:t>
+                      </a:r>
+                      <a:r>
+                        <a:rPr lang="ru-RU" baseline="0" dirty="0" smtClean="0"/>
+                        <a:t> открытия, требуют покупки</a:t>
+                      </a:r>
+                      <a:endParaRPr lang="ru-RU" dirty="0"/>
                     </a:p>
                   </a:txBody>
-                  <a:tcPr/>
+                  <a:tcPr anchor="ctr">
+                    <a:lnL w="12700" cap="flat" cmpd="sng" algn="ctr">
+                      <a:solidFill>
+                        <a:schemeClr val="tx1"/>
+                      </a:solidFill>
+                      <a:prstDash val="solid"/>
+                      <a:round/>
+                      <a:headEnd type="none" w="med" len="med"/>
+                      <a:tailEnd type="none" w="med" len="med"/>
+                    </a:lnL>
+                    <a:lnR w="12700" cap="flat" cmpd="sng" algn="ctr">
+                      <a:solidFill>
+                        <a:schemeClr val="tx1"/>
+                      </a:solidFill>
+                      <a:prstDash val="solid"/>
+                      <a:round/>
+                      <a:headEnd type="none" w="med" len="med"/>
+                      <a:tailEnd type="none" w="med" len="med"/>
+                    </a:lnR>
+                    <a:lnT w="12700" cap="flat" cmpd="sng" algn="ctr">
+                      <a:solidFill>
+                        <a:schemeClr val="tx1"/>
+                      </a:solidFill>
+                      <a:prstDash val="solid"/>
+                      <a:round/>
+                      <a:headEnd type="none" w="med" len="med"/>
+                      <a:tailEnd type="none" w="med" len="med"/>
+                    </a:lnT>
+                    <a:lnB w="12700" cap="flat" cmpd="sng" algn="ctr">
+                      <a:solidFill>
+                        <a:schemeClr val="tx1"/>
+                      </a:solidFill>
+                      <a:prstDash val="solid"/>
+                      <a:round/>
+                      <a:headEnd type="none" w="med" len="med"/>
+                      <a:tailEnd type="none" w="med" len="med"/>
+                    </a:lnB>
+                  </a:tcPr>
                 </a:tc>
                 <a:tc>
                   <a:txBody>
                     <a:bodyPr/>
                     <a:lstStyle/>
                     <a:p>
-                      <a:endParaRPr lang="ru-RU"/>
+                      <a:pPr algn="ctr"/>
+                      <a:r>
+                        <a:rPr lang="ru-RU" dirty="0" smtClean="0"/>
+                        <a:t>Просто достаточно</a:t>
+                      </a:r>
+                      <a:r>
+                        <a:rPr lang="ru-RU" baseline="0" dirty="0" smtClean="0"/>
+                        <a:t> открыть в поставщиках</a:t>
+                      </a:r>
+                      <a:endParaRPr lang="ru-RU" dirty="0"/>
                     </a:p>
                   </a:txBody>
-                  <a:tcPr/>
+                  <a:tcPr anchor="ctr">
+                    <a:lnL w="12700" cap="flat" cmpd="sng" algn="ctr">
+                      <a:solidFill>
+                        <a:schemeClr val="tx1"/>
+                      </a:solidFill>
+                      <a:prstDash val="solid"/>
+                      <a:round/>
+                      <a:headEnd type="none" w="med" len="med"/>
+                      <a:tailEnd type="none" w="med" len="med"/>
+                    </a:lnL>
+                    <a:lnR w="12700" cap="flat" cmpd="sng" algn="ctr">
+                      <a:solidFill>
+                        <a:schemeClr val="tx1"/>
+                      </a:solidFill>
+                      <a:prstDash val="solid"/>
+                      <a:round/>
+                      <a:headEnd type="none" w="med" len="med"/>
+                      <a:tailEnd type="none" w="med" len="med"/>
+                    </a:lnR>
+                    <a:lnT w="12700" cap="flat" cmpd="sng" algn="ctr">
+                      <a:solidFill>
+                        <a:schemeClr val="tx1"/>
+                      </a:solidFill>
+                      <a:prstDash val="solid"/>
+                      <a:round/>
+                      <a:headEnd type="none" w="med" len="med"/>
+                      <a:tailEnd type="none" w="med" len="med"/>
+                    </a:lnT>
+                    <a:lnB w="12700" cap="flat" cmpd="sng" algn="ctr">
+                      <a:solidFill>
+                        <a:schemeClr val="tx1"/>
+                      </a:solidFill>
+                      <a:prstDash val="solid"/>
+                      <a:round/>
+                      <a:headEnd type="none" w="med" len="med"/>
+                      <a:tailEnd type="none" w="med" len="med"/>
+                    </a:lnB>
+                  </a:tcPr>
+                </a:tc>
+                <a:extLst>
+                  <a:ext uri="{0D108BD9-81ED-4DB2-BD59-A6C34878D82A}">
+                    <a16:rowId xmlns:a16="http://schemas.microsoft.com/office/drawing/2014/main" val="1959398976"/>
+                  </a:ext>
+                </a:extLst>
+              </a:tr>
+              <a:tr h="621428">
+                <a:tc>
+                  <a:txBody>
+                    <a:bodyPr/>
+                    <a:lstStyle/>
+                    <a:p>
+                      <a:pPr algn="ctr"/>
+                      <a:r>
+                        <a:rPr lang="ru-RU" dirty="0" smtClean="0"/>
+                        <a:t>Оружие</a:t>
+                      </a:r>
+                      <a:endParaRPr lang="ru-RU" dirty="0"/>
+                    </a:p>
+                  </a:txBody>
+                  <a:tcPr anchor="ctr">
+                    <a:lnL w="12700" cap="flat" cmpd="sng" algn="ctr">
+                      <a:solidFill>
+                        <a:schemeClr val="tx1"/>
+                      </a:solidFill>
+                      <a:prstDash val="solid"/>
+                      <a:round/>
+                      <a:headEnd type="none" w="med" len="med"/>
+                      <a:tailEnd type="none" w="med" len="med"/>
+                    </a:lnL>
+                    <a:lnR w="12700" cap="flat" cmpd="sng" algn="ctr">
+                      <a:solidFill>
+                        <a:schemeClr val="tx1"/>
+                      </a:solidFill>
+                      <a:prstDash val="solid"/>
+                      <a:round/>
+                      <a:headEnd type="none" w="med" len="med"/>
+                      <a:tailEnd type="none" w="med" len="med"/>
+                    </a:lnR>
+                    <a:lnT w="12700" cap="flat" cmpd="sng" algn="ctr">
+                      <a:solidFill>
+                        <a:schemeClr val="tx1"/>
+                      </a:solidFill>
+                      <a:prstDash val="solid"/>
+                      <a:round/>
+                      <a:headEnd type="none" w="med" len="med"/>
+                      <a:tailEnd type="none" w="med" len="med"/>
+                    </a:lnT>
+                    <a:lnB w="12700" cap="flat" cmpd="sng" algn="ctr">
+                      <a:solidFill>
+                        <a:schemeClr val="tx1"/>
+                      </a:solidFill>
+                      <a:prstDash val="solid"/>
+                      <a:round/>
+                      <a:headEnd type="none" w="med" len="med"/>
+                      <a:tailEnd type="none" w="med" len="med"/>
+                    </a:lnB>
+                  </a:tcPr>
                 </a:tc>
                 <a:tc>
                   <a:txBody>
                     <a:bodyPr/>
                     <a:lstStyle/>
                     <a:p>
-                      <a:endParaRPr lang="ru-RU"/>
+                      <a:pPr algn="ctr"/>
+                      <a:r>
+                        <a:rPr lang="ru-RU" dirty="0" smtClean="0"/>
+                        <a:t>Дисбаланс</a:t>
+                      </a:r>
+                      <a:r>
+                        <a:rPr lang="ru-RU" baseline="0" dirty="0" smtClean="0"/>
+                        <a:t> между доном и </a:t>
+                      </a:r>
+                      <a:r>
+                        <a:rPr lang="ru-RU" baseline="0" dirty="0" err="1" smtClean="0"/>
+                        <a:t>вб</a:t>
+                      </a:r>
+                      <a:endParaRPr lang="ru-RU" dirty="0"/>
                     </a:p>
                   </a:txBody>
-                  <a:tcPr/>
+                  <a:tcPr anchor="ctr">
+                    <a:lnL w="12700" cap="flat" cmpd="sng" algn="ctr">
+                      <a:solidFill>
+                        <a:schemeClr val="tx1"/>
+                      </a:solidFill>
+                      <a:prstDash val="solid"/>
+                      <a:round/>
+                      <a:headEnd type="none" w="med" len="med"/>
+                      <a:tailEnd type="none" w="med" len="med"/>
+                    </a:lnL>
+                    <a:lnR w="12700" cap="flat" cmpd="sng" algn="ctr">
+                      <a:solidFill>
+                        <a:schemeClr val="tx1"/>
+                      </a:solidFill>
+                      <a:prstDash val="solid"/>
+                      <a:round/>
+                      <a:headEnd type="none" w="med" len="med"/>
+                      <a:tailEnd type="none" w="med" len="med"/>
+                    </a:lnR>
+                    <a:lnT w="12700" cap="flat" cmpd="sng" algn="ctr">
+                      <a:solidFill>
+                        <a:schemeClr val="tx1"/>
+                      </a:solidFill>
+                      <a:prstDash val="solid"/>
+                      <a:round/>
+                      <a:headEnd type="none" w="med" len="med"/>
+                      <a:tailEnd type="none" w="med" len="med"/>
+                    </a:lnT>
+                    <a:lnB w="12700" cap="flat" cmpd="sng" algn="ctr">
+                      <a:solidFill>
+                        <a:schemeClr val="tx1"/>
+                      </a:solidFill>
+                      <a:prstDash val="solid"/>
+                      <a:round/>
+                      <a:headEnd type="none" w="med" len="med"/>
+                      <a:tailEnd type="none" w="med" len="med"/>
+                    </a:lnB>
+                  </a:tcPr>
                 </a:tc>
                 <a:tc>
                   <a:txBody>
                     <a:bodyPr/>
                     <a:lstStyle/>
                     <a:p>
-                      <a:endParaRPr lang="ru-RU"/>
+                      <a:pPr algn="ctr"/>
+                      <a:r>
+                        <a:rPr lang="ru-RU" dirty="0" err="1" smtClean="0"/>
+                        <a:t>Вб</a:t>
+                      </a:r>
+                      <a:r>
+                        <a:rPr lang="ru-RU" baseline="0" dirty="0" smtClean="0"/>
+                        <a:t> чуть хуже </a:t>
+                      </a:r>
+                      <a:r>
+                        <a:rPr lang="ru-RU" baseline="0" dirty="0" err="1" smtClean="0"/>
+                        <a:t>доната</a:t>
+                      </a:r>
+                      <a:endParaRPr lang="ru-RU" dirty="0"/>
                     </a:p>
                   </a:txBody>
-                  <a:tcPr/>
+                  <a:tcPr anchor="ctr">
+                    <a:lnL w="12700" cap="flat" cmpd="sng" algn="ctr">
+                      <a:solidFill>
+                        <a:schemeClr val="tx1"/>
+                      </a:solidFill>
+                      <a:prstDash val="solid"/>
+                      <a:round/>
+                      <a:headEnd type="none" w="med" len="med"/>
+                      <a:tailEnd type="none" w="med" len="med"/>
+                    </a:lnL>
+                    <a:lnR w="12700" cap="flat" cmpd="sng" algn="ctr">
+                      <a:solidFill>
+                        <a:schemeClr val="tx1"/>
+                      </a:solidFill>
+                      <a:prstDash val="solid"/>
+                      <a:round/>
+                      <a:headEnd type="none" w="med" len="med"/>
+                      <a:tailEnd type="none" w="med" len="med"/>
+                    </a:lnR>
+                    <a:lnT w="12700" cap="flat" cmpd="sng" algn="ctr">
+                      <a:solidFill>
+                        <a:schemeClr val="tx1"/>
+                      </a:solidFill>
+                      <a:prstDash val="solid"/>
+                      <a:round/>
+                      <a:headEnd type="none" w="med" len="med"/>
+                      <a:tailEnd type="none" w="med" len="med"/>
+                    </a:lnT>
+                    <a:lnB w="12700" cap="flat" cmpd="sng" algn="ctr">
+                      <a:solidFill>
+                        <a:schemeClr val="tx1"/>
+                      </a:solidFill>
+                      <a:prstDash val="solid"/>
+                      <a:round/>
+                      <a:headEnd type="none" w="med" len="med"/>
+                      <a:tailEnd type="none" w="med" len="med"/>
+                    </a:lnB>
+                  </a:tcPr>
                 </a:tc>
+                <a:extLst>
+                  <a:ext uri="{0D108BD9-81ED-4DB2-BD59-A6C34878D82A}">
+                    <a16:rowId xmlns:a16="http://schemas.microsoft.com/office/drawing/2014/main" val="1087727357"/>
+                  </a:ext>
+                </a:extLst>
+              </a:tr>
+              <a:tr h="621429">
+                <a:tc>
+                  <a:txBody>
+                    <a:bodyPr/>
+                    <a:lstStyle/>
+                    <a:p>
+                      <a:pPr algn="ctr"/>
+                      <a:r>
+                        <a:rPr lang="ru-RU" dirty="0" smtClean="0"/>
+                        <a:t>Разнообразие</a:t>
+                      </a:r>
+                      <a:r>
+                        <a:rPr lang="ru-RU" baseline="0" dirty="0" smtClean="0"/>
+                        <a:t> контента</a:t>
+                      </a:r>
+                      <a:endParaRPr lang="ru-RU" dirty="0"/>
+                    </a:p>
+                  </a:txBody>
+                  <a:tcPr anchor="ctr">
+                    <a:lnL w="12700" cap="flat" cmpd="sng" algn="ctr">
+                      <a:solidFill>
+                        <a:schemeClr val="tx1"/>
+                      </a:solidFill>
+                      <a:prstDash val="solid"/>
+                      <a:round/>
+                      <a:headEnd type="none" w="med" len="med"/>
+                      <a:tailEnd type="none" w="med" len="med"/>
+                    </a:lnL>
+                    <a:lnR w="12700" cap="flat" cmpd="sng" algn="ctr">
+                      <a:solidFill>
+                        <a:schemeClr val="tx1"/>
+                      </a:solidFill>
+                      <a:prstDash val="solid"/>
+                      <a:round/>
+                      <a:headEnd type="none" w="med" len="med"/>
+                      <a:tailEnd type="none" w="med" len="med"/>
+                    </a:lnR>
+                    <a:lnT w="12700" cap="flat" cmpd="sng" algn="ctr">
+                      <a:solidFill>
+                        <a:schemeClr val="tx1"/>
+                      </a:solidFill>
+                      <a:prstDash val="solid"/>
+                      <a:round/>
+                      <a:headEnd type="none" w="med" len="med"/>
+                      <a:tailEnd type="none" w="med" len="med"/>
+                    </a:lnT>
+                    <a:lnB w="12700" cap="flat" cmpd="sng" algn="ctr">
+                      <a:solidFill>
+                        <a:schemeClr val="tx1"/>
+                      </a:solidFill>
+                      <a:prstDash val="solid"/>
+                      <a:round/>
+                      <a:headEnd type="none" w="med" len="med"/>
+                      <a:tailEnd type="none" w="med" len="med"/>
+                    </a:lnB>
+                  </a:tcPr>
+                </a:tc>
+                <a:tc>
+                  <a:txBody>
+                    <a:bodyPr/>
+                    <a:lstStyle/>
+                    <a:p>
+                      <a:pPr algn="ctr"/>
+                      <a:r>
+                        <a:rPr lang="ru-RU" dirty="0" smtClean="0"/>
+                        <a:t>ПВЕ,</a:t>
+                      </a:r>
+                      <a:r>
+                        <a:rPr lang="ru-RU" baseline="0" dirty="0" smtClean="0"/>
+                        <a:t> Спецоперации, новые режимы</a:t>
+                      </a:r>
+                      <a:endParaRPr lang="ru-RU" dirty="0"/>
+                    </a:p>
+                  </a:txBody>
+                  <a:tcPr anchor="ctr">
+                    <a:lnL w="12700" cap="flat" cmpd="sng" algn="ctr">
+                      <a:solidFill>
+                        <a:schemeClr val="tx1"/>
+                      </a:solidFill>
+                      <a:prstDash val="solid"/>
+                      <a:round/>
+                      <a:headEnd type="none" w="med" len="med"/>
+                      <a:tailEnd type="none" w="med" len="med"/>
+                    </a:lnL>
+                    <a:lnR w="12700" cap="flat" cmpd="sng" algn="ctr">
+                      <a:solidFill>
+                        <a:schemeClr val="tx1"/>
+                      </a:solidFill>
+                      <a:prstDash val="solid"/>
+                      <a:round/>
+                      <a:headEnd type="none" w="med" len="med"/>
+                      <a:tailEnd type="none" w="med" len="med"/>
+                    </a:lnR>
+                    <a:lnT w="12700" cap="flat" cmpd="sng" algn="ctr">
+                      <a:solidFill>
+                        <a:schemeClr val="tx1"/>
+                      </a:solidFill>
+                      <a:prstDash val="solid"/>
+                      <a:round/>
+                      <a:headEnd type="none" w="med" len="med"/>
+                      <a:tailEnd type="none" w="med" len="med"/>
+                    </a:lnT>
+                    <a:lnB w="12700" cap="flat" cmpd="sng" algn="ctr">
+                      <a:solidFill>
+                        <a:schemeClr val="tx1"/>
+                      </a:solidFill>
+                      <a:prstDash val="solid"/>
+                      <a:round/>
+                      <a:headEnd type="none" w="med" len="med"/>
+                      <a:tailEnd type="none" w="med" len="med"/>
+                    </a:lnB>
+                  </a:tcPr>
+                </a:tc>
+                <a:tc>
+                  <a:txBody>
+                    <a:bodyPr/>
+                    <a:lstStyle/>
+                    <a:p>
+                      <a:pPr algn="ctr"/>
+                      <a:r>
+                        <a:rPr lang="ru-RU" dirty="0" smtClean="0"/>
+                        <a:t>Урезание</a:t>
+                      </a:r>
+                      <a:r>
+                        <a:rPr lang="ru-RU" baseline="0" dirty="0" smtClean="0"/>
+                        <a:t> режимов</a:t>
+                      </a:r>
+                      <a:endParaRPr lang="ru-RU" dirty="0"/>
+                    </a:p>
+                  </a:txBody>
+                  <a:tcPr anchor="ctr">
+                    <a:lnL w="12700" cap="flat" cmpd="sng" algn="ctr">
+                      <a:solidFill>
+                        <a:schemeClr val="tx1"/>
+                      </a:solidFill>
+                      <a:prstDash val="solid"/>
+                      <a:round/>
+                      <a:headEnd type="none" w="med" len="med"/>
+                      <a:tailEnd type="none" w="med" len="med"/>
+                    </a:lnL>
+                    <a:lnR w="12700" cap="flat" cmpd="sng" algn="ctr">
+                      <a:solidFill>
+                        <a:schemeClr val="tx1"/>
+                      </a:solidFill>
+                      <a:prstDash val="solid"/>
+                      <a:round/>
+                      <a:headEnd type="none" w="med" len="med"/>
+                      <a:tailEnd type="none" w="med" len="med"/>
+                    </a:lnR>
+                    <a:lnT w="12700" cap="flat" cmpd="sng" algn="ctr">
+                      <a:solidFill>
+                        <a:schemeClr val="tx1"/>
+                      </a:solidFill>
+                      <a:prstDash val="solid"/>
+                      <a:round/>
+                      <a:headEnd type="none" w="med" len="med"/>
+                      <a:tailEnd type="none" w="med" len="med"/>
+                    </a:lnT>
+                    <a:lnB w="12700" cap="flat" cmpd="sng" algn="ctr">
+                      <a:solidFill>
+                        <a:schemeClr val="tx1"/>
+                      </a:solidFill>
+                      <a:prstDash val="solid"/>
+                      <a:round/>
+                      <a:headEnd type="none" w="med" len="med"/>
+                      <a:tailEnd type="none" w="med" len="med"/>
+                    </a:lnB>
+                  </a:tcPr>
+                </a:tc>
+                <a:extLst>
+                  <a:ext uri="{0D108BD9-81ED-4DB2-BD59-A6C34878D82A}">
+                    <a16:rowId xmlns:a16="http://schemas.microsoft.com/office/drawing/2014/main" val="2854099624"/>
+                  </a:ext>
+                </a:extLst>
+              </a:tr>
+              <a:tr h="621428">
+                <a:tc>
+                  <a:txBody>
+                    <a:bodyPr/>
+                    <a:lstStyle/>
+                    <a:p>
+                      <a:pPr algn="ctr"/>
+                      <a:r>
+                        <a:rPr lang="ru-RU" dirty="0" smtClean="0"/>
+                        <a:t>Уютность</a:t>
+                      </a:r>
+                      <a:r>
+                        <a:rPr lang="en-US" dirty="0" smtClean="0"/>
+                        <a:t>/</a:t>
+                      </a:r>
+                      <a:r>
+                        <a:rPr lang="ru-RU" dirty="0" err="1" smtClean="0"/>
+                        <a:t>ламповость</a:t>
+                      </a:r>
+                      <a:endParaRPr lang="ru-RU" dirty="0"/>
+                    </a:p>
+                  </a:txBody>
+                  <a:tcPr anchor="ctr">
+                    <a:lnL w="12700" cap="flat" cmpd="sng" algn="ctr">
+                      <a:solidFill>
+                        <a:schemeClr val="tx1"/>
+                      </a:solidFill>
+                      <a:prstDash val="solid"/>
+                      <a:round/>
+                      <a:headEnd type="none" w="med" len="med"/>
+                      <a:tailEnd type="none" w="med" len="med"/>
+                    </a:lnL>
+                    <a:lnR w="12700" cap="flat" cmpd="sng" algn="ctr">
+                      <a:solidFill>
+                        <a:schemeClr val="tx1"/>
+                      </a:solidFill>
+                      <a:prstDash val="solid"/>
+                      <a:round/>
+                      <a:headEnd type="none" w="med" len="med"/>
+                      <a:tailEnd type="none" w="med" len="med"/>
+                    </a:lnR>
+                    <a:lnT w="12700" cap="flat" cmpd="sng" algn="ctr">
+                      <a:solidFill>
+                        <a:schemeClr val="tx1"/>
+                      </a:solidFill>
+                      <a:prstDash val="solid"/>
+                      <a:round/>
+                      <a:headEnd type="none" w="med" len="med"/>
+                      <a:tailEnd type="none" w="med" len="med"/>
+                    </a:lnT>
+                    <a:lnB w="12700" cap="flat" cmpd="sng" algn="ctr">
+                      <a:solidFill>
+                        <a:schemeClr val="tx1"/>
+                      </a:solidFill>
+                      <a:prstDash val="solid"/>
+                      <a:round/>
+                      <a:headEnd type="none" w="med" len="med"/>
+                      <a:tailEnd type="none" w="med" len="med"/>
+                    </a:lnB>
+                  </a:tcPr>
+                </a:tc>
+                <a:tc>
+                  <a:txBody>
+                    <a:bodyPr/>
+                    <a:lstStyle/>
+                    <a:p>
+                      <a:pPr algn="ctr"/>
+                      <a:r>
+                        <a:rPr lang="ru-RU" dirty="0" smtClean="0"/>
+                        <a:t>Максимальная</a:t>
+                      </a:r>
+                      <a:endParaRPr lang="ru-RU" dirty="0"/>
+                    </a:p>
+                  </a:txBody>
+                  <a:tcPr anchor="ctr">
+                    <a:lnL w="12700" cap="flat" cmpd="sng" algn="ctr">
+                      <a:solidFill>
+                        <a:schemeClr val="tx1"/>
+                      </a:solidFill>
+                      <a:prstDash val="solid"/>
+                      <a:round/>
+                      <a:headEnd type="none" w="med" len="med"/>
+                      <a:tailEnd type="none" w="med" len="med"/>
+                    </a:lnL>
+                    <a:lnR w="12700" cap="flat" cmpd="sng" algn="ctr">
+                      <a:solidFill>
+                        <a:schemeClr val="tx1"/>
+                      </a:solidFill>
+                      <a:prstDash val="solid"/>
+                      <a:round/>
+                      <a:headEnd type="none" w="med" len="med"/>
+                      <a:tailEnd type="none" w="med" len="med"/>
+                    </a:lnR>
+                    <a:lnT w="12700" cap="flat" cmpd="sng" algn="ctr">
+                      <a:solidFill>
+                        <a:schemeClr val="tx1"/>
+                      </a:solidFill>
+                      <a:prstDash val="solid"/>
+                      <a:round/>
+                      <a:headEnd type="none" w="med" len="med"/>
+                      <a:tailEnd type="none" w="med" len="med"/>
+                    </a:lnT>
+                    <a:lnB w="12700" cap="flat" cmpd="sng" algn="ctr">
+                      <a:solidFill>
+                        <a:schemeClr val="tx1"/>
+                      </a:solidFill>
+                      <a:prstDash val="solid"/>
+                      <a:round/>
+                      <a:headEnd type="none" w="med" len="med"/>
+                      <a:tailEnd type="none" w="med" len="med"/>
+                    </a:lnB>
+                  </a:tcPr>
+                </a:tc>
+                <a:tc>
+                  <a:txBody>
+                    <a:bodyPr/>
+                    <a:lstStyle/>
+                    <a:p>
+                      <a:pPr algn="ctr"/>
+                      <a:r>
+                        <a:rPr lang="ru-RU" dirty="0" smtClean="0"/>
+                        <a:t>На</a:t>
+                      </a:r>
+                      <a:r>
+                        <a:rPr lang="ru-RU" baseline="0" dirty="0" smtClean="0"/>
+                        <a:t> убыль, из-за стилистики а-ля КС</a:t>
+                      </a:r>
+                      <a:endParaRPr lang="ru-RU" dirty="0"/>
+                    </a:p>
+                  </a:txBody>
+                  <a:tcPr anchor="ctr">
+                    <a:lnL w="12700" cap="flat" cmpd="sng" algn="ctr">
+                      <a:solidFill>
+                        <a:schemeClr val="tx1"/>
+                      </a:solidFill>
+                      <a:prstDash val="solid"/>
+                      <a:round/>
+                      <a:headEnd type="none" w="med" len="med"/>
+                      <a:tailEnd type="none" w="med" len="med"/>
+                    </a:lnL>
+                    <a:lnR w="12700" cap="flat" cmpd="sng" algn="ctr">
+                      <a:solidFill>
+                        <a:schemeClr val="tx1"/>
+                      </a:solidFill>
+                      <a:prstDash val="solid"/>
+                      <a:round/>
+                      <a:headEnd type="none" w="med" len="med"/>
+                      <a:tailEnd type="none" w="med" len="med"/>
+                    </a:lnR>
+                    <a:lnT w="12700" cap="flat" cmpd="sng" algn="ctr">
+                      <a:solidFill>
+                        <a:schemeClr val="tx1"/>
+                      </a:solidFill>
+                      <a:prstDash val="solid"/>
+                      <a:round/>
+                      <a:headEnd type="none" w="med" len="med"/>
+                      <a:tailEnd type="none" w="med" len="med"/>
+                    </a:lnT>
+                    <a:lnB w="12700" cap="flat" cmpd="sng" algn="ctr">
+                      <a:solidFill>
+                        <a:schemeClr val="tx1"/>
+                      </a:solidFill>
+                      <a:prstDash val="solid"/>
+                      <a:round/>
+                      <a:headEnd type="none" w="med" len="med"/>
+                      <a:tailEnd type="none" w="med" len="med"/>
+                    </a:lnB>
+                  </a:tcPr>
+                </a:tc>
+                <a:extLst>
+                  <a:ext uri="{0D108BD9-81ED-4DB2-BD59-A6C34878D82A}">
+                    <a16:rowId xmlns:a16="http://schemas.microsoft.com/office/drawing/2014/main" val="2977348846"/>
+                  </a:ext>
+                </a:extLst>
               </a:tr>
             </a:tbl>
           </a:graphicData>
@@ -11127,6 +12633,776 @@
     <p:extLst>
       <p:ext uri="{BB962C8B-B14F-4D97-AF65-F5344CB8AC3E}">
         <p14:creationId xmlns:p14="http://schemas.microsoft.com/office/powerpoint/2010/main" val="3387746372"/>
+      </p:ext>
+    </p:extLst>
+  </p:cSld>
+  <p:clrMapOvr>
+    <a:masterClrMapping/>
+  </p:clrMapOvr>
+</p:sld>
+</file>
+
+<file path=ppt/slides/slide8.xml><?xml version="1.0" encoding="utf-8"?>
+<p:sld xmlns:a="http://schemas.openxmlformats.org/drawingml/2006/main" xmlns:r="http://schemas.openxmlformats.org/officeDocument/2006/relationships" xmlns:p="http://schemas.openxmlformats.org/presentationml/2006/main">
+  <p:cSld>
+    <p:spTree>
+      <p:nvGrpSpPr>
+        <p:cNvPr id="1" name=""/>
+        <p:cNvGrpSpPr/>
+        <p:nvPr/>
+      </p:nvGrpSpPr>
+      <p:grpSpPr>
+        <a:xfrm>
+          <a:off x="0" y="0"/>
+          <a:ext cx="0" cy="0"/>
+          <a:chOff x="0" y="0"/>
+          <a:chExt cx="0" cy="0"/>
+        </a:xfrm>
+      </p:grpSpPr>
+      <p:sp>
+        <p:nvSpPr>
+          <p:cNvPr id="2" name="Заголовок 1"/>
+          <p:cNvSpPr>
+            <a:spLocks noGrp="1"/>
+          </p:cNvSpPr>
+          <p:nvPr>
+            <p:ph type="title"/>
+          </p:nvPr>
+        </p:nvSpPr>
+        <p:spPr/>
+        <p:txBody>
+          <a:bodyPr/>
+          <a:lstStyle/>
+          <a:p>
+            <a:pPr algn="ctr"/>
+            <a:r>
+              <a:rPr lang="ru-RU" dirty="0" smtClean="0"/>
+              <a:t>Промежуточные итоги</a:t>
+            </a:r>
+            <a:endParaRPr lang="ru-RU" dirty="0"/>
+          </a:p>
+        </p:txBody>
+      </p:sp>
+      <p:sp>
+        <p:nvSpPr>
+          <p:cNvPr id="5" name="Объект 4"/>
+          <p:cNvSpPr>
+            <a:spLocks noGrp="1"/>
+          </p:cNvSpPr>
+          <p:nvPr>
+            <p:ph idx="1"/>
+          </p:nvPr>
+        </p:nvSpPr>
+        <p:spPr/>
+        <p:txBody>
+          <a:bodyPr>
+            <a:normAutofit/>
+          </a:bodyPr>
+          <a:lstStyle/>
+          <a:p>
+            <a:r>
+              <a:rPr lang="ru-RU" sz="2400" dirty="0" smtClean="0"/>
+              <a:t>В целом, раньше играть было лучше, но это лишь небольшая обманка, вызванная дикой ностальгией по прошлому времени. Если брать многие «за» и «против» выходит, что сейчас играть стало все же легче </a:t>
+            </a:r>
+            <a:r>
+              <a:rPr lang="ru-RU" sz="2400" dirty="0" err="1" smtClean="0"/>
+              <a:t>недонатящим</a:t>
+            </a:r>
+            <a:r>
+              <a:rPr lang="ru-RU" sz="2400" dirty="0" smtClean="0"/>
+              <a:t> игрокам, нежели чем раньше. Появление нового контента, переработка моделей и текстур, исправление старых багов в механиках, возможность после открытия предмета в «поставщиках» забрать его бесплатно, а не покупать, и </a:t>
+            </a:r>
+            <a:r>
+              <a:rPr lang="ru-RU" sz="2400" dirty="0" err="1" smtClean="0"/>
+              <a:t>т.д</a:t>
+            </a:r>
+            <a:endParaRPr lang="ru-RU" sz="2400" dirty="0"/>
+          </a:p>
+        </p:txBody>
+      </p:sp>
+      <p:sp>
+        <p:nvSpPr>
+          <p:cNvPr id="3" name="Нижний колонтитул 2"/>
+          <p:cNvSpPr>
+            <a:spLocks noGrp="1"/>
+          </p:cNvSpPr>
+          <p:nvPr>
+            <p:ph type="ftr" sz="quarter" idx="11"/>
+          </p:nvPr>
+        </p:nvSpPr>
+        <p:spPr/>
+        <p:txBody>
+          <a:bodyPr/>
+          <a:lstStyle/>
+          <a:p>
+            <a:r>
+              <a:rPr lang="ru-RU" smtClean="0"/>
+              <a:t>Наверное очень полезная и интересная информация, но я не понял.</a:t>
+            </a:r>
+            <a:endParaRPr lang="ru-RU"/>
+          </a:p>
+        </p:txBody>
+      </p:sp>
+      <p:sp>
+        <p:nvSpPr>
+          <p:cNvPr id="4" name="Номер слайда 3"/>
+          <p:cNvSpPr>
+            <a:spLocks noGrp="1"/>
+          </p:cNvSpPr>
+          <p:nvPr>
+            <p:ph type="sldNum" sz="quarter" idx="12"/>
+          </p:nvPr>
+        </p:nvSpPr>
+        <p:spPr/>
+        <p:txBody>
+          <a:bodyPr/>
+          <a:lstStyle/>
+          <a:p>
+            <a:fld id="{AD626709-9CB7-4DB2-B14C-87763500207E}" type="slidenum">
+              <a:rPr lang="ru-RU" smtClean="0"/>
+              <a:t>8</a:t>
+            </a:fld>
+            <a:endParaRPr lang="ru-RU"/>
+          </a:p>
+        </p:txBody>
+      </p:sp>
+    </p:spTree>
+    <p:extLst>
+      <p:ext uri="{BB962C8B-B14F-4D97-AF65-F5344CB8AC3E}">
+        <p14:creationId xmlns:p14="http://schemas.microsoft.com/office/powerpoint/2010/main" val="2805215733"/>
+      </p:ext>
+    </p:extLst>
+  </p:cSld>
+  <p:clrMapOvr>
+    <a:masterClrMapping/>
+  </p:clrMapOvr>
+</p:sld>
+</file>
+
+<file path=ppt/slides/slide9.xml><?xml version="1.0" encoding="utf-8"?>
+<p:sld xmlns:a="http://schemas.openxmlformats.org/drawingml/2006/main" xmlns:r="http://schemas.openxmlformats.org/officeDocument/2006/relationships" xmlns:p="http://schemas.openxmlformats.org/presentationml/2006/main">
+  <p:cSld>
+    <p:spTree>
+      <p:nvGrpSpPr>
+        <p:cNvPr id="1" name=""/>
+        <p:cNvGrpSpPr/>
+        <p:nvPr/>
+      </p:nvGrpSpPr>
+      <p:grpSpPr>
+        <a:xfrm>
+          <a:off x="0" y="0"/>
+          <a:ext cx="0" cy="0"/>
+          <a:chOff x="0" y="0"/>
+          <a:chExt cx="0" cy="0"/>
+        </a:xfrm>
+      </p:grpSpPr>
+      <p:sp>
+        <p:nvSpPr>
+          <p:cNvPr id="2" name="Заголовок 1"/>
+          <p:cNvSpPr>
+            <a:spLocks noGrp="1"/>
+          </p:cNvSpPr>
+          <p:nvPr>
+            <p:ph type="title"/>
+          </p:nvPr>
+        </p:nvSpPr>
+        <p:spPr/>
+        <p:txBody>
+          <a:bodyPr/>
+          <a:lstStyle/>
+          <a:p>
+            <a:r>
+              <a:rPr lang="ru-RU" dirty="0" smtClean="0"/>
+              <a:t>Статистика игрока с </a:t>
+            </a:r>
+            <a:r>
+              <a:rPr lang="ru-RU" dirty="0" err="1" smtClean="0"/>
+              <a:t>донатом</a:t>
+            </a:r>
+            <a:r>
+              <a:rPr lang="en-US" dirty="0" smtClean="0"/>
+              <a:t>/</a:t>
+            </a:r>
+            <a:r>
+              <a:rPr lang="ru-RU" dirty="0" smtClean="0"/>
+              <a:t>без</a:t>
+            </a:r>
+            <a:endParaRPr lang="ru-RU" dirty="0"/>
+          </a:p>
+        </p:txBody>
+      </p:sp>
+      <p:graphicFrame>
+        <p:nvGraphicFramePr>
+          <p:cNvPr id="6" name="Объект 5"/>
+          <p:cNvGraphicFramePr>
+            <a:graphicFrameLocks noGrp="1"/>
+          </p:cNvGraphicFramePr>
+          <p:nvPr>
+            <p:ph idx="1"/>
+            <p:extLst>
+              <p:ext uri="{D42A27DB-BD31-4B8C-83A1-F6EECF244321}">
+                <p14:modId xmlns:p14="http://schemas.microsoft.com/office/powerpoint/2010/main" val="3374175873"/>
+              </p:ext>
+            </p:extLst>
+          </p:nvPr>
+        </p:nvGraphicFramePr>
+        <p:xfrm>
+          <a:off x="677863" y="2160586"/>
+          <a:ext cx="11331884" cy="3883971"/>
+        </p:xfrm>
+        <a:graphic>
+          <a:graphicData uri="http://schemas.openxmlformats.org/drawingml/2006/table">
+            <a:tbl>
+              <a:tblPr firstRow="1" bandRow="1">
+                <a:tableStyleId>{5C22544A-7EE6-4342-B048-85BDC9FD1C3A}</a:tableStyleId>
+              </a:tblPr>
+              <a:tblGrid>
+                <a:gridCol w="6371054">
+                  <a:extLst>
+                    <a:ext uri="{9D8B030D-6E8A-4147-A177-3AD203B41FA5}">
+                      <a16:colId xmlns:a16="http://schemas.microsoft.com/office/drawing/2014/main" val="204377024"/>
+                    </a:ext>
+                  </a:extLst>
+                </a:gridCol>
+                <a:gridCol w="1653610">
+                  <a:extLst>
+                    <a:ext uri="{9D8B030D-6E8A-4147-A177-3AD203B41FA5}">
+                      <a16:colId xmlns:a16="http://schemas.microsoft.com/office/drawing/2014/main" val="1510426864"/>
+                    </a:ext>
+                  </a:extLst>
+                </a:gridCol>
+                <a:gridCol w="1653610">
+                  <a:extLst>
+                    <a:ext uri="{9D8B030D-6E8A-4147-A177-3AD203B41FA5}">
+                      <a16:colId xmlns:a16="http://schemas.microsoft.com/office/drawing/2014/main" val="2776710227"/>
+                    </a:ext>
+                  </a:extLst>
+                </a:gridCol>
+                <a:gridCol w="1653610">
+                  <a:extLst>
+                    <a:ext uri="{9D8B030D-6E8A-4147-A177-3AD203B41FA5}">
+                      <a16:colId xmlns:a16="http://schemas.microsoft.com/office/drawing/2014/main" val="2642897958"/>
+                    </a:ext>
+                  </a:extLst>
+                </a:gridCol>
+              </a:tblGrid>
+              <a:tr h="898417">
+                <a:tc>
+                  <a:txBody>
+                    <a:bodyPr/>
+                    <a:lstStyle/>
+                    <a:p>
+                      <a:pPr algn="ctr"/>
+                      <a:r>
+                        <a:rPr lang="ru-RU" dirty="0" smtClean="0"/>
+                        <a:t>Параметры</a:t>
+                      </a:r>
+                      <a:endParaRPr lang="ru-RU" dirty="0"/>
+                    </a:p>
+                  </a:txBody>
+                  <a:tcPr anchor="ctr">
+                    <a:solidFill>
+                      <a:schemeClr val="accent1">
+                        <a:lumMod val="60000"/>
+                        <a:lumOff val="40000"/>
+                      </a:schemeClr>
+                    </a:solidFill>
+                  </a:tcPr>
+                </a:tc>
+                <a:tc>
+                  <a:txBody>
+                    <a:bodyPr/>
+                    <a:lstStyle/>
+                    <a:p>
+                      <a:pPr marL="0" marR="0" indent="0" algn="ctr" defTabSz="457200" rtl="0" eaLnBrk="1" fontAlgn="auto" latinLnBrk="0" hangingPunct="1">
+                        <a:lnSpc>
+                          <a:spcPct val="100000"/>
+                        </a:lnSpc>
+                        <a:spcBef>
+                          <a:spcPts val="0"/>
+                        </a:spcBef>
+                        <a:spcAft>
+                          <a:spcPts val="0"/>
+                        </a:spcAft>
+                        <a:buClrTx/>
+                        <a:buSzTx/>
+                        <a:buFontTx/>
+                        <a:buNone/>
+                        <a:tabLst/>
+                        <a:defRPr/>
+                      </a:pPr>
+                      <a:r>
+                        <a:rPr lang="ru-RU" dirty="0" smtClean="0"/>
+                        <a:t>Не </a:t>
+                      </a:r>
+                      <a:r>
+                        <a:rPr lang="ru-RU" dirty="0" err="1" smtClean="0"/>
+                        <a:t>донатит</a:t>
+                      </a:r>
+                      <a:r>
+                        <a:rPr lang="ru-RU" dirty="0" smtClean="0"/>
+                        <a:t> вообще</a:t>
+                      </a:r>
+                    </a:p>
+                  </a:txBody>
+                  <a:tcPr anchor="ctr">
+                    <a:solidFill>
+                      <a:schemeClr val="accent1">
+                        <a:lumMod val="60000"/>
+                        <a:lumOff val="40000"/>
+                      </a:schemeClr>
+                    </a:solidFill>
+                  </a:tcPr>
+                </a:tc>
+                <a:tc>
+                  <a:txBody>
+                    <a:bodyPr/>
+                    <a:lstStyle/>
+                    <a:p>
+                      <a:pPr marL="0" marR="0" indent="0" algn="ctr" defTabSz="457200" rtl="0" eaLnBrk="1" fontAlgn="auto" latinLnBrk="0" hangingPunct="1">
+                        <a:lnSpc>
+                          <a:spcPct val="100000"/>
+                        </a:lnSpc>
+                        <a:spcBef>
+                          <a:spcPts val="0"/>
+                        </a:spcBef>
+                        <a:spcAft>
+                          <a:spcPts val="0"/>
+                        </a:spcAft>
+                        <a:buClrTx/>
+                        <a:buSzTx/>
+                        <a:buFontTx/>
+                        <a:buNone/>
+                        <a:tabLst/>
+                        <a:defRPr/>
+                      </a:pPr>
+                      <a:r>
+                        <a:rPr lang="ru-RU" dirty="0" err="1" smtClean="0"/>
+                        <a:t>Донатит</a:t>
+                      </a:r>
+                      <a:r>
+                        <a:rPr lang="ru-RU" dirty="0" smtClean="0"/>
+                        <a:t> на </a:t>
+                      </a:r>
+                      <a:r>
+                        <a:rPr lang="ru-RU" dirty="0" err="1" smtClean="0"/>
+                        <a:t>випки</a:t>
+                      </a:r>
+                      <a:endParaRPr lang="ru-RU" dirty="0" smtClean="0"/>
+                    </a:p>
+                  </a:txBody>
+                  <a:tcPr anchor="ctr">
+                    <a:solidFill>
+                      <a:schemeClr val="accent1">
+                        <a:lumMod val="60000"/>
+                        <a:lumOff val="40000"/>
+                      </a:schemeClr>
+                    </a:solidFill>
+                  </a:tcPr>
+                </a:tc>
+                <a:tc>
+                  <a:txBody>
+                    <a:bodyPr/>
+                    <a:lstStyle/>
+                    <a:p>
+                      <a:pPr algn="ctr"/>
+                      <a:r>
+                        <a:rPr lang="ru-RU" dirty="0" err="1" smtClean="0"/>
+                        <a:t>Донатит</a:t>
+                      </a:r>
+                      <a:r>
+                        <a:rPr lang="ru-RU" dirty="0" smtClean="0"/>
+                        <a:t> сколько хочет</a:t>
+                      </a:r>
+                      <a:endParaRPr lang="ru-RU" dirty="0"/>
+                    </a:p>
+                  </a:txBody>
+                  <a:tcPr anchor="ctr">
+                    <a:solidFill>
+                      <a:schemeClr val="accent1">
+                        <a:lumMod val="60000"/>
+                        <a:lumOff val="40000"/>
+                      </a:schemeClr>
+                    </a:solidFill>
+                  </a:tcPr>
+                </a:tc>
+                <a:extLst>
+                  <a:ext uri="{0D108BD9-81ED-4DB2-BD59-A6C34878D82A}">
+                    <a16:rowId xmlns:a16="http://schemas.microsoft.com/office/drawing/2014/main" val="4006991564"/>
+                  </a:ext>
+                </a:extLst>
+              </a:tr>
+              <a:tr h="898417">
+                <a:tc>
+                  <a:txBody>
+                    <a:bodyPr/>
+                    <a:lstStyle/>
+                    <a:p>
+                      <a:pPr algn="ctr"/>
+                      <a:r>
+                        <a:rPr lang="ru-RU" dirty="0" smtClean="0"/>
+                        <a:t>Денежные</a:t>
+                      </a:r>
+                      <a:r>
+                        <a:rPr lang="ru-RU" baseline="0" dirty="0" smtClean="0"/>
+                        <a:t> затраты</a:t>
+                      </a:r>
+                      <a:endParaRPr lang="ru-RU" dirty="0"/>
+                    </a:p>
+                  </a:txBody>
+                  <a:tcPr anchor="ctr">
+                    <a:solidFill>
+                      <a:schemeClr val="accent1">
+                        <a:lumMod val="60000"/>
+                        <a:lumOff val="40000"/>
+                      </a:schemeClr>
+                    </a:solidFill>
+                  </a:tcPr>
+                </a:tc>
+                <a:tc>
+                  <a:txBody>
+                    <a:bodyPr/>
+                    <a:lstStyle/>
+                    <a:p>
+                      <a:pPr algn="ctr"/>
+                      <a:r>
+                        <a:rPr lang="ru-RU" dirty="0" smtClean="0"/>
+                        <a:t>Нет</a:t>
+                      </a:r>
+                      <a:endParaRPr lang="ru-RU" dirty="0"/>
+                    </a:p>
+                  </a:txBody>
+                  <a:tcPr anchor="ctr">
+                    <a:solidFill>
+                      <a:schemeClr val="accent1">
+                        <a:lumMod val="60000"/>
+                        <a:lumOff val="40000"/>
+                      </a:schemeClr>
+                    </a:solidFill>
+                  </a:tcPr>
+                </a:tc>
+                <a:tc>
+                  <a:txBody>
+                    <a:bodyPr/>
+                    <a:lstStyle/>
+                    <a:p>
+                      <a:pPr algn="ctr"/>
+                      <a:r>
+                        <a:rPr lang="ru-RU" dirty="0" smtClean="0"/>
+                        <a:t>Минимум</a:t>
+                      </a:r>
+                      <a:endParaRPr lang="ru-RU" dirty="0"/>
+                    </a:p>
+                  </a:txBody>
+                  <a:tcPr anchor="ctr">
+                    <a:solidFill>
+                      <a:schemeClr val="accent1">
+                        <a:lumMod val="60000"/>
+                        <a:lumOff val="40000"/>
+                      </a:schemeClr>
+                    </a:solidFill>
+                  </a:tcPr>
+                </a:tc>
+                <a:tc>
+                  <a:txBody>
+                    <a:bodyPr/>
+                    <a:lstStyle/>
+                    <a:p>
+                      <a:pPr algn="ctr"/>
+                      <a:r>
+                        <a:rPr lang="ru-RU" dirty="0" smtClean="0"/>
+                        <a:t>Максимум</a:t>
+                      </a:r>
+                      <a:endParaRPr lang="ru-RU" dirty="0"/>
+                    </a:p>
+                  </a:txBody>
+                  <a:tcPr anchor="ctr">
+                    <a:solidFill>
+                      <a:schemeClr val="accent1">
+                        <a:lumMod val="60000"/>
+                        <a:lumOff val="40000"/>
+                      </a:schemeClr>
+                    </a:solidFill>
+                  </a:tcPr>
+                </a:tc>
+                <a:extLst>
+                  <a:ext uri="{0D108BD9-81ED-4DB2-BD59-A6C34878D82A}">
+                    <a16:rowId xmlns:a16="http://schemas.microsoft.com/office/drawing/2014/main" val="2995567574"/>
+                  </a:ext>
+                </a:extLst>
+              </a:tr>
+              <a:tr h="898417">
+                <a:tc>
+                  <a:txBody>
+                    <a:bodyPr/>
+                    <a:lstStyle/>
+                    <a:p>
+                      <a:pPr algn="ctr"/>
+                      <a:r>
+                        <a:rPr lang="ru-RU" dirty="0" smtClean="0"/>
+                        <a:t>Затраты по силам</a:t>
+                      </a:r>
+                      <a:endParaRPr lang="ru-RU" dirty="0"/>
+                    </a:p>
+                  </a:txBody>
+                  <a:tcPr anchor="ctr">
+                    <a:solidFill>
+                      <a:schemeClr val="accent1">
+                        <a:lumMod val="60000"/>
+                        <a:lumOff val="40000"/>
+                      </a:schemeClr>
+                    </a:solidFill>
+                  </a:tcPr>
+                </a:tc>
+                <a:tc>
+                  <a:txBody>
+                    <a:bodyPr/>
+                    <a:lstStyle/>
+                    <a:p>
+                      <a:pPr algn="ctr"/>
+                      <a:r>
+                        <a:rPr lang="ru-RU" dirty="0" smtClean="0"/>
+                        <a:t>Высокие</a:t>
+                      </a:r>
+                      <a:endParaRPr lang="ru-RU" dirty="0"/>
+                    </a:p>
+                  </a:txBody>
+                  <a:tcPr anchor="ctr">
+                    <a:solidFill>
+                      <a:schemeClr val="accent1">
+                        <a:lumMod val="60000"/>
+                        <a:lumOff val="40000"/>
+                      </a:schemeClr>
+                    </a:solidFill>
+                  </a:tcPr>
+                </a:tc>
+                <a:tc>
+                  <a:txBody>
+                    <a:bodyPr/>
+                    <a:lstStyle/>
+                    <a:p>
+                      <a:pPr algn="ctr"/>
+                      <a:r>
+                        <a:rPr lang="ru-RU" dirty="0" smtClean="0"/>
+                        <a:t>Чуть меньше</a:t>
+                      </a:r>
+                      <a:endParaRPr lang="ru-RU" dirty="0"/>
+                    </a:p>
+                  </a:txBody>
+                  <a:tcPr anchor="ctr">
+                    <a:solidFill>
+                      <a:schemeClr val="accent1">
+                        <a:lumMod val="60000"/>
+                        <a:lumOff val="40000"/>
+                      </a:schemeClr>
+                    </a:solidFill>
+                  </a:tcPr>
+                </a:tc>
+                <a:tc>
+                  <a:txBody>
+                    <a:bodyPr/>
+                    <a:lstStyle/>
+                    <a:p>
+                      <a:pPr algn="ctr"/>
+                      <a:r>
+                        <a:rPr lang="ru-RU" dirty="0" smtClean="0"/>
+                        <a:t>Средние</a:t>
+                      </a:r>
+                      <a:endParaRPr lang="ru-RU" dirty="0"/>
+                    </a:p>
+                  </a:txBody>
+                  <a:tcPr anchor="ctr">
+                    <a:solidFill>
+                      <a:schemeClr val="accent1">
+                        <a:lumMod val="60000"/>
+                        <a:lumOff val="40000"/>
+                      </a:schemeClr>
+                    </a:solidFill>
+                  </a:tcPr>
+                </a:tc>
+                <a:extLst>
+                  <a:ext uri="{0D108BD9-81ED-4DB2-BD59-A6C34878D82A}">
+                    <a16:rowId xmlns:a16="http://schemas.microsoft.com/office/drawing/2014/main" val="1284826741"/>
+                  </a:ext>
+                </a:extLst>
+              </a:tr>
+              <a:tr h="898417">
+                <a:tc>
+                  <a:txBody>
+                    <a:bodyPr/>
+                    <a:lstStyle/>
+                    <a:p>
+                      <a:pPr algn="ctr"/>
+                      <a:r>
+                        <a:rPr lang="ru-RU" dirty="0" smtClean="0"/>
+                        <a:t>Продуктивность</a:t>
+                      </a:r>
+                      <a:endParaRPr lang="ru-RU" dirty="0"/>
+                    </a:p>
+                  </a:txBody>
+                  <a:tcPr anchor="ctr">
+                    <a:solidFill>
+                      <a:schemeClr val="accent1">
+                        <a:lumMod val="60000"/>
+                        <a:lumOff val="40000"/>
+                      </a:schemeClr>
+                    </a:solidFill>
+                  </a:tcPr>
+                </a:tc>
+                <a:tc>
+                  <a:txBody>
+                    <a:bodyPr/>
+                    <a:lstStyle/>
+                    <a:p>
+                      <a:pPr algn="ctr"/>
+                      <a:r>
+                        <a:rPr lang="ru-RU" dirty="0" smtClean="0"/>
+                        <a:t>Ниже,</a:t>
+                      </a:r>
+                      <a:r>
+                        <a:rPr lang="ru-RU" baseline="0" dirty="0" smtClean="0"/>
+                        <a:t> чем с </a:t>
+                      </a:r>
+                      <a:r>
+                        <a:rPr lang="ru-RU" baseline="0" dirty="0" err="1" smtClean="0"/>
+                        <a:t>донатом</a:t>
+                      </a:r>
+                      <a:endParaRPr lang="ru-RU" dirty="0"/>
+                    </a:p>
+                  </a:txBody>
+                  <a:tcPr anchor="ctr">
+                    <a:solidFill>
+                      <a:schemeClr val="accent1">
+                        <a:lumMod val="60000"/>
+                        <a:lumOff val="40000"/>
+                      </a:schemeClr>
+                    </a:solidFill>
+                  </a:tcPr>
+                </a:tc>
+                <a:tc>
+                  <a:txBody>
+                    <a:bodyPr/>
+                    <a:lstStyle/>
+                    <a:p>
+                      <a:pPr algn="ctr"/>
+                      <a:r>
+                        <a:rPr lang="ru-RU" dirty="0" smtClean="0"/>
+                        <a:t>Ниже</a:t>
+                      </a:r>
+                      <a:r>
+                        <a:rPr lang="ru-RU" baseline="0" dirty="0" smtClean="0"/>
+                        <a:t>, чем с </a:t>
+                      </a:r>
+                      <a:r>
+                        <a:rPr lang="ru-RU" baseline="0" dirty="0" err="1" smtClean="0"/>
+                        <a:t>донатом</a:t>
+                      </a:r>
+                      <a:r>
+                        <a:rPr lang="ru-RU" baseline="0" dirty="0" smtClean="0"/>
+                        <a:t>, но </a:t>
+                      </a:r>
+                      <a:r>
+                        <a:rPr lang="ru-RU" baseline="0" dirty="0" err="1" smtClean="0"/>
+                        <a:t>вб</a:t>
+                      </a:r>
+                      <a:r>
+                        <a:rPr lang="ru-RU" baseline="0" dirty="0" smtClean="0"/>
+                        <a:t> быстрее копятся</a:t>
+                      </a:r>
+                      <a:endParaRPr lang="ru-RU" dirty="0"/>
+                    </a:p>
+                  </a:txBody>
+                  <a:tcPr anchor="ctr">
+                    <a:solidFill>
+                      <a:schemeClr val="accent1">
+                        <a:lumMod val="60000"/>
+                        <a:lumOff val="40000"/>
+                      </a:schemeClr>
+                    </a:solidFill>
+                  </a:tcPr>
+                </a:tc>
+                <a:tc>
+                  <a:txBody>
+                    <a:bodyPr/>
+                    <a:lstStyle/>
+                    <a:p>
+                      <a:pPr algn="ctr"/>
+                      <a:r>
+                        <a:rPr lang="ru-RU" dirty="0" smtClean="0"/>
+                        <a:t>Высокая</a:t>
+                      </a:r>
+                      <a:endParaRPr lang="ru-RU" dirty="0"/>
+                    </a:p>
+                  </a:txBody>
+                  <a:tcPr anchor="ctr">
+                    <a:solidFill>
+                      <a:schemeClr val="accent1">
+                        <a:lumMod val="60000"/>
+                        <a:lumOff val="40000"/>
+                      </a:schemeClr>
+                    </a:solidFill>
+                  </a:tcPr>
+                </a:tc>
+                <a:extLst>
+                  <a:ext uri="{0D108BD9-81ED-4DB2-BD59-A6C34878D82A}">
+                    <a16:rowId xmlns:a16="http://schemas.microsoft.com/office/drawing/2014/main" val="2625775543"/>
+                  </a:ext>
+                </a:extLst>
+              </a:tr>
+            </a:tbl>
+          </a:graphicData>
+        </a:graphic>
+      </p:graphicFrame>
+      <p:sp>
+        <p:nvSpPr>
+          <p:cNvPr id="4" name="Нижний колонтитул 3"/>
+          <p:cNvSpPr>
+            <a:spLocks noGrp="1"/>
+          </p:cNvSpPr>
+          <p:nvPr>
+            <p:ph type="ftr" sz="quarter" idx="11"/>
+          </p:nvPr>
+        </p:nvSpPr>
+        <p:spPr/>
+        <p:txBody>
+          <a:bodyPr/>
+          <a:lstStyle/>
+          <a:p>
+            <a:r>
+              <a:rPr lang="ru-RU" smtClean="0"/>
+              <a:t>Наверное очень полезная и интересная информация, но я не понял.</a:t>
+            </a:r>
+            <a:endParaRPr lang="ru-RU"/>
+          </a:p>
+        </p:txBody>
+      </p:sp>
+      <p:sp>
+        <p:nvSpPr>
+          <p:cNvPr id="5" name="Номер слайда 4"/>
+          <p:cNvSpPr>
+            <a:spLocks noGrp="1"/>
+          </p:cNvSpPr>
+          <p:nvPr>
+            <p:ph type="sldNum" sz="quarter" idx="12"/>
+          </p:nvPr>
+        </p:nvSpPr>
+        <p:spPr/>
+        <p:txBody>
+          <a:bodyPr/>
+          <a:lstStyle/>
+          <a:p>
+            <a:fld id="{AD626709-9CB7-4DB2-B14C-87763500207E}" type="slidenum">
+              <a:rPr lang="ru-RU" smtClean="0"/>
+              <a:t>9</a:t>
+            </a:fld>
+            <a:endParaRPr lang="ru-RU"/>
+          </a:p>
+        </p:txBody>
+      </p:sp>
+    </p:spTree>
+    <p:extLst>
+      <p:ext uri="{BB962C8B-B14F-4D97-AF65-F5344CB8AC3E}">
+        <p14:creationId xmlns:p14="http://schemas.microsoft.com/office/powerpoint/2010/main" val="671425348"/>
       </p:ext>
     </p:extLst>
   </p:cSld>

--- a/Презентация Microsoft PowerPoint.pptx
+++ b/Презентация Microsoft PowerPoint.pptx
@@ -5,7 +5,7 @@
     <p:sldMasterId id="2147483660" r:id="rId1"/>
   </p:sldMasterIdLst>
   <p:notesMasterIdLst>
-    <p:notesMasterId r:id="rId12"/>
+    <p:notesMasterId r:id="rId15"/>
   </p:notesMasterIdLst>
   <p:sldIdLst>
     <p:sldId id="256" r:id="rId2"/>
@@ -18,6 +18,9 @@
     <p:sldId id="263" r:id="rId9"/>
     <p:sldId id="264" r:id="rId10"/>
     <p:sldId id="265" r:id="rId11"/>
+    <p:sldId id="266" r:id="rId12"/>
+    <p:sldId id="267" r:id="rId13"/>
+    <p:sldId id="268" r:id="rId14"/>
   </p:sldIdLst>
   <p:sldSz cx="12192000" cy="6858000"/>
   <p:notesSz cx="6858000" cy="9144000"/>
@@ -122,6 +125,1028 @@
     </p:ext>
   </p:extLst>
 </p:presentation>
+</file>
+
+<file path=ppt/charts/chart1.xml><?xml version="1.0" encoding="utf-8"?>
+<c:chartSpace xmlns:c="http://schemas.openxmlformats.org/drawingml/2006/chart" xmlns:a="http://schemas.openxmlformats.org/drawingml/2006/main" xmlns:r="http://schemas.openxmlformats.org/officeDocument/2006/relationships">
+  <c:date1904 val="0"/>
+  <c:lang val="ru-RU"/>
+  <c:roundedCorners val="0"/>
+  <mc:AlternateContent xmlns:mc="http://schemas.openxmlformats.org/markup-compatibility/2006">
+    <mc:Choice xmlns:c14="http://schemas.microsoft.com/office/drawing/2007/8/2/chart" Requires="c14">
+      <c14:style val="102"/>
+    </mc:Choice>
+    <mc:Fallback>
+      <c:style val="2"/>
+    </mc:Fallback>
+  </mc:AlternateContent>
+  <c:chart>
+    <c:title>
+      <c:tx>
+        <c:rich>
+          <a:bodyPr rot="0" spcFirstLastPara="1" vertOverflow="ellipsis" vert="horz" wrap="square" anchor="ctr" anchorCtr="1"/>
+          <a:lstStyle/>
+          <a:p>
+            <a:pPr>
+              <a:defRPr sz="2200" b="1" i="0" u="none" strike="noStrike" kern="1200" cap="all" spc="150" baseline="0">
+                <a:solidFill>
+                  <a:schemeClr val="tx1">
+                    <a:lumMod val="50000"/>
+                    <a:lumOff val="50000"/>
+                  </a:schemeClr>
+                </a:solidFill>
+                <a:latin typeface="+mn-lt"/>
+                <a:ea typeface="+mn-ea"/>
+                <a:cs typeface="+mn-cs"/>
+              </a:defRPr>
+            </a:pPr>
+            <a:r>
+              <a:rPr lang="ru-RU"/>
+              <a:t>Статистика</a:t>
+            </a:r>
+          </a:p>
+        </c:rich>
+      </c:tx>
+      <c:layout/>
+      <c:overlay val="0"/>
+      <c:spPr>
+        <a:noFill/>
+        <a:ln>
+          <a:noFill/>
+        </a:ln>
+        <a:effectLst/>
+      </c:spPr>
+      <c:txPr>
+        <a:bodyPr rot="0" spcFirstLastPara="1" vertOverflow="ellipsis" vert="horz" wrap="square" anchor="ctr" anchorCtr="1"/>
+        <a:lstStyle/>
+        <a:p>
+          <a:pPr>
+            <a:defRPr sz="2200" b="1" i="0" u="none" strike="noStrike" kern="1200" cap="all" spc="150" baseline="0">
+              <a:solidFill>
+                <a:schemeClr val="tx1">
+                  <a:lumMod val="50000"/>
+                  <a:lumOff val="50000"/>
+                </a:schemeClr>
+              </a:solidFill>
+              <a:latin typeface="+mn-lt"/>
+              <a:ea typeface="+mn-ea"/>
+              <a:cs typeface="+mn-cs"/>
+            </a:defRPr>
+          </a:pPr>
+          <a:endParaRPr lang="ru-RU"/>
+        </a:p>
+      </c:txPr>
+    </c:title>
+    <c:autoTitleDeleted val="0"/>
+    <c:plotArea>
+      <c:layout/>
+      <c:lineChart>
+        <c:grouping val="standard"/>
+        <c:varyColors val="0"/>
+        <c:ser>
+          <c:idx val="0"/>
+          <c:order val="0"/>
+          <c:tx>
+            <c:strRef>
+              <c:f>Лист1!$B$1</c:f>
+              <c:strCache>
+                <c:ptCount val="1"/>
+                <c:pt idx="0">
+                  <c:v>Ряд 1</c:v>
+                </c:pt>
+              </c:strCache>
+            </c:strRef>
+          </c:tx>
+          <c:spPr>
+            <a:ln w="38100" cap="flat" cmpd="dbl" algn="ctr">
+              <a:solidFill>
+                <a:schemeClr val="accent1"/>
+              </a:solidFill>
+              <a:miter lim="800000"/>
+            </a:ln>
+            <a:effectLst/>
+          </c:spPr>
+          <c:marker>
+            <c:symbol val="none"/>
+          </c:marker>
+          <c:cat>
+            <c:strRef>
+              <c:f>Лист1!$A$2:$A$9</c:f>
+              <c:strCache>
+                <c:ptCount val="8"/>
+                <c:pt idx="0">
+                  <c:v>Внимательность</c:v>
+                </c:pt>
+                <c:pt idx="1">
+                  <c:v>Честность</c:v>
+                </c:pt>
+                <c:pt idx="2">
+                  <c:v>Низкая стоимость услуг</c:v>
+                </c:pt>
+                <c:pt idx="3">
+                  <c:v>Быстрота обслуживания </c:v>
+                </c:pt>
+                <c:pt idx="4">
+                  <c:v>Разветвленная сеть</c:v>
+                </c:pt>
+                <c:pt idx="5">
+                  <c:v>Профессионализм</c:v>
+                </c:pt>
+                <c:pt idx="6">
+                  <c:v>Современность</c:v>
+                </c:pt>
+                <c:pt idx="7">
+                  <c:v>Перспективы развития</c:v>
+                </c:pt>
+              </c:strCache>
+            </c:strRef>
+          </c:cat>
+          <c:val>
+            <c:numRef>
+              <c:f>Лист1!$B$2:$B$9</c:f>
+              <c:numCache>
+                <c:formatCode>General</c:formatCode>
+                <c:ptCount val="8"/>
+                <c:pt idx="0">
+                  <c:v>-3</c:v>
+                </c:pt>
+                <c:pt idx="1">
+                  <c:v>4</c:v>
+                </c:pt>
+                <c:pt idx="2">
+                  <c:v>-4</c:v>
+                </c:pt>
+                <c:pt idx="3">
+                  <c:v>-3</c:v>
+                </c:pt>
+                <c:pt idx="4">
+                  <c:v>-4</c:v>
+                </c:pt>
+                <c:pt idx="5">
+                  <c:v>-2</c:v>
+                </c:pt>
+                <c:pt idx="6">
+                  <c:v>-3</c:v>
+                </c:pt>
+                <c:pt idx="7">
+                  <c:v>0</c:v>
+                </c:pt>
+              </c:numCache>
+            </c:numRef>
+          </c:val>
+          <c:smooth val="0"/>
+        </c:ser>
+        <c:ser>
+          <c:idx val="1"/>
+          <c:order val="1"/>
+          <c:tx>
+            <c:strRef>
+              <c:f>Лист1!$C$1</c:f>
+              <c:strCache>
+                <c:ptCount val="1"/>
+                <c:pt idx="0">
+                  <c:v>Ряд 2</c:v>
+                </c:pt>
+              </c:strCache>
+            </c:strRef>
+          </c:tx>
+          <c:spPr>
+            <a:ln w="38100" cap="flat" cmpd="dbl" algn="ctr">
+              <a:solidFill>
+                <a:schemeClr val="accent2"/>
+              </a:solidFill>
+              <a:miter lim="800000"/>
+            </a:ln>
+            <a:effectLst/>
+          </c:spPr>
+          <c:marker>
+            <c:symbol val="none"/>
+          </c:marker>
+          <c:cat>
+            <c:strRef>
+              <c:f>Лист1!$A$2:$A$9</c:f>
+              <c:strCache>
+                <c:ptCount val="8"/>
+                <c:pt idx="0">
+                  <c:v>Внимательность</c:v>
+                </c:pt>
+                <c:pt idx="1">
+                  <c:v>Честность</c:v>
+                </c:pt>
+                <c:pt idx="2">
+                  <c:v>Низкая стоимость услуг</c:v>
+                </c:pt>
+                <c:pt idx="3">
+                  <c:v>Быстрота обслуживания </c:v>
+                </c:pt>
+                <c:pt idx="4">
+                  <c:v>Разветвленная сеть</c:v>
+                </c:pt>
+                <c:pt idx="5">
+                  <c:v>Профессионализм</c:v>
+                </c:pt>
+                <c:pt idx="6">
+                  <c:v>Современность</c:v>
+                </c:pt>
+                <c:pt idx="7">
+                  <c:v>Перспективы развития</c:v>
+                </c:pt>
+              </c:strCache>
+            </c:strRef>
+          </c:cat>
+          <c:val>
+            <c:numRef>
+              <c:f>Лист1!$C$2:$C$9</c:f>
+              <c:numCache>
+                <c:formatCode>General</c:formatCode>
+                <c:ptCount val="8"/>
+                <c:pt idx="0">
+                  <c:v>3</c:v>
+                </c:pt>
+                <c:pt idx="1">
+                  <c:v>2</c:v>
+                </c:pt>
+                <c:pt idx="2">
+                  <c:v>1</c:v>
+                </c:pt>
+                <c:pt idx="3">
+                  <c:v>3</c:v>
+                </c:pt>
+                <c:pt idx="4">
+                  <c:v>4</c:v>
+                </c:pt>
+                <c:pt idx="5">
+                  <c:v>2</c:v>
+                </c:pt>
+                <c:pt idx="6">
+                  <c:v>3</c:v>
+                </c:pt>
+              </c:numCache>
+            </c:numRef>
+          </c:val>
+          <c:smooth val="0"/>
+        </c:ser>
+        <c:dLbls>
+          <c:showLegendKey val="0"/>
+          <c:showVal val="0"/>
+          <c:showCatName val="0"/>
+          <c:showSerName val="0"/>
+          <c:showPercent val="0"/>
+          <c:showBubbleSize val="0"/>
+        </c:dLbls>
+        <c:smooth val="0"/>
+        <c:axId val="478822912"/>
+        <c:axId val="478828008"/>
+      </c:lineChart>
+      <c:catAx>
+        <c:axId val="478822912"/>
+        <c:scaling>
+          <c:orientation val="minMax"/>
+        </c:scaling>
+        <c:delete val="0"/>
+        <c:axPos val="b"/>
+        <c:majorGridlines>
+          <c:spPr>
+            <a:ln w="9525" cap="flat" cmpd="sng" algn="ctr">
+              <a:solidFill>
+                <a:schemeClr val="tx1">
+                  <a:lumMod val="15000"/>
+                  <a:lumOff val="85000"/>
+                  <a:alpha val="32000"/>
+                </a:schemeClr>
+              </a:solidFill>
+              <a:round/>
+            </a:ln>
+            <a:effectLst/>
+          </c:spPr>
+        </c:majorGridlines>
+        <c:numFmt formatCode="General" sourceLinked="1"/>
+        <c:majorTickMark val="none"/>
+        <c:minorTickMark val="none"/>
+        <c:tickLblPos val="low"/>
+        <c:spPr>
+          <a:noFill/>
+          <a:ln w="3175" cap="flat" cmpd="sng" algn="ctr">
+            <a:solidFill>
+              <a:schemeClr val="tx1">
+                <a:lumMod val="15000"/>
+                <a:lumOff val="85000"/>
+              </a:schemeClr>
+            </a:solidFill>
+            <a:round/>
+            <a:tailEnd type="none" w="med" len="lg"/>
+          </a:ln>
+          <a:effectLst/>
+        </c:spPr>
+        <c:txPr>
+          <a:bodyPr rot="-60000000" spcFirstLastPara="1" vertOverflow="ellipsis" vert="horz" wrap="square" anchor="ctr" anchorCtr="1"/>
+          <a:lstStyle/>
+          <a:p>
+            <a:pPr>
+              <a:defRPr sz="1197" b="0" i="0" u="none" strike="noStrike" kern="1200" baseline="0">
+                <a:solidFill>
+                  <a:schemeClr val="tx1">
+                    <a:lumMod val="65000"/>
+                    <a:lumOff val="35000"/>
+                  </a:schemeClr>
+                </a:solidFill>
+                <a:latin typeface="+mn-lt"/>
+                <a:ea typeface="+mn-ea"/>
+                <a:cs typeface="+mn-cs"/>
+              </a:defRPr>
+            </a:pPr>
+            <a:endParaRPr lang="ru-RU"/>
+          </a:p>
+        </c:txPr>
+        <c:crossAx val="478828008"/>
+        <c:crosses val="autoZero"/>
+        <c:auto val="1"/>
+        <c:lblAlgn val="ctr"/>
+        <c:lblOffset val="100"/>
+        <c:noMultiLvlLbl val="0"/>
+      </c:catAx>
+      <c:valAx>
+        <c:axId val="478828008"/>
+        <c:scaling>
+          <c:orientation val="minMax"/>
+        </c:scaling>
+        <c:delete val="0"/>
+        <c:axPos val="l"/>
+        <c:majorGridlines>
+          <c:spPr>
+            <a:ln w="9525" cap="flat" cmpd="sng" algn="ctr">
+              <a:solidFill>
+                <a:schemeClr val="tx1">
+                  <a:lumMod val="15000"/>
+                  <a:lumOff val="85000"/>
+                  <a:alpha val="32000"/>
+                </a:schemeClr>
+              </a:solidFill>
+              <a:round/>
+            </a:ln>
+            <a:effectLst/>
+          </c:spPr>
+        </c:majorGridlines>
+        <c:numFmt formatCode="General" sourceLinked="1"/>
+        <c:majorTickMark val="none"/>
+        <c:minorTickMark val="none"/>
+        <c:tickLblPos val="low"/>
+        <c:spPr>
+          <a:noFill/>
+          <a:ln w="3175" cap="flat" cmpd="sng" algn="ctr">
+            <a:solidFill>
+              <a:schemeClr val="tx1">
+                <a:lumMod val="15000"/>
+                <a:lumOff val="85000"/>
+              </a:schemeClr>
+            </a:solidFill>
+            <a:round/>
+            <a:tailEnd type="none" w="med" len="lg"/>
+          </a:ln>
+          <a:effectLst/>
+        </c:spPr>
+        <c:txPr>
+          <a:bodyPr rot="-60000000" spcFirstLastPara="1" vertOverflow="ellipsis" vert="horz" wrap="square" anchor="ctr" anchorCtr="1"/>
+          <a:lstStyle/>
+          <a:p>
+            <a:pPr>
+              <a:defRPr sz="1197" b="0" i="0" u="none" strike="noStrike" kern="1200" baseline="0">
+                <a:solidFill>
+                  <a:schemeClr val="tx1">
+                    <a:lumMod val="65000"/>
+                    <a:lumOff val="35000"/>
+                  </a:schemeClr>
+                </a:solidFill>
+                <a:latin typeface="+mn-lt"/>
+                <a:ea typeface="+mn-ea"/>
+                <a:cs typeface="+mn-cs"/>
+              </a:defRPr>
+            </a:pPr>
+            <a:endParaRPr lang="ru-RU"/>
+          </a:p>
+        </c:txPr>
+        <c:crossAx val="478822912"/>
+        <c:crosses val="autoZero"/>
+        <c:crossBetween val="between"/>
+      </c:valAx>
+      <c:spPr>
+        <a:noFill/>
+        <a:ln>
+          <a:noFill/>
+        </a:ln>
+        <a:effectLst/>
+      </c:spPr>
+    </c:plotArea>
+    <c:legend>
+      <c:legendPos val="t"/>
+      <c:layout/>
+      <c:overlay val="0"/>
+      <c:spPr>
+        <a:noFill/>
+        <a:ln>
+          <a:noFill/>
+        </a:ln>
+        <a:effectLst/>
+      </c:spPr>
+      <c:txPr>
+        <a:bodyPr rot="0" spcFirstLastPara="1" vertOverflow="ellipsis" vert="horz" wrap="square" anchor="ctr" anchorCtr="1"/>
+        <a:lstStyle/>
+        <a:p>
+          <a:pPr>
+            <a:defRPr sz="1197" b="0" i="0" u="none" strike="noStrike" kern="1200" baseline="0">
+              <a:solidFill>
+                <a:schemeClr val="tx1">
+                  <a:lumMod val="65000"/>
+                  <a:lumOff val="35000"/>
+                </a:schemeClr>
+              </a:solidFill>
+              <a:latin typeface="+mn-lt"/>
+              <a:ea typeface="+mn-ea"/>
+              <a:cs typeface="+mn-cs"/>
+            </a:defRPr>
+          </a:pPr>
+          <a:endParaRPr lang="ru-RU"/>
+        </a:p>
+      </c:txPr>
+    </c:legend>
+    <c:plotVisOnly val="1"/>
+    <c:dispBlanksAs val="gap"/>
+    <c:showDLblsOverMax val="0"/>
+  </c:chart>
+  <c:spPr>
+    <a:noFill/>
+    <a:ln>
+      <a:noFill/>
+    </a:ln>
+    <a:effectLst/>
+  </c:spPr>
+  <c:txPr>
+    <a:bodyPr/>
+    <a:lstStyle/>
+    <a:p>
+      <a:pPr>
+        <a:defRPr/>
+      </a:pPr>
+      <a:endParaRPr lang="ru-RU"/>
+    </a:p>
+  </c:txPr>
+  <c:externalData r:id="rId3">
+    <c:autoUpdate val="0"/>
+  </c:externalData>
+</c:chartSpace>
+</file>
+
+<file path=ppt/charts/colors1.xml><?xml version="1.0" encoding="utf-8"?>
+<cs:colorStyle xmlns:cs="http://schemas.microsoft.com/office/drawing/2012/chartStyle" xmlns:a="http://schemas.openxmlformats.org/drawingml/2006/main" meth="cycle" id="10">
+  <a:schemeClr val="accent1"/>
+  <a:schemeClr val="accent2"/>
+  <a:schemeClr val="accent3"/>
+  <a:schemeClr val="accent4"/>
+  <a:schemeClr val="accent5"/>
+  <a:schemeClr val="accent6"/>
+  <cs:variation/>
+  <cs:variation>
+    <a:lumMod val="60000"/>
+  </cs:variation>
+  <cs:variation>
+    <a:lumMod val="80000"/>
+    <a:lumOff val="20000"/>
+  </cs:variation>
+  <cs:variation>
+    <a:lumMod val="80000"/>
+  </cs:variation>
+  <cs:variation>
+    <a:lumMod val="60000"/>
+    <a:lumOff val="40000"/>
+  </cs:variation>
+  <cs:variation>
+    <a:lumMod val="50000"/>
+  </cs:variation>
+  <cs:variation>
+    <a:lumMod val="70000"/>
+    <a:lumOff val="30000"/>
+  </cs:variation>
+  <cs:variation>
+    <a:lumMod val="70000"/>
+  </cs:variation>
+  <cs:variation>
+    <a:lumMod val="50000"/>
+    <a:lumOff val="50000"/>
+  </cs:variation>
+</cs:colorStyle>
+</file>
+
+<file path=ppt/charts/style1.xml><?xml version="1.0" encoding="utf-8"?>
+<cs:chartStyle xmlns:cs="http://schemas.microsoft.com/office/drawing/2012/chartStyle" xmlns:a="http://schemas.openxmlformats.org/drawingml/2006/main" id="237">
+  <cs:axisTitle>
+    <cs:lnRef idx="0"/>
+    <cs:fillRef idx="0"/>
+    <cs:effectRef idx="0"/>
+    <cs:fontRef idx="minor">
+      <a:schemeClr val="tx1">
+        <a:lumMod val="65000"/>
+        <a:lumOff val="35000"/>
+      </a:schemeClr>
+    </cs:fontRef>
+    <cs:defRPr sz="1197" kern="1200" cap="all"/>
+  </cs:axisTitle>
+  <cs:categoryAxis>
+    <cs:lnRef idx="0"/>
+    <cs:fillRef idx="0"/>
+    <cs:effectRef idx="0"/>
+    <cs:fontRef idx="minor">
+      <a:schemeClr val="tx1">
+        <a:lumMod val="65000"/>
+        <a:lumOff val="35000"/>
+      </a:schemeClr>
+    </cs:fontRef>
+    <cs:spPr>
+      <a:ln w="3175" cap="flat" cmpd="sng" algn="ctr">
+        <a:solidFill>
+          <a:schemeClr val="tx1">
+            <a:lumMod val="15000"/>
+            <a:lumOff val="85000"/>
+          </a:schemeClr>
+        </a:solidFill>
+        <a:round/>
+        <a:tailEnd type="none" w="med" len="lg"/>
+      </a:ln>
+    </cs:spPr>
+    <cs:defRPr sz="1197" kern="1200"/>
+  </cs:categoryAxis>
+  <cs:chartArea mods="allowNoFillOverride allowNoLineOverride">
+    <cs:lnRef idx="0"/>
+    <cs:fillRef idx="0"/>
+    <cs:effectRef idx="0"/>
+    <cs:fontRef idx="minor">
+      <a:schemeClr val="tx1"/>
+    </cs:fontRef>
+    <cs:spPr>
+      <a:solidFill>
+        <a:schemeClr val="bg1"/>
+      </a:solidFill>
+      <a:ln w="9525" cap="flat" cmpd="sng" algn="ctr">
+        <a:solidFill>
+          <a:schemeClr val="tx1">
+            <a:lumMod val="15000"/>
+            <a:lumOff val="85000"/>
+          </a:schemeClr>
+        </a:solidFill>
+        <a:round/>
+      </a:ln>
+    </cs:spPr>
+    <cs:defRPr sz="1197" kern="1200"/>
+  </cs:chartArea>
+  <cs:dataLabel>
+    <cs:lnRef idx="0"/>
+    <cs:fillRef idx="0"/>
+    <cs:effectRef idx="0"/>
+    <cs:fontRef idx="minor">
+      <a:schemeClr val="tx1">
+        <a:lumMod val="75000"/>
+        <a:lumOff val="25000"/>
+      </a:schemeClr>
+    </cs:fontRef>
+    <cs:defRPr sz="1197" kern="1200"/>
+  </cs:dataLabel>
+  <cs:dataLabelCallout>
+    <cs:lnRef idx="0"/>
+    <cs:fillRef idx="0"/>
+    <cs:effectRef idx="0"/>
+    <cs:fontRef idx="minor">
+      <a:schemeClr val="dk1">
+        <a:lumMod val="65000"/>
+        <a:lumOff val="35000"/>
+      </a:schemeClr>
+    </cs:fontRef>
+    <cs:spPr>
+      <a:solidFill>
+        <a:schemeClr val="lt1"/>
+      </a:solidFill>
+      <a:ln>
+        <a:solidFill>
+          <a:schemeClr val="dk1">
+            <a:lumMod val="25000"/>
+            <a:lumOff val="75000"/>
+          </a:schemeClr>
+        </a:solidFill>
+      </a:ln>
+    </cs:spPr>
+    <cs:defRPr sz="1197" kern="1200"/>
+    <cs:bodyPr rot="0" spcFirstLastPara="1" vertOverflow="clip" horzOverflow="clip" vert="horz" wrap="square" lIns="36576" tIns="18288" rIns="36576" bIns="18288" anchor="ctr" anchorCtr="1">
+      <a:spAutoFit/>
+    </cs:bodyPr>
+  </cs:dataLabelCallout>
+  <cs:dataPoint>
+    <cs:lnRef idx="0"/>
+    <cs:fillRef idx="0">
+      <cs:styleClr val="auto"/>
+    </cs:fillRef>
+    <cs:effectRef idx="0"/>
+    <cs:fontRef idx="minor">
+      <a:schemeClr val="tx1"/>
+    </cs:fontRef>
+    <cs:spPr>
+      <a:solidFill>
+        <a:schemeClr val="phClr"/>
+      </a:solidFill>
+    </cs:spPr>
+  </cs:dataPoint>
+  <cs:dataPoint3D>
+    <cs:lnRef idx="0"/>
+    <cs:fillRef idx="0">
+      <cs:styleClr val="auto"/>
+    </cs:fillRef>
+    <cs:effectRef idx="0"/>
+    <cs:fontRef idx="minor">
+      <a:schemeClr val="tx1"/>
+    </cs:fontRef>
+    <cs:spPr>
+      <a:solidFill>
+        <a:schemeClr val="phClr"/>
+      </a:solidFill>
+    </cs:spPr>
+  </cs:dataPoint3D>
+  <cs:dataPointLine>
+    <cs:lnRef idx="0">
+      <cs:styleClr val="auto"/>
+    </cs:lnRef>
+    <cs:fillRef idx="0"/>
+    <cs:effectRef idx="0"/>
+    <cs:fontRef idx="minor">
+      <a:schemeClr val="tx1"/>
+    </cs:fontRef>
+    <cs:spPr>
+      <a:ln w="38100" cap="flat" cmpd="dbl" algn="ctr">
+        <a:solidFill>
+          <a:schemeClr val="phClr"/>
+        </a:solidFill>
+        <a:miter lim="800000"/>
+      </a:ln>
+    </cs:spPr>
+  </cs:dataPointLine>
+  <cs:dataPointMarker>
+    <cs:lnRef idx="0">
+      <cs:styleClr val="auto"/>
+    </cs:lnRef>
+    <cs:fillRef idx="0">
+      <cs:styleClr val="auto"/>
+    </cs:fillRef>
+    <cs:effectRef idx="0"/>
+    <cs:fontRef idx="minor">
+      <a:schemeClr val="tx1"/>
+    </cs:fontRef>
+    <cs:spPr>
+      <a:solidFill>
+        <a:schemeClr val="phClr"/>
+      </a:solidFill>
+      <a:ln w="9525" cap="flat" cmpd="sng" algn="ctr">
+        <a:solidFill>
+          <a:schemeClr val="lt1"/>
+        </a:solidFill>
+        <a:round/>
+      </a:ln>
+    </cs:spPr>
+  </cs:dataPointMarker>
+  <cs:dataPointMarkerLayout symbol="circle" size="6"/>
+  <cs:dataPointWireframe>
+    <cs:lnRef idx="0">
+      <cs:styleClr val="auto"/>
+    </cs:lnRef>
+    <cs:fillRef idx="0"/>
+    <cs:effectRef idx="0"/>
+    <cs:fontRef idx="minor">
+      <a:schemeClr val="tx1"/>
+    </cs:fontRef>
+    <cs:spPr>
+      <a:ln w="9525" cap="rnd">
+        <a:solidFill>
+          <a:schemeClr val="phClr"/>
+        </a:solidFill>
+        <a:round/>
+      </a:ln>
+    </cs:spPr>
+  </cs:dataPointWireframe>
+  <cs:dataTable>
+    <cs:lnRef idx="0"/>
+    <cs:fillRef idx="0"/>
+    <cs:effectRef idx="0"/>
+    <cs:fontRef idx="minor">
+      <a:schemeClr val="tx1">
+        <a:lumMod val="65000"/>
+        <a:lumOff val="35000"/>
+      </a:schemeClr>
+    </cs:fontRef>
+    <cs:spPr>
+      <a:ln w="9525">
+        <a:solidFill>
+          <a:schemeClr val="tx1">
+            <a:lumMod val="15000"/>
+            <a:lumOff val="85000"/>
+          </a:schemeClr>
+        </a:solidFill>
+      </a:ln>
+    </cs:spPr>
+    <cs:defRPr sz="1197" kern="1200"/>
+  </cs:dataTable>
+  <cs:downBar>
+    <cs:lnRef idx="0"/>
+    <cs:fillRef idx="0"/>
+    <cs:effectRef idx="0"/>
+    <cs:fontRef idx="minor">
+      <a:schemeClr val="tx1"/>
+    </cs:fontRef>
+    <cs:spPr>
+      <a:solidFill>
+        <a:schemeClr val="dk1">
+          <a:lumMod val="75000"/>
+          <a:lumOff val="25000"/>
+        </a:schemeClr>
+      </a:solidFill>
+      <a:ln w="9525">
+        <a:solidFill>
+          <a:schemeClr val="tx1">
+            <a:lumMod val="65000"/>
+            <a:lumOff val="35000"/>
+          </a:schemeClr>
+        </a:solidFill>
+      </a:ln>
+    </cs:spPr>
+  </cs:downBar>
+  <cs:dropLine>
+    <cs:lnRef idx="0"/>
+    <cs:fillRef idx="0"/>
+    <cs:effectRef idx="0"/>
+    <cs:fontRef idx="minor">
+      <a:schemeClr val="tx1"/>
+    </cs:fontRef>
+    <cs:spPr>
+      <a:ln w="9525">
+        <a:solidFill>
+          <a:schemeClr val="tx1">
+            <a:lumMod val="35000"/>
+            <a:lumOff val="65000"/>
+          </a:schemeClr>
+        </a:solidFill>
+      </a:ln>
+    </cs:spPr>
+  </cs:dropLine>
+  <cs:errorBar>
+    <cs:lnRef idx="0"/>
+    <cs:fillRef idx="0"/>
+    <cs:effectRef idx="0"/>
+    <cs:fontRef idx="minor">
+      <a:schemeClr val="tx1"/>
+    </cs:fontRef>
+    <cs:spPr>
+      <a:ln w="9525">
+        <a:solidFill>
+          <a:schemeClr val="tx1">
+            <a:lumMod val="65000"/>
+            <a:lumOff val="35000"/>
+          </a:schemeClr>
+        </a:solidFill>
+      </a:ln>
+    </cs:spPr>
+  </cs:errorBar>
+  <cs:floor>
+    <cs:lnRef idx="0"/>
+    <cs:fillRef idx="0"/>
+    <cs:effectRef idx="0"/>
+    <cs:fontRef idx="minor">
+      <a:schemeClr val="tx1"/>
+    </cs:fontRef>
+  </cs:floor>
+  <cs:gridlineMajor>
+    <cs:lnRef idx="0"/>
+    <cs:fillRef idx="0"/>
+    <cs:effectRef idx="0"/>
+    <cs:fontRef idx="minor">
+      <a:schemeClr val="tx1"/>
+    </cs:fontRef>
+    <cs:spPr>
+      <a:ln w="9525" cap="flat" cmpd="sng" algn="ctr">
+        <a:solidFill>
+          <a:schemeClr val="tx1">
+            <a:lumMod val="15000"/>
+            <a:lumOff val="85000"/>
+            <a:alpha val="32000"/>
+          </a:schemeClr>
+        </a:solidFill>
+        <a:round/>
+      </a:ln>
+    </cs:spPr>
+  </cs:gridlineMajor>
+  <cs:gridlineMinor>
+    <cs:lnRef idx="0"/>
+    <cs:fillRef idx="0"/>
+    <cs:effectRef idx="0"/>
+    <cs:fontRef idx="minor">
+      <a:schemeClr val="tx1"/>
+    </cs:fontRef>
+    <cs:spPr>
+      <a:ln>
+        <a:solidFill>
+          <a:schemeClr val="tx1">
+            <a:lumMod val="5000"/>
+            <a:lumOff val="95000"/>
+            <a:alpha val="32000"/>
+          </a:schemeClr>
+        </a:solidFill>
+      </a:ln>
+    </cs:spPr>
+  </cs:gridlineMinor>
+  <cs:hiLoLine>
+    <cs:lnRef idx="0"/>
+    <cs:fillRef idx="0"/>
+    <cs:effectRef idx="0"/>
+    <cs:fontRef idx="minor">
+      <a:schemeClr val="tx1"/>
+    </cs:fontRef>
+    <cs:spPr>
+      <a:ln w="9525">
+        <a:solidFill>
+          <a:schemeClr val="tx1"/>
+        </a:solidFill>
+      </a:ln>
+    </cs:spPr>
+  </cs:hiLoLine>
+  <cs:leaderLine>
+    <cs:lnRef idx="0"/>
+    <cs:fillRef idx="0"/>
+    <cs:effectRef idx="0"/>
+    <cs:fontRef idx="minor">
+      <a:schemeClr val="tx1"/>
+    </cs:fontRef>
+    <cs:spPr>
+      <a:ln w="9525">
+        <a:solidFill>
+          <a:schemeClr val="tx1">
+            <a:lumMod val="35000"/>
+            <a:lumOff val="65000"/>
+          </a:schemeClr>
+        </a:solidFill>
+      </a:ln>
+    </cs:spPr>
+  </cs:leaderLine>
+  <cs:legend>
+    <cs:lnRef idx="0"/>
+    <cs:fillRef idx="0"/>
+    <cs:effectRef idx="0"/>
+    <cs:fontRef idx="minor">
+      <a:schemeClr val="tx1">
+        <a:lumMod val="65000"/>
+        <a:lumOff val="35000"/>
+      </a:schemeClr>
+    </cs:fontRef>
+    <cs:defRPr sz="1197" kern="1200"/>
+  </cs:legend>
+  <cs:plotArea mods="allowNoFillOverride allowNoLineOverride">
+    <cs:lnRef idx="0"/>
+    <cs:fillRef idx="0"/>
+    <cs:effectRef idx="0"/>
+    <cs:fontRef idx="minor">
+      <a:schemeClr val="tx1"/>
+    </cs:fontRef>
+  </cs:plotArea>
+  <cs:plotArea3D mods="allowNoFillOverride allowNoLineOverride">
+    <cs:lnRef idx="0"/>
+    <cs:fillRef idx="0"/>
+    <cs:effectRef idx="0"/>
+    <cs:fontRef idx="minor">
+      <a:schemeClr val="tx1"/>
+    </cs:fontRef>
+  </cs:plotArea3D>
+  <cs:seriesAxis>
+    <cs:lnRef idx="0"/>
+    <cs:fillRef idx="0"/>
+    <cs:effectRef idx="0"/>
+    <cs:fontRef idx="minor">
+      <a:schemeClr val="tx1"/>
+    </cs:fontRef>
+    <cs:spPr>
+      <a:ln w="3175" cap="flat" cmpd="sng" algn="ctr">
+        <a:solidFill>
+          <a:schemeClr val="tx1">
+            <a:lumMod val="15000"/>
+            <a:lumOff val="85000"/>
+          </a:schemeClr>
+        </a:solidFill>
+        <a:round/>
+        <a:tailEnd type="none" w="med" len="lg"/>
+      </a:ln>
+    </cs:spPr>
+    <cs:defRPr sz="1197" kern="1200"/>
+  </cs:seriesAxis>
+  <cs:seriesLine>
+    <cs:lnRef idx="0"/>
+    <cs:fillRef idx="0"/>
+    <cs:effectRef idx="0"/>
+    <cs:fontRef idx="minor">
+      <a:schemeClr val="tx1"/>
+    </cs:fontRef>
+    <cs:spPr>
+      <a:ln w="9525">
+        <a:solidFill>
+          <a:schemeClr val="tx1">
+            <a:lumMod val="35000"/>
+            <a:lumOff val="65000"/>
+          </a:schemeClr>
+        </a:solidFill>
+      </a:ln>
+    </cs:spPr>
+  </cs:seriesLine>
+  <cs:title>
+    <cs:lnRef idx="0"/>
+    <cs:fillRef idx="0"/>
+    <cs:effectRef idx="0"/>
+    <cs:fontRef idx="minor">
+      <a:schemeClr val="tx1">
+        <a:lumMod val="50000"/>
+        <a:lumOff val="50000"/>
+      </a:schemeClr>
+    </cs:fontRef>
+    <cs:defRPr sz="2200" b="1" kern="1200" cap="all" spc="150" baseline="0"/>
+  </cs:title>
+  <cs:trendline>
+    <cs:lnRef idx="0">
+      <cs:styleClr val="auto"/>
+    </cs:lnRef>
+    <cs:fillRef idx="0"/>
+    <cs:effectRef idx="0"/>
+    <cs:fontRef idx="minor">
+      <a:schemeClr val="tx1"/>
+    </cs:fontRef>
+    <cs:spPr>
+      <a:ln w="12700" cap="rnd"/>
+    </cs:spPr>
+  </cs:trendline>
+  <cs:trendlineLabel>
+    <cs:lnRef idx="0"/>
+    <cs:fillRef idx="0"/>
+    <cs:effectRef idx="0"/>
+    <cs:fontRef idx="minor">
+      <a:schemeClr val="tx1">
+        <a:lumMod val="65000"/>
+        <a:lumOff val="35000"/>
+      </a:schemeClr>
+    </cs:fontRef>
+    <cs:defRPr sz="1197" kern="1200"/>
+  </cs:trendlineLabel>
+  <cs:upBar>
+    <cs:lnRef idx="0"/>
+    <cs:fillRef idx="0"/>
+    <cs:effectRef idx="0"/>
+    <cs:fontRef idx="minor">
+      <a:schemeClr val="tx1"/>
+    </cs:fontRef>
+    <cs:spPr>
+      <a:solidFill>
+        <a:schemeClr val="lt1"/>
+      </a:solidFill>
+      <a:ln w="9525">
+        <a:solidFill>
+          <a:schemeClr val="tx1">
+            <a:lumMod val="65000"/>
+            <a:lumOff val="35000"/>
+          </a:schemeClr>
+        </a:solidFill>
+      </a:ln>
+    </cs:spPr>
+  </cs:upBar>
+  <cs:valueAxis>
+    <cs:lnRef idx="0"/>
+    <cs:fillRef idx="0"/>
+    <cs:effectRef idx="0"/>
+    <cs:fontRef idx="minor">
+      <a:schemeClr val="tx1">
+        <a:lumMod val="65000"/>
+        <a:lumOff val="35000"/>
+      </a:schemeClr>
+    </cs:fontRef>
+    <cs:spPr>
+      <a:ln w="3175" cap="flat" cmpd="sng" algn="ctr">
+        <a:solidFill>
+          <a:schemeClr val="tx1">
+            <a:lumMod val="15000"/>
+            <a:lumOff val="85000"/>
+          </a:schemeClr>
+        </a:solidFill>
+        <a:round/>
+        <a:tailEnd type="none" w="med" len="lg"/>
+      </a:ln>
+    </cs:spPr>
+    <cs:defRPr sz="1197" kern="1200"/>
+  </cs:valueAxis>
+  <cs:wall>
+    <cs:lnRef idx="0"/>
+    <cs:fillRef idx="0"/>
+    <cs:effectRef idx="0"/>
+    <cs:fontRef idx="minor">
+      <a:schemeClr val="tx1"/>
+    </cs:fontRef>
+  </cs:wall>
+</cs:chartStyle>
 </file>
 
 <file path=ppt/diagrams/colors1.xml><?xml version="1.0" encoding="utf-8"?>
@@ -1287,25 +2312,25 @@
     </dgm:pt>
   </dgm:ptLst>
   <dgm:cxnLst>
+    <dgm:cxn modelId="{0C0259E0-054D-4AE3-B364-74ECF390D689}" type="presOf" srcId="{4A54E5C4-0F79-43F5-82AF-3BA838C43317}" destId="{E39CCEEA-C13B-4B86-AA37-633DB0C224F7}" srcOrd="0" destOrd="0" presId="urn:microsoft.com/office/officeart/2005/8/layout/process1"/>
+    <dgm:cxn modelId="{3F0012F0-D53A-42E2-9C9A-3F395A2D4C37}" type="presOf" srcId="{E62B9084-7848-4239-A4F4-6049B619E59F}" destId="{B125608D-EDF0-49DE-B28B-E935A17B55F1}" srcOrd="0" destOrd="0" presId="urn:microsoft.com/office/officeart/2005/8/layout/process1"/>
+    <dgm:cxn modelId="{88D709CC-A50F-4A50-A96D-DD02C53695EE}" srcId="{4A54E5C4-0F79-43F5-82AF-3BA838C43317}" destId="{1EF3898B-C8D8-4CB7-9F37-A98148943ACB}" srcOrd="2" destOrd="0" parTransId="{85B3C44A-CA90-477C-871D-55CEEB7E099A}" sibTransId="{E62B9084-7848-4239-A4F4-6049B619E59F}"/>
+    <dgm:cxn modelId="{A153275C-9291-4989-8A02-187B438B88CB}" type="presOf" srcId="{6B5EB557-09EA-4717-968D-0AE4221AE211}" destId="{D44B980A-6803-4116-8826-27F6789327B9}" srcOrd="0" destOrd="0" presId="urn:microsoft.com/office/officeart/2005/8/layout/process1"/>
+    <dgm:cxn modelId="{16B44777-95E0-47A9-A6AB-87692B8A6772}" srcId="{4A54E5C4-0F79-43F5-82AF-3BA838C43317}" destId="{0F80DAA3-2709-4C82-BFF7-60F412C68DE6}" srcOrd="4" destOrd="0" parTransId="{260F9626-A099-4883-8575-8E3D1C770958}" sibTransId="{DFCFCD57-97C9-4FB8-8998-8407B34983E2}"/>
+    <dgm:cxn modelId="{AAC837D6-D2CD-494A-9475-EB39AFC6BDAB}" srcId="{4A54E5C4-0F79-43F5-82AF-3BA838C43317}" destId="{47A9E6A3-5618-47DF-A73F-BA67F404F689}" srcOrd="3" destOrd="0" parTransId="{A9EEA232-A541-4318-90C9-F92BCAB2D003}" sibTransId="{6B5EB557-09EA-4717-968D-0AE4221AE211}"/>
+    <dgm:cxn modelId="{DB74CBD0-F8AE-4B2A-AAAE-367484547004}" srcId="{4A54E5C4-0F79-43F5-82AF-3BA838C43317}" destId="{4A5B773C-4354-44A9-BF33-3DAEE7D0BFA7}" srcOrd="1" destOrd="0" parTransId="{996B6CED-25DC-46EA-B6D5-9548932F6510}" sibTransId="{7A7BBF31-FD92-402D-84EA-05A0C31F478A}"/>
+    <dgm:cxn modelId="{8E57A595-45B6-4C18-9F68-386175BFE25D}" srcId="{4A54E5C4-0F79-43F5-82AF-3BA838C43317}" destId="{ACC8A687-BC31-429B-80D4-6F3E2E725BEC}" srcOrd="0" destOrd="0" parTransId="{AC88049D-E4C5-44AF-BA75-A30EF6AFF86A}" sibTransId="{3052F7BB-1FDC-4C27-B71C-E393CF09BD25}"/>
+    <dgm:cxn modelId="{387B82C6-5FC4-4573-974B-E28220EBE7E8}" type="presOf" srcId="{3052F7BB-1FDC-4C27-B71C-E393CF09BD25}" destId="{33A41000-7737-4C12-91F8-4DD8C72BDA12}" srcOrd="1" destOrd="0" presId="urn:microsoft.com/office/officeart/2005/8/layout/process1"/>
+    <dgm:cxn modelId="{B20C2869-E246-42AC-8018-9303AC48A5D0}" type="presOf" srcId="{7A7BBF31-FD92-402D-84EA-05A0C31F478A}" destId="{C3651A59-708A-46AF-AEE1-4F63410CE2AA}" srcOrd="1" destOrd="0" presId="urn:microsoft.com/office/officeart/2005/8/layout/process1"/>
+    <dgm:cxn modelId="{58505036-EBCF-4226-A04B-0BD923B393B9}" type="presOf" srcId="{E62B9084-7848-4239-A4F4-6049B619E59F}" destId="{BB99EB98-0778-4F0B-B164-57B61502AFE2}" srcOrd="1" destOrd="0" presId="urn:microsoft.com/office/officeart/2005/8/layout/process1"/>
+    <dgm:cxn modelId="{3E1E1919-7468-4097-8EC2-04A677C49FC0}" type="presOf" srcId="{0F80DAA3-2709-4C82-BFF7-60F412C68DE6}" destId="{22A61939-6A31-4A96-BC41-B215228C3CB2}" srcOrd="0" destOrd="0" presId="urn:microsoft.com/office/officeart/2005/8/layout/process1"/>
+    <dgm:cxn modelId="{0A07B030-8241-4C18-9671-E5BA0978D6FC}" type="presOf" srcId="{4A5B773C-4354-44A9-BF33-3DAEE7D0BFA7}" destId="{3A3D2CF8-813D-4732-AF5E-86B57EEAE79A}" srcOrd="0" destOrd="0" presId="urn:microsoft.com/office/officeart/2005/8/layout/process1"/>
+    <dgm:cxn modelId="{2D81D582-70A2-488F-B1D0-7D929C5895DC}" type="presOf" srcId="{6B5EB557-09EA-4717-968D-0AE4221AE211}" destId="{1066658E-94F5-46B4-83B6-9AF2B834AFB4}" srcOrd="1" destOrd="0" presId="urn:microsoft.com/office/officeart/2005/8/layout/process1"/>
     <dgm:cxn modelId="{D5560647-7ECD-4988-806A-A3CDD59E271D}" type="presOf" srcId="{3052F7BB-1FDC-4C27-B71C-E393CF09BD25}" destId="{438821CE-B543-421C-A1E0-037C8A4B381A}" srcOrd="0" destOrd="0" presId="urn:microsoft.com/office/officeart/2005/8/layout/process1"/>
-    <dgm:cxn modelId="{AAC837D6-D2CD-494A-9475-EB39AFC6BDAB}" srcId="{4A54E5C4-0F79-43F5-82AF-3BA838C43317}" destId="{47A9E6A3-5618-47DF-A73F-BA67F404F689}" srcOrd="3" destOrd="0" parTransId="{A9EEA232-A541-4318-90C9-F92BCAB2D003}" sibTransId="{6B5EB557-09EA-4717-968D-0AE4221AE211}"/>
-    <dgm:cxn modelId="{0C0259E0-054D-4AE3-B364-74ECF390D689}" type="presOf" srcId="{4A54E5C4-0F79-43F5-82AF-3BA838C43317}" destId="{E39CCEEA-C13B-4B86-AA37-633DB0C224F7}" srcOrd="0" destOrd="0" presId="urn:microsoft.com/office/officeart/2005/8/layout/process1"/>
-    <dgm:cxn modelId="{0A07B030-8241-4C18-9671-E5BA0978D6FC}" type="presOf" srcId="{4A5B773C-4354-44A9-BF33-3DAEE7D0BFA7}" destId="{3A3D2CF8-813D-4732-AF5E-86B57EEAE79A}" srcOrd="0" destOrd="0" presId="urn:microsoft.com/office/officeart/2005/8/layout/process1"/>
-    <dgm:cxn modelId="{B20C2869-E246-42AC-8018-9303AC48A5D0}" type="presOf" srcId="{7A7BBF31-FD92-402D-84EA-05A0C31F478A}" destId="{C3651A59-708A-46AF-AEE1-4F63410CE2AA}" srcOrd="1" destOrd="0" presId="urn:microsoft.com/office/officeart/2005/8/layout/process1"/>
+    <dgm:cxn modelId="{F78C5D01-21F5-49EB-B0EA-4BE8CFDE15BB}" type="presOf" srcId="{7A7BBF31-FD92-402D-84EA-05A0C31F478A}" destId="{9FA7D59A-5652-49BE-B67D-13642326184A}" srcOrd="0" destOrd="0" presId="urn:microsoft.com/office/officeart/2005/8/layout/process1"/>
     <dgm:cxn modelId="{E5889D2F-47BD-4581-BCC4-FB4BF6446D54}" type="presOf" srcId="{47A9E6A3-5618-47DF-A73F-BA67F404F689}" destId="{1F9AEDB3-DD5C-49AB-8DC6-16912162E839}" srcOrd="0" destOrd="0" presId="urn:microsoft.com/office/officeart/2005/8/layout/process1"/>
-    <dgm:cxn modelId="{88D709CC-A50F-4A50-A96D-DD02C53695EE}" srcId="{4A54E5C4-0F79-43F5-82AF-3BA838C43317}" destId="{1EF3898B-C8D8-4CB7-9F37-A98148943ACB}" srcOrd="2" destOrd="0" parTransId="{85B3C44A-CA90-477C-871D-55CEEB7E099A}" sibTransId="{E62B9084-7848-4239-A4F4-6049B619E59F}"/>
-    <dgm:cxn modelId="{3E1E1919-7468-4097-8EC2-04A677C49FC0}" type="presOf" srcId="{0F80DAA3-2709-4C82-BFF7-60F412C68DE6}" destId="{22A61939-6A31-4A96-BC41-B215228C3CB2}" srcOrd="0" destOrd="0" presId="urn:microsoft.com/office/officeart/2005/8/layout/process1"/>
-    <dgm:cxn modelId="{58505036-EBCF-4226-A04B-0BD923B393B9}" type="presOf" srcId="{E62B9084-7848-4239-A4F4-6049B619E59F}" destId="{BB99EB98-0778-4F0B-B164-57B61502AFE2}" srcOrd="1" destOrd="0" presId="urn:microsoft.com/office/officeart/2005/8/layout/process1"/>
-    <dgm:cxn modelId="{387B82C6-5FC4-4573-974B-E28220EBE7E8}" type="presOf" srcId="{3052F7BB-1FDC-4C27-B71C-E393CF09BD25}" destId="{33A41000-7737-4C12-91F8-4DD8C72BDA12}" srcOrd="1" destOrd="0" presId="urn:microsoft.com/office/officeart/2005/8/layout/process1"/>
-    <dgm:cxn modelId="{A153275C-9291-4989-8A02-187B438B88CB}" type="presOf" srcId="{6B5EB557-09EA-4717-968D-0AE4221AE211}" destId="{D44B980A-6803-4116-8826-27F6789327B9}" srcOrd="0" destOrd="0" presId="urn:microsoft.com/office/officeart/2005/8/layout/process1"/>
-    <dgm:cxn modelId="{DB74CBD0-F8AE-4B2A-AAAE-367484547004}" srcId="{4A54E5C4-0F79-43F5-82AF-3BA838C43317}" destId="{4A5B773C-4354-44A9-BF33-3DAEE7D0BFA7}" srcOrd="1" destOrd="0" parTransId="{996B6CED-25DC-46EA-B6D5-9548932F6510}" sibTransId="{7A7BBF31-FD92-402D-84EA-05A0C31F478A}"/>
-    <dgm:cxn modelId="{2D81D582-70A2-488F-B1D0-7D929C5895DC}" type="presOf" srcId="{6B5EB557-09EA-4717-968D-0AE4221AE211}" destId="{1066658E-94F5-46B4-83B6-9AF2B834AFB4}" srcOrd="1" destOrd="0" presId="urn:microsoft.com/office/officeart/2005/8/layout/process1"/>
     <dgm:cxn modelId="{758996D3-DBFE-4FAB-8BBB-955A7061B728}" type="presOf" srcId="{ACC8A687-BC31-429B-80D4-6F3E2E725BEC}" destId="{EA6F0469-A2DE-4EB3-BA64-952E26D6E052}" srcOrd="0" destOrd="0" presId="urn:microsoft.com/office/officeart/2005/8/layout/process1"/>
-    <dgm:cxn modelId="{8E57A595-45B6-4C18-9F68-386175BFE25D}" srcId="{4A54E5C4-0F79-43F5-82AF-3BA838C43317}" destId="{ACC8A687-BC31-429B-80D4-6F3E2E725BEC}" srcOrd="0" destOrd="0" parTransId="{AC88049D-E4C5-44AF-BA75-A30EF6AFF86A}" sibTransId="{3052F7BB-1FDC-4C27-B71C-E393CF09BD25}"/>
-    <dgm:cxn modelId="{16B44777-95E0-47A9-A6AB-87692B8A6772}" srcId="{4A54E5C4-0F79-43F5-82AF-3BA838C43317}" destId="{0F80DAA3-2709-4C82-BFF7-60F412C68DE6}" srcOrd="4" destOrd="0" parTransId="{260F9626-A099-4883-8575-8E3D1C770958}" sibTransId="{DFCFCD57-97C9-4FB8-8998-8407B34983E2}"/>
     <dgm:cxn modelId="{905C7093-3E0B-4382-8F56-009896333BCD}" type="presOf" srcId="{1EF3898B-C8D8-4CB7-9F37-A98148943ACB}" destId="{4B6625AB-1FFD-4224-85ED-1E1C2DD464DE}" srcOrd="0" destOrd="0" presId="urn:microsoft.com/office/officeart/2005/8/layout/process1"/>
-    <dgm:cxn modelId="{F78C5D01-21F5-49EB-B0EA-4BE8CFDE15BB}" type="presOf" srcId="{7A7BBF31-FD92-402D-84EA-05A0C31F478A}" destId="{9FA7D59A-5652-49BE-B67D-13642326184A}" srcOrd="0" destOrd="0" presId="urn:microsoft.com/office/officeart/2005/8/layout/process1"/>
-    <dgm:cxn modelId="{3F0012F0-D53A-42E2-9C9A-3F395A2D4C37}" type="presOf" srcId="{E62B9084-7848-4239-A4F4-6049B619E59F}" destId="{B125608D-EDF0-49DE-B28B-E935A17B55F1}" srcOrd="0" destOrd="0" presId="urn:microsoft.com/office/officeart/2005/8/layout/process1"/>
     <dgm:cxn modelId="{BEA26D78-3577-4488-8D84-959EEE6E0321}" type="presParOf" srcId="{E39CCEEA-C13B-4B86-AA37-633DB0C224F7}" destId="{EA6F0469-A2DE-4EB3-BA64-952E26D6E052}" srcOrd="0" destOrd="0" presId="urn:microsoft.com/office/officeart/2005/8/layout/process1"/>
     <dgm:cxn modelId="{F2542A10-F1D7-4531-9DD9-F7B71EF53878}" type="presParOf" srcId="{E39CCEEA-C13B-4B86-AA37-633DB0C224F7}" destId="{438821CE-B543-421C-A1E0-037C8A4B381A}" srcOrd="1" destOrd="0" presId="urn:microsoft.com/office/officeart/2005/8/layout/process1"/>
     <dgm:cxn modelId="{D6E4BA08-CD9D-4AC1-A4E6-A3C75D5FAF3B}" type="presParOf" srcId="{438821CE-B543-421C-A1E0-037C8A4B381A}" destId="{33A41000-7737-4C12-91F8-4DD8C72BDA12}" srcOrd="0" destOrd="0" presId="urn:microsoft.com/office/officeart/2005/8/layout/process1"/>
@@ -1338,701 +2363,6 @@
       <dsp:cNvGrpSpPr/>
     </dsp:nvGrpSpPr>
     <dsp:grpSpPr/>
-    <dsp:sp modelId="{EA6F0469-A2DE-4EB3-BA64-952E26D6E052}">
-      <dsp:nvSpPr>
-        <dsp:cNvPr id="0" name=""/>
-        <dsp:cNvSpPr/>
-      </dsp:nvSpPr>
-      <dsp:spPr>
-        <a:xfrm>
-          <a:off x="4197" y="1307908"/>
-          <a:ext cx="1301199" cy="1265619"/>
-        </a:xfrm>
-        <a:prstGeom prst="roundRect">
-          <a:avLst>
-            <a:gd name="adj" fmla="val 10000"/>
-          </a:avLst>
-        </a:prstGeom>
-        <a:solidFill>
-          <a:schemeClr val="accent2">
-            <a:hueOff val="0"/>
-            <a:satOff val="0"/>
-            <a:lumOff val="0"/>
-            <a:alphaOff val="0"/>
-          </a:schemeClr>
-        </a:solidFill>
-        <a:ln w="19050" cap="rnd" cmpd="sng" algn="ctr">
-          <a:solidFill>
-            <a:schemeClr val="lt1">
-              <a:hueOff val="0"/>
-              <a:satOff val="0"/>
-              <a:lumOff val="0"/>
-              <a:alphaOff val="0"/>
-            </a:schemeClr>
-          </a:solidFill>
-          <a:prstDash val="solid"/>
-        </a:ln>
-        <a:effectLst/>
-      </dsp:spPr>
-      <dsp:style>
-        <a:lnRef idx="2">
-          <a:scrgbClr r="0" g="0" b="0"/>
-        </a:lnRef>
-        <a:fillRef idx="1">
-          <a:scrgbClr r="0" g="0" b="0"/>
-        </a:fillRef>
-        <a:effectRef idx="0">
-          <a:scrgbClr r="0" g="0" b="0"/>
-        </a:effectRef>
-        <a:fontRef idx="minor">
-          <a:schemeClr val="lt1"/>
-        </a:fontRef>
-      </dsp:style>
-      <dsp:txBody>
-        <a:bodyPr spcFirstLastPara="0" vert="horz" wrap="square" lIns="49530" tIns="49530" rIns="49530" bIns="49530" numCol="1" spcCol="1270" anchor="ctr" anchorCtr="0">
-          <a:noAutofit/>
-        </a:bodyPr>
-        <a:lstStyle/>
-        <a:p>
-          <a:pPr lvl="0" algn="ctr" defTabSz="577850">
-            <a:lnSpc>
-              <a:spcPct val="90000"/>
-            </a:lnSpc>
-            <a:spcBef>
-              <a:spcPct val="0"/>
-            </a:spcBef>
-            <a:spcAft>
-              <a:spcPct val="35000"/>
-            </a:spcAft>
-          </a:pPr>
-          <a:r>
-            <a:rPr lang="ru-RU" sz="1300" kern="1200" dirty="0" smtClean="0"/>
-            <a:t>Получение инфы о существовании игры</a:t>
-          </a:r>
-          <a:endParaRPr lang="ru-RU" sz="1300" kern="1200" dirty="0"/>
-        </a:p>
-      </dsp:txBody>
-      <dsp:txXfrm>
-        <a:off x="41266" y="1344977"/>
-        <a:ext cx="1227061" cy="1191481"/>
-      </dsp:txXfrm>
-    </dsp:sp>
-    <dsp:sp modelId="{438821CE-B543-421C-A1E0-037C8A4B381A}">
-      <dsp:nvSpPr>
-        <dsp:cNvPr id="0" name=""/>
-        <dsp:cNvSpPr/>
-      </dsp:nvSpPr>
-      <dsp:spPr>
-        <a:xfrm>
-          <a:off x="1435516" y="1779369"/>
-          <a:ext cx="275854" cy="322697"/>
-        </a:xfrm>
-        <a:prstGeom prst="rightArrow">
-          <a:avLst>
-            <a:gd name="adj1" fmla="val 60000"/>
-            <a:gd name="adj2" fmla="val 50000"/>
-          </a:avLst>
-        </a:prstGeom>
-        <a:solidFill>
-          <a:schemeClr val="accent2">
-            <a:hueOff val="0"/>
-            <a:satOff val="0"/>
-            <a:lumOff val="0"/>
-            <a:alphaOff val="0"/>
-          </a:schemeClr>
-        </a:solidFill>
-        <a:ln>
-          <a:noFill/>
-        </a:ln>
-        <a:effectLst/>
-      </dsp:spPr>
-      <dsp:style>
-        <a:lnRef idx="0">
-          <a:scrgbClr r="0" g="0" b="0"/>
-        </a:lnRef>
-        <a:fillRef idx="1">
-          <a:scrgbClr r="0" g="0" b="0"/>
-        </a:fillRef>
-        <a:effectRef idx="0">
-          <a:scrgbClr r="0" g="0" b="0"/>
-        </a:effectRef>
-        <a:fontRef idx="minor">
-          <a:schemeClr val="lt1"/>
-        </a:fontRef>
-      </dsp:style>
-      <dsp:txBody>
-        <a:bodyPr spcFirstLastPara="0" vert="horz" wrap="square" lIns="0" tIns="0" rIns="0" bIns="0" numCol="1" spcCol="1270" anchor="ctr" anchorCtr="0">
-          <a:noAutofit/>
-        </a:bodyPr>
-        <a:lstStyle/>
-        <a:p>
-          <a:pPr lvl="0" algn="ctr" defTabSz="444500">
-            <a:lnSpc>
-              <a:spcPct val="90000"/>
-            </a:lnSpc>
-            <a:spcBef>
-              <a:spcPct val="0"/>
-            </a:spcBef>
-            <a:spcAft>
-              <a:spcPct val="35000"/>
-            </a:spcAft>
-          </a:pPr>
-          <a:endParaRPr lang="ru-RU" sz="1000" kern="1200"/>
-        </a:p>
-      </dsp:txBody>
-      <dsp:txXfrm>
-        <a:off x="1435516" y="1843908"/>
-        <a:ext cx="193098" cy="193619"/>
-      </dsp:txXfrm>
-    </dsp:sp>
-    <dsp:sp modelId="{3A3D2CF8-813D-4732-AF5E-86B57EEAE79A}">
-      <dsp:nvSpPr>
-        <dsp:cNvPr id="0" name=""/>
-        <dsp:cNvSpPr/>
-      </dsp:nvSpPr>
-      <dsp:spPr>
-        <a:xfrm>
-          <a:off x="1825876" y="1307908"/>
-          <a:ext cx="1301199" cy="1265619"/>
-        </a:xfrm>
-        <a:prstGeom prst="roundRect">
-          <a:avLst>
-            <a:gd name="adj" fmla="val 10000"/>
-          </a:avLst>
-        </a:prstGeom>
-        <a:solidFill>
-          <a:schemeClr val="accent2">
-            <a:hueOff val="-209531"/>
-            <a:satOff val="-2415"/>
-            <a:lumOff val="540"/>
-            <a:alphaOff val="0"/>
-          </a:schemeClr>
-        </a:solidFill>
-        <a:ln w="19050" cap="rnd" cmpd="sng" algn="ctr">
-          <a:solidFill>
-            <a:schemeClr val="lt1">
-              <a:hueOff val="0"/>
-              <a:satOff val="0"/>
-              <a:lumOff val="0"/>
-              <a:alphaOff val="0"/>
-            </a:schemeClr>
-          </a:solidFill>
-          <a:prstDash val="solid"/>
-        </a:ln>
-        <a:effectLst/>
-      </dsp:spPr>
-      <dsp:style>
-        <a:lnRef idx="2">
-          <a:scrgbClr r="0" g="0" b="0"/>
-        </a:lnRef>
-        <a:fillRef idx="1">
-          <a:scrgbClr r="0" g="0" b="0"/>
-        </a:fillRef>
-        <a:effectRef idx="0">
-          <a:scrgbClr r="0" g="0" b="0"/>
-        </a:effectRef>
-        <a:fontRef idx="minor">
-          <a:schemeClr val="lt1"/>
-        </a:fontRef>
-      </dsp:style>
-      <dsp:txBody>
-        <a:bodyPr spcFirstLastPara="0" vert="horz" wrap="square" lIns="49530" tIns="49530" rIns="49530" bIns="49530" numCol="1" spcCol="1270" anchor="ctr" anchorCtr="0">
-          <a:noAutofit/>
-        </a:bodyPr>
-        <a:lstStyle/>
-        <a:p>
-          <a:pPr lvl="0" algn="ctr" defTabSz="577850">
-            <a:lnSpc>
-              <a:spcPct val="90000"/>
-            </a:lnSpc>
-            <a:spcBef>
-              <a:spcPct val="0"/>
-            </a:spcBef>
-            <a:spcAft>
-              <a:spcPct val="35000"/>
-            </a:spcAft>
-          </a:pPr>
-          <a:r>
-            <a:rPr lang="ru-RU" sz="1300" kern="1200" dirty="0" smtClean="0"/>
-            <a:t>Скачивание с установкой</a:t>
-          </a:r>
-          <a:endParaRPr lang="ru-RU" sz="1300" kern="1200" dirty="0"/>
-        </a:p>
-      </dsp:txBody>
-      <dsp:txXfrm>
-        <a:off x="1862945" y="1344977"/>
-        <a:ext cx="1227061" cy="1191481"/>
-      </dsp:txXfrm>
-    </dsp:sp>
-    <dsp:sp modelId="{9FA7D59A-5652-49BE-B67D-13642326184A}">
-      <dsp:nvSpPr>
-        <dsp:cNvPr id="0" name=""/>
-        <dsp:cNvSpPr/>
-      </dsp:nvSpPr>
-      <dsp:spPr>
-        <a:xfrm>
-          <a:off x="3257196" y="1779369"/>
-          <a:ext cx="275854" cy="322697"/>
-        </a:xfrm>
-        <a:prstGeom prst="rightArrow">
-          <a:avLst>
-            <a:gd name="adj1" fmla="val 60000"/>
-            <a:gd name="adj2" fmla="val 50000"/>
-          </a:avLst>
-        </a:prstGeom>
-        <a:solidFill>
-          <a:schemeClr val="accent2">
-            <a:hueOff val="-279374"/>
-            <a:satOff val="-3219"/>
-            <a:lumOff val="720"/>
-            <a:alphaOff val="0"/>
-          </a:schemeClr>
-        </a:solidFill>
-        <a:ln>
-          <a:noFill/>
-        </a:ln>
-        <a:effectLst/>
-      </dsp:spPr>
-      <dsp:style>
-        <a:lnRef idx="0">
-          <a:scrgbClr r="0" g="0" b="0"/>
-        </a:lnRef>
-        <a:fillRef idx="1">
-          <a:scrgbClr r="0" g="0" b="0"/>
-        </a:fillRef>
-        <a:effectRef idx="0">
-          <a:scrgbClr r="0" g="0" b="0"/>
-        </a:effectRef>
-        <a:fontRef idx="minor">
-          <a:schemeClr val="lt1"/>
-        </a:fontRef>
-      </dsp:style>
-      <dsp:txBody>
-        <a:bodyPr spcFirstLastPara="0" vert="horz" wrap="square" lIns="0" tIns="0" rIns="0" bIns="0" numCol="1" spcCol="1270" anchor="ctr" anchorCtr="0">
-          <a:noAutofit/>
-        </a:bodyPr>
-        <a:lstStyle/>
-        <a:p>
-          <a:pPr lvl="0" algn="ctr" defTabSz="444500">
-            <a:lnSpc>
-              <a:spcPct val="90000"/>
-            </a:lnSpc>
-            <a:spcBef>
-              <a:spcPct val="0"/>
-            </a:spcBef>
-            <a:spcAft>
-              <a:spcPct val="35000"/>
-            </a:spcAft>
-          </a:pPr>
-          <a:endParaRPr lang="ru-RU" sz="1000" kern="1200"/>
-        </a:p>
-      </dsp:txBody>
-      <dsp:txXfrm>
-        <a:off x="3257196" y="1843908"/>
-        <a:ext cx="193098" cy="193619"/>
-      </dsp:txXfrm>
-    </dsp:sp>
-    <dsp:sp modelId="{4B6625AB-1FFD-4224-85ED-1E1C2DD464DE}">
-      <dsp:nvSpPr>
-        <dsp:cNvPr id="0" name=""/>
-        <dsp:cNvSpPr/>
-      </dsp:nvSpPr>
-      <dsp:spPr>
-        <a:xfrm>
-          <a:off x="3647556" y="1307908"/>
-          <a:ext cx="1301199" cy="1265619"/>
-        </a:xfrm>
-        <a:prstGeom prst="roundRect">
-          <a:avLst>
-            <a:gd name="adj" fmla="val 10000"/>
-          </a:avLst>
-        </a:prstGeom>
-        <a:solidFill>
-          <a:schemeClr val="accent2">
-            <a:hueOff val="-419062"/>
-            <a:satOff val="-4829"/>
-            <a:lumOff val="1079"/>
-            <a:alphaOff val="0"/>
-          </a:schemeClr>
-        </a:solidFill>
-        <a:ln w="19050" cap="rnd" cmpd="sng" algn="ctr">
-          <a:solidFill>
-            <a:schemeClr val="lt1">
-              <a:hueOff val="0"/>
-              <a:satOff val="0"/>
-              <a:lumOff val="0"/>
-              <a:alphaOff val="0"/>
-            </a:schemeClr>
-          </a:solidFill>
-          <a:prstDash val="solid"/>
-        </a:ln>
-        <a:effectLst/>
-      </dsp:spPr>
-      <dsp:style>
-        <a:lnRef idx="2">
-          <a:scrgbClr r="0" g="0" b="0"/>
-        </a:lnRef>
-        <a:fillRef idx="1">
-          <a:scrgbClr r="0" g="0" b="0"/>
-        </a:fillRef>
-        <a:effectRef idx="0">
-          <a:scrgbClr r="0" g="0" b="0"/>
-        </a:effectRef>
-        <a:fontRef idx="minor">
-          <a:schemeClr val="lt1"/>
-        </a:fontRef>
-      </dsp:style>
-      <dsp:txBody>
-        <a:bodyPr spcFirstLastPara="0" vert="horz" wrap="square" lIns="49530" tIns="49530" rIns="49530" bIns="49530" numCol="1" spcCol="1270" anchor="ctr" anchorCtr="0">
-          <a:noAutofit/>
-        </a:bodyPr>
-        <a:lstStyle/>
-        <a:p>
-          <a:pPr lvl="0" algn="ctr" defTabSz="577850">
-            <a:lnSpc>
-              <a:spcPct val="90000"/>
-            </a:lnSpc>
-            <a:spcBef>
-              <a:spcPct val="0"/>
-            </a:spcBef>
-            <a:spcAft>
-              <a:spcPct val="35000"/>
-            </a:spcAft>
-          </a:pPr>
-          <a:r>
-            <a:rPr lang="ru-RU" sz="1300" kern="1200" dirty="0" smtClean="0"/>
-            <a:t>Первые</a:t>
-          </a:r>
-          <a:r>
-            <a:rPr lang="ru-RU" sz="1300" kern="1200" baseline="0" dirty="0" smtClean="0"/>
-            <a:t> ощущения и от игры</a:t>
-          </a:r>
-          <a:endParaRPr lang="ru-RU" sz="1300" kern="1200" dirty="0"/>
-        </a:p>
-      </dsp:txBody>
-      <dsp:txXfrm>
-        <a:off x="3684625" y="1344977"/>
-        <a:ext cx="1227061" cy="1191481"/>
-      </dsp:txXfrm>
-    </dsp:sp>
-    <dsp:sp modelId="{B125608D-EDF0-49DE-B28B-E935A17B55F1}">
-      <dsp:nvSpPr>
-        <dsp:cNvPr id="0" name=""/>
-        <dsp:cNvSpPr/>
-      </dsp:nvSpPr>
-      <dsp:spPr>
-        <a:xfrm>
-          <a:off x="5078875" y="1779369"/>
-          <a:ext cx="275854" cy="322697"/>
-        </a:xfrm>
-        <a:prstGeom prst="rightArrow">
-          <a:avLst>
-            <a:gd name="adj1" fmla="val 60000"/>
-            <a:gd name="adj2" fmla="val 50000"/>
-          </a:avLst>
-        </a:prstGeom>
-        <a:solidFill>
-          <a:schemeClr val="accent2">
-            <a:hueOff val="-558749"/>
-            <a:satOff val="-6439"/>
-            <a:lumOff val="1439"/>
-            <a:alphaOff val="0"/>
-          </a:schemeClr>
-        </a:solidFill>
-        <a:ln>
-          <a:noFill/>
-        </a:ln>
-        <a:effectLst/>
-      </dsp:spPr>
-      <dsp:style>
-        <a:lnRef idx="0">
-          <a:scrgbClr r="0" g="0" b="0"/>
-        </a:lnRef>
-        <a:fillRef idx="1">
-          <a:scrgbClr r="0" g="0" b="0"/>
-        </a:fillRef>
-        <a:effectRef idx="0">
-          <a:scrgbClr r="0" g="0" b="0"/>
-        </a:effectRef>
-        <a:fontRef idx="minor">
-          <a:schemeClr val="lt1"/>
-        </a:fontRef>
-      </dsp:style>
-      <dsp:txBody>
-        <a:bodyPr spcFirstLastPara="0" vert="horz" wrap="square" lIns="0" tIns="0" rIns="0" bIns="0" numCol="1" spcCol="1270" anchor="ctr" anchorCtr="0">
-          <a:noAutofit/>
-        </a:bodyPr>
-        <a:lstStyle/>
-        <a:p>
-          <a:pPr lvl="0" algn="ctr" defTabSz="444500">
-            <a:lnSpc>
-              <a:spcPct val="90000"/>
-            </a:lnSpc>
-            <a:spcBef>
-              <a:spcPct val="0"/>
-            </a:spcBef>
-            <a:spcAft>
-              <a:spcPct val="35000"/>
-            </a:spcAft>
-          </a:pPr>
-          <a:endParaRPr lang="ru-RU" sz="1000" kern="1200"/>
-        </a:p>
-      </dsp:txBody>
-      <dsp:txXfrm>
-        <a:off x="5078875" y="1843908"/>
-        <a:ext cx="193098" cy="193619"/>
-      </dsp:txXfrm>
-    </dsp:sp>
-    <dsp:sp modelId="{1F9AEDB3-DD5C-49AB-8DC6-16912162E839}">
-      <dsp:nvSpPr>
-        <dsp:cNvPr id="0" name=""/>
-        <dsp:cNvSpPr/>
-      </dsp:nvSpPr>
-      <dsp:spPr>
-        <a:xfrm>
-          <a:off x="5469235" y="1307908"/>
-          <a:ext cx="1301199" cy="1265619"/>
-        </a:xfrm>
-        <a:prstGeom prst="roundRect">
-          <a:avLst>
-            <a:gd name="adj" fmla="val 10000"/>
-          </a:avLst>
-        </a:prstGeom>
-        <a:solidFill>
-          <a:schemeClr val="accent2">
-            <a:hueOff val="-628592"/>
-            <a:satOff val="-7244"/>
-            <a:lumOff val="1619"/>
-            <a:alphaOff val="0"/>
-          </a:schemeClr>
-        </a:solidFill>
-        <a:ln w="19050" cap="rnd" cmpd="sng" algn="ctr">
-          <a:solidFill>
-            <a:schemeClr val="lt1">
-              <a:hueOff val="0"/>
-              <a:satOff val="0"/>
-              <a:lumOff val="0"/>
-              <a:alphaOff val="0"/>
-            </a:schemeClr>
-          </a:solidFill>
-          <a:prstDash val="solid"/>
-        </a:ln>
-        <a:effectLst/>
-      </dsp:spPr>
-      <dsp:style>
-        <a:lnRef idx="2">
-          <a:scrgbClr r="0" g="0" b="0"/>
-        </a:lnRef>
-        <a:fillRef idx="1">
-          <a:scrgbClr r="0" g="0" b="0"/>
-        </a:fillRef>
-        <a:effectRef idx="0">
-          <a:scrgbClr r="0" g="0" b="0"/>
-        </a:effectRef>
-        <a:fontRef idx="minor">
-          <a:schemeClr val="lt1"/>
-        </a:fontRef>
-      </dsp:style>
-      <dsp:txBody>
-        <a:bodyPr spcFirstLastPara="0" vert="horz" wrap="square" lIns="49530" tIns="49530" rIns="49530" bIns="49530" numCol="1" spcCol="1270" anchor="ctr" anchorCtr="0">
-          <a:noAutofit/>
-        </a:bodyPr>
-        <a:lstStyle/>
-        <a:p>
-          <a:pPr lvl="0" algn="ctr" defTabSz="577850">
-            <a:lnSpc>
-              <a:spcPct val="90000"/>
-            </a:lnSpc>
-            <a:spcBef>
-              <a:spcPct val="0"/>
-            </a:spcBef>
-            <a:spcAft>
-              <a:spcPct val="35000"/>
-            </a:spcAft>
-          </a:pPr>
-          <a:r>
-            <a:rPr lang="ru-RU" sz="1300" kern="1200" dirty="0" smtClean="0"/>
-            <a:t>Понимание со временем, что на </a:t>
-          </a:r>
-          <a:r>
-            <a:rPr lang="ru-RU" sz="1300" kern="1200" dirty="0" err="1" smtClean="0"/>
-            <a:t>паблике</a:t>
-          </a:r>
-          <a:r>
-            <a:rPr lang="ru-RU" sz="1300" kern="1200" dirty="0" smtClean="0"/>
-            <a:t> </a:t>
-          </a:r>
-          <a:r>
-            <a:rPr lang="ru-RU" sz="1300" kern="1200" dirty="0" err="1" smtClean="0"/>
-            <a:t>донат</a:t>
-          </a:r>
-          <a:r>
-            <a:rPr lang="ru-RU" sz="1300" kern="1200" dirty="0" smtClean="0"/>
-            <a:t>, и чтобы выигрывать нужен </a:t>
-          </a:r>
-          <a:r>
-            <a:rPr lang="ru-RU" sz="1300" kern="1200" dirty="0" err="1" smtClean="0"/>
-            <a:t>донат</a:t>
-          </a:r>
-          <a:endParaRPr lang="ru-RU" sz="1300" kern="1200" dirty="0"/>
-        </a:p>
-      </dsp:txBody>
-      <dsp:txXfrm>
-        <a:off x="5506304" y="1344977"/>
-        <a:ext cx="1227061" cy="1191481"/>
-      </dsp:txXfrm>
-    </dsp:sp>
-    <dsp:sp modelId="{D44B980A-6803-4116-8826-27F6789327B9}">
-      <dsp:nvSpPr>
-        <dsp:cNvPr id="0" name=""/>
-        <dsp:cNvSpPr/>
-      </dsp:nvSpPr>
-      <dsp:spPr>
-        <a:xfrm>
-          <a:off x="6900555" y="1779369"/>
-          <a:ext cx="275854" cy="322697"/>
-        </a:xfrm>
-        <a:prstGeom prst="rightArrow">
-          <a:avLst>
-            <a:gd name="adj1" fmla="val 60000"/>
-            <a:gd name="adj2" fmla="val 50000"/>
-          </a:avLst>
-        </a:prstGeom>
-        <a:solidFill>
-          <a:schemeClr val="accent2">
-            <a:hueOff val="-838123"/>
-            <a:satOff val="-9658"/>
-            <a:lumOff val="2159"/>
-            <a:alphaOff val="0"/>
-          </a:schemeClr>
-        </a:solidFill>
-        <a:ln>
-          <a:noFill/>
-        </a:ln>
-        <a:effectLst/>
-      </dsp:spPr>
-      <dsp:style>
-        <a:lnRef idx="0">
-          <a:scrgbClr r="0" g="0" b="0"/>
-        </a:lnRef>
-        <a:fillRef idx="1">
-          <a:scrgbClr r="0" g="0" b="0"/>
-        </a:fillRef>
-        <a:effectRef idx="0">
-          <a:scrgbClr r="0" g="0" b="0"/>
-        </a:effectRef>
-        <a:fontRef idx="minor">
-          <a:schemeClr val="lt1"/>
-        </a:fontRef>
-      </dsp:style>
-      <dsp:txBody>
-        <a:bodyPr spcFirstLastPara="0" vert="horz" wrap="square" lIns="0" tIns="0" rIns="0" bIns="0" numCol="1" spcCol="1270" anchor="ctr" anchorCtr="0">
-          <a:noAutofit/>
-        </a:bodyPr>
-        <a:lstStyle/>
-        <a:p>
-          <a:pPr lvl="0" algn="ctr" defTabSz="444500">
-            <a:lnSpc>
-              <a:spcPct val="90000"/>
-            </a:lnSpc>
-            <a:spcBef>
-              <a:spcPct val="0"/>
-            </a:spcBef>
-            <a:spcAft>
-              <a:spcPct val="35000"/>
-            </a:spcAft>
-          </a:pPr>
-          <a:endParaRPr lang="ru-RU" sz="1000" kern="1200"/>
-        </a:p>
-      </dsp:txBody>
-      <dsp:txXfrm>
-        <a:off x="6900555" y="1843908"/>
-        <a:ext cx="193098" cy="193619"/>
-      </dsp:txXfrm>
-    </dsp:sp>
-    <dsp:sp modelId="{22A61939-6A31-4A96-BC41-B215228C3CB2}">
-      <dsp:nvSpPr>
-        <dsp:cNvPr id="0" name=""/>
-        <dsp:cNvSpPr/>
-      </dsp:nvSpPr>
-      <dsp:spPr>
-        <a:xfrm>
-          <a:off x="7290915" y="1307908"/>
-          <a:ext cx="1301199" cy="1265619"/>
-        </a:xfrm>
-        <a:prstGeom prst="roundRect">
-          <a:avLst>
-            <a:gd name="adj" fmla="val 10000"/>
-          </a:avLst>
-        </a:prstGeom>
-        <a:solidFill>
-          <a:schemeClr val="accent2">
-            <a:hueOff val="-838123"/>
-            <a:satOff val="-9658"/>
-            <a:lumOff val="2159"/>
-            <a:alphaOff val="0"/>
-          </a:schemeClr>
-        </a:solidFill>
-        <a:ln w="19050" cap="rnd" cmpd="sng" algn="ctr">
-          <a:solidFill>
-            <a:schemeClr val="lt1">
-              <a:hueOff val="0"/>
-              <a:satOff val="0"/>
-              <a:lumOff val="0"/>
-              <a:alphaOff val="0"/>
-            </a:schemeClr>
-          </a:solidFill>
-          <a:prstDash val="solid"/>
-        </a:ln>
-        <a:effectLst/>
-      </dsp:spPr>
-      <dsp:style>
-        <a:lnRef idx="2">
-          <a:scrgbClr r="0" g="0" b="0"/>
-        </a:lnRef>
-        <a:fillRef idx="1">
-          <a:scrgbClr r="0" g="0" b="0"/>
-        </a:fillRef>
-        <a:effectRef idx="0">
-          <a:scrgbClr r="0" g="0" b="0"/>
-        </a:effectRef>
-        <a:fontRef idx="minor">
-          <a:schemeClr val="lt1"/>
-        </a:fontRef>
-      </dsp:style>
-      <dsp:txBody>
-        <a:bodyPr spcFirstLastPara="0" vert="horz" wrap="square" lIns="49530" tIns="49530" rIns="49530" bIns="49530" numCol="1" spcCol="1270" anchor="ctr" anchorCtr="0">
-          <a:noAutofit/>
-        </a:bodyPr>
-        <a:lstStyle/>
-        <a:p>
-          <a:pPr lvl="0" algn="l" defTabSz="577850">
-            <a:lnSpc>
-              <a:spcPct val="90000"/>
-            </a:lnSpc>
-            <a:spcBef>
-              <a:spcPct val="0"/>
-            </a:spcBef>
-            <a:spcAft>
-              <a:spcPct val="35000"/>
-            </a:spcAft>
-          </a:pPr>
-          <a:r>
-            <a:rPr lang="ru-RU" sz="1300" kern="1200" dirty="0" smtClean="0"/>
-            <a:t>Закидывание денег в игру в попытке выкрутить </a:t>
-          </a:r>
-          <a:r>
-            <a:rPr lang="ru-RU" sz="1300" kern="1200" dirty="0" err="1" smtClean="0"/>
-            <a:t>донат</a:t>
-          </a:r>
-          <a:endParaRPr lang="ru-RU" sz="1300" kern="1200" dirty="0"/>
-        </a:p>
-      </dsp:txBody>
-      <dsp:txXfrm>
-        <a:off x="7327984" y="1344977"/>
-        <a:ext cx="1227061" cy="1191481"/>
-      </dsp:txXfrm>
-    </dsp:sp>
   </dsp:spTree>
 </dsp:drawing>
 </file>
@@ -3299,7 +3629,7 @@
           <a:p>
             <a:fld id="{569190FB-7325-48CB-A3A7-0ABBFA9F29F9}" type="datetimeFigureOut">
               <a:rPr lang="ru-RU" smtClean="0"/>
-              <a:t>02.03.2020</a:t>
+              <a:t>03.03.2020</a:t>
             </a:fld>
             <a:endParaRPr lang="ru-RU"/>
           </a:p>
@@ -4373,7 +4703,7 @@
           <a:p>
             <a:fld id="{F62FFFB8-A30D-4AB6-B7FE-3163BF69B5C2}" type="datetime1">
               <a:rPr lang="ru-RU" smtClean="0"/>
-              <a:t>02.03.2020</a:t>
+              <a:t>03.03.2020</a:t>
             </a:fld>
             <a:endParaRPr lang="ru-RU"/>
           </a:p>
@@ -4628,7 +4958,7 @@
           <a:p>
             <a:fld id="{8FEEDF46-D3C9-4005-9B80-AFB0D1DA9819}" type="datetime1">
               <a:rPr lang="ru-RU" smtClean="0"/>
-              <a:t>02.03.2020</a:t>
+              <a:t>03.03.2020</a:t>
             </a:fld>
             <a:endParaRPr lang="ru-RU"/>
           </a:p>
@@ -4946,7 +5276,7 @@
           <a:p>
             <a:fld id="{249C7AF2-FBFA-43D2-9C89-861C773599C3}" type="datetime1">
               <a:rPr lang="ru-RU" smtClean="0"/>
-              <a:t>02.03.2020</a:t>
+              <a:t>03.03.2020</a:t>
             </a:fld>
             <a:endParaRPr lang="ru-RU"/>
           </a:p>
@@ -5291,7 +5621,7 @@
           <a:p>
             <a:fld id="{7D076939-02ED-44BE-B129-63ACD162979C}" type="datetime1">
               <a:rPr lang="ru-RU" smtClean="0"/>
-              <a:t>02.03.2020</a:t>
+              <a:t>03.03.2020</a:t>
             </a:fld>
             <a:endParaRPr lang="ru-RU"/>
           </a:p>
@@ -5609,7 +5939,7 @@
           <a:p>
             <a:fld id="{A378F061-0CED-42C4-948E-5E26C03369B7}" type="datetime1">
               <a:rPr lang="ru-RU" smtClean="0"/>
-              <a:t>02.03.2020</a:t>
+              <a:t>03.03.2020</a:t>
             </a:fld>
             <a:endParaRPr lang="ru-RU"/>
           </a:p>
@@ -6006,7 +6336,7 @@
           <a:p>
             <a:fld id="{2CD1612F-3B36-4DB2-A1BD-7570CB80545F}" type="datetime1">
               <a:rPr lang="ru-RU" smtClean="0"/>
-              <a:t>02.03.2020</a:t>
+              <a:t>03.03.2020</a:t>
             </a:fld>
             <a:endParaRPr lang="ru-RU"/>
           </a:p>
@@ -6180,7 +6510,7 @@
           <a:p>
             <a:fld id="{2B24C8AA-3DFC-487C-ADB4-AC01B31FD497}" type="datetime1">
               <a:rPr lang="ru-RU" smtClean="0"/>
-              <a:t>02.03.2020</a:t>
+              <a:t>03.03.2020</a:t>
             </a:fld>
             <a:endParaRPr lang="ru-RU"/>
           </a:p>
@@ -6364,7 +6694,7 @@
           <a:p>
             <a:fld id="{DDD34A39-8C57-4575-B405-2F180F33C206}" type="datetime1">
               <a:rPr lang="ru-RU" smtClean="0"/>
-              <a:t>02.03.2020</a:t>
+              <a:t>03.03.2020</a:t>
             </a:fld>
             <a:endParaRPr lang="ru-RU"/>
           </a:p>
@@ -6544,7 +6874,7 @@
           <a:p>
             <a:fld id="{2541E3A7-DAA1-4CE9-B900-5AA6FDC56BCF}" type="datetime1">
               <a:rPr lang="ru-RU" smtClean="0"/>
-              <a:t>02.03.2020</a:t>
+              <a:t>03.03.2020</a:t>
             </a:fld>
             <a:endParaRPr lang="ru-RU"/>
           </a:p>
@@ -6795,7 +7125,7 @@
           <a:p>
             <a:fld id="{F6F11960-00AC-40B9-A97B-B066684A8DBC}" type="datetime1">
               <a:rPr lang="ru-RU" smtClean="0"/>
-              <a:t>02.03.2020</a:t>
+              <a:t>03.03.2020</a:t>
             </a:fld>
             <a:endParaRPr lang="ru-RU"/>
           </a:p>
@@ -7031,7 +7361,7 @@
           <a:p>
             <a:fld id="{12DFABBD-9363-4CEF-997B-0B693E8C3133}" type="datetime1">
               <a:rPr lang="ru-RU" smtClean="0"/>
-              <a:t>02.03.2020</a:t>
+              <a:t>03.03.2020</a:t>
             </a:fld>
             <a:endParaRPr lang="ru-RU"/>
           </a:p>
@@ -7409,7 +7739,7 @@
           <a:p>
             <a:fld id="{A6A9923B-074C-4007-A450-3F28DF7B4F61}" type="datetime1">
               <a:rPr lang="ru-RU" smtClean="0"/>
-              <a:t>02.03.2020</a:t>
+              <a:t>03.03.2020</a:t>
             </a:fld>
             <a:endParaRPr lang="ru-RU"/>
           </a:p>
@@ -7536,7 +7866,7 @@
           <a:p>
             <a:fld id="{C9BDC4C5-091C-4201-9036-6AAA5388F51E}" type="datetime1">
               <a:rPr lang="ru-RU" smtClean="0"/>
-              <a:t>02.03.2020</a:t>
+              <a:t>03.03.2020</a:t>
             </a:fld>
             <a:endParaRPr lang="ru-RU"/>
           </a:p>
@@ -7635,7 +7965,7 @@
           <a:p>
             <a:fld id="{CBE3A603-B1F1-4BF8-9369-AE6A1FEE2C07}" type="datetime1">
               <a:rPr lang="ru-RU" smtClean="0"/>
-              <a:t>02.03.2020</a:t>
+              <a:t>03.03.2020</a:t>
             </a:fld>
             <a:endParaRPr lang="ru-RU"/>
           </a:p>
@@ -7894,7 +8224,7 @@
           <a:p>
             <a:fld id="{06A037F2-C05C-4820-8F43-3D2A666D0FA0}" type="datetime1">
               <a:rPr lang="ru-RU" smtClean="0"/>
-              <a:t>02.03.2020</a:t>
+              <a:t>03.03.2020</a:t>
             </a:fld>
             <a:endParaRPr lang="ru-RU"/>
           </a:p>
@@ -8161,7 +8491,7 @@
           <a:p>
             <a:fld id="{B6005DFD-3C1B-42D6-951C-7AF2D9850E09}" type="datetime1">
               <a:rPr lang="ru-RU" smtClean="0"/>
-              <a:t>02.03.2020</a:t>
+              <a:t>03.03.2020</a:t>
             </a:fld>
             <a:endParaRPr lang="ru-RU"/>
           </a:p>
@@ -8908,7 +9238,7 @@
           <a:p>
             <a:fld id="{DBA06E76-3242-4811-A583-C23B86241ADC}" type="datetime1">
               <a:rPr lang="ru-RU" smtClean="0"/>
-              <a:t>02.03.2020</a:t>
+              <a:t>03.03.2020</a:t>
             </a:fld>
             <a:endParaRPr lang="ru-RU"/>
           </a:p>
@@ -9606,7 +9936,15 @@
           <a:bodyPr/>
           <a:lstStyle/>
           <a:p>
-            <a:endParaRPr lang="ru-RU"/>
+            <a:r>
+              <a:rPr lang="ru-RU" dirty="0" smtClean="0"/>
+              <a:t>Сравнение ощущения </a:t>
+            </a:r>
+            <a:r>
+              <a:rPr lang="ru-RU" dirty="0" err="1" smtClean="0"/>
+              <a:t>геймплея</a:t>
+            </a:r>
+            <a:endParaRPr lang="ru-RU" dirty="0"/>
           </a:p>
         </p:txBody>
       </p:sp>
@@ -9620,14 +9958,14 @@
             <p:ph idx="1"/>
             <p:extLst>
               <p:ext uri="{D42A27DB-BD31-4B8C-83A1-F6EECF244321}">
-                <p14:modId xmlns:p14="http://schemas.microsoft.com/office/powerpoint/2010/main" val="1137442629"/>
+                <p14:modId xmlns:p14="http://schemas.microsoft.com/office/powerpoint/2010/main" val="55990079"/>
               </p:ext>
             </p:extLst>
           </p:nvPr>
         </p:nvGraphicFramePr>
         <p:xfrm>
-          <a:off x="677863" y="2160588"/>
-          <a:ext cx="8596310" cy="1854200"/>
+          <a:off x="677863" y="2160589"/>
+          <a:ext cx="8596310" cy="3859902"/>
         </p:xfrm>
         <a:graphic>
           <a:graphicData uri="http://schemas.openxmlformats.org/drawingml/2006/table">
@@ -9636,324 +9974,1415 @@
                 <a:tableStyleId>{5C22544A-7EE6-4342-B048-85BDC9FD1C3A}</a:tableStyleId>
               </a:tblPr>
               <a:tblGrid>
-                <a:gridCol w="1719262">
+                <a:gridCol w="3438524">
                   <a:extLst>
                     <a:ext uri="{9D8B030D-6E8A-4147-A177-3AD203B41FA5}">
-                      <a16:colId xmlns:a16="http://schemas.microsoft.com/office/drawing/2014/main" val="3077717491"/>
+                      <a16:colId xmlns:a16="http://schemas.microsoft.com/office/drawing/2014/main" xmlns="" val="3077717491"/>
                     </a:ext>
                   </a:extLst>
                 </a:gridCol>
                 <a:gridCol w="1719262">
                   <a:extLst>
                     <a:ext uri="{9D8B030D-6E8A-4147-A177-3AD203B41FA5}">
-                      <a16:colId xmlns:a16="http://schemas.microsoft.com/office/drawing/2014/main" val="2207875201"/>
+                      <a16:colId xmlns:a16="http://schemas.microsoft.com/office/drawing/2014/main" xmlns="" val="125991373"/>
                     </a:ext>
                   </a:extLst>
                 </a:gridCol>
                 <a:gridCol w="1719262">
                   <a:extLst>
                     <a:ext uri="{9D8B030D-6E8A-4147-A177-3AD203B41FA5}">
-                      <a16:colId xmlns:a16="http://schemas.microsoft.com/office/drawing/2014/main" val="125991373"/>
+                      <a16:colId xmlns:a16="http://schemas.microsoft.com/office/drawing/2014/main" xmlns="" val="2939543407"/>
                     </a:ext>
                   </a:extLst>
                 </a:gridCol>
                 <a:gridCol w="1719262">
                   <a:extLst>
                     <a:ext uri="{9D8B030D-6E8A-4147-A177-3AD203B41FA5}">
-                      <a16:colId xmlns:a16="http://schemas.microsoft.com/office/drawing/2014/main" val="2939543407"/>
-                    </a:ext>
-                  </a:extLst>
-                </a:gridCol>
-                <a:gridCol w="1719262">
-                  <a:extLst>
-                    <a:ext uri="{9D8B030D-6E8A-4147-A177-3AD203B41FA5}">
-                      <a16:colId xmlns:a16="http://schemas.microsoft.com/office/drawing/2014/main" val="2060251470"/>
+                      <a16:colId xmlns:a16="http://schemas.microsoft.com/office/drawing/2014/main" xmlns="" val="2060251470"/>
                     </a:ext>
                   </a:extLst>
                 </a:gridCol>
               </a:tblGrid>
-              <a:tr h="370840">
+              <a:tr h="407304">
                 <a:tc>
                   <a:txBody>
                     <a:bodyPr/>
                     <a:lstStyle/>
                     <a:p>
-                      <a:endParaRPr lang="ru-RU" dirty="0"/>
+                      <a:pPr marL="0" marR="0" lvl="0" indent="0" algn="ctr" defTabSz="457200" rtl="0" eaLnBrk="1" fontAlgn="auto" latinLnBrk="0" hangingPunct="1">
+                        <a:lnSpc>
+                          <a:spcPct val="100000"/>
+                        </a:lnSpc>
+                        <a:spcBef>
+                          <a:spcPts val="0"/>
+                        </a:spcBef>
+                        <a:spcAft>
+                          <a:spcPts val="0"/>
+                        </a:spcAft>
+                        <a:buClrTx/>
+                        <a:buSzTx/>
+                        <a:buFontTx/>
+                        <a:buNone/>
+                        <a:tabLst/>
+                        <a:defRPr/>
+                      </a:pPr>
+                      <a:r>
+                        <a:rPr lang="ru-RU" sz="1600" dirty="0" smtClean="0"/>
+                        <a:t>Параметры</a:t>
+                      </a:r>
+                      <a:r>
+                        <a:rPr lang="ru-RU" sz="1600" baseline="0" dirty="0" smtClean="0"/>
+                        <a:t> сравнения</a:t>
+                      </a:r>
+                      <a:endParaRPr lang="ru-RU" sz="1600" dirty="0" smtClean="0"/>
                     </a:p>
                   </a:txBody>
-                  <a:tcPr/>
+                  <a:tcPr anchor="ctr">
+                    <a:lnL w="12700" cap="flat" cmpd="sng" algn="ctr">
+                      <a:solidFill>
+                        <a:schemeClr val="tx1"/>
+                      </a:solidFill>
+                      <a:prstDash val="solid"/>
+                      <a:round/>
+                      <a:headEnd type="none" w="med" len="med"/>
+                      <a:tailEnd type="none" w="med" len="med"/>
+                    </a:lnL>
+                    <a:lnR w="12700" cap="flat" cmpd="sng" algn="ctr">
+                      <a:solidFill>
+                        <a:schemeClr val="tx1"/>
+                      </a:solidFill>
+                      <a:prstDash val="solid"/>
+                      <a:round/>
+                      <a:headEnd type="none" w="med" len="med"/>
+                      <a:tailEnd type="none" w="med" len="med"/>
+                    </a:lnR>
+                    <a:lnT w="12700" cap="flat" cmpd="sng" algn="ctr">
+                      <a:solidFill>
+                        <a:schemeClr val="tx1"/>
+                      </a:solidFill>
+                      <a:prstDash val="solid"/>
+                      <a:round/>
+                      <a:headEnd type="none" w="med" len="med"/>
+                      <a:tailEnd type="none" w="med" len="med"/>
+                    </a:lnT>
+                    <a:lnB w="12700" cap="flat" cmpd="sng" algn="ctr">
+                      <a:solidFill>
+                        <a:schemeClr val="tx1"/>
+                      </a:solidFill>
+                      <a:prstDash val="solid"/>
+                      <a:round/>
+                      <a:headEnd type="none" w="med" len="med"/>
+                      <a:tailEnd type="none" w="med" len="med"/>
+                    </a:lnB>
+                  </a:tcPr>
                 </a:tc>
                 <a:tc>
                   <a:txBody>
                     <a:bodyPr/>
                     <a:lstStyle/>
                     <a:p>
-                      <a:endParaRPr lang="ru-RU"/>
+                      <a:pPr algn="ctr"/>
+                      <a:r>
+                        <a:rPr lang="en-US" sz="1600" dirty="0" smtClean="0"/>
+                        <a:t>2012</a:t>
+                      </a:r>
+                      <a:endParaRPr lang="ru-RU" sz="1600" dirty="0"/>
                     </a:p>
                   </a:txBody>
-                  <a:tcPr/>
+                  <a:tcPr anchor="ctr">
+                    <a:lnL w="12700" cap="flat" cmpd="sng" algn="ctr">
+                      <a:solidFill>
+                        <a:schemeClr val="tx1"/>
+                      </a:solidFill>
+                      <a:prstDash val="solid"/>
+                      <a:round/>
+                      <a:headEnd type="none" w="med" len="med"/>
+                      <a:tailEnd type="none" w="med" len="med"/>
+                    </a:lnL>
+                    <a:lnR w="12700" cap="flat" cmpd="sng" algn="ctr">
+                      <a:solidFill>
+                        <a:schemeClr val="tx1"/>
+                      </a:solidFill>
+                      <a:prstDash val="solid"/>
+                      <a:round/>
+                      <a:headEnd type="none" w="med" len="med"/>
+                      <a:tailEnd type="none" w="med" len="med"/>
+                    </a:lnR>
+                    <a:lnT w="12700" cap="flat" cmpd="sng" algn="ctr">
+                      <a:solidFill>
+                        <a:schemeClr val="tx1"/>
+                      </a:solidFill>
+                      <a:prstDash val="solid"/>
+                      <a:round/>
+                      <a:headEnd type="none" w="med" len="med"/>
+                      <a:tailEnd type="none" w="med" len="med"/>
+                    </a:lnT>
+                    <a:lnB w="12700" cap="flat" cmpd="sng" algn="ctr">
+                      <a:solidFill>
+                        <a:schemeClr val="tx1"/>
+                      </a:solidFill>
+                      <a:prstDash val="solid"/>
+                      <a:round/>
+                      <a:headEnd type="none" w="med" len="med"/>
+                      <a:tailEnd type="none" w="med" len="med"/>
+                    </a:lnB>
+                  </a:tcPr>
                 </a:tc>
                 <a:tc>
                   <a:txBody>
                     <a:bodyPr/>
                     <a:lstStyle/>
                     <a:p>
-                      <a:endParaRPr lang="ru-RU"/>
+                      <a:pPr algn="ctr"/>
+                      <a:r>
+                        <a:rPr lang="en-US" sz="1600" dirty="0" smtClean="0"/>
+                        <a:t>2015</a:t>
+                      </a:r>
+                      <a:endParaRPr lang="ru-RU" sz="1600" dirty="0"/>
                     </a:p>
                   </a:txBody>
-                  <a:tcPr/>
+                  <a:tcPr anchor="ctr">
+                    <a:lnL w="12700" cap="flat" cmpd="sng" algn="ctr">
+                      <a:solidFill>
+                        <a:schemeClr val="tx1"/>
+                      </a:solidFill>
+                      <a:prstDash val="solid"/>
+                      <a:round/>
+                      <a:headEnd type="none" w="med" len="med"/>
+                      <a:tailEnd type="none" w="med" len="med"/>
+                    </a:lnL>
+                    <a:lnR w="12700" cap="flat" cmpd="sng" algn="ctr">
+                      <a:solidFill>
+                        <a:schemeClr val="tx1"/>
+                      </a:solidFill>
+                      <a:prstDash val="solid"/>
+                      <a:round/>
+                      <a:headEnd type="none" w="med" len="med"/>
+                      <a:tailEnd type="none" w="med" len="med"/>
+                    </a:lnR>
+                    <a:lnT w="12700" cap="flat" cmpd="sng" algn="ctr">
+                      <a:solidFill>
+                        <a:schemeClr val="tx1"/>
+                      </a:solidFill>
+                      <a:prstDash val="solid"/>
+                      <a:round/>
+                      <a:headEnd type="none" w="med" len="med"/>
+                      <a:tailEnd type="none" w="med" len="med"/>
+                    </a:lnT>
+                    <a:lnB w="12700" cap="flat" cmpd="sng" algn="ctr">
+                      <a:solidFill>
+                        <a:schemeClr val="tx1"/>
+                      </a:solidFill>
+                      <a:prstDash val="solid"/>
+                      <a:round/>
+                      <a:headEnd type="none" w="med" len="med"/>
+                      <a:tailEnd type="none" w="med" len="med"/>
+                    </a:lnB>
+                  </a:tcPr>
                 </a:tc>
                 <a:tc>
                   <a:txBody>
                     <a:bodyPr/>
                     <a:lstStyle/>
                     <a:p>
-                      <a:endParaRPr lang="ru-RU"/>
+                      <a:pPr algn="ctr"/>
+                      <a:r>
+                        <a:rPr lang="en-US" sz="1600" dirty="0" smtClean="0"/>
+                        <a:t>2020</a:t>
+                      </a:r>
+                      <a:endParaRPr lang="ru-RU" sz="1600" dirty="0"/>
                     </a:p>
                   </a:txBody>
-                  <a:tcPr/>
+                  <a:tcPr anchor="ctr">
+                    <a:lnL w="12700" cap="flat" cmpd="sng" algn="ctr">
+                      <a:solidFill>
+                        <a:schemeClr val="tx1"/>
+                      </a:solidFill>
+                      <a:prstDash val="solid"/>
+                      <a:round/>
+                      <a:headEnd type="none" w="med" len="med"/>
+                      <a:tailEnd type="none" w="med" len="med"/>
+                    </a:lnL>
+                    <a:lnR w="12700" cap="flat" cmpd="sng" algn="ctr">
+                      <a:solidFill>
+                        <a:schemeClr val="tx1"/>
+                      </a:solidFill>
+                      <a:prstDash val="solid"/>
+                      <a:round/>
+                      <a:headEnd type="none" w="med" len="med"/>
+                      <a:tailEnd type="none" w="med" len="med"/>
+                    </a:lnR>
+                    <a:lnT w="12700" cap="flat" cmpd="sng" algn="ctr">
+                      <a:solidFill>
+                        <a:schemeClr val="tx1"/>
+                      </a:solidFill>
+                      <a:prstDash val="solid"/>
+                      <a:round/>
+                      <a:headEnd type="none" w="med" len="med"/>
+                      <a:tailEnd type="none" w="med" len="med"/>
+                    </a:lnT>
+                    <a:lnB w="12700" cap="flat" cmpd="sng" algn="ctr">
+                      <a:solidFill>
+                        <a:schemeClr val="tx1"/>
+                      </a:solidFill>
+                      <a:prstDash val="solid"/>
+                      <a:round/>
+                      <a:headEnd type="none" w="med" len="med"/>
+                      <a:tailEnd type="none" w="med" len="med"/>
+                    </a:lnB>
+                  </a:tcPr>
+                </a:tc>
+                <a:extLst>
+                  <a:ext uri="{0D108BD9-81ED-4DB2-BD59-A6C34878D82A}">
+                    <a16:rowId xmlns:a16="http://schemas.microsoft.com/office/drawing/2014/main" xmlns="" val="3472535930"/>
+                  </a:ext>
+                </a:extLst>
+              </a:tr>
+              <a:tr h="527881">
+                <a:tc>
+                  <a:txBody>
+                    <a:bodyPr/>
+                    <a:lstStyle/>
+                    <a:p>
+                      <a:pPr marL="0" marR="0" lvl="0" indent="0" algn="ctr" defTabSz="457200" rtl="0" eaLnBrk="1" fontAlgn="auto" latinLnBrk="0" hangingPunct="1">
+                        <a:lnSpc>
+                          <a:spcPct val="100000"/>
+                        </a:lnSpc>
+                        <a:spcBef>
+                          <a:spcPts val="0"/>
+                        </a:spcBef>
+                        <a:spcAft>
+                          <a:spcPts val="0"/>
+                        </a:spcAft>
+                        <a:buClrTx/>
+                        <a:buSzTx/>
+                        <a:buFontTx/>
+                        <a:buNone/>
+                        <a:tabLst/>
+                        <a:defRPr/>
+                      </a:pPr>
+                      <a:r>
+                        <a:rPr lang="ru-RU" sz="1600" dirty="0" smtClean="0"/>
+                        <a:t>Телепорты</a:t>
+                      </a:r>
+                      <a:r>
+                        <a:rPr lang="en-US" sz="1600" dirty="0" smtClean="0"/>
+                        <a:t>/</a:t>
+                      </a:r>
+                      <a:r>
+                        <a:rPr lang="ru-RU" sz="1600" dirty="0" smtClean="0"/>
+                        <a:t>лаги</a:t>
+                      </a:r>
+                      <a:r>
+                        <a:rPr lang="en-US" sz="1600" dirty="0" smtClean="0"/>
+                        <a:t>/</a:t>
+                      </a:r>
+                      <a:r>
+                        <a:rPr lang="ru-RU" sz="1600" dirty="0" smtClean="0"/>
+                        <a:t>баги</a:t>
+                      </a:r>
+                    </a:p>
+                  </a:txBody>
+                  <a:tcPr anchor="ctr">
+                    <a:lnL w="12700" cap="flat" cmpd="sng" algn="ctr">
+                      <a:solidFill>
+                        <a:schemeClr val="tx1"/>
+                      </a:solidFill>
+                      <a:prstDash val="solid"/>
+                      <a:round/>
+                      <a:headEnd type="none" w="med" len="med"/>
+                      <a:tailEnd type="none" w="med" len="med"/>
+                    </a:lnL>
+                    <a:lnR w="12700" cap="flat" cmpd="sng" algn="ctr">
+                      <a:solidFill>
+                        <a:schemeClr val="tx1"/>
+                      </a:solidFill>
+                      <a:prstDash val="solid"/>
+                      <a:round/>
+                      <a:headEnd type="none" w="med" len="med"/>
+                      <a:tailEnd type="none" w="med" len="med"/>
+                    </a:lnR>
+                    <a:lnT w="12700" cap="flat" cmpd="sng" algn="ctr">
+                      <a:solidFill>
+                        <a:schemeClr val="tx1"/>
+                      </a:solidFill>
+                      <a:prstDash val="solid"/>
+                      <a:round/>
+                      <a:headEnd type="none" w="med" len="med"/>
+                      <a:tailEnd type="none" w="med" len="med"/>
+                    </a:lnT>
+                    <a:lnB w="12700" cap="flat" cmpd="sng" algn="ctr">
+                      <a:solidFill>
+                        <a:schemeClr val="tx1"/>
+                      </a:solidFill>
+                      <a:prstDash val="solid"/>
+                      <a:round/>
+                      <a:headEnd type="none" w="med" len="med"/>
+                      <a:tailEnd type="none" w="med" len="med"/>
+                    </a:lnB>
+                  </a:tcPr>
                 </a:tc>
                 <a:tc>
                   <a:txBody>
                     <a:bodyPr/>
                     <a:lstStyle/>
                     <a:p>
-                      <a:endParaRPr lang="ru-RU"/>
+                      <a:pPr marL="0" marR="0" lvl="0" indent="0" algn="ctr" defTabSz="457200" rtl="0" eaLnBrk="1" fontAlgn="auto" latinLnBrk="0" hangingPunct="1">
+                        <a:lnSpc>
+                          <a:spcPct val="100000"/>
+                        </a:lnSpc>
+                        <a:spcBef>
+                          <a:spcPts val="0"/>
+                        </a:spcBef>
+                        <a:spcAft>
+                          <a:spcPts val="0"/>
+                        </a:spcAft>
+                        <a:buClrTx/>
+                        <a:buSzTx/>
+                        <a:buFontTx/>
+                        <a:buNone/>
+                        <a:tabLst/>
+                        <a:defRPr/>
+                      </a:pPr>
+                      <a:r>
+                        <a:rPr lang="ru-RU" sz="1600" dirty="0" smtClean="0"/>
+                        <a:t>Меньше, но есть</a:t>
+                      </a:r>
                     </a:p>
                   </a:txBody>
-                  <a:tcPr/>
-                </a:tc>
-                <a:extLst>
-                  <a:ext uri="{0D108BD9-81ED-4DB2-BD59-A6C34878D82A}">
-                    <a16:rowId xmlns:a16="http://schemas.microsoft.com/office/drawing/2014/main" val="3472535930"/>
-                  </a:ext>
-                </a:extLst>
-              </a:tr>
-              <a:tr h="370840">
-                <a:tc>
-                  <a:txBody>
-                    <a:bodyPr/>
-                    <a:lstStyle/>
-                    <a:p>
-                      <a:endParaRPr lang="ru-RU"/>
-                    </a:p>
-                  </a:txBody>
-                  <a:tcPr/>
+                  <a:tcPr anchor="ctr">
+                    <a:lnL w="12700" cap="flat" cmpd="sng" algn="ctr">
+                      <a:solidFill>
+                        <a:schemeClr val="tx1"/>
+                      </a:solidFill>
+                      <a:prstDash val="solid"/>
+                      <a:round/>
+                      <a:headEnd type="none" w="med" len="med"/>
+                      <a:tailEnd type="none" w="med" len="med"/>
+                    </a:lnL>
+                    <a:lnR w="12700" cap="flat" cmpd="sng" algn="ctr">
+                      <a:solidFill>
+                        <a:schemeClr val="tx1"/>
+                      </a:solidFill>
+                      <a:prstDash val="solid"/>
+                      <a:round/>
+                      <a:headEnd type="none" w="med" len="med"/>
+                      <a:tailEnd type="none" w="med" len="med"/>
+                    </a:lnR>
+                    <a:lnT w="12700" cap="flat" cmpd="sng" algn="ctr">
+                      <a:solidFill>
+                        <a:schemeClr val="tx1"/>
+                      </a:solidFill>
+                      <a:prstDash val="solid"/>
+                      <a:round/>
+                      <a:headEnd type="none" w="med" len="med"/>
+                      <a:tailEnd type="none" w="med" len="med"/>
+                    </a:lnT>
+                    <a:lnB w="12700" cap="flat" cmpd="sng" algn="ctr">
+                      <a:solidFill>
+                        <a:schemeClr val="tx1"/>
+                      </a:solidFill>
+                      <a:prstDash val="solid"/>
+                      <a:round/>
+                      <a:headEnd type="none" w="med" len="med"/>
+                      <a:tailEnd type="none" w="med" len="med"/>
+                    </a:lnB>
+                  </a:tcPr>
                 </a:tc>
                 <a:tc>
                   <a:txBody>
                     <a:bodyPr/>
                     <a:lstStyle/>
                     <a:p>
-                      <a:endParaRPr lang="ru-RU"/>
+                      <a:pPr algn="ctr"/>
+                      <a:r>
+                        <a:rPr lang="ru-RU" sz="1600" dirty="0" smtClean="0"/>
+                        <a:t>Среднее</a:t>
+                      </a:r>
+                      <a:r>
+                        <a:rPr lang="ru-RU" sz="1600" baseline="0" dirty="0" smtClean="0"/>
+                        <a:t> кол-во</a:t>
+                      </a:r>
+                      <a:endParaRPr lang="ru-RU" sz="1600" dirty="0"/>
                     </a:p>
                   </a:txBody>
-                  <a:tcPr/>
+                  <a:tcPr anchor="ctr">
+                    <a:lnL w="12700" cap="flat" cmpd="sng" algn="ctr">
+                      <a:solidFill>
+                        <a:schemeClr val="tx1"/>
+                      </a:solidFill>
+                      <a:prstDash val="solid"/>
+                      <a:round/>
+                      <a:headEnd type="none" w="med" len="med"/>
+                      <a:tailEnd type="none" w="med" len="med"/>
+                    </a:lnL>
+                    <a:lnR w="12700" cap="flat" cmpd="sng" algn="ctr">
+                      <a:solidFill>
+                        <a:schemeClr val="tx1"/>
+                      </a:solidFill>
+                      <a:prstDash val="solid"/>
+                      <a:round/>
+                      <a:headEnd type="none" w="med" len="med"/>
+                      <a:tailEnd type="none" w="med" len="med"/>
+                    </a:lnR>
+                    <a:lnT w="12700" cap="flat" cmpd="sng" algn="ctr">
+                      <a:solidFill>
+                        <a:schemeClr val="tx1"/>
+                      </a:solidFill>
+                      <a:prstDash val="solid"/>
+                      <a:round/>
+                      <a:headEnd type="none" w="med" len="med"/>
+                      <a:tailEnd type="none" w="med" len="med"/>
+                    </a:lnT>
+                    <a:lnB w="12700" cap="flat" cmpd="sng" algn="ctr">
+                      <a:solidFill>
+                        <a:schemeClr val="tx1"/>
+                      </a:solidFill>
+                      <a:prstDash val="solid"/>
+                      <a:round/>
+                      <a:headEnd type="none" w="med" len="med"/>
+                      <a:tailEnd type="none" w="med" len="med"/>
+                    </a:lnB>
+                  </a:tcPr>
                 </a:tc>
                 <a:tc>
                   <a:txBody>
                     <a:bodyPr/>
                     <a:lstStyle/>
                     <a:p>
-                      <a:endParaRPr lang="ru-RU"/>
+                      <a:pPr marL="0" marR="0" lvl="0" indent="0" algn="ctr" defTabSz="457200" rtl="0" eaLnBrk="1" fontAlgn="auto" latinLnBrk="0" hangingPunct="1">
+                        <a:lnSpc>
+                          <a:spcPct val="100000"/>
+                        </a:lnSpc>
+                        <a:spcBef>
+                          <a:spcPts val="0"/>
+                        </a:spcBef>
+                        <a:spcAft>
+                          <a:spcPts val="0"/>
+                        </a:spcAft>
+                        <a:buClrTx/>
+                        <a:buSzTx/>
+                        <a:buFontTx/>
+                        <a:buNone/>
+                        <a:tabLst/>
+                        <a:defRPr/>
+                      </a:pPr>
+                      <a:r>
+                        <a:rPr lang="ru-RU" sz="1600" dirty="0" smtClean="0"/>
+                        <a:t>Запредельное кол-во</a:t>
+                      </a:r>
                     </a:p>
                   </a:txBody>
-                  <a:tcPr/>
+                  <a:tcPr anchor="ctr">
+                    <a:lnL w="12700" cap="flat" cmpd="sng" algn="ctr">
+                      <a:solidFill>
+                        <a:schemeClr val="tx1"/>
+                      </a:solidFill>
+                      <a:prstDash val="solid"/>
+                      <a:round/>
+                      <a:headEnd type="none" w="med" len="med"/>
+                      <a:tailEnd type="none" w="med" len="med"/>
+                    </a:lnL>
+                    <a:lnR w="12700" cap="flat" cmpd="sng" algn="ctr">
+                      <a:solidFill>
+                        <a:schemeClr val="tx1"/>
+                      </a:solidFill>
+                      <a:prstDash val="solid"/>
+                      <a:round/>
+                      <a:headEnd type="none" w="med" len="med"/>
+                      <a:tailEnd type="none" w="med" len="med"/>
+                    </a:lnR>
+                    <a:lnT w="12700" cap="flat" cmpd="sng" algn="ctr">
+                      <a:solidFill>
+                        <a:schemeClr val="tx1"/>
+                      </a:solidFill>
+                      <a:prstDash val="solid"/>
+                      <a:round/>
+                      <a:headEnd type="none" w="med" len="med"/>
+                      <a:tailEnd type="none" w="med" len="med"/>
+                    </a:lnT>
+                    <a:lnB w="12700" cap="flat" cmpd="sng" algn="ctr">
+                      <a:solidFill>
+                        <a:schemeClr val="tx1"/>
+                      </a:solidFill>
+                      <a:prstDash val="solid"/>
+                      <a:round/>
+                      <a:headEnd type="none" w="med" len="med"/>
+                      <a:tailEnd type="none" w="med" len="med"/>
+                    </a:lnB>
+                  </a:tcPr>
+                </a:tc>
+                <a:extLst>
+                  <a:ext uri="{0D108BD9-81ED-4DB2-BD59-A6C34878D82A}">
+                    <a16:rowId xmlns:a16="http://schemas.microsoft.com/office/drawing/2014/main" xmlns="" val="87784159"/>
+                  </a:ext>
+                </a:extLst>
+              </a:tr>
+              <a:tr h="983718">
+                <a:tc>
+                  <a:txBody>
+                    <a:bodyPr/>
+                    <a:lstStyle/>
+                    <a:p>
+                      <a:pPr marL="0" marR="0" lvl="0" indent="0" algn="ctr" defTabSz="457200" rtl="0" eaLnBrk="1" fontAlgn="auto" latinLnBrk="0" hangingPunct="1">
+                        <a:lnSpc>
+                          <a:spcPct val="100000"/>
+                        </a:lnSpc>
+                        <a:spcBef>
+                          <a:spcPts val="0"/>
+                        </a:spcBef>
+                        <a:spcAft>
+                          <a:spcPts val="0"/>
+                        </a:spcAft>
+                        <a:buClrTx/>
+                        <a:buSzTx/>
+                        <a:buFontTx/>
+                        <a:buNone/>
+                        <a:tabLst/>
+                        <a:defRPr/>
+                      </a:pPr>
+                      <a:r>
+                        <a:rPr lang="ru-RU" sz="1600" dirty="0" smtClean="0"/>
+                        <a:t>Доступность</a:t>
+                      </a:r>
+                      <a:r>
+                        <a:rPr lang="ru-RU" sz="1600" baseline="0" dirty="0" smtClean="0"/>
+                        <a:t> оружия</a:t>
+                      </a:r>
+                      <a:endParaRPr lang="ru-RU" sz="1600" dirty="0" smtClean="0"/>
+                    </a:p>
+                  </a:txBody>
+                  <a:tcPr anchor="ctr">
+                    <a:lnL w="12700" cap="flat" cmpd="sng" algn="ctr">
+                      <a:solidFill>
+                        <a:schemeClr val="tx1"/>
+                      </a:solidFill>
+                      <a:prstDash val="solid"/>
+                      <a:round/>
+                      <a:headEnd type="none" w="med" len="med"/>
+                      <a:tailEnd type="none" w="med" len="med"/>
+                    </a:lnL>
+                    <a:lnR w="12700" cap="flat" cmpd="sng" algn="ctr">
+                      <a:solidFill>
+                        <a:schemeClr val="tx1"/>
+                      </a:solidFill>
+                      <a:prstDash val="solid"/>
+                      <a:round/>
+                      <a:headEnd type="none" w="med" len="med"/>
+                      <a:tailEnd type="none" w="med" len="med"/>
+                    </a:lnR>
+                    <a:lnT w="12700" cap="flat" cmpd="sng" algn="ctr">
+                      <a:solidFill>
+                        <a:schemeClr val="tx1"/>
+                      </a:solidFill>
+                      <a:prstDash val="solid"/>
+                      <a:round/>
+                      <a:headEnd type="none" w="med" len="med"/>
+                      <a:tailEnd type="none" w="med" len="med"/>
+                    </a:lnT>
+                    <a:lnB w="12700" cap="flat" cmpd="sng" algn="ctr">
+                      <a:solidFill>
+                        <a:schemeClr val="tx1"/>
+                      </a:solidFill>
+                      <a:prstDash val="solid"/>
+                      <a:round/>
+                      <a:headEnd type="none" w="med" len="med"/>
+                      <a:tailEnd type="none" w="med" len="med"/>
+                    </a:lnB>
+                  </a:tcPr>
                 </a:tc>
                 <a:tc>
                   <a:txBody>
                     <a:bodyPr/>
                     <a:lstStyle/>
                     <a:p>
-                      <a:endParaRPr lang="ru-RU"/>
+                      <a:pPr marL="0" marR="0" lvl="0" indent="0" algn="ctr" defTabSz="457200" rtl="0" eaLnBrk="1" fontAlgn="auto" latinLnBrk="0" hangingPunct="1">
+                        <a:lnSpc>
+                          <a:spcPct val="100000"/>
+                        </a:lnSpc>
+                        <a:spcBef>
+                          <a:spcPts val="0"/>
+                        </a:spcBef>
+                        <a:spcAft>
+                          <a:spcPts val="0"/>
+                        </a:spcAft>
+                        <a:buClrTx/>
+                        <a:buSzTx/>
+                        <a:buFontTx/>
+                        <a:buNone/>
+                        <a:tabLst/>
+                        <a:defRPr/>
+                      </a:pPr>
+                      <a:r>
+                        <a:rPr lang="ru-RU" sz="1600" dirty="0" smtClean="0"/>
+                        <a:t>Помимо</a:t>
+                      </a:r>
+                      <a:r>
+                        <a:rPr lang="ru-RU" sz="1600" baseline="0" dirty="0" smtClean="0"/>
+                        <a:t> открытия, требуют покупки</a:t>
+                      </a:r>
+                      <a:endParaRPr lang="ru-RU" sz="1600" dirty="0" smtClean="0"/>
                     </a:p>
                   </a:txBody>
-                  <a:tcPr/>
+                  <a:tcPr anchor="ctr">
+                    <a:lnL w="12700" cap="flat" cmpd="sng" algn="ctr">
+                      <a:solidFill>
+                        <a:schemeClr val="tx1"/>
+                      </a:solidFill>
+                      <a:prstDash val="solid"/>
+                      <a:round/>
+                      <a:headEnd type="none" w="med" len="med"/>
+                      <a:tailEnd type="none" w="med" len="med"/>
+                    </a:lnL>
+                    <a:lnR w="12700" cap="flat" cmpd="sng" algn="ctr">
+                      <a:solidFill>
+                        <a:schemeClr val="tx1"/>
+                      </a:solidFill>
+                      <a:prstDash val="solid"/>
+                      <a:round/>
+                      <a:headEnd type="none" w="med" len="med"/>
+                      <a:tailEnd type="none" w="med" len="med"/>
+                    </a:lnR>
+                    <a:lnT w="12700" cap="flat" cmpd="sng" algn="ctr">
+                      <a:solidFill>
+                        <a:schemeClr val="tx1"/>
+                      </a:solidFill>
+                      <a:prstDash val="solid"/>
+                      <a:round/>
+                      <a:headEnd type="none" w="med" len="med"/>
+                      <a:tailEnd type="none" w="med" len="med"/>
+                    </a:lnT>
+                    <a:lnB w="12700" cap="flat" cmpd="sng" algn="ctr">
+                      <a:solidFill>
+                        <a:schemeClr val="tx1"/>
+                      </a:solidFill>
+                      <a:prstDash val="solid"/>
+                      <a:round/>
+                      <a:headEnd type="none" w="med" len="med"/>
+                      <a:tailEnd type="none" w="med" len="med"/>
+                    </a:lnB>
+                  </a:tcPr>
                 </a:tc>
                 <a:tc>
                   <a:txBody>
                     <a:bodyPr/>
                     <a:lstStyle/>
                     <a:p>
-                      <a:endParaRPr lang="ru-RU"/>
+                      <a:pPr algn="ctr"/>
+                      <a:r>
+                        <a:rPr lang="ru-RU" sz="1600" dirty="0" smtClean="0"/>
+                        <a:t>Достаточно</a:t>
+                      </a:r>
+                      <a:r>
+                        <a:rPr lang="ru-RU" sz="1600" baseline="0" dirty="0" smtClean="0"/>
+                        <a:t> открыть в поставщиках</a:t>
+                      </a:r>
+                      <a:endParaRPr lang="ru-RU" sz="1600" dirty="0"/>
                     </a:p>
                   </a:txBody>
-                  <a:tcPr/>
-                </a:tc>
-                <a:extLst>
-                  <a:ext uri="{0D108BD9-81ED-4DB2-BD59-A6C34878D82A}">
-                    <a16:rowId xmlns:a16="http://schemas.microsoft.com/office/drawing/2014/main" val="87784159"/>
-                  </a:ext>
-                </a:extLst>
-              </a:tr>
-              <a:tr h="370840">
-                <a:tc>
-                  <a:txBody>
-                    <a:bodyPr/>
-                    <a:lstStyle/>
-                    <a:p>
-                      <a:endParaRPr lang="ru-RU"/>
-                    </a:p>
-                  </a:txBody>
-                  <a:tcPr/>
+                  <a:tcPr anchor="ctr">
+                    <a:lnL w="12700" cap="flat" cmpd="sng" algn="ctr">
+                      <a:solidFill>
+                        <a:schemeClr val="tx1"/>
+                      </a:solidFill>
+                      <a:prstDash val="solid"/>
+                      <a:round/>
+                      <a:headEnd type="none" w="med" len="med"/>
+                      <a:tailEnd type="none" w="med" len="med"/>
+                    </a:lnL>
+                    <a:lnR w="12700" cap="flat" cmpd="sng" algn="ctr">
+                      <a:solidFill>
+                        <a:schemeClr val="tx1"/>
+                      </a:solidFill>
+                      <a:prstDash val="solid"/>
+                      <a:round/>
+                      <a:headEnd type="none" w="med" len="med"/>
+                      <a:tailEnd type="none" w="med" len="med"/>
+                    </a:lnR>
+                    <a:lnT w="12700" cap="flat" cmpd="sng" algn="ctr">
+                      <a:solidFill>
+                        <a:schemeClr val="tx1"/>
+                      </a:solidFill>
+                      <a:prstDash val="solid"/>
+                      <a:round/>
+                      <a:headEnd type="none" w="med" len="med"/>
+                      <a:tailEnd type="none" w="med" len="med"/>
+                    </a:lnT>
+                    <a:lnB w="12700" cap="flat" cmpd="sng" algn="ctr">
+                      <a:solidFill>
+                        <a:schemeClr val="tx1"/>
+                      </a:solidFill>
+                      <a:prstDash val="solid"/>
+                      <a:round/>
+                      <a:headEnd type="none" w="med" len="med"/>
+                      <a:tailEnd type="none" w="med" len="med"/>
+                    </a:lnB>
+                  </a:tcPr>
                 </a:tc>
                 <a:tc>
                   <a:txBody>
                     <a:bodyPr/>
                     <a:lstStyle/>
                     <a:p>
-                      <a:endParaRPr lang="ru-RU"/>
+                      <a:pPr marL="0" marR="0" lvl="0" indent="0" algn="ctr" defTabSz="457200" rtl="0" eaLnBrk="1" fontAlgn="auto" latinLnBrk="0" hangingPunct="1">
+                        <a:lnSpc>
+                          <a:spcPct val="100000"/>
+                        </a:lnSpc>
+                        <a:spcBef>
+                          <a:spcPts val="0"/>
+                        </a:spcBef>
+                        <a:spcAft>
+                          <a:spcPts val="0"/>
+                        </a:spcAft>
+                        <a:buClrTx/>
+                        <a:buSzTx/>
+                        <a:buFontTx/>
+                        <a:buNone/>
+                        <a:tabLst/>
+                        <a:defRPr/>
+                      </a:pPr>
+                      <a:r>
+                        <a:rPr lang="ru-RU" sz="1600" dirty="0" smtClean="0"/>
+                        <a:t>Просто достаточно</a:t>
+                      </a:r>
+                      <a:r>
+                        <a:rPr lang="ru-RU" sz="1600" baseline="0" dirty="0" smtClean="0"/>
+                        <a:t> открыть в поставщиках</a:t>
+                      </a:r>
+                      <a:endParaRPr lang="ru-RU" sz="1600" dirty="0" smtClean="0"/>
                     </a:p>
                   </a:txBody>
-                  <a:tcPr/>
+                  <a:tcPr anchor="ctr">
+                    <a:lnL w="12700" cap="flat" cmpd="sng" algn="ctr">
+                      <a:solidFill>
+                        <a:schemeClr val="tx1"/>
+                      </a:solidFill>
+                      <a:prstDash val="solid"/>
+                      <a:round/>
+                      <a:headEnd type="none" w="med" len="med"/>
+                      <a:tailEnd type="none" w="med" len="med"/>
+                    </a:lnL>
+                    <a:lnR w="12700" cap="flat" cmpd="sng" algn="ctr">
+                      <a:solidFill>
+                        <a:schemeClr val="tx1"/>
+                      </a:solidFill>
+                      <a:prstDash val="solid"/>
+                      <a:round/>
+                      <a:headEnd type="none" w="med" len="med"/>
+                      <a:tailEnd type="none" w="med" len="med"/>
+                    </a:lnR>
+                    <a:lnT w="12700" cap="flat" cmpd="sng" algn="ctr">
+                      <a:solidFill>
+                        <a:schemeClr val="tx1"/>
+                      </a:solidFill>
+                      <a:prstDash val="solid"/>
+                      <a:round/>
+                      <a:headEnd type="none" w="med" len="med"/>
+                      <a:tailEnd type="none" w="med" len="med"/>
+                    </a:lnT>
+                    <a:lnB w="12700" cap="flat" cmpd="sng" algn="ctr">
+                      <a:solidFill>
+                        <a:schemeClr val="tx1"/>
+                      </a:solidFill>
+                      <a:prstDash val="solid"/>
+                      <a:round/>
+                      <a:headEnd type="none" w="med" len="med"/>
+                      <a:tailEnd type="none" w="med" len="med"/>
+                    </a:lnB>
+                  </a:tcPr>
+                </a:tc>
+                <a:extLst>
+                  <a:ext uri="{0D108BD9-81ED-4DB2-BD59-A6C34878D82A}">
+                    <a16:rowId xmlns:a16="http://schemas.microsoft.com/office/drawing/2014/main" xmlns="" val="2192033182"/>
+                  </a:ext>
+                </a:extLst>
+              </a:tr>
+              <a:tr h="754116">
+                <a:tc>
+                  <a:txBody>
+                    <a:bodyPr/>
+                    <a:lstStyle/>
+                    <a:p>
+                      <a:pPr marL="0" marR="0" lvl="0" indent="0" algn="ctr" defTabSz="457200" rtl="0" eaLnBrk="1" fontAlgn="auto" latinLnBrk="0" hangingPunct="1">
+                        <a:lnSpc>
+                          <a:spcPct val="100000"/>
+                        </a:lnSpc>
+                        <a:spcBef>
+                          <a:spcPts val="0"/>
+                        </a:spcBef>
+                        <a:spcAft>
+                          <a:spcPts val="0"/>
+                        </a:spcAft>
+                        <a:buClrTx/>
+                        <a:buSzTx/>
+                        <a:buFontTx/>
+                        <a:buNone/>
+                        <a:tabLst/>
+                        <a:defRPr/>
+                      </a:pPr>
+                      <a:r>
+                        <a:rPr lang="ru-RU" sz="1600" dirty="0" smtClean="0"/>
+                        <a:t>Оружие</a:t>
+                      </a:r>
+                    </a:p>
+                    <a:p>
+                      <a:pPr algn="ctr"/>
+                      <a:endParaRPr lang="ru-RU" sz="1600" dirty="0"/>
+                    </a:p>
+                  </a:txBody>
+                  <a:tcPr anchor="ctr">
+                    <a:lnL w="12700" cap="flat" cmpd="sng" algn="ctr">
+                      <a:solidFill>
+                        <a:schemeClr val="tx1"/>
+                      </a:solidFill>
+                      <a:prstDash val="solid"/>
+                      <a:round/>
+                      <a:headEnd type="none" w="med" len="med"/>
+                      <a:tailEnd type="none" w="med" len="med"/>
+                    </a:lnL>
+                    <a:lnR w="12700" cap="flat" cmpd="sng" algn="ctr">
+                      <a:solidFill>
+                        <a:schemeClr val="tx1"/>
+                      </a:solidFill>
+                      <a:prstDash val="solid"/>
+                      <a:round/>
+                      <a:headEnd type="none" w="med" len="med"/>
+                      <a:tailEnd type="none" w="med" len="med"/>
+                    </a:lnR>
+                    <a:lnT w="12700" cap="flat" cmpd="sng" algn="ctr">
+                      <a:solidFill>
+                        <a:schemeClr val="tx1"/>
+                      </a:solidFill>
+                      <a:prstDash val="solid"/>
+                      <a:round/>
+                      <a:headEnd type="none" w="med" len="med"/>
+                      <a:tailEnd type="none" w="med" len="med"/>
+                    </a:lnT>
+                    <a:lnB w="12700" cap="flat" cmpd="sng" algn="ctr">
+                      <a:solidFill>
+                        <a:schemeClr val="tx1"/>
+                      </a:solidFill>
+                      <a:prstDash val="solid"/>
+                      <a:round/>
+                      <a:headEnd type="none" w="med" len="med"/>
+                      <a:tailEnd type="none" w="med" len="med"/>
+                    </a:lnB>
+                  </a:tcPr>
                 </a:tc>
                 <a:tc>
                   <a:txBody>
                     <a:bodyPr/>
                     <a:lstStyle/>
                     <a:p>
-                      <a:endParaRPr lang="ru-RU"/>
+                      <a:pPr marL="0" marR="0" lvl="0" indent="0" algn="ctr" defTabSz="457200" rtl="0" eaLnBrk="1" fontAlgn="auto" latinLnBrk="0" hangingPunct="1">
+                        <a:lnSpc>
+                          <a:spcPct val="100000"/>
+                        </a:lnSpc>
+                        <a:spcBef>
+                          <a:spcPts val="0"/>
+                        </a:spcBef>
+                        <a:spcAft>
+                          <a:spcPts val="0"/>
+                        </a:spcAft>
+                        <a:buClrTx/>
+                        <a:buSzTx/>
+                        <a:buFontTx/>
+                        <a:buNone/>
+                        <a:tabLst/>
+                        <a:defRPr/>
+                      </a:pPr>
+                      <a:r>
+                        <a:rPr lang="ru-RU" sz="1600" dirty="0" smtClean="0"/>
+                        <a:t>Дисбаланс</a:t>
+                      </a:r>
+                      <a:r>
+                        <a:rPr lang="ru-RU" sz="1600" baseline="0" dirty="0" smtClean="0"/>
+                        <a:t> между доном и </a:t>
+                      </a:r>
+                      <a:r>
+                        <a:rPr lang="ru-RU" sz="1600" baseline="0" dirty="0" err="1" smtClean="0"/>
+                        <a:t>вб</a:t>
+                      </a:r>
+                      <a:endParaRPr lang="ru-RU" sz="1600" dirty="0" smtClean="0"/>
                     </a:p>
                   </a:txBody>
-                  <a:tcPr/>
+                  <a:tcPr anchor="ctr">
+                    <a:lnL w="12700" cap="flat" cmpd="sng" algn="ctr">
+                      <a:solidFill>
+                        <a:schemeClr val="tx1"/>
+                      </a:solidFill>
+                      <a:prstDash val="solid"/>
+                      <a:round/>
+                      <a:headEnd type="none" w="med" len="med"/>
+                      <a:tailEnd type="none" w="med" len="med"/>
+                    </a:lnL>
+                    <a:lnR w="12700" cap="flat" cmpd="sng" algn="ctr">
+                      <a:solidFill>
+                        <a:schemeClr val="tx1"/>
+                      </a:solidFill>
+                      <a:prstDash val="solid"/>
+                      <a:round/>
+                      <a:headEnd type="none" w="med" len="med"/>
+                      <a:tailEnd type="none" w="med" len="med"/>
+                    </a:lnR>
+                    <a:lnT w="12700" cap="flat" cmpd="sng" algn="ctr">
+                      <a:solidFill>
+                        <a:schemeClr val="tx1"/>
+                      </a:solidFill>
+                      <a:prstDash val="solid"/>
+                      <a:round/>
+                      <a:headEnd type="none" w="med" len="med"/>
+                      <a:tailEnd type="none" w="med" len="med"/>
+                    </a:lnT>
+                    <a:lnB w="12700" cap="flat" cmpd="sng" algn="ctr">
+                      <a:solidFill>
+                        <a:schemeClr val="tx1"/>
+                      </a:solidFill>
+                      <a:prstDash val="solid"/>
+                      <a:round/>
+                      <a:headEnd type="none" w="med" len="med"/>
+                      <a:tailEnd type="none" w="med" len="med"/>
+                    </a:lnB>
+                  </a:tcPr>
                 </a:tc>
                 <a:tc>
                   <a:txBody>
                     <a:bodyPr/>
                     <a:lstStyle/>
                     <a:p>
-                      <a:endParaRPr lang="ru-RU"/>
+                      <a:pPr algn="ctr"/>
+                      <a:r>
+                        <a:rPr lang="ru-RU" sz="1600" dirty="0" smtClean="0"/>
+                        <a:t>Начало эры</a:t>
+                      </a:r>
+                      <a:r>
+                        <a:rPr lang="ru-RU" sz="1600" baseline="0" dirty="0" smtClean="0"/>
+                        <a:t> баланса дона и </a:t>
+                      </a:r>
+                      <a:r>
+                        <a:rPr lang="ru-RU" sz="1600" baseline="0" dirty="0" err="1" smtClean="0"/>
+                        <a:t>вб</a:t>
+                      </a:r>
+                      <a:endParaRPr lang="ru-RU" sz="1600" dirty="0"/>
                     </a:p>
                   </a:txBody>
-                  <a:tcPr/>
+                  <a:tcPr anchor="ctr">
+                    <a:lnL w="12700" cap="flat" cmpd="sng" algn="ctr">
+                      <a:solidFill>
+                        <a:schemeClr val="tx1"/>
+                      </a:solidFill>
+                      <a:prstDash val="solid"/>
+                      <a:round/>
+                      <a:headEnd type="none" w="med" len="med"/>
+                      <a:tailEnd type="none" w="med" len="med"/>
+                    </a:lnL>
+                    <a:lnR w="12700" cap="flat" cmpd="sng" algn="ctr">
+                      <a:solidFill>
+                        <a:schemeClr val="tx1"/>
+                      </a:solidFill>
+                      <a:prstDash val="solid"/>
+                      <a:round/>
+                      <a:headEnd type="none" w="med" len="med"/>
+                      <a:tailEnd type="none" w="med" len="med"/>
+                    </a:lnR>
+                    <a:lnT w="12700" cap="flat" cmpd="sng" algn="ctr">
+                      <a:solidFill>
+                        <a:schemeClr val="tx1"/>
+                      </a:solidFill>
+                      <a:prstDash val="solid"/>
+                      <a:round/>
+                      <a:headEnd type="none" w="med" len="med"/>
+                      <a:tailEnd type="none" w="med" len="med"/>
+                    </a:lnT>
+                    <a:lnB w="12700" cap="flat" cmpd="sng" algn="ctr">
+                      <a:solidFill>
+                        <a:schemeClr val="tx1"/>
+                      </a:solidFill>
+                      <a:prstDash val="solid"/>
+                      <a:round/>
+                      <a:headEnd type="none" w="med" len="med"/>
+                      <a:tailEnd type="none" w="med" len="med"/>
+                    </a:lnB>
+                  </a:tcPr>
                 </a:tc>
                 <a:tc>
                   <a:txBody>
                     <a:bodyPr/>
                     <a:lstStyle/>
                     <a:p>
-                      <a:endParaRPr lang="ru-RU"/>
+                      <a:pPr marL="0" marR="0" lvl="0" indent="0" algn="ctr" defTabSz="457200" rtl="0" eaLnBrk="1" fontAlgn="auto" latinLnBrk="0" hangingPunct="1">
+                        <a:lnSpc>
+                          <a:spcPct val="100000"/>
+                        </a:lnSpc>
+                        <a:spcBef>
+                          <a:spcPts val="0"/>
+                        </a:spcBef>
+                        <a:spcAft>
+                          <a:spcPts val="0"/>
+                        </a:spcAft>
+                        <a:buClrTx/>
+                        <a:buSzTx/>
+                        <a:buFontTx/>
+                        <a:buNone/>
+                        <a:tabLst/>
+                        <a:defRPr/>
+                      </a:pPr>
+                      <a:r>
+                        <a:rPr lang="ru-RU" sz="1600" dirty="0" err="1" smtClean="0"/>
+                        <a:t>Вб</a:t>
+                      </a:r>
+                      <a:r>
+                        <a:rPr lang="ru-RU" sz="1600" baseline="0" dirty="0" smtClean="0"/>
+                        <a:t> чуть хуже </a:t>
+                      </a:r>
+                      <a:r>
+                        <a:rPr lang="ru-RU" sz="1600" baseline="0" dirty="0" err="1" smtClean="0"/>
+                        <a:t>доната</a:t>
+                      </a:r>
+                      <a:endParaRPr lang="ru-RU" sz="1600" dirty="0" smtClean="0"/>
                     </a:p>
                   </a:txBody>
-                  <a:tcPr/>
+                  <a:tcPr anchor="ctr">
+                    <a:lnL w="12700" cap="flat" cmpd="sng" algn="ctr">
+                      <a:solidFill>
+                        <a:schemeClr val="tx1"/>
+                      </a:solidFill>
+                      <a:prstDash val="solid"/>
+                      <a:round/>
+                      <a:headEnd type="none" w="med" len="med"/>
+                      <a:tailEnd type="none" w="med" len="med"/>
+                    </a:lnL>
+                    <a:lnR w="12700" cap="flat" cmpd="sng" algn="ctr">
+                      <a:solidFill>
+                        <a:schemeClr val="tx1"/>
+                      </a:solidFill>
+                      <a:prstDash val="solid"/>
+                      <a:round/>
+                      <a:headEnd type="none" w="med" len="med"/>
+                      <a:tailEnd type="none" w="med" len="med"/>
+                    </a:lnR>
+                    <a:lnT w="12700" cap="flat" cmpd="sng" algn="ctr">
+                      <a:solidFill>
+                        <a:schemeClr val="tx1"/>
+                      </a:solidFill>
+                      <a:prstDash val="solid"/>
+                      <a:round/>
+                      <a:headEnd type="none" w="med" len="med"/>
+                      <a:tailEnd type="none" w="med" len="med"/>
+                    </a:lnT>
+                    <a:lnB w="12700" cap="flat" cmpd="sng" algn="ctr">
+                      <a:solidFill>
+                        <a:schemeClr val="tx1"/>
+                      </a:solidFill>
+                      <a:prstDash val="solid"/>
+                      <a:round/>
+                      <a:headEnd type="none" w="med" len="med"/>
+                      <a:tailEnd type="none" w="med" len="med"/>
+                    </a:lnB>
+                  </a:tcPr>
                 </a:tc>
                 <a:extLst>
                   <a:ext uri="{0D108BD9-81ED-4DB2-BD59-A6C34878D82A}">
-                    <a16:rowId xmlns:a16="http://schemas.microsoft.com/office/drawing/2014/main" val="2192033182"/>
+                    <a16:rowId xmlns:a16="http://schemas.microsoft.com/office/drawing/2014/main" xmlns="" val="1282579770"/>
                   </a:ext>
                 </a:extLst>
               </a:tr>
-              <a:tr h="370840">
+              <a:tr h="983718">
                 <a:tc>
                   <a:txBody>
                     <a:bodyPr/>
                     <a:lstStyle/>
                     <a:p>
-                      <a:endParaRPr lang="ru-RU"/>
+                      <a:pPr marL="0" marR="0" lvl="0" indent="0" algn="ctr" defTabSz="457200" rtl="0" eaLnBrk="1" fontAlgn="auto" latinLnBrk="0" hangingPunct="1">
+                        <a:lnSpc>
+                          <a:spcPct val="100000"/>
+                        </a:lnSpc>
+                        <a:spcBef>
+                          <a:spcPts val="0"/>
+                        </a:spcBef>
+                        <a:spcAft>
+                          <a:spcPts val="0"/>
+                        </a:spcAft>
+                        <a:buClrTx/>
+                        <a:buSzTx/>
+                        <a:buFontTx/>
+                        <a:buNone/>
+                        <a:tabLst/>
+                        <a:defRPr/>
+                      </a:pPr>
+                      <a:r>
+                        <a:rPr lang="ru-RU" sz="1600" dirty="0" smtClean="0"/>
+                        <a:t>Разнообразие</a:t>
+                      </a:r>
+                      <a:r>
+                        <a:rPr lang="ru-RU" sz="1600" baseline="0" dirty="0" smtClean="0"/>
+                        <a:t> контента</a:t>
+                      </a:r>
+                      <a:endParaRPr lang="ru-RU" sz="1600" dirty="0" smtClean="0"/>
+                    </a:p>
+                    <a:p>
+                      <a:pPr algn="ctr"/>
+                      <a:endParaRPr lang="ru-RU" sz="1600" dirty="0"/>
                     </a:p>
                   </a:txBody>
-                  <a:tcPr/>
+                  <a:tcPr anchor="ctr">
+                    <a:lnL w="12700" cap="flat" cmpd="sng" algn="ctr">
+                      <a:solidFill>
+                        <a:schemeClr val="tx1"/>
+                      </a:solidFill>
+                      <a:prstDash val="solid"/>
+                      <a:round/>
+                      <a:headEnd type="none" w="med" len="med"/>
+                      <a:tailEnd type="none" w="med" len="med"/>
+                    </a:lnL>
+                    <a:lnR w="12700" cap="flat" cmpd="sng" algn="ctr">
+                      <a:solidFill>
+                        <a:schemeClr val="tx1"/>
+                      </a:solidFill>
+                      <a:prstDash val="solid"/>
+                      <a:round/>
+                      <a:headEnd type="none" w="med" len="med"/>
+                      <a:tailEnd type="none" w="med" len="med"/>
+                    </a:lnR>
+                    <a:lnT w="12700" cap="flat" cmpd="sng" algn="ctr">
+                      <a:solidFill>
+                        <a:schemeClr val="tx1"/>
+                      </a:solidFill>
+                      <a:prstDash val="solid"/>
+                      <a:round/>
+                      <a:headEnd type="none" w="med" len="med"/>
+                      <a:tailEnd type="none" w="med" len="med"/>
+                    </a:lnT>
+                    <a:lnB w="12700" cap="flat" cmpd="sng" algn="ctr">
+                      <a:solidFill>
+                        <a:schemeClr val="tx1"/>
+                      </a:solidFill>
+                      <a:prstDash val="solid"/>
+                      <a:round/>
+                      <a:headEnd type="none" w="med" len="med"/>
+                      <a:tailEnd type="none" w="med" len="med"/>
+                    </a:lnB>
+                  </a:tcPr>
                 </a:tc>
                 <a:tc>
                   <a:txBody>
                     <a:bodyPr/>
                     <a:lstStyle/>
                     <a:p>
-                      <a:endParaRPr lang="ru-RU"/>
+                      <a:pPr marL="0" marR="0" lvl="0" indent="0" algn="ctr" defTabSz="457200" rtl="0" eaLnBrk="1" fontAlgn="auto" latinLnBrk="0" hangingPunct="1">
+                        <a:lnSpc>
+                          <a:spcPct val="100000"/>
+                        </a:lnSpc>
+                        <a:spcBef>
+                          <a:spcPts val="0"/>
+                        </a:spcBef>
+                        <a:spcAft>
+                          <a:spcPts val="0"/>
+                        </a:spcAft>
+                        <a:buClrTx/>
+                        <a:buSzTx/>
+                        <a:buFontTx/>
+                        <a:buNone/>
+                        <a:tabLst/>
+                        <a:defRPr/>
+                      </a:pPr>
+                      <a:r>
+                        <a:rPr lang="ru-RU" sz="1600" dirty="0" smtClean="0"/>
+                        <a:t>ПВЕ,</a:t>
+                      </a:r>
+                      <a:r>
+                        <a:rPr lang="ru-RU" sz="1600" baseline="0" dirty="0" smtClean="0"/>
+                        <a:t> Спецоперации, новые режимы</a:t>
+                      </a:r>
+                      <a:endParaRPr lang="ru-RU" sz="1600" dirty="0" smtClean="0"/>
                     </a:p>
                   </a:txBody>
-                  <a:tcPr/>
+                  <a:tcPr anchor="ctr">
+                    <a:lnL w="12700" cap="flat" cmpd="sng" algn="ctr">
+                      <a:solidFill>
+                        <a:schemeClr val="tx1"/>
+                      </a:solidFill>
+                      <a:prstDash val="solid"/>
+                      <a:round/>
+                      <a:headEnd type="none" w="med" len="med"/>
+                      <a:tailEnd type="none" w="med" len="med"/>
+                    </a:lnL>
+                    <a:lnR w="12700" cap="flat" cmpd="sng" algn="ctr">
+                      <a:solidFill>
+                        <a:schemeClr val="tx1"/>
+                      </a:solidFill>
+                      <a:prstDash val="solid"/>
+                      <a:round/>
+                      <a:headEnd type="none" w="med" len="med"/>
+                      <a:tailEnd type="none" w="med" len="med"/>
+                    </a:lnR>
+                    <a:lnT w="12700" cap="flat" cmpd="sng" algn="ctr">
+                      <a:solidFill>
+                        <a:schemeClr val="tx1"/>
+                      </a:solidFill>
+                      <a:prstDash val="solid"/>
+                      <a:round/>
+                      <a:headEnd type="none" w="med" len="med"/>
+                      <a:tailEnd type="none" w="med" len="med"/>
+                    </a:lnT>
+                    <a:lnB w="12700" cap="flat" cmpd="sng" algn="ctr">
+                      <a:solidFill>
+                        <a:schemeClr val="tx1"/>
+                      </a:solidFill>
+                      <a:prstDash val="solid"/>
+                      <a:round/>
+                      <a:headEnd type="none" w="med" len="med"/>
+                      <a:tailEnd type="none" w="med" len="med"/>
+                    </a:lnB>
+                  </a:tcPr>
                 </a:tc>
                 <a:tc>
                   <a:txBody>
                     <a:bodyPr/>
                     <a:lstStyle/>
                     <a:p>
-                      <a:endParaRPr lang="ru-RU"/>
+                      <a:pPr marL="0" marR="0" lvl="0" indent="0" algn="ctr" defTabSz="457200" rtl="0" eaLnBrk="1" fontAlgn="auto" latinLnBrk="0" hangingPunct="1">
+                        <a:lnSpc>
+                          <a:spcPct val="100000"/>
+                        </a:lnSpc>
+                        <a:spcBef>
+                          <a:spcPts val="0"/>
+                        </a:spcBef>
+                        <a:spcAft>
+                          <a:spcPts val="0"/>
+                        </a:spcAft>
+                        <a:buClrTx/>
+                        <a:buSzTx/>
+                        <a:buFontTx/>
+                        <a:buNone/>
+                        <a:tabLst/>
+                        <a:defRPr/>
+                      </a:pPr>
+                      <a:r>
+                        <a:rPr lang="ru-RU" sz="1600" dirty="0" smtClean="0"/>
+                        <a:t>ПВЕ,</a:t>
+                      </a:r>
+                      <a:r>
+                        <a:rPr lang="ru-RU" sz="1600" baseline="0" dirty="0" smtClean="0"/>
+                        <a:t> Спецоперации, новые режимы</a:t>
+                      </a:r>
+                      <a:endParaRPr lang="ru-RU" sz="1600" dirty="0" smtClean="0"/>
                     </a:p>
                   </a:txBody>
-                  <a:tcPr/>
+                  <a:tcPr anchor="ctr">
+                    <a:lnL w="12700" cap="flat" cmpd="sng" algn="ctr">
+                      <a:solidFill>
+                        <a:schemeClr val="tx1"/>
+                      </a:solidFill>
+                      <a:prstDash val="solid"/>
+                      <a:round/>
+                      <a:headEnd type="none" w="med" len="med"/>
+                      <a:tailEnd type="none" w="med" len="med"/>
+                    </a:lnL>
+                    <a:lnR w="12700" cap="flat" cmpd="sng" algn="ctr">
+                      <a:solidFill>
+                        <a:schemeClr val="tx1"/>
+                      </a:solidFill>
+                      <a:prstDash val="solid"/>
+                      <a:round/>
+                      <a:headEnd type="none" w="med" len="med"/>
+                      <a:tailEnd type="none" w="med" len="med"/>
+                    </a:lnR>
+                    <a:lnT w="12700" cap="flat" cmpd="sng" algn="ctr">
+                      <a:solidFill>
+                        <a:schemeClr val="tx1"/>
+                      </a:solidFill>
+                      <a:prstDash val="solid"/>
+                      <a:round/>
+                      <a:headEnd type="none" w="med" len="med"/>
+                      <a:tailEnd type="none" w="med" len="med"/>
+                    </a:lnT>
+                    <a:lnB w="12700" cap="flat" cmpd="sng" algn="ctr">
+                      <a:solidFill>
+                        <a:schemeClr val="tx1"/>
+                      </a:solidFill>
+                      <a:prstDash val="solid"/>
+                      <a:round/>
+                      <a:headEnd type="none" w="med" len="med"/>
+                      <a:tailEnd type="none" w="med" len="med"/>
+                    </a:lnB>
+                  </a:tcPr>
                 </a:tc>
                 <a:tc>
                   <a:txBody>
                     <a:bodyPr/>
                     <a:lstStyle/>
                     <a:p>
-                      <a:endParaRPr lang="ru-RU"/>
+                      <a:pPr marL="0" marR="0" lvl="0" indent="0" algn="ctr" defTabSz="457200" rtl="0" eaLnBrk="1" fontAlgn="auto" latinLnBrk="0" hangingPunct="1">
+                        <a:lnSpc>
+                          <a:spcPct val="100000"/>
+                        </a:lnSpc>
+                        <a:spcBef>
+                          <a:spcPts val="0"/>
+                        </a:spcBef>
+                        <a:spcAft>
+                          <a:spcPts val="0"/>
+                        </a:spcAft>
+                        <a:buClrTx/>
+                        <a:buSzTx/>
+                        <a:buFontTx/>
+                        <a:buNone/>
+                        <a:tabLst/>
+                        <a:defRPr/>
+                      </a:pPr>
+                      <a:r>
+                        <a:rPr lang="ru-RU" sz="1600" dirty="0" smtClean="0"/>
+                        <a:t>Урезание</a:t>
+                      </a:r>
+                      <a:r>
+                        <a:rPr lang="ru-RU" sz="1600" baseline="0" dirty="0" smtClean="0"/>
+                        <a:t> режимов</a:t>
+                      </a:r>
+                      <a:endParaRPr lang="ru-RU" sz="1600" dirty="0" smtClean="0"/>
                     </a:p>
                   </a:txBody>
-                  <a:tcPr/>
-                </a:tc>
-                <a:tc>
-                  <a:txBody>
-                    <a:bodyPr/>
-                    <a:lstStyle/>
-                    <a:p>
-                      <a:endParaRPr lang="ru-RU"/>
-                    </a:p>
-                  </a:txBody>
-                  <a:tcPr/>
+                  <a:tcPr anchor="ctr">
+                    <a:lnL w="12700" cap="flat" cmpd="sng" algn="ctr">
+                      <a:solidFill>
+                        <a:schemeClr val="tx1"/>
+                      </a:solidFill>
+                      <a:prstDash val="solid"/>
+                      <a:round/>
+                      <a:headEnd type="none" w="med" len="med"/>
+                      <a:tailEnd type="none" w="med" len="med"/>
+                    </a:lnL>
+                    <a:lnR w="12700" cap="flat" cmpd="sng" algn="ctr">
+                      <a:solidFill>
+                        <a:schemeClr val="tx1"/>
+                      </a:solidFill>
+                      <a:prstDash val="solid"/>
+                      <a:round/>
+                      <a:headEnd type="none" w="med" len="med"/>
+                      <a:tailEnd type="none" w="med" len="med"/>
+                    </a:lnR>
+                    <a:lnT w="12700" cap="flat" cmpd="sng" algn="ctr">
+                      <a:solidFill>
+                        <a:schemeClr val="tx1"/>
+                      </a:solidFill>
+                      <a:prstDash val="solid"/>
+                      <a:round/>
+                      <a:headEnd type="none" w="med" len="med"/>
+                      <a:tailEnd type="none" w="med" len="med"/>
+                    </a:lnT>
+                    <a:lnB w="12700" cap="flat" cmpd="sng" algn="ctr">
+                      <a:solidFill>
+                        <a:schemeClr val="tx1"/>
+                      </a:solidFill>
+                      <a:prstDash val="solid"/>
+                      <a:round/>
+                      <a:headEnd type="none" w="med" len="med"/>
+                      <a:tailEnd type="none" w="med" len="med"/>
+                    </a:lnB>
+                  </a:tcPr>
                 </a:tc>
                 <a:extLst>
                   <a:ext uri="{0D108BD9-81ED-4DB2-BD59-A6C34878D82A}">
-                    <a16:rowId xmlns:a16="http://schemas.microsoft.com/office/drawing/2014/main" val="1282579770"/>
-                  </a:ext>
-                </a:extLst>
-              </a:tr>
-              <a:tr h="370840">
-                <a:tc>
-                  <a:txBody>
-                    <a:bodyPr/>
-                    <a:lstStyle/>
-                    <a:p>
-                      <a:endParaRPr lang="ru-RU"/>
-                    </a:p>
-                  </a:txBody>
-                  <a:tcPr/>
-                </a:tc>
-                <a:tc>
-                  <a:txBody>
-                    <a:bodyPr/>
-                    <a:lstStyle/>
-                    <a:p>
-                      <a:endParaRPr lang="ru-RU"/>
-                    </a:p>
-                  </a:txBody>
-                  <a:tcPr/>
-                </a:tc>
-                <a:tc>
-                  <a:txBody>
-                    <a:bodyPr/>
-                    <a:lstStyle/>
-                    <a:p>
-                      <a:endParaRPr lang="ru-RU"/>
-                    </a:p>
-                  </a:txBody>
-                  <a:tcPr/>
-                </a:tc>
-                <a:tc>
-                  <a:txBody>
-                    <a:bodyPr/>
-                    <a:lstStyle/>
-                    <a:p>
-                      <a:endParaRPr lang="ru-RU"/>
-                    </a:p>
-                  </a:txBody>
-                  <a:tcPr/>
-                </a:tc>
-                <a:tc>
-                  <a:txBody>
-                    <a:bodyPr/>
-                    <a:lstStyle/>
-                    <a:p>
-                      <a:endParaRPr lang="ru-RU" dirty="0"/>
-                    </a:p>
-                  </a:txBody>
-                  <a:tcPr/>
-                </a:tc>
-                <a:extLst>
-                  <a:ext uri="{0D108BD9-81ED-4DB2-BD59-A6C34878D82A}">
-                    <a16:rowId xmlns:a16="http://schemas.microsoft.com/office/drawing/2014/main" val="1205177175"/>
+                    <a16:rowId xmlns:a16="http://schemas.microsoft.com/office/drawing/2014/main" xmlns="" val="1205177175"/>
                   </a:ext>
                 </a:extLst>
               </a:tr>
@@ -10017,6 +11446,1682 @@
   <p:clrMapOvr>
     <a:masterClrMapping/>
   </p:clrMapOvr>
+</p:sld>
+</file>
+
+<file path=ppt/slides/slide11.xml><?xml version="1.0" encoding="utf-8"?>
+<p:sld xmlns:a="http://schemas.openxmlformats.org/drawingml/2006/main" xmlns:r="http://schemas.openxmlformats.org/officeDocument/2006/relationships" xmlns:p="http://schemas.openxmlformats.org/presentationml/2006/main">
+  <p:cSld>
+    <p:spTree>
+      <p:nvGrpSpPr>
+        <p:cNvPr id="1" name=""/>
+        <p:cNvGrpSpPr/>
+        <p:nvPr/>
+      </p:nvGrpSpPr>
+      <p:grpSpPr>
+        <a:xfrm>
+          <a:off x="0" y="0"/>
+          <a:ext cx="0" cy="0"/>
+          <a:chOff x="0" y="0"/>
+          <a:chExt cx="0" cy="0"/>
+        </a:xfrm>
+      </p:grpSpPr>
+      <p:sp>
+        <p:nvSpPr>
+          <p:cNvPr id="2" name="Заголовок 1"/>
+          <p:cNvSpPr>
+            <a:spLocks noGrp="1"/>
+          </p:cNvSpPr>
+          <p:nvPr>
+            <p:ph type="title"/>
+          </p:nvPr>
+        </p:nvSpPr>
+        <p:spPr/>
+        <p:txBody>
+          <a:bodyPr/>
+          <a:lstStyle/>
+          <a:p>
+            <a:endParaRPr lang="ru-RU" dirty="0"/>
+          </a:p>
+        </p:txBody>
+      </p:sp>
+      <p:sp>
+        <p:nvSpPr>
+          <p:cNvPr id="3" name="Нижний колонтитул 2"/>
+          <p:cNvSpPr>
+            <a:spLocks noGrp="1"/>
+          </p:cNvSpPr>
+          <p:nvPr>
+            <p:ph type="ftr" sz="quarter" idx="11"/>
+          </p:nvPr>
+        </p:nvSpPr>
+        <p:spPr/>
+        <p:txBody>
+          <a:bodyPr/>
+          <a:lstStyle/>
+          <a:p>
+            <a:r>
+              <a:rPr lang="ru-RU" smtClean="0"/>
+              <a:t>Наверное очень полезная и интересная информация, но я не понял.</a:t>
+            </a:r>
+            <a:endParaRPr lang="ru-RU"/>
+          </a:p>
+        </p:txBody>
+      </p:sp>
+      <p:sp>
+        <p:nvSpPr>
+          <p:cNvPr id="4" name="Номер слайда 3"/>
+          <p:cNvSpPr>
+            <a:spLocks noGrp="1"/>
+          </p:cNvSpPr>
+          <p:nvPr>
+            <p:ph type="sldNum" sz="quarter" idx="12"/>
+          </p:nvPr>
+        </p:nvSpPr>
+        <p:spPr/>
+        <p:txBody>
+          <a:bodyPr/>
+          <a:lstStyle/>
+          <a:p>
+            <a:fld id="{AD626709-9CB7-4DB2-B14C-87763500207E}" type="slidenum">
+              <a:rPr lang="ru-RU" smtClean="0"/>
+              <a:t>11</a:t>
+            </a:fld>
+            <a:endParaRPr lang="ru-RU"/>
+          </a:p>
+        </p:txBody>
+      </p:sp>
+      <p:sp>
+        <p:nvSpPr>
+          <p:cNvPr id="5" name="Овал 4"/>
+          <p:cNvSpPr/>
+          <p:nvPr/>
+        </p:nvSpPr>
+        <p:spPr>
+          <a:xfrm>
+            <a:off x="734816" y="2814272"/>
+            <a:ext cx="2160000" cy="900000"/>
+          </a:xfrm>
+          <a:prstGeom prst="ellipse">
+            <a:avLst/>
+          </a:prstGeom>
+        </p:spPr>
+        <p:style>
+          <a:lnRef idx="2">
+            <a:schemeClr val="accent3">
+              <a:shade val="50000"/>
+            </a:schemeClr>
+          </a:lnRef>
+          <a:fillRef idx="1">
+            <a:schemeClr val="accent3"/>
+          </a:fillRef>
+          <a:effectRef idx="0">
+            <a:schemeClr val="accent3"/>
+          </a:effectRef>
+          <a:fontRef idx="minor">
+            <a:schemeClr val="lt1"/>
+          </a:fontRef>
+        </p:style>
+        <p:txBody>
+          <a:bodyPr rtlCol="0" anchor="ctr"/>
+          <a:lstStyle/>
+          <a:p>
+            <a:pPr algn="ctr"/>
+            <a:r>
+              <a:rPr lang="ru-RU" sz="1400" dirty="0" err="1" smtClean="0"/>
+              <a:t>Имбодонат</a:t>
+            </a:r>
+            <a:endParaRPr lang="ru-RU" sz="1400" dirty="0"/>
+          </a:p>
+        </p:txBody>
+      </p:sp>
+      <p:sp>
+        <p:nvSpPr>
+          <p:cNvPr id="7" name="Овал 6"/>
+          <p:cNvSpPr/>
+          <p:nvPr/>
+        </p:nvSpPr>
+        <p:spPr>
+          <a:xfrm>
+            <a:off x="3387256" y="1185864"/>
+            <a:ext cx="2160000" cy="900000"/>
+          </a:xfrm>
+          <a:prstGeom prst="ellipse">
+            <a:avLst/>
+          </a:prstGeom>
+        </p:spPr>
+        <p:style>
+          <a:lnRef idx="2">
+            <a:schemeClr val="accent3">
+              <a:shade val="50000"/>
+            </a:schemeClr>
+          </a:lnRef>
+          <a:fillRef idx="1">
+            <a:schemeClr val="accent3"/>
+          </a:fillRef>
+          <a:effectRef idx="0">
+            <a:schemeClr val="accent3"/>
+          </a:effectRef>
+          <a:fontRef idx="minor">
+            <a:schemeClr val="lt1"/>
+          </a:fontRef>
+        </p:style>
+        <p:txBody>
+          <a:bodyPr rtlCol="0" anchor="ctr"/>
+          <a:lstStyle/>
+          <a:p>
+            <a:pPr algn="ctr"/>
+            <a:r>
+              <a:rPr lang="ru-RU" sz="1400" dirty="0" smtClean="0"/>
+              <a:t>Лаги, телепорты</a:t>
+            </a:r>
+            <a:endParaRPr lang="ru-RU" sz="1400" dirty="0"/>
+          </a:p>
+        </p:txBody>
+      </p:sp>
+      <p:sp>
+        <p:nvSpPr>
+          <p:cNvPr id="8" name="Овал 7"/>
+          <p:cNvSpPr/>
+          <p:nvPr/>
+        </p:nvSpPr>
+        <p:spPr>
+          <a:xfrm>
+            <a:off x="6039696" y="2000068"/>
+            <a:ext cx="2160000" cy="900000"/>
+          </a:xfrm>
+          <a:prstGeom prst="ellipse">
+            <a:avLst/>
+          </a:prstGeom>
+        </p:spPr>
+        <p:style>
+          <a:lnRef idx="2">
+            <a:schemeClr val="accent3">
+              <a:shade val="50000"/>
+            </a:schemeClr>
+          </a:lnRef>
+          <a:fillRef idx="1">
+            <a:schemeClr val="accent3"/>
+          </a:fillRef>
+          <a:effectRef idx="0">
+            <a:schemeClr val="accent3"/>
+          </a:effectRef>
+          <a:fontRef idx="minor">
+            <a:schemeClr val="lt1"/>
+          </a:fontRef>
+        </p:style>
+        <p:txBody>
+          <a:bodyPr rtlCol="0" anchor="ctr"/>
+          <a:lstStyle/>
+          <a:p>
+            <a:pPr algn="ctr"/>
+            <a:r>
+              <a:rPr lang="ru-RU" sz="1400" dirty="0" smtClean="0"/>
+              <a:t>Наплевательское отношение</a:t>
+            </a:r>
+            <a:endParaRPr lang="ru-RU" sz="1400" dirty="0"/>
+          </a:p>
+        </p:txBody>
+      </p:sp>
+      <p:sp>
+        <p:nvSpPr>
+          <p:cNvPr id="9" name="Овал 8"/>
+          <p:cNvSpPr/>
+          <p:nvPr/>
+        </p:nvSpPr>
+        <p:spPr>
+          <a:xfrm>
+            <a:off x="2061036" y="4442680"/>
+            <a:ext cx="2160000" cy="900000"/>
+          </a:xfrm>
+          <a:prstGeom prst="ellipse">
+            <a:avLst/>
+          </a:prstGeom>
+        </p:spPr>
+        <p:style>
+          <a:lnRef idx="2">
+            <a:schemeClr val="accent3">
+              <a:shade val="50000"/>
+            </a:schemeClr>
+          </a:lnRef>
+          <a:fillRef idx="1">
+            <a:schemeClr val="accent3"/>
+          </a:fillRef>
+          <a:effectRef idx="0">
+            <a:schemeClr val="accent3"/>
+          </a:effectRef>
+          <a:fontRef idx="minor">
+            <a:schemeClr val="lt1"/>
+          </a:fontRef>
+        </p:style>
+        <p:txBody>
+          <a:bodyPr rtlCol="0" anchor="ctr"/>
+          <a:lstStyle/>
+          <a:p>
+            <a:pPr algn="ctr"/>
+            <a:r>
+              <a:rPr lang="ru-RU" sz="1400" dirty="0" smtClean="0"/>
+              <a:t>Ввод сомнительного контента</a:t>
+            </a:r>
+            <a:endParaRPr lang="ru-RU" sz="1400" dirty="0"/>
+          </a:p>
+        </p:txBody>
+      </p:sp>
+      <p:sp>
+        <p:nvSpPr>
+          <p:cNvPr id="10" name="Овал 9"/>
+          <p:cNvSpPr/>
+          <p:nvPr/>
+        </p:nvSpPr>
+        <p:spPr>
+          <a:xfrm>
+            <a:off x="4713476" y="5256884"/>
+            <a:ext cx="2160000" cy="900000"/>
+          </a:xfrm>
+          <a:prstGeom prst="ellipse">
+            <a:avLst/>
+          </a:prstGeom>
+        </p:spPr>
+        <p:style>
+          <a:lnRef idx="2">
+            <a:schemeClr val="accent3">
+              <a:shade val="50000"/>
+            </a:schemeClr>
+          </a:lnRef>
+          <a:fillRef idx="1">
+            <a:schemeClr val="accent3"/>
+          </a:fillRef>
+          <a:effectRef idx="0">
+            <a:schemeClr val="accent3"/>
+          </a:effectRef>
+          <a:fontRef idx="minor">
+            <a:schemeClr val="lt1"/>
+          </a:fontRef>
+        </p:style>
+        <p:txBody>
+          <a:bodyPr rtlCol="0" anchor="ctr"/>
+          <a:lstStyle/>
+          <a:p>
+            <a:pPr algn="ctr"/>
+            <a:r>
+              <a:rPr lang="ru-RU" sz="1400" dirty="0" smtClean="0"/>
+              <a:t>Устаревание игры</a:t>
+            </a:r>
+            <a:endParaRPr lang="ru-RU" sz="1400" dirty="0"/>
+          </a:p>
+        </p:txBody>
+      </p:sp>
+      <p:sp>
+        <p:nvSpPr>
+          <p:cNvPr id="11" name="Овал 10"/>
+          <p:cNvSpPr/>
+          <p:nvPr/>
+        </p:nvSpPr>
+        <p:spPr>
+          <a:xfrm>
+            <a:off x="7365914" y="3628476"/>
+            <a:ext cx="2160000" cy="900000"/>
+          </a:xfrm>
+          <a:prstGeom prst="ellipse">
+            <a:avLst/>
+          </a:prstGeom>
+        </p:spPr>
+        <p:style>
+          <a:lnRef idx="2">
+            <a:schemeClr val="accent3">
+              <a:shade val="50000"/>
+            </a:schemeClr>
+          </a:lnRef>
+          <a:fillRef idx="1">
+            <a:schemeClr val="accent3"/>
+          </a:fillRef>
+          <a:effectRef idx="0">
+            <a:schemeClr val="accent3"/>
+          </a:effectRef>
+          <a:fontRef idx="minor">
+            <a:schemeClr val="lt1"/>
+          </a:fontRef>
+        </p:style>
+        <p:txBody>
+          <a:bodyPr rtlCol="0" anchor="ctr"/>
+          <a:lstStyle/>
+          <a:p>
+            <a:pPr algn="ctr"/>
+            <a:r>
+              <a:rPr lang="ru-RU" sz="1400" dirty="0" smtClean="0"/>
+              <a:t>Непонятные перспективы</a:t>
+            </a:r>
+            <a:endParaRPr lang="ru-RU" sz="1400" dirty="0"/>
+          </a:p>
+        </p:txBody>
+      </p:sp>
+      <p:sp>
+        <p:nvSpPr>
+          <p:cNvPr id="12" name="Овал 11"/>
+          <p:cNvSpPr/>
+          <p:nvPr/>
+        </p:nvSpPr>
+        <p:spPr>
+          <a:xfrm>
+            <a:off x="4050365" y="3264272"/>
+            <a:ext cx="2160000" cy="900000"/>
+          </a:xfrm>
+          <a:prstGeom prst="ellipse">
+            <a:avLst/>
+          </a:prstGeom>
+        </p:spPr>
+        <p:style>
+          <a:lnRef idx="2">
+            <a:schemeClr val="accent3">
+              <a:shade val="50000"/>
+            </a:schemeClr>
+          </a:lnRef>
+          <a:fillRef idx="1">
+            <a:schemeClr val="accent3"/>
+          </a:fillRef>
+          <a:effectRef idx="0">
+            <a:schemeClr val="accent3"/>
+          </a:effectRef>
+          <a:fontRef idx="minor">
+            <a:schemeClr val="lt1"/>
+          </a:fontRef>
+        </p:style>
+        <p:txBody>
+          <a:bodyPr rtlCol="0" anchor="ctr"/>
+          <a:lstStyle/>
+          <a:p>
+            <a:pPr algn="ctr"/>
+            <a:r>
+              <a:rPr lang="ru-RU" sz="1400" dirty="0" smtClean="0"/>
+              <a:t>Причины пропажи интереса к игре</a:t>
+            </a:r>
+            <a:endParaRPr lang="ru-RU" sz="1400" dirty="0"/>
+          </a:p>
+        </p:txBody>
+      </p:sp>
+      <p:grpSp>
+        <p:nvGrpSpPr>
+          <p:cNvPr id="29" name="Группа 28"/>
+          <p:cNvGrpSpPr/>
+          <p:nvPr/>
+        </p:nvGrpSpPr>
+        <p:grpSpPr>
+          <a:xfrm>
+            <a:off x="2894816" y="2085864"/>
+            <a:ext cx="4471098" cy="3171020"/>
+            <a:chOff x="2894816" y="2085864"/>
+            <a:chExt cx="4471098" cy="3171020"/>
+          </a:xfrm>
+        </p:grpSpPr>
+        <p:cxnSp>
+          <p:nvCxnSpPr>
+            <p:cNvPr id="15" name="Прямая со стрелкой 14"/>
+            <p:cNvCxnSpPr>
+              <a:stCxn id="12" idx="0"/>
+              <a:endCxn id="7" idx="4"/>
+            </p:cNvCxnSpPr>
+            <p:nvPr/>
+          </p:nvCxnSpPr>
+          <p:spPr>
+            <a:xfrm flipH="1" flipV="1">
+              <a:off x="4467256" y="2085864"/>
+              <a:ext cx="663109" cy="1178408"/>
+            </a:xfrm>
+            <a:prstGeom prst="straightConnector1">
+              <a:avLst/>
+            </a:prstGeom>
+            <a:ln>
+              <a:tailEnd type="triangle"/>
+            </a:ln>
+          </p:spPr>
+          <p:style>
+            <a:lnRef idx="1">
+              <a:schemeClr val="accent1"/>
+            </a:lnRef>
+            <a:fillRef idx="0">
+              <a:schemeClr val="accent1"/>
+            </a:fillRef>
+            <a:effectRef idx="0">
+              <a:schemeClr val="accent1"/>
+            </a:effectRef>
+            <a:fontRef idx="minor">
+              <a:schemeClr val="tx1"/>
+            </a:fontRef>
+          </p:style>
+        </p:cxnSp>
+        <p:cxnSp>
+          <p:nvCxnSpPr>
+            <p:cNvPr id="19" name="Прямая со стрелкой 18"/>
+            <p:cNvCxnSpPr>
+              <a:stCxn id="12" idx="7"/>
+              <a:endCxn id="8" idx="4"/>
+            </p:cNvCxnSpPr>
+            <p:nvPr/>
+          </p:nvCxnSpPr>
+          <p:spPr>
+            <a:xfrm flipV="1">
+              <a:off x="5894040" y="2900068"/>
+              <a:ext cx="1225656" cy="496006"/>
+            </a:xfrm>
+            <a:prstGeom prst="straightConnector1">
+              <a:avLst/>
+            </a:prstGeom>
+            <a:ln>
+              <a:tailEnd type="triangle"/>
+            </a:ln>
+          </p:spPr>
+          <p:style>
+            <a:lnRef idx="1">
+              <a:schemeClr val="accent1"/>
+            </a:lnRef>
+            <a:fillRef idx="0">
+              <a:schemeClr val="accent1"/>
+            </a:fillRef>
+            <a:effectRef idx="0">
+              <a:schemeClr val="accent1"/>
+            </a:effectRef>
+            <a:fontRef idx="minor">
+              <a:schemeClr val="tx1"/>
+            </a:fontRef>
+          </p:style>
+        </p:cxnSp>
+        <p:cxnSp>
+          <p:nvCxnSpPr>
+            <p:cNvPr id="21" name="Прямая со стрелкой 20"/>
+            <p:cNvCxnSpPr>
+              <a:stCxn id="12" idx="6"/>
+              <a:endCxn id="11" idx="2"/>
+            </p:cNvCxnSpPr>
+            <p:nvPr/>
+          </p:nvCxnSpPr>
+          <p:spPr>
+            <a:xfrm>
+              <a:off x="6210365" y="3714272"/>
+              <a:ext cx="1155549" cy="364204"/>
+            </a:xfrm>
+            <a:prstGeom prst="straightConnector1">
+              <a:avLst/>
+            </a:prstGeom>
+            <a:ln>
+              <a:tailEnd type="triangle"/>
+            </a:ln>
+          </p:spPr>
+          <p:style>
+            <a:lnRef idx="1">
+              <a:schemeClr val="accent1"/>
+            </a:lnRef>
+            <a:fillRef idx="0">
+              <a:schemeClr val="accent1"/>
+            </a:fillRef>
+            <a:effectRef idx="0">
+              <a:schemeClr val="accent1"/>
+            </a:effectRef>
+            <a:fontRef idx="minor">
+              <a:schemeClr val="tx1"/>
+            </a:fontRef>
+          </p:style>
+        </p:cxnSp>
+        <p:cxnSp>
+          <p:nvCxnSpPr>
+            <p:cNvPr id="23" name="Прямая со стрелкой 22"/>
+            <p:cNvCxnSpPr>
+              <a:stCxn id="12" idx="2"/>
+              <a:endCxn id="5" idx="6"/>
+            </p:cNvCxnSpPr>
+            <p:nvPr/>
+          </p:nvCxnSpPr>
+          <p:spPr>
+            <a:xfrm flipH="1" flipV="1">
+              <a:off x="2894816" y="3264272"/>
+              <a:ext cx="1155549" cy="450000"/>
+            </a:xfrm>
+            <a:prstGeom prst="straightConnector1">
+              <a:avLst/>
+            </a:prstGeom>
+            <a:ln>
+              <a:tailEnd type="triangle"/>
+            </a:ln>
+          </p:spPr>
+          <p:style>
+            <a:lnRef idx="1">
+              <a:schemeClr val="accent1"/>
+            </a:lnRef>
+            <a:fillRef idx="0">
+              <a:schemeClr val="accent1"/>
+            </a:fillRef>
+            <a:effectRef idx="0">
+              <a:schemeClr val="accent1"/>
+            </a:effectRef>
+            <a:fontRef idx="minor">
+              <a:schemeClr val="tx1"/>
+            </a:fontRef>
+          </p:style>
+        </p:cxnSp>
+        <p:cxnSp>
+          <p:nvCxnSpPr>
+            <p:cNvPr id="25" name="Прямая со стрелкой 24"/>
+            <p:cNvCxnSpPr>
+              <a:stCxn id="12" idx="3"/>
+              <a:endCxn id="9" idx="7"/>
+            </p:cNvCxnSpPr>
+            <p:nvPr/>
+          </p:nvCxnSpPr>
+          <p:spPr>
+            <a:xfrm flipH="1">
+              <a:off x="3904711" y="4032470"/>
+              <a:ext cx="461979" cy="542012"/>
+            </a:xfrm>
+            <a:prstGeom prst="straightConnector1">
+              <a:avLst/>
+            </a:prstGeom>
+            <a:ln>
+              <a:tailEnd type="triangle"/>
+            </a:ln>
+          </p:spPr>
+          <p:style>
+            <a:lnRef idx="1">
+              <a:schemeClr val="accent1"/>
+            </a:lnRef>
+            <a:fillRef idx="0">
+              <a:schemeClr val="accent1"/>
+            </a:fillRef>
+            <a:effectRef idx="0">
+              <a:schemeClr val="accent1"/>
+            </a:effectRef>
+            <a:fontRef idx="minor">
+              <a:schemeClr val="tx1"/>
+            </a:fontRef>
+          </p:style>
+        </p:cxnSp>
+        <p:cxnSp>
+          <p:nvCxnSpPr>
+            <p:cNvPr id="27" name="Прямая со стрелкой 26"/>
+            <p:cNvCxnSpPr>
+              <a:stCxn id="12" idx="4"/>
+              <a:endCxn id="10" idx="0"/>
+            </p:cNvCxnSpPr>
+            <p:nvPr/>
+          </p:nvCxnSpPr>
+          <p:spPr>
+            <a:xfrm>
+              <a:off x="5130365" y="4164272"/>
+              <a:ext cx="663111" cy="1092612"/>
+            </a:xfrm>
+            <a:prstGeom prst="straightConnector1">
+              <a:avLst/>
+            </a:prstGeom>
+            <a:ln>
+              <a:tailEnd type="triangle"/>
+            </a:ln>
+          </p:spPr>
+          <p:style>
+            <a:lnRef idx="1">
+              <a:schemeClr val="accent1"/>
+            </a:lnRef>
+            <a:fillRef idx="0">
+              <a:schemeClr val="accent1"/>
+            </a:fillRef>
+            <a:effectRef idx="0">
+              <a:schemeClr val="accent1"/>
+            </a:effectRef>
+            <a:fontRef idx="minor">
+              <a:schemeClr val="tx1"/>
+            </a:fontRef>
+          </p:style>
+        </p:cxnSp>
+      </p:grpSp>
+    </p:spTree>
+    <p:extLst>
+      <p:ext uri="{BB962C8B-B14F-4D97-AF65-F5344CB8AC3E}">
+        <p14:creationId xmlns:p14="http://schemas.microsoft.com/office/powerpoint/2010/main" val="3714334060"/>
+      </p:ext>
+    </p:extLst>
+  </p:cSld>
+  <p:clrMapOvr>
+    <a:masterClrMapping/>
+  </p:clrMapOvr>
+  <p:timing>
+    <p:tnLst>
+      <p:par>
+        <p:cTn id="1" dur="indefinite" restart="never" nodeType="tmRoot">
+          <p:childTnLst>
+            <p:seq concurrent="1" nextAc="seek">
+              <p:cTn id="2" dur="indefinite" nodeType="mainSeq">
+                <p:childTnLst>
+                  <p:par>
+                    <p:cTn id="3" fill="hold">
+                      <p:stCondLst>
+                        <p:cond delay="indefinite"/>
+                      </p:stCondLst>
+                      <p:childTnLst>
+                        <p:par>
+                          <p:cTn id="4" fill="hold">
+                            <p:stCondLst>
+                              <p:cond delay="0"/>
+                            </p:stCondLst>
+                            <p:childTnLst>
+                              <p:par>
+                                <p:cTn id="5" presetID="1" presetClass="entr" presetSubtype="0" fill="hold" grpId="0" nodeType="clickEffect">
+                                  <p:stCondLst>
+                                    <p:cond delay="0"/>
+                                  </p:stCondLst>
+                                  <p:childTnLst>
+                                    <p:set>
+                                      <p:cBhvr>
+                                        <p:cTn id="6" dur="1" fill="hold">
+                                          <p:stCondLst>
+                                            <p:cond delay="999"/>
+                                          </p:stCondLst>
+                                        </p:cTn>
+                                        <p:tgtEl>
+                                          <p:spTgt spid="7"/>
+                                        </p:tgtEl>
+                                        <p:attrNameLst>
+                                          <p:attrName>style.visibility</p:attrName>
+                                        </p:attrNameLst>
+                                      </p:cBhvr>
+                                      <p:to>
+                                        <p:strVal val="visible"/>
+                                      </p:to>
+                                    </p:set>
+                                  </p:childTnLst>
+                                </p:cTn>
+                              </p:par>
+                            </p:childTnLst>
+                          </p:cTn>
+                        </p:par>
+                        <p:par>
+                          <p:cTn id="7" fill="hold">
+                            <p:stCondLst>
+                              <p:cond delay="1000"/>
+                            </p:stCondLst>
+                            <p:childTnLst>
+                              <p:par>
+                                <p:cTn id="8" presetID="10" presetClass="entr" presetSubtype="0" fill="hold" grpId="0" nodeType="afterEffect">
+                                  <p:stCondLst>
+                                    <p:cond delay="0"/>
+                                  </p:stCondLst>
+                                  <p:childTnLst>
+                                    <p:set>
+                                      <p:cBhvr>
+                                        <p:cTn id="9" dur="1" fill="hold">
+                                          <p:stCondLst>
+                                            <p:cond delay="0"/>
+                                          </p:stCondLst>
+                                        </p:cTn>
+                                        <p:tgtEl>
+                                          <p:spTgt spid="8"/>
+                                        </p:tgtEl>
+                                        <p:attrNameLst>
+                                          <p:attrName>style.visibility</p:attrName>
+                                        </p:attrNameLst>
+                                      </p:cBhvr>
+                                      <p:to>
+                                        <p:strVal val="visible"/>
+                                      </p:to>
+                                    </p:set>
+                                    <p:animEffect transition="in" filter="fade">
+                                      <p:cBhvr>
+                                        <p:cTn id="10" dur="1000"/>
+                                        <p:tgtEl>
+                                          <p:spTgt spid="8"/>
+                                        </p:tgtEl>
+                                      </p:cBhvr>
+                                    </p:animEffect>
+                                  </p:childTnLst>
+                                </p:cTn>
+                              </p:par>
+                            </p:childTnLst>
+                          </p:cTn>
+                        </p:par>
+                        <p:par>
+                          <p:cTn id="11" fill="hold">
+                            <p:stCondLst>
+                              <p:cond delay="2000"/>
+                            </p:stCondLst>
+                            <p:childTnLst>
+                              <p:par>
+                                <p:cTn id="12" presetID="2" presetClass="entr" presetSubtype="4" fill="hold" grpId="0" nodeType="afterEffect">
+                                  <p:stCondLst>
+                                    <p:cond delay="0"/>
+                                  </p:stCondLst>
+                                  <p:childTnLst>
+                                    <p:set>
+                                      <p:cBhvr>
+                                        <p:cTn id="13" dur="1" fill="hold">
+                                          <p:stCondLst>
+                                            <p:cond delay="0"/>
+                                          </p:stCondLst>
+                                        </p:cTn>
+                                        <p:tgtEl>
+                                          <p:spTgt spid="11"/>
+                                        </p:tgtEl>
+                                        <p:attrNameLst>
+                                          <p:attrName>style.visibility</p:attrName>
+                                        </p:attrNameLst>
+                                      </p:cBhvr>
+                                      <p:to>
+                                        <p:strVal val="visible"/>
+                                      </p:to>
+                                    </p:set>
+                                    <p:anim calcmode="lin" valueType="num">
+                                      <p:cBhvr additive="base">
+                                        <p:cTn id="14" dur="1000" fill="hold"/>
+                                        <p:tgtEl>
+                                          <p:spTgt spid="11"/>
+                                        </p:tgtEl>
+                                        <p:attrNameLst>
+                                          <p:attrName>ppt_x</p:attrName>
+                                        </p:attrNameLst>
+                                      </p:cBhvr>
+                                      <p:tavLst>
+                                        <p:tav tm="0">
+                                          <p:val>
+                                            <p:strVal val="#ppt_x"/>
+                                          </p:val>
+                                        </p:tav>
+                                        <p:tav tm="100000">
+                                          <p:val>
+                                            <p:strVal val="#ppt_x"/>
+                                          </p:val>
+                                        </p:tav>
+                                      </p:tavLst>
+                                    </p:anim>
+                                    <p:anim calcmode="lin" valueType="num">
+                                      <p:cBhvr additive="base">
+                                        <p:cTn id="15" dur="1000" fill="hold"/>
+                                        <p:tgtEl>
+                                          <p:spTgt spid="11"/>
+                                        </p:tgtEl>
+                                        <p:attrNameLst>
+                                          <p:attrName>ppt_y</p:attrName>
+                                        </p:attrNameLst>
+                                      </p:cBhvr>
+                                      <p:tavLst>
+                                        <p:tav tm="0">
+                                          <p:val>
+                                            <p:strVal val="1+#ppt_h/2"/>
+                                          </p:val>
+                                        </p:tav>
+                                        <p:tav tm="100000">
+                                          <p:val>
+                                            <p:strVal val="#ppt_y"/>
+                                          </p:val>
+                                        </p:tav>
+                                      </p:tavLst>
+                                    </p:anim>
+                                  </p:childTnLst>
+                                </p:cTn>
+                              </p:par>
+                            </p:childTnLst>
+                          </p:cTn>
+                        </p:par>
+                        <p:par>
+                          <p:cTn id="16" fill="hold">
+                            <p:stCondLst>
+                              <p:cond delay="3000"/>
+                            </p:stCondLst>
+                            <p:childTnLst>
+                              <p:par>
+                                <p:cTn id="17" presetID="42" presetClass="entr" presetSubtype="0" fill="hold" grpId="0" nodeType="afterEffect">
+                                  <p:stCondLst>
+                                    <p:cond delay="0"/>
+                                  </p:stCondLst>
+                                  <p:childTnLst>
+                                    <p:set>
+                                      <p:cBhvr>
+                                        <p:cTn id="18" dur="1" fill="hold">
+                                          <p:stCondLst>
+                                            <p:cond delay="0"/>
+                                          </p:stCondLst>
+                                        </p:cTn>
+                                        <p:tgtEl>
+                                          <p:spTgt spid="10"/>
+                                        </p:tgtEl>
+                                        <p:attrNameLst>
+                                          <p:attrName>style.visibility</p:attrName>
+                                        </p:attrNameLst>
+                                      </p:cBhvr>
+                                      <p:to>
+                                        <p:strVal val="visible"/>
+                                      </p:to>
+                                    </p:set>
+                                    <p:animEffect transition="in" filter="fade">
+                                      <p:cBhvr>
+                                        <p:cTn id="19" dur="1000"/>
+                                        <p:tgtEl>
+                                          <p:spTgt spid="10"/>
+                                        </p:tgtEl>
+                                      </p:cBhvr>
+                                    </p:animEffect>
+                                    <p:anim calcmode="lin" valueType="num">
+                                      <p:cBhvr>
+                                        <p:cTn id="20" dur="1000" fill="hold"/>
+                                        <p:tgtEl>
+                                          <p:spTgt spid="10"/>
+                                        </p:tgtEl>
+                                        <p:attrNameLst>
+                                          <p:attrName>ppt_x</p:attrName>
+                                        </p:attrNameLst>
+                                      </p:cBhvr>
+                                      <p:tavLst>
+                                        <p:tav tm="0">
+                                          <p:val>
+                                            <p:strVal val="#ppt_x"/>
+                                          </p:val>
+                                        </p:tav>
+                                        <p:tav tm="100000">
+                                          <p:val>
+                                            <p:strVal val="#ppt_x"/>
+                                          </p:val>
+                                        </p:tav>
+                                      </p:tavLst>
+                                    </p:anim>
+                                    <p:anim calcmode="lin" valueType="num">
+                                      <p:cBhvr>
+                                        <p:cTn id="21" dur="1000" fill="hold"/>
+                                        <p:tgtEl>
+                                          <p:spTgt spid="10"/>
+                                        </p:tgtEl>
+                                        <p:attrNameLst>
+                                          <p:attrName>ppt_y</p:attrName>
+                                        </p:attrNameLst>
+                                      </p:cBhvr>
+                                      <p:tavLst>
+                                        <p:tav tm="0">
+                                          <p:val>
+                                            <p:strVal val="#ppt_y+.1"/>
+                                          </p:val>
+                                        </p:tav>
+                                        <p:tav tm="100000">
+                                          <p:val>
+                                            <p:strVal val="#ppt_y"/>
+                                          </p:val>
+                                        </p:tav>
+                                      </p:tavLst>
+                                    </p:anim>
+                                  </p:childTnLst>
+                                </p:cTn>
+                              </p:par>
+                            </p:childTnLst>
+                          </p:cTn>
+                        </p:par>
+                        <p:par>
+                          <p:cTn id="22" fill="hold">
+                            <p:stCondLst>
+                              <p:cond delay="4000"/>
+                            </p:stCondLst>
+                            <p:childTnLst>
+                              <p:par>
+                                <p:cTn id="23" presetID="16" presetClass="entr" presetSubtype="21" fill="hold" grpId="0" nodeType="afterEffect">
+                                  <p:stCondLst>
+                                    <p:cond delay="0"/>
+                                  </p:stCondLst>
+                                  <p:childTnLst>
+                                    <p:set>
+                                      <p:cBhvr>
+                                        <p:cTn id="24" dur="1" fill="hold">
+                                          <p:stCondLst>
+                                            <p:cond delay="0"/>
+                                          </p:stCondLst>
+                                        </p:cTn>
+                                        <p:tgtEl>
+                                          <p:spTgt spid="9"/>
+                                        </p:tgtEl>
+                                        <p:attrNameLst>
+                                          <p:attrName>style.visibility</p:attrName>
+                                        </p:attrNameLst>
+                                      </p:cBhvr>
+                                      <p:to>
+                                        <p:strVal val="visible"/>
+                                      </p:to>
+                                    </p:set>
+                                    <p:animEffect transition="in" filter="barn(inVertical)">
+                                      <p:cBhvr>
+                                        <p:cTn id="25" dur="500"/>
+                                        <p:tgtEl>
+                                          <p:spTgt spid="9"/>
+                                        </p:tgtEl>
+                                      </p:cBhvr>
+                                    </p:animEffect>
+                                  </p:childTnLst>
+                                </p:cTn>
+                              </p:par>
+                            </p:childTnLst>
+                          </p:cTn>
+                        </p:par>
+                        <p:par>
+                          <p:cTn id="26" fill="hold">
+                            <p:stCondLst>
+                              <p:cond delay="4500"/>
+                            </p:stCondLst>
+                            <p:childTnLst>
+                              <p:par>
+                                <p:cTn id="27" presetID="21" presetClass="entr" presetSubtype="1" fill="hold" grpId="0" nodeType="afterEffect">
+                                  <p:stCondLst>
+                                    <p:cond delay="0"/>
+                                  </p:stCondLst>
+                                  <p:childTnLst>
+                                    <p:set>
+                                      <p:cBhvr>
+                                        <p:cTn id="28" dur="1" fill="hold">
+                                          <p:stCondLst>
+                                            <p:cond delay="0"/>
+                                          </p:stCondLst>
+                                        </p:cTn>
+                                        <p:tgtEl>
+                                          <p:spTgt spid="5"/>
+                                        </p:tgtEl>
+                                        <p:attrNameLst>
+                                          <p:attrName>style.visibility</p:attrName>
+                                        </p:attrNameLst>
+                                      </p:cBhvr>
+                                      <p:to>
+                                        <p:strVal val="visible"/>
+                                      </p:to>
+                                    </p:set>
+                                    <p:animEffect transition="in" filter="wheel(1)">
+                                      <p:cBhvr>
+                                        <p:cTn id="29" dur="2000"/>
+                                        <p:tgtEl>
+                                          <p:spTgt spid="5"/>
+                                        </p:tgtEl>
+                                      </p:cBhvr>
+                                    </p:animEffect>
+                                  </p:childTnLst>
+                                </p:cTn>
+                              </p:par>
+                            </p:childTnLst>
+                          </p:cTn>
+                        </p:par>
+                        <p:par>
+                          <p:cTn id="30" fill="hold">
+                            <p:stCondLst>
+                              <p:cond delay="6500"/>
+                            </p:stCondLst>
+                            <p:childTnLst>
+                              <p:par>
+                                <p:cTn id="31" presetID="53" presetClass="entr" presetSubtype="16" fill="hold" grpId="0" nodeType="afterEffect">
+                                  <p:stCondLst>
+                                    <p:cond delay="0"/>
+                                  </p:stCondLst>
+                                  <p:childTnLst>
+                                    <p:set>
+                                      <p:cBhvr>
+                                        <p:cTn id="32" dur="1" fill="hold">
+                                          <p:stCondLst>
+                                            <p:cond delay="0"/>
+                                          </p:stCondLst>
+                                        </p:cTn>
+                                        <p:tgtEl>
+                                          <p:spTgt spid="12"/>
+                                        </p:tgtEl>
+                                        <p:attrNameLst>
+                                          <p:attrName>style.visibility</p:attrName>
+                                        </p:attrNameLst>
+                                      </p:cBhvr>
+                                      <p:to>
+                                        <p:strVal val="visible"/>
+                                      </p:to>
+                                    </p:set>
+                                    <p:anim calcmode="lin" valueType="num">
+                                      <p:cBhvr>
+                                        <p:cTn id="33" dur="500" fill="hold"/>
+                                        <p:tgtEl>
+                                          <p:spTgt spid="12"/>
+                                        </p:tgtEl>
+                                        <p:attrNameLst>
+                                          <p:attrName>ppt_w</p:attrName>
+                                        </p:attrNameLst>
+                                      </p:cBhvr>
+                                      <p:tavLst>
+                                        <p:tav tm="0">
+                                          <p:val>
+                                            <p:fltVal val="0"/>
+                                          </p:val>
+                                        </p:tav>
+                                        <p:tav tm="100000">
+                                          <p:val>
+                                            <p:strVal val="#ppt_w"/>
+                                          </p:val>
+                                        </p:tav>
+                                      </p:tavLst>
+                                    </p:anim>
+                                    <p:anim calcmode="lin" valueType="num">
+                                      <p:cBhvr>
+                                        <p:cTn id="34" dur="500" fill="hold"/>
+                                        <p:tgtEl>
+                                          <p:spTgt spid="12"/>
+                                        </p:tgtEl>
+                                        <p:attrNameLst>
+                                          <p:attrName>ppt_h</p:attrName>
+                                        </p:attrNameLst>
+                                      </p:cBhvr>
+                                      <p:tavLst>
+                                        <p:tav tm="0">
+                                          <p:val>
+                                            <p:fltVal val="0"/>
+                                          </p:val>
+                                        </p:tav>
+                                        <p:tav tm="100000">
+                                          <p:val>
+                                            <p:strVal val="#ppt_h"/>
+                                          </p:val>
+                                        </p:tav>
+                                      </p:tavLst>
+                                    </p:anim>
+                                    <p:animEffect transition="in" filter="fade">
+                                      <p:cBhvr>
+                                        <p:cTn id="35" dur="500"/>
+                                        <p:tgtEl>
+                                          <p:spTgt spid="12"/>
+                                        </p:tgtEl>
+                                      </p:cBhvr>
+                                    </p:animEffect>
+                                  </p:childTnLst>
+                                </p:cTn>
+                              </p:par>
+                            </p:childTnLst>
+                          </p:cTn>
+                        </p:par>
+                      </p:childTnLst>
+                    </p:cTn>
+                  </p:par>
+                  <p:par>
+                    <p:cTn id="36" fill="hold">
+                      <p:stCondLst>
+                        <p:cond delay="indefinite"/>
+                      </p:stCondLst>
+                      <p:childTnLst>
+                        <p:par>
+                          <p:cTn id="37" fill="hold">
+                            <p:stCondLst>
+                              <p:cond delay="0"/>
+                            </p:stCondLst>
+                            <p:childTnLst>
+                              <p:par>
+                                <p:cTn id="38" presetID="0" presetClass="path" presetSubtype="0" accel="50000" decel="50000" fill="hold" grpId="1" nodeType="clickEffect">
+                                  <p:stCondLst>
+                                    <p:cond delay="0"/>
+                                  </p:stCondLst>
+                                  <p:childTnLst>
+                                    <p:animMotion origin="layout" path="M 0.2043 -0.49815 C 0.20274 -0.49514 0.2 -0.48936 0.19857 -0.48565 C 0.19479 -0.47547 0.19831 -0.48264 0.19362 -0.47408 L 0.19219 -0.46644 C 0.19193 -0.46528 0.1918 -0.46389 0.19141 -0.46274 L 0.18998 -0.4588 C 0.18972 -0.45672 0.18972 -0.45463 0.18933 -0.45255 C 0.18789 -0.44723 0.18685 -0.44584 0.18503 -0.44237 C 0.18477 -0.44075 0.18451 -0.43889 0.18425 -0.43727 C 0.18386 -0.43473 0.18321 -0.43241 0.18282 -0.42963 C 0.18008 -0.40834 0.18438 -0.43241 0.18073 -0.4132 C 0.17982 -0.39954 0.17917 -0.39491 0.18073 -0.37894 C 0.18099 -0.37616 0.18373 -0.36852 0.18503 -0.36621 C 0.18555 -0.36505 0.18646 -0.36459 0.18711 -0.36366 C 0.1905 -0.35903 0.19336 -0.35301 0.19714 -0.34977 C 0.20091 -0.3463 0.20456 -0.3419 0.2086 -0.33959 C 0.21003 -0.33866 0.21146 -0.33797 0.21289 -0.33704 C 0.22058 -0.33125 0.21394 -0.3345 0.22006 -0.33195 C 0.24206 -0.33288 0.26784 -0.32987 0.29076 -0.3382 C 0.31172 -0.34584 0.30391 -0.34491 0.32422 -0.35602 C 0.32878 -0.35857 0.33347 -0.35973 0.33789 -0.3625 C 0.34193 -0.36482 0.34584 -0.36852 0.35 -0.3713 C 0.35404 -0.37408 0.35821 -0.37593 0.36211 -0.37894 C 0.36485 -0.38102 0.36732 -0.38426 0.36993 -0.38658 C 0.37214 -0.38843 0.37435 -0.38959 0.37644 -0.39167 C 0.38347 -0.39838 0.37591 -0.39352 0.38138 -0.39676 C 0.3819 -0.39885 0.38243 -0.40093 0.38282 -0.40301 C 0.38308 -0.4044 0.38321 -0.40556 0.3836 -0.40695 C 0.38399 -0.40857 0.38464 -0.41019 0.38503 -0.41204 C 0.38581 -0.41598 0.38659 -0.42038 0.38711 -0.42454 C 0.38737 -0.42663 0.38763 -0.42894 0.38789 -0.43102 C 0.38763 -0.4419 0.38802 -0.45301 0.38711 -0.46389 C 0.38685 -0.4669 0.38516 -0.46899 0.38425 -0.47153 C 0.38373 -0.47315 0.3836 -0.47524 0.38282 -0.47663 C 0.38203 -0.47801 0.38086 -0.47801 0.37995 -0.47917 C 0.37774 -0.48218 0.37813 -0.4845 0.375 -0.48565 C 0.37188 -0.48658 0.36875 -0.48635 0.36576 -0.48681 C 0.36146 -0.48843 0.35196 -0.4919 0.35 -0.4919 L 0.32422 -0.49075 C 0.32136 -0.48982 0.31849 -0.48936 0.31576 -0.4882 C 0.3112 -0.48635 0.30209 -0.48172 0.30209 -0.48172 C 0.29948 -0.47871 0.2918 -0.47014 0.28998 -0.46528 C 0.28815 -0.46042 0.28724 -0.4544 0.28646 -0.44885 C 0.28438 -0.43403 0.28529 -0.44213 0.2836 -0.42454 C 0.28334 -0.41991 0.28308 -0.41528 0.28282 -0.41065 C 0.28269 -0.40695 0.28216 -0.40301 0.28216 -0.39931 C 0.28216 -0.37292 0.28203 -0.34676 0.28282 -0.32061 C 0.28295 -0.31644 0.28425 -0.31297 0.28503 -0.30903 C 0.28711 -0.29838 0.28724 -0.29792 0.29076 -0.2875 C 0.29297 -0.28056 0.29623 -0.27246 0.30065 -0.26968 C 0.30534 -0.2669 0.30209 -0.26875 0.31068 -0.26598 C 0.32826 -0.27362 0.30495 -0.26227 0.32136 -0.27362 C 0.32461 -0.2757 0.32813 -0.27663 0.33138 -0.27871 C 0.33451 -0.28056 0.3375 -0.28311 0.34076 -0.28496 C 0.34284 -0.28612 0.34506 -0.28635 0.34714 -0.2875 C 0.34935 -0.28866 0.35131 -0.29028 0.35352 -0.29121 C 0.35547 -0.29213 0.35743 -0.29213 0.35925 -0.2926 L 0.36433 -0.29375 C 0.37709 -0.30649 0.36394 -0.29514 0.37852 -0.30278 C 0.38008 -0.30348 0.38125 -0.30579 0.38282 -0.30649 C 0.38685 -0.30834 0.39089 -0.30903 0.39493 -0.31042 L 0.40209 -0.31297 C 0.40547 -0.3125 0.40886 -0.3125 0.41211 -0.31158 C 0.41433 -0.31112 0.41641 -0.30973 0.41849 -0.30903 C 0.42071 -0.30834 0.42279 -0.30834 0.425 -0.30788 C 0.42709 -0.30649 0.4293 -0.3051 0.43138 -0.30394 C 0.43282 -0.30325 0.43633 -0.30255 0.43789 -0.30139 C 0.43933 -0.30047 0.44063 -0.29838 0.44206 -0.29769 C 0.45391 -0.2919 0.44701 -0.29815 0.45573 -0.2926 C 0.45664 -0.2919 0.45769 -0.29121 0.4586 -0.29005 C 0.46537 -0.28125 0.46654 -0.27848 0.47214 -0.26852 C 0.47331 -0.26644 0.475 -0.26482 0.47565 -0.26204 C 0.47683 -0.25788 0.47774 -0.25325 0.4793 -0.24931 C 0.47969 -0.24815 0.48021 -0.247 0.48073 -0.24561 C 0.48125 -0.24399 0.48151 -0.24213 0.48216 -0.24051 C 0.4836 -0.23612 0.48451 -0.23519 0.48646 -0.23172 C 0.48685 -0.2294 0.48724 -0.22732 0.48789 -0.22524 C 0.48894 -0.22107 0.49063 -0.21713 0.49141 -0.2125 C 0.49336 -0.20232 0.49219 -0.20741 0.49493 -0.19746 C 0.49532 -0.19399 0.49649 -0.17963 0.49636 -0.17709 C 0.49623 -0.16899 0.49571 -0.16088 0.49493 -0.15301 C 0.49479 -0.15116 0.49401 -0.14954 0.49349 -0.14792 C 0.4931 -0.14399 0.49258 -0.14028 0.49206 -0.13635 C 0.4918 -0.13426 0.49193 -0.13195 0.49141 -0.1301 C 0.48959 -0.12431 0.48711 -0.11899 0.48503 -0.11366 C 0.48399 -0.11112 0.48334 -0.10811 0.48216 -0.10602 C 0.48099 -0.10371 0.47982 -0.10163 0.47852 -0.09954 C 0.47748 -0.09769 0.47604 -0.09653 0.475 -0.09445 C 0.47396 -0.0926 0.47318 -0.09028 0.47214 -0.0882 C 0.47149 -0.08681 0.47071 -0.08565 0.46993 -0.08426 C 0.46849 -0.08149 0.46719 -0.07825 0.46563 -0.07547 C 0.46485 -0.07408 0.46368 -0.07315 0.46289 -0.07176 C 0.46107 -0.06875 0.45977 -0.06505 0.45782 -0.06274 C 0.45118 -0.05487 0.4556 -0.05926 0.44636 -0.05255 C 0.44479 -0.05139 0.4431 -0.04954 0.44141 -0.04885 L 0.43568 -0.0463 L 0.43282 -0.04491 C 0.42969 -0.04584 0.42657 -0.04584 0.42357 -0.04746 C 0.40443 -0.05834 0.42175 -0.05139 0.41146 -0.05903 C 0.40977 -0.06019 0.40808 -0.06042 0.40638 -0.06158 C 0.40443 -0.06274 0.40261 -0.06413 0.40065 -0.06528 C 0.39766 -0.0669 0.39453 -0.06806 0.39141 -0.06922 C 0.39024 -0.06991 0.38907 -0.07084 0.38789 -0.07176 C 0.38711 -0.07223 0.38633 -0.07223 0.38568 -0.07292 C 0.37891 -0.08149 0.38763 -0.07547 0.37787 -0.08056 C 0.37513 -0.08357 0.37331 -0.08473 0.37136 -0.08936 C 0.37097 -0.09051 0.3711 -0.09213 0.37071 -0.09329 C 0.37006 -0.09538 0.36927 -0.09746 0.36849 -0.09954 C 0.36797 -0.10116 0.36758 -0.10301 0.36706 -0.10463 C 0.36602 -0.12153 0.3655 -0.12084 0.36927 -0.14283 C 0.37006 -0.14746 0.37435 -0.15209 0.37644 -0.15417 C 0.37709 -0.15487 0.37787 -0.15487 0.37852 -0.15556 C 0.37982 -0.15649 0.38099 -0.15788 0.38216 -0.15926 C 0.38282 -0.15996 0.38347 -0.16135 0.38425 -0.16181 C 0.38633 -0.16297 0.38854 -0.16343 0.39076 -0.16436 C 0.3974 -0.16343 0.40417 -0.16389 0.41068 -0.16181 C 0.41263 -0.16112 0.4142 -0.1588 0.41576 -0.15672 C 0.41993 -0.15116 0.42357 -0.14422 0.42787 -0.13889 C 0.43555 -0.1294 0.44375 -0.11945 0.45065 -0.10857 C 0.45625 -0.09954 0.46485 -0.08519 0.47136 -0.08172 L 0.47644 -0.07917 C 0.47761 -0.07801 0.47878 -0.07663 0.47995 -0.07547 C 0.48086 -0.07454 0.48203 -0.07408 0.48282 -0.07292 C 0.48347 -0.072 0.4836 -0.07014 0.48425 -0.06922 C 0.4849 -0.06806 0.48568 -0.06737 0.48646 -0.06667 C 0.48711 -0.06413 0.48815 -0.06181 0.48854 -0.05903 C 0.48907 -0.05487 0.48894 -0.05047 0.48933 -0.0463 C 0.48946 -0.04283 0.48972 -0.03959 0.48998 -0.03612 C 0.49024 -0.03195 0.49011 -0.02755 0.49063 -0.02338 C 0.49115 -0.02038 0.49232 -0.0176 0.49284 -0.01459 C 0.49349 -0.01088 0.49362 -0.00695 0.49427 -0.00301 C 0.49493 0.00069 0.49584 0.00439 0.49636 0.00833 C 0.4987 0.02337 0.4961 0.01574 0.5 0.02476 C 0.50065 0.03287 0.50144 0.04097 0.50209 0.04907 C 0.50261 0.05578 0.50313 0.06273 0.5043 0.06921 C 0.50508 0.07361 0.50612 0.07777 0.50716 0.08194 C 0.50729 0.08657 0.50743 0.09143 0.50782 0.09606 C 0.50808 0.09861 0.50899 0.10092 0.50925 0.10347 C 0.50964 0.10648 0.50977 0.10949 0.51003 0.1125 C 0.50886 0.1206 0.5086 0.1199 0.51003 0.13148 C 0.51042 0.13495 0.51146 0.13819 0.51211 0.14166 C 0.51263 0.14467 0.51315 0.15277 0.51354 0.15555 C 0.51368 0.15694 0.51407 0.1581 0.51433 0.15949 C 0.51381 0.16203 0.51368 0.16481 0.51289 0.16712 C 0.50456 0.18657 0.50834 0.17384 0.50209 0.18472 C 0.50157 0.18587 0.50131 0.18773 0.50065 0.18865 C 0.49896 0.19143 0.49727 0.19537 0.49493 0.19629 C 0.49375 0.19675 0.49258 0.19699 0.49141 0.19745 C 0.4905 0.19791 0.48959 0.19861 0.48854 0.19884 C 0.48308 0.19976 0.47761 0.20046 0.47214 0.20138 C 0.46693 0.20092 0.46159 0.20138 0.45638 0.2 C 0.45521 0.19976 0.45456 0.19722 0.45352 0.19629 C 0.45026 0.19328 0.45091 0.19699 0.44779 0.19236 C 0.44558 0.18888 0.44336 0.18518 0.44141 0.18101 C 0.43946 0.17685 0.43802 0.17175 0.43568 0.16828 C 0.43451 0.16666 0.43334 0.16481 0.43216 0.16319 C 0.42813 0.15833 0.42943 0.16064 0.42565 0.15694 C 0.425 0.15625 0.42422 0.15509 0.42357 0.15439 C 0.42175 0.15 0.42032 0.14629 0.41784 0.14282 C 0.41719 0.14212 0.41641 0.14236 0.41576 0.14166 C 0.41302 0.13935 0.41198 0.13703 0.40925 0.13541 C 0.40834 0.13472 0.40729 0.13449 0.40638 0.13402 C 0.40495 0.13333 0.40209 0.13148 0.40209 0.13148 C 0.39597 0.13263 0.3905 0.12986 0.38646 0.13796 C 0.38464 0.14143 0.38308 0.14537 0.38138 0.1493 C 0.38073 0.15092 0.37995 0.15254 0.3793 0.15439 L 0.375 0.16574 C 0.37305 0.17916 0.37591 0.16388 0.37214 0.17337 C 0.37136 0.17523 0.37123 0.17777 0.37071 0.17986 C 0.36797 0.18935 0.36914 0.18703 0.36576 0.1912 C 0.3655 0.19282 0.36537 0.19467 0.36498 0.19629 C 0.36459 0.19768 0.36368 0.19861 0.36354 0.2 C 0.3612 0.22106 0.36485 0.20972 0.36146 0.21921 C 0.3612 0.22268 0.36081 0.23009 0.36003 0.23425 C 0.35964 0.23611 0.35899 0.23773 0.3586 0.23935 C 0.35625 0.24907 0.36042 0.23587 0.35573 0.24953 C 0.3543 0.25925 0.35599 0.25 0.35287 0.26111 C 0.35222 0.26296 0.35196 0.26527 0.35144 0.26736 C 0.35039 0.27083 0.34857 0.27384 0.34779 0.27754 C 0.34688 0.28287 0.34779 0.28055 0.34493 0.28379 C 0.33881 0.30046 0.34532 0.28379 0.33933 0.29652 C 0.33868 0.29768 0.33854 0.29953 0.33789 0.30046 C 0.33698 0.30138 0.33594 0.30115 0.33503 0.30162 C 0.33425 0.30254 0.3336 0.30347 0.33282 0.30416 C 0.3319 0.30486 0.33099 0.30486 0.32995 0.30555 C 0.3293 0.30578 0.32852 0.30625 0.32787 0.30671 C 0.32266 0.31064 0.32735 0.3081 0.32214 0.31064 L 0.28503 0.30925 C 0.28073 0.30856 0.27709 0.30324 0.27279 0.30162 C 0.26927 0.30046 0.26563 0.2993 0.26211 0.29791 C 0.2599 0.29675 0.25782 0.29513 0.25573 0.29398 C 0.24805 0.28981 0.25287 0.29282 0.24362 0.28888 C 0.23243 0.28425 0.24414 0.28796 0.23425 0.28518 C 0.23256 0.28379 0.23099 0.2824 0.2293 0.28125 C 0.22813 0.28055 0.22683 0.28078 0.22565 0.28009 C 0.2237 0.2787 0.22188 0.27662 0.22006 0.275 C 0.21888 0.27407 0.21758 0.27337 0.21641 0.27245 C 0.21498 0.27129 0.21354 0.26967 0.21211 0.26851 C 0.21029 0.26712 0.20821 0.26643 0.20638 0.26481 C 0.20443 0.26296 0.20274 0.26018 0.20065 0.25856 C 0.19974 0.25763 0.1987 0.25694 0.19779 0.25601 C 0.19584 0.25347 0.19506 0.25023 0.19362 0.24699 C 0.19284 0.2456 0.19206 0.24467 0.19141 0.24328 C 0.19037 0.24074 0.18998 0.2375 0.18854 0.23564 C 0.18763 0.23425 0.18659 0.23333 0.18568 0.23171 C 0.18347 0.228 0.18177 0.22222 0.17995 0.21782 C 0.1793 0.2162 0.17852 0.21435 0.17787 0.21273 C 0.17618 0.2037 0.17722 0.2074 0.175 0.20138 C 0.17474 0.19953 0.17448 0.19791 0.17422 0.19629 C 0.17396 0.19375 0.17396 0.19097 0.17357 0.18865 C 0.17331 0.18726 0.17253 0.18611 0.17214 0.18472 C 0.17136 0.18263 0.17071 0.18055 0.17006 0.17847 C 0.16797 0.16388 0.17084 0.18194 0.16784 0.16967 C 0.16563 0.16064 0.16901 0.16805 0.16498 0.16064 C 0.16472 0.15949 0.16459 0.1581 0.16433 0.15694 C 0.16341 0.1537 0.16276 0.153 0.16146 0.15046 C 0.1612 0.14884 0.1612 0.14699 0.16068 0.14537 C 0.16029 0.14421 0.15912 0.14398 0.1586 0.14282 C 0.15795 0.14189 0.15756 0.1405 0.15716 0.13912 C 0.15508 0.13171 0.15651 0.1324 0.15287 0.12523 C 0.15209 0.12361 0.15091 0.12268 0.15 0.12129 C 0.14922 0.12013 0.1487 0.11851 0.14779 0.11759 C 0.1418 0.10995 0.1474 0.11921 0.14362 0.1125 C 0.13998 0.09976 0.14466 0.11342 0.13933 0.10601 C 0.13802 0.10439 0.1375 0.10185 0.13646 0.09976 C 0.13464 0.09629 0.13256 0.09305 0.13073 0.08958 C 0.12995 0.08842 0.12917 0.08726 0.12852 0.08587 C 0.12761 0.08333 0.12709 0.07986 0.12565 0.07824 C 0.12422 0.07638 0.12318 0.07361 0.12149 0.07314 L 0.11641 0.07175 C 0.11576 0.07106 0.11511 0.0699 0.11433 0.06921 C 0.11315 0.06828 0.11029 0.06736 0.10925 0.06666 C 0.1086 0.06643 0.10782 0.06597 0.10716 0.0655 C 0.10638 0.06481 0.10573 0.06365 0.10495 0.06296 C 0.10404 0.06226 0.103 0.06226 0.10209 0.06157 C 0.10118 0.06111 0.10026 0.05972 0.09922 0.05902 C 0.09792 0.0581 0.09649 0.0574 0.09506 0.05648 L 0.08854 0.05277 L 0.08646 0.05162 C 0.08568 0.05069 0.08503 0.04953 0.08425 0.04907 C 0.08034 0.04583 0.08021 0.04675 0.07644 0.04513 C 0.07565 0.0449 0.075 0.04444 0.07422 0.04398 C 0.07331 0.04305 0.0724 0.04189 0.07149 0.04143 C 0.06979 0.0405 0.0681 0.0405 0.06641 0.04004 C 0.0655 0.03981 0.06459 0.03912 0.06354 0.03888 C 0.06211 0.03842 0.06068 0.03796 0.05925 0.0375 C 0.0586 0.03703 0.05782 0.03657 0.05716 0.03634 C 0.05625 0.03587 0.05521 0.03564 0.0543 0.03495 C 0.04727 0.03009 0.05235 0.0331 0.04792 0.0287 C 0.04597 0.02685 0.04401 0.02546 0.04219 0.02361 C 0.04115 0.02245 0.04037 0.02083 0.03933 0.01967 C 0.03868 0.01921 0.03789 0.01898 0.03711 0.01851 C 0.03594 0.01759 0.03477 0.01689 0.0336 0.01597 C 0.02943 0.0125 0.02683 0.00949 0.02292 0.00717 C 0.01888 0.00462 0.01498 0.00509 0.01068 0.00462 C 0.00925 0.0037 0.00795 0.00231 0.00638 0.00208 C 0.00078 0.00046 0.00313 0.00069 -0.00065 0.00069 " pathEditMode="relative" ptsTypes="AAAAAAAAAAAAAAAAAAAAAAAAAAAAAAAAAAAAAAAAAAAAAAAAAAAAAAAAAAAAAAAAAAAAAAAAAAAAAAAAAAAAAAAAAAAAAAAAAAAAAAAAAAAAAAAAAAAAAAAAAAAAAAAAAAAAAAAAAAAAAAAAAAAAAAAAAAAAAAAAAAAAAAAAAAAAAAAAAAAAAAAAAAAAAAAAAAAAAAAAAAAAAAAAAAAAAAAAAAAAAAAAAAAAAAAAAAAAAAAAAAAAAAAAAAAAAAAAA">
+                                      <p:cBhvr>
+                                        <p:cTn id="39" dur="2000" fill="hold"/>
+                                        <p:tgtEl>
+                                          <p:spTgt spid="12"/>
+                                        </p:tgtEl>
+                                        <p:attrNameLst>
+                                          <p:attrName>ppt_x</p:attrName>
+                                          <p:attrName>ppt_y</p:attrName>
+                                        </p:attrNameLst>
+                                      </p:cBhvr>
+                                    </p:animMotion>
+                                  </p:childTnLst>
+                                </p:cTn>
+                              </p:par>
+                            </p:childTnLst>
+                          </p:cTn>
+                        </p:par>
+                      </p:childTnLst>
+                    </p:cTn>
+                  </p:par>
+                </p:childTnLst>
+              </p:cTn>
+              <p:prevCondLst>
+                <p:cond evt="onPrev" delay="0">
+                  <p:tgtEl>
+                    <p:sldTgt/>
+                  </p:tgtEl>
+                </p:cond>
+              </p:prevCondLst>
+              <p:nextCondLst>
+                <p:cond evt="onNext" delay="0">
+                  <p:tgtEl>
+                    <p:sldTgt/>
+                  </p:tgtEl>
+                </p:cond>
+              </p:nextCondLst>
+            </p:seq>
+          </p:childTnLst>
+        </p:cTn>
+      </p:par>
+    </p:tnLst>
+    <p:bldLst>
+      <p:bldP spid="5" grpId="0" animBg="1"/>
+      <p:bldP spid="7" grpId="0" animBg="1"/>
+      <p:bldP spid="8" grpId="0" animBg="1"/>
+      <p:bldP spid="9" grpId="0" animBg="1"/>
+      <p:bldP spid="10" grpId="0" animBg="1"/>
+      <p:bldP spid="11" grpId="0" animBg="1"/>
+      <p:bldP spid="12" grpId="0" animBg="1"/>
+      <p:bldP spid="12" grpId="1" animBg="1"/>
+    </p:bldLst>
+  </p:timing>
+</p:sld>
+</file>
+
+<file path=ppt/slides/slide12.xml><?xml version="1.0" encoding="utf-8"?>
+<p:sld xmlns:a="http://schemas.openxmlformats.org/drawingml/2006/main" xmlns:r="http://schemas.openxmlformats.org/officeDocument/2006/relationships" xmlns:p="http://schemas.openxmlformats.org/presentationml/2006/main">
+  <p:cSld>
+    <p:spTree>
+      <p:nvGrpSpPr>
+        <p:cNvPr id="1" name=""/>
+        <p:cNvGrpSpPr/>
+        <p:nvPr/>
+      </p:nvGrpSpPr>
+      <p:grpSpPr>
+        <a:xfrm>
+          <a:off x="0" y="0"/>
+          <a:ext cx="0" cy="0"/>
+          <a:chOff x="0" y="0"/>
+          <a:chExt cx="0" cy="0"/>
+        </a:xfrm>
+      </p:grpSpPr>
+      <p:sp>
+        <p:nvSpPr>
+          <p:cNvPr id="2" name="Заголовок 1"/>
+          <p:cNvSpPr>
+            <a:spLocks noGrp="1"/>
+          </p:cNvSpPr>
+          <p:nvPr>
+            <p:ph type="title"/>
+          </p:nvPr>
+        </p:nvSpPr>
+        <p:spPr/>
+        <p:txBody>
+          <a:bodyPr/>
+          <a:lstStyle/>
+          <a:p>
+            <a:r>
+              <a:rPr lang="ru-RU" dirty="0" smtClean="0"/>
+              <a:t>Некие формулы</a:t>
+            </a:r>
+            <a:endParaRPr lang="ru-RU" dirty="0"/>
+          </a:p>
+        </p:txBody>
+      </p:sp>
+      <p:sp>
+        <p:nvSpPr>
+          <p:cNvPr id="3" name="Нижний колонтитул 2"/>
+          <p:cNvSpPr>
+            <a:spLocks noGrp="1"/>
+          </p:cNvSpPr>
+          <p:nvPr>
+            <p:ph type="ftr" sz="quarter" idx="11"/>
+          </p:nvPr>
+        </p:nvSpPr>
+        <p:spPr/>
+        <p:txBody>
+          <a:bodyPr/>
+          <a:lstStyle/>
+          <a:p>
+            <a:r>
+              <a:rPr lang="ru-RU" smtClean="0"/>
+              <a:t>Наверное очень полезная и интересная информация, но я не понял.</a:t>
+            </a:r>
+            <a:endParaRPr lang="ru-RU"/>
+          </a:p>
+        </p:txBody>
+      </p:sp>
+      <p:sp>
+        <p:nvSpPr>
+          <p:cNvPr id="4" name="Номер слайда 3"/>
+          <p:cNvSpPr>
+            <a:spLocks noGrp="1"/>
+          </p:cNvSpPr>
+          <p:nvPr>
+            <p:ph type="sldNum" sz="quarter" idx="12"/>
+          </p:nvPr>
+        </p:nvSpPr>
+        <p:spPr/>
+        <p:txBody>
+          <a:bodyPr/>
+          <a:lstStyle/>
+          <a:p>
+            <a:fld id="{AD626709-9CB7-4DB2-B14C-87763500207E}" type="slidenum">
+              <a:rPr lang="ru-RU" smtClean="0"/>
+              <a:t>12</a:t>
+            </a:fld>
+            <a:endParaRPr lang="ru-RU"/>
+          </a:p>
+        </p:txBody>
+      </p:sp>
+      <mc:AlternateContent xmlns:mc="http://schemas.openxmlformats.org/markup-compatibility/2006">
+        <mc:Choice xmlns:a14="http://schemas.microsoft.com/office/drawing/2010/main" Requires="a14">
+          <p:sp>
+            <p:nvSpPr>
+              <p:cNvPr id="5" name="TextBox 4"/>
+              <p:cNvSpPr txBox="1"/>
+              <p:nvPr/>
+            </p:nvSpPr>
+            <p:spPr>
+              <a:xfrm>
+                <a:off x="677334" y="2316479"/>
+                <a:ext cx="8596668" cy="523220"/>
+              </a:xfrm>
+              <a:prstGeom prst="rect">
+                <a:avLst/>
+              </a:prstGeom>
+              <a:noFill/>
+            </p:spPr>
+            <p:txBody>
+              <a:bodyPr wrap="square" rtlCol="0">
+                <a:spAutoFit/>
+              </a:bodyPr>
+              <a:lstStyle/>
+              <a:p>
+                <a:pPr marL="457200" indent="-457200">
+                  <a:buFont typeface="Wingdings" panose="05000000000000000000" pitchFamily="2" charset="2"/>
+                  <a:buChar char="v"/>
+                </a:pPr>
+                <a14:m>
+                  <m:oMath xmlns:m="http://schemas.openxmlformats.org/officeDocument/2006/math">
+                    <m:r>
+                      <a:rPr lang="ru-RU" sz="2800" b="1" i="1" smtClean="0">
+                        <a:latin typeface="Cambria Math" panose="02040503050406030204" pitchFamily="18" charset="0"/>
+                        <a:ea typeface="Cambria Math" panose="02040503050406030204" pitchFamily="18" charset="0"/>
+                      </a:rPr>
+                      <m:t>𝜺</m:t>
+                    </m:r>
+                    <m:r>
+                      <a:rPr lang="ru-RU" sz="2800" b="1" i="1" smtClean="0">
+                        <a:latin typeface="Cambria Math" panose="02040503050406030204" pitchFamily="18" charset="0"/>
+                        <a:ea typeface="Cambria Math" panose="02040503050406030204" pitchFamily="18" charset="0"/>
+                      </a:rPr>
+                      <m:t>=</m:t>
+                    </m:r>
+                    <m:r>
+                      <a:rPr lang="ru-RU" sz="2800" b="1" i="1" smtClean="0">
+                        <a:latin typeface="Cambria Math" panose="02040503050406030204" pitchFamily="18" charset="0"/>
+                        <a:ea typeface="Cambria Math" panose="02040503050406030204" pitchFamily="18" charset="0"/>
+                      </a:rPr>
+                      <m:t>𝝈</m:t>
+                    </m:r>
+                    <m:r>
+                      <a:rPr lang="ru-RU" sz="2800" b="1" i="1" smtClean="0">
+                        <a:latin typeface="Cambria Math" panose="02040503050406030204" pitchFamily="18" charset="0"/>
+                        <a:ea typeface="Cambria Math" panose="02040503050406030204" pitchFamily="18" charset="0"/>
+                      </a:rPr>
+                      <m:t>+</m:t>
+                    </m:r>
+                    <m:r>
+                      <a:rPr lang="ru-RU" sz="2800" b="1" i="1" smtClean="0">
+                        <a:latin typeface="Cambria Math" panose="02040503050406030204" pitchFamily="18" charset="0"/>
+                        <a:ea typeface="Cambria Math" panose="02040503050406030204" pitchFamily="18" charset="0"/>
+                      </a:rPr>
+                      <m:t>𝝁</m:t>
+                    </m:r>
+                    <m:r>
+                      <a:rPr lang="ru-RU" sz="2800" b="1" i="1" smtClean="0">
+                        <a:latin typeface="Cambria Math" panose="02040503050406030204" pitchFamily="18" charset="0"/>
+                        <a:ea typeface="Cambria Math" panose="02040503050406030204" pitchFamily="18" charset="0"/>
+                      </a:rPr>
+                      <m:t>+</m:t>
+                    </m:r>
+                    <m:d>
+                      <m:dPr>
+                        <m:ctrlPr>
+                          <a:rPr lang="ru-RU" sz="2800" b="1" i="1" smtClean="0">
+                            <a:latin typeface="Cambria Math" panose="02040503050406030204" pitchFamily="18" charset="0"/>
+                            <a:ea typeface="Cambria Math" panose="02040503050406030204" pitchFamily="18" charset="0"/>
+                          </a:rPr>
+                        </m:ctrlPr>
+                      </m:dPr>
+                      <m:e>
+                        <m:r>
+                          <a:rPr lang="ru-RU" sz="2800" b="1" i="1" smtClean="0">
+                            <a:latin typeface="Cambria Math" panose="02040503050406030204" pitchFamily="18" charset="0"/>
+                            <a:ea typeface="Cambria Math" panose="02040503050406030204" pitchFamily="18" charset="0"/>
+                          </a:rPr>
+                          <m:t>𝝅</m:t>
+                        </m:r>
+                        <m:r>
+                          <a:rPr lang="ru-RU" sz="2800" b="1" i="1" smtClean="0">
+                            <a:latin typeface="Cambria Math" panose="02040503050406030204" pitchFamily="18" charset="0"/>
+                            <a:ea typeface="Cambria Math" panose="02040503050406030204" pitchFamily="18" charset="0"/>
+                          </a:rPr>
+                          <m:t>−</m:t>
+                        </m:r>
+                        <m:r>
+                          <a:rPr lang="ru-RU" sz="2800" b="1" i="1" smtClean="0">
+                            <a:latin typeface="Cambria Math" panose="02040503050406030204" pitchFamily="18" charset="0"/>
+                            <a:ea typeface="Cambria Math" panose="02040503050406030204" pitchFamily="18" charset="0"/>
+                          </a:rPr>
+                          <m:t>𝝉</m:t>
+                        </m:r>
+                      </m:e>
+                    </m:d>
+                  </m:oMath>
+                </a14:m>
+                <a:endParaRPr lang="ru-RU" sz="2800" b="1" i="1" dirty="0"/>
+              </a:p>
+            </p:txBody>
+          </p:sp>
+        </mc:Choice>
+        <mc:Fallback>
+          <p:sp>
+            <p:nvSpPr>
+              <p:cNvPr id="5" name="TextBox 4"/>
+              <p:cNvSpPr txBox="1">
+                <a:spLocks noRot="1" noChangeAspect="1" noMove="1" noResize="1" noEditPoints="1" noAdjustHandles="1" noChangeArrowheads="1" noChangeShapeType="1" noTextEdit="1"/>
+              </p:cNvSpPr>
+              <p:nvPr/>
+            </p:nvSpPr>
+            <p:spPr>
+              <a:xfrm>
+                <a:off x="677334" y="2316479"/>
+                <a:ext cx="8596668" cy="523220"/>
+              </a:xfrm>
+              <a:prstGeom prst="rect">
+                <a:avLst/>
+              </a:prstGeom>
+              <a:blipFill rotWithShape="0">
+                <a:blip r:embed="rId2"/>
+                <a:stretch>
+                  <a:fillRect/>
+                </a:stretch>
+              </a:blipFill>
+            </p:spPr>
+            <p:txBody>
+              <a:bodyPr/>
+              <a:lstStyle/>
+              <a:p>
+                <a:r>
+                  <a:rPr lang="ru-RU">
+                    <a:noFill/>
+                  </a:rPr>
+                  <a:t> </a:t>
+                </a:r>
+              </a:p>
+            </p:txBody>
+          </p:sp>
+        </mc:Fallback>
+      </mc:AlternateContent>
+      <mc:AlternateContent xmlns:mc="http://schemas.openxmlformats.org/markup-compatibility/2006">
+        <mc:Choice xmlns:a14="http://schemas.microsoft.com/office/drawing/2010/main" Requires="a14">
+          <p:sp>
+            <p:nvSpPr>
+              <p:cNvPr id="6" name="TextBox 5"/>
+              <p:cNvSpPr txBox="1"/>
+              <p:nvPr/>
+            </p:nvSpPr>
+            <p:spPr>
+              <a:xfrm>
+                <a:off x="677334" y="3230880"/>
+                <a:ext cx="8596668" cy="662810"/>
+              </a:xfrm>
+              <a:prstGeom prst="rect">
+                <a:avLst/>
+              </a:prstGeom>
+              <a:noFill/>
+            </p:spPr>
+            <p:txBody>
+              <a:bodyPr wrap="square" rtlCol="0">
+                <a:spAutoFit/>
+              </a:bodyPr>
+              <a:lstStyle/>
+              <a:p>
+                <a:pPr marL="457200" indent="-457200">
+                  <a:buFont typeface="Wingdings" panose="05000000000000000000" pitchFamily="2" charset="2"/>
+                  <a:buChar char="v"/>
+                </a:pPr>
+                <a14:m>
+                  <m:oMath xmlns:m="http://schemas.openxmlformats.org/officeDocument/2006/math">
+                    <m:r>
+                      <a:rPr lang="ru-RU" sz="2800" b="1" i="1" smtClean="0">
+                        <a:latin typeface="Cambria Math" panose="02040503050406030204" pitchFamily="18" charset="0"/>
+                        <a:ea typeface="Cambria Math" panose="02040503050406030204" pitchFamily="18" charset="0"/>
+                      </a:rPr>
+                      <m:t>𝜺</m:t>
+                    </m:r>
+                    <m:r>
+                      <a:rPr lang="ru-RU" sz="2800" b="1" i="1" smtClean="0">
+                        <a:latin typeface="Cambria Math" panose="02040503050406030204" pitchFamily="18" charset="0"/>
+                        <a:ea typeface="Cambria Math" panose="02040503050406030204" pitchFamily="18" charset="0"/>
+                      </a:rPr>
+                      <m:t>=</m:t>
+                    </m:r>
+                    <m:r>
+                      <a:rPr lang="ru-RU" sz="2800" b="1" i="1" smtClean="0">
+                        <a:latin typeface="Cambria Math" panose="02040503050406030204" pitchFamily="18" charset="0"/>
+                        <a:ea typeface="Cambria Math" panose="02040503050406030204" pitchFamily="18" charset="0"/>
+                      </a:rPr>
+                      <m:t>𝝆</m:t>
+                    </m:r>
+                    <m:r>
+                      <a:rPr lang="ru-RU" sz="2800" b="1" i="1" smtClean="0">
+                        <a:latin typeface="Cambria Math" panose="02040503050406030204" pitchFamily="18" charset="0"/>
+                        <a:ea typeface="Cambria Math" panose="02040503050406030204" pitchFamily="18" charset="0"/>
+                      </a:rPr>
+                      <m:t>×</m:t>
+                    </m:r>
+                    <m:f>
+                      <m:fPr>
+                        <m:ctrlPr>
+                          <a:rPr lang="ru-RU" sz="2800" b="1" i="1" smtClean="0">
+                            <a:latin typeface="Cambria Math" panose="02040503050406030204" pitchFamily="18" charset="0"/>
+                            <a:ea typeface="Cambria Math" panose="02040503050406030204" pitchFamily="18" charset="0"/>
+                          </a:rPr>
+                        </m:ctrlPr>
+                      </m:fPr>
+                      <m:num>
+                        <m:r>
+                          <a:rPr lang="ru-RU" sz="2800" b="1" i="1" smtClean="0">
+                            <a:latin typeface="Cambria Math" panose="02040503050406030204" pitchFamily="18" charset="0"/>
+                            <a:ea typeface="Cambria Math" panose="02040503050406030204" pitchFamily="18" charset="0"/>
+                          </a:rPr>
+                          <m:t>𝝉</m:t>
+                        </m:r>
+                      </m:num>
+                      <m:den>
+                        <m:r>
+                          <a:rPr lang="ru-RU" sz="2800" b="1" i="1" smtClean="0">
+                            <a:latin typeface="Cambria Math" panose="02040503050406030204" pitchFamily="18" charset="0"/>
+                            <a:ea typeface="Cambria Math" panose="02040503050406030204" pitchFamily="18" charset="0"/>
+                          </a:rPr>
+                          <m:t>𝝉</m:t>
+                        </m:r>
+                      </m:den>
+                    </m:f>
+                  </m:oMath>
+                </a14:m>
+                <a:endParaRPr lang="ru-RU" sz="2800" b="1" i="1" dirty="0"/>
+              </a:p>
+            </p:txBody>
+          </p:sp>
+        </mc:Choice>
+        <mc:Fallback>
+          <p:sp>
+            <p:nvSpPr>
+              <p:cNvPr id="6" name="TextBox 5"/>
+              <p:cNvSpPr txBox="1">
+                <a:spLocks noRot="1" noChangeAspect="1" noMove="1" noResize="1" noEditPoints="1" noAdjustHandles="1" noChangeArrowheads="1" noChangeShapeType="1" noTextEdit="1"/>
+              </p:cNvSpPr>
+              <p:nvPr/>
+            </p:nvSpPr>
+            <p:spPr>
+              <a:xfrm>
+                <a:off x="677334" y="3230880"/>
+                <a:ext cx="8596668" cy="662810"/>
+              </a:xfrm>
+              <a:prstGeom prst="rect">
+                <a:avLst/>
+              </a:prstGeom>
+              <a:blipFill rotWithShape="0">
+                <a:blip r:embed="rId3"/>
+                <a:stretch>
+                  <a:fillRect/>
+                </a:stretch>
+              </a:blipFill>
+            </p:spPr>
+            <p:txBody>
+              <a:bodyPr/>
+              <a:lstStyle/>
+              <a:p>
+                <a:r>
+                  <a:rPr lang="ru-RU">
+                    <a:noFill/>
+                  </a:rPr>
+                  <a:t> </a:t>
+                </a:r>
+              </a:p>
+            </p:txBody>
+          </p:sp>
+        </mc:Fallback>
+      </mc:AlternateContent>
+    </p:spTree>
+    <p:extLst>
+      <p:ext uri="{BB962C8B-B14F-4D97-AF65-F5344CB8AC3E}">
+        <p14:creationId xmlns:p14="http://schemas.microsoft.com/office/powerpoint/2010/main" val="4154812969"/>
+      </p:ext>
+    </p:extLst>
+  </p:cSld>
+  <p:clrMapOvr>
+    <a:masterClrMapping/>
+  </p:clrMapOvr>
+  <p:timing>
+    <p:tnLst>
+      <p:par>
+        <p:cTn id="1" dur="indefinite" restart="never" nodeType="tmRoot"/>
+      </p:par>
+    </p:tnLst>
+  </p:timing>
+</p:sld>
+</file>
+
+<file path=ppt/slides/slide13.xml><?xml version="1.0" encoding="utf-8"?>
+<p:sld xmlns:a="http://schemas.openxmlformats.org/drawingml/2006/main" xmlns:r="http://schemas.openxmlformats.org/officeDocument/2006/relationships" xmlns:p="http://schemas.openxmlformats.org/presentationml/2006/main">
+  <p:cSld>
+    <p:spTree>
+      <p:nvGrpSpPr>
+        <p:cNvPr id="1" name=""/>
+        <p:cNvGrpSpPr/>
+        <p:nvPr/>
+      </p:nvGrpSpPr>
+      <p:grpSpPr>
+        <a:xfrm>
+          <a:off x="0" y="0"/>
+          <a:ext cx="0" cy="0"/>
+          <a:chOff x="0" y="0"/>
+          <a:chExt cx="0" cy="0"/>
+        </a:xfrm>
+      </p:grpSpPr>
+      <p:sp>
+        <p:nvSpPr>
+          <p:cNvPr id="2" name="Заголовок 1"/>
+          <p:cNvSpPr>
+            <a:spLocks noGrp="1"/>
+          </p:cNvSpPr>
+          <p:nvPr>
+            <p:ph type="title"/>
+          </p:nvPr>
+        </p:nvSpPr>
+        <p:spPr/>
+        <p:txBody>
+          <a:bodyPr/>
+          <a:lstStyle/>
+          <a:p>
+            <a:r>
+              <a:rPr lang="ru-RU" dirty="0" smtClean="0"/>
+              <a:t>Диаграмма </a:t>
+            </a:r>
+            <a:r>
+              <a:rPr lang="ru-RU" dirty="0" err="1" smtClean="0"/>
+              <a:t>играбельности</a:t>
+            </a:r>
+            <a:endParaRPr lang="ru-RU" dirty="0"/>
+          </a:p>
+        </p:txBody>
+      </p:sp>
+      <p:graphicFrame>
+        <p:nvGraphicFramePr>
+          <p:cNvPr id="10" name="Объект 9"/>
+          <p:cNvGraphicFramePr>
+            <a:graphicFrameLocks noGrp="1"/>
+          </p:cNvGraphicFramePr>
+          <p:nvPr>
+            <p:ph idx="1"/>
+            <p:extLst>
+              <p:ext uri="{D42A27DB-BD31-4B8C-83A1-F6EECF244321}">
+                <p14:modId xmlns:p14="http://schemas.microsoft.com/office/powerpoint/2010/main" val="4014256195"/>
+              </p:ext>
+            </p:extLst>
+          </p:nvPr>
+        </p:nvGraphicFramePr>
+        <p:xfrm>
+          <a:off x="677863" y="2160588"/>
+          <a:ext cx="8596312" cy="3881437"/>
+        </p:xfrm>
+        <a:graphic>
+          <a:graphicData uri="http://schemas.openxmlformats.org/drawingml/2006/chart">
+            <c:chart xmlns:c="http://schemas.openxmlformats.org/drawingml/2006/chart" xmlns:r="http://schemas.openxmlformats.org/officeDocument/2006/relationships" r:id="rId2"/>
+          </a:graphicData>
+        </a:graphic>
+      </p:graphicFrame>
+      <p:sp>
+        <p:nvSpPr>
+          <p:cNvPr id="4" name="Нижний колонтитул 3"/>
+          <p:cNvSpPr>
+            <a:spLocks noGrp="1"/>
+          </p:cNvSpPr>
+          <p:nvPr>
+            <p:ph type="ftr" sz="quarter" idx="11"/>
+          </p:nvPr>
+        </p:nvSpPr>
+        <p:spPr/>
+        <p:txBody>
+          <a:bodyPr/>
+          <a:lstStyle/>
+          <a:p>
+            <a:r>
+              <a:rPr lang="ru-RU" smtClean="0"/>
+              <a:t>Наверное очень полезная и интересная информация, но я не понял.</a:t>
+            </a:r>
+            <a:endParaRPr lang="ru-RU"/>
+          </a:p>
+        </p:txBody>
+      </p:sp>
+      <p:sp>
+        <p:nvSpPr>
+          <p:cNvPr id="5" name="Номер слайда 4"/>
+          <p:cNvSpPr>
+            <a:spLocks noGrp="1"/>
+          </p:cNvSpPr>
+          <p:nvPr>
+            <p:ph type="sldNum" sz="quarter" idx="12"/>
+          </p:nvPr>
+        </p:nvSpPr>
+        <p:spPr/>
+        <p:txBody>
+          <a:bodyPr/>
+          <a:lstStyle/>
+          <a:p>
+            <a:fld id="{AD626709-9CB7-4DB2-B14C-87763500207E}" type="slidenum">
+              <a:rPr lang="ru-RU" smtClean="0"/>
+              <a:t>13</a:t>
+            </a:fld>
+            <a:endParaRPr lang="ru-RU"/>
+          </a:p>
+        </p:txBody>
+      </p:sp>
+    </p:spTree>
+    <p:extLst>
+      <p:ext uri="{BB962C8B-B14F-4D97-AF65-F5344CB8AC3E}">
+        <p14:creationId xmlns:p14="http://schemas.microsoft.com/office/powerpoint/2010/main" val="648316423"/>
+      </p:ext>
+    </p:extLst>
+  </p:cSld>
+  <p:clrMapOvr>
+    <a:masterClrMapping/>
+  </p:clrMapOvr>
+  <p:timing>
+    <p:tnLst>
+      <p:par>
+        <p:cTn id="1" dur="indefinite" restart="never" nodeType="tmRoot"/>
+      </p:par>
+    </p:tnLst>
+  </p:timing>
 </p:sld>
 </file>
 
@@ -10803,15 +13908,7 @@
           <a:p>
             <a:r>
               <a:rPr lang="ru-RU" dirty="0" smtClean="0"/>
-              <a:t>Эффективность игры </a:t>
-            </a:r>
-            <a:r>
-              <a:rPr lang="ru-RU" dirty="0" smtClean="0"/>
-              <a:t>с бесплатным </a:t>
-            </a:r>
-            <a:r>
-              <a:rPr lang="ru-RU" dirty="0" smtClean="0"/>
-              <a:t>оружием</a:t>
+              <a:t>Эффективность игры с бесплатным оружием</a:t>
             </a:r>
             <a:r>
               <a:rPr lang="en-US" dirty="0" smtClean="0"/>
@@ -10854,21 +13951,21 @@
                 <a:gridCol w="2865437">
                   <a:extLst>
                     <a:ext uri="{9D8B030D-6E8A-4147-A177-3AD203B41FA5}">
-                      <a16:colId xmlns:a16="http://schemas.microsoft.com/office/drawing/2014/main" val="20000"/>
+                      <a16:colId xmlns:a16="http://schemas.microsoft.com/office/drawing/2014/main" xmlns="" val="20000"/>
                     </a:ext>
                   </a:extLst>
                 </a:gridCol>
                 <a:gridCol w="2865437">
                   <a:extLst>
                     <a:ext uri="{9D8B030D-6E8A-4147-A177-3AD203B41FA5}">
-                      <a16:colId xmlns:a16="http://schemas.microsoft.com/office/drawing/2014/main" val="20001"/>
+                      <a16:colId xmlns:a16="http://schemas.microsoft.com/office/drawing/2014/main" xmlns="" val="20001"/>
                     </a:ext>
                   </a:extLst>
                 </a:gridCol>
                 <a:gridCol w="2865437">
                   <a:extLst>
                     <a:ext uri="{9D8B030D-6E8A-4147-A177-3AD203B41FA5}">
-                      <a16:colId xmlns:a16="http://schemas.microsoft.com/office/drawing/2014/main" val="20002"/>
+                      <a16:colId xmlns:a16="http://schemas.microsoft.com/office/drawing/2014/main" xmlns="" val="20002"/>
                     </a:ext>
                   </a:extLst>
                 </a:gridCol>
@@ -10926,7 +14023,7 @@
                 </a:tc>
                 <a:extLst>
                   <a:ext uri="{0D108BD9-81ED-4DB2-BD59-A6C34878D82A}">
-                    <a16:rowId xmlns:a16="http://schemas.microsoft.com/office/drawing/2014/main" val="10000"/>
+                    <a16:rowId xmlns:a16="http://schemas.microsoft.com/office/drawing/2014/main" xmlns="" val="10000"/>
                   </a:ext>
                 </a:extLst>
               </a:tr>
@@ -10975,7 +14072,7 @@
                 </a:tc>
                 <a:extLst>
                   <a:ext uri="{0D108BD9-81ED-4DB2-BD59-A6C34878D82A}">
-                    <a16:rowId xmlns:a16="http://schemas.microsoft.com/office/drawing/2014/main" val="10001"/>
+                    <a16:rowId xmlns:a16="http://schemas.microsoft.com/office/drawing/2014/main" xmlns="" val="10001"/>
                   </a:ext>
                 </a:extLst>
               </a:tr>
@@ -11032,7 +14129,7 @@
                 </a:tc>
                 <a:extLst>
                   <a:ext uri="{0D108BD9-81ED-4DB2-BD59-A6C34878D82A}">
-                    <a16:rowId xmlns:a16="http://schemas.microsoft.com/office/drawing/2014/main" val="10002"/>
+                    <a16:rowId xmlns:a16="http://schemas.microsoft.com/office/drawing/2014/main" xmlns="" val="10002"/>
                   </a:ext>
                 </a:extLst>
               </a:tr>
@@ -11081,7 +14178,7 @@
                 </a:tc>
                 <a:extLst>
                   <a:ext uri="{0D108BD9-81ED-4DB2-BD59-A6C34878D82A}">
-                    <a16:rowId xmlns:a16="http://schemas.microsoft.com/office/drawing/2014/main" val="10003"/>
+                    <a16:rowId xmlns:a16="http://schemas.microsoft.com/office/drawing/2014/main" xmlns="" val="10003"/>
                   </a:ext>
                 </a:extLst>
               </a:tr>
@@ -11130,7 +14227,7 @@
                 </a:tc>
                 <a:extLst>
                   <a:ext uri="{0D108BD9-81ED-4DB2-BD59-A6C34878D82A}">
-                    <a16:rowId xmlns:a16="http://schemas.microsoft.com/office/drawing/2014/main" val="10004"/>
+                    <a16:rowId xmlns:a16="http://schemas.microsoft.com/office/drawing/2014/main" xmlns="" val="10004"/>
                   </a:ext>
                 </a:extLst>
               </a:tr>
@@ -11183,7 +14280,7 @@
                 </a:tc>
                 <a:extLst>
                   <a:ext uri="{0D108BD9-81ED-4DB2-BD59-A6C34878D82A}">
-                    <a16:rowId xmlns:a16="http://schemas.microsoft.com/office/drawing/2014/main" val="10005"/>
+                    <a16:rowId xmlns:a16="http://schemas.microsoft.com/office/drawing/2014/main" xmlns="" val="10005"/>
                   </a:ext>
                 </a:extLst>
               </a:tr>
@@ -11240,7 +14337,7 @@
                 </a:tc>
                 <a:extLst>
                   <a:ext uri="{0D108BD9-81ED-4DB2-BD59-A6C34878D82A}">
-                    <a16:rowId xmlns:a16="http://schemas.microsoft.com/office/drawing/2014/main" val="10006"/>
+                    <a16:rowId xmlns:a16="http://schemas.microsoft.com/office/drawing/2014/main" xmlns="" val="10006"/>
                   </a:ext>
                 </a:extLst>
               </a:tr>
@@ -11510,21 +14607,21 @@
                 <a:gridCol w="2803573">
                   <a:extLst>
                     <a:ext uri="{9D8B030D-6E8A-4147-A177-3AD203B41FA5}">
-                      <a16:colId xmlns:a16="http://schemas.microsoft.com/office/drawing/2014/main" val="20000"/>
+                      <a16:colId xmlns:a16="http://schemas.microsoft.com/office/drawing/2014/main" xmlns="" val="20000"/>
                     </a:ext>
                   </a:extLst>
                 </a:gridCol>
                 <a:gridCol w="2803573">
                   <a:extLst>
                     <a:ext uri="{9D8B030D-6E8A-4147-A177-3AD203B41FA5}">
-                      <a16:colId xmlns:a16="http://schemas.microsoft.com/office/drawing/2014/main" val="3654005185"/>
+                      <a16:colId xmlns:a16="http://schemas.microsoft.com/office/drawing/2014/main" xmlns="" val="3654005185"/>
                     </a:ext>
                   </a:extLst>
                 </a:gridCol>
                 <a:gridCol w="2803573">
                   <a:extLst>
                     <a:ext uri="{9D8B030D-6E8A-4147-A177-3AD203B41FA5}">
-                      <a16:colId xmlns:a16="http://schemas.microsoft.com/office/drawing/2014/main" val="1950544540"/>
+                      <a16:colId xmlns:a16="http://schemas.microsoft.com/office/drawing/2014/main" xmlns="" val="1950544540"/>
                     </a:ext>
                   </a:extLst>
                 </a:gridCol>
@@ -11692,7 +14789,7 @@
                 </a:tc>
                 <a:extLst>
                   <a:ext uri="{0D108BD9-81ED-4DB2-BD59-A6C34878D82A}">
-                    <a16:rowId xmlns:a16="http://schemas.microsoft.com/office/drawing/2014/main" val="10000"/>
+                    <a16:rowId xmlns:a16="http://schemas.microsoft.com/office/drawing/2014/main" xmlns="" val="10000"/>
                   </a:ext>
                 </a:extLst>
               </a:tr>
@@ -11871,7 +14968,7 @@
                 </a:tc>
                 <a:extLst>
                   <a:ext uri="{0D108BD9-81ED-4DB2-BD59-A6C34878D82A}">
-                    <a16:rowId xmlns:a16="http://schemas.microsoft.com/office/drawing/2014/main" val="2213018267"/>
+                    <a16:rowId xmlns:a16="http://schemas.microsoft.com/office/drawing/2014/main" xmlns="" val="2213018267"/>
                   </a:ext>
                 </a:extLst>
               </a:tr>
@@ -12046,7 +15143,7 @@
                 </a:tc>
                 <a:extLst>
                   <a:ext uri="{0D108BD9-81ED-4DB2-BD59-A6C34878D82A}">
-                    <a16:rowId xmlns:a16="http://schemas.microsoft.com/office/drawing/2014/main" val="1959398976"/>
+                    <a16:rowId xmlns:a16="http://schemas.microsoft.com/office/drawing/2014/main" xmlns="" val="1959398976"/>
                   </a:ext>
                 </a:extLst>
               </a:tr>
@@ -12225,7 +15322,7 @@
                 </a:tc>
                 <a:extLst>
                   <a:ext uri="{0D108BD9-81ED-4DB2-BD59-A6C34878D82A}">
-                    <a16:rowId xmlns:a16="http://schemas.microsoft.com/office/drawing/2014/main" val="1087727357"/>
+                    <a16:rowId xmlns:a16="http://schemas.microsoft.com/office/drawing/2014/main" xmlns="" val="1087727357"/>
                   </a:ext>
                 </a:extLst>
               </a:tr>
@@ -12400,7 +15497,7 @@
                 </a:tc>
                 <a:extLst>
                   <a:ext uri="{0D108BD9-81ED-4DB2-BD59-A6C34878D82A}">
-                    <a16:rowId xmlns:a16="http://schemas.microsoft.com/office/drawing/2014/main" val="2854099624"/>
+                    <a16:rowId xmlns:a16="http://schemas.microsoft.com/office/drawing/2014/main" xmlns="" val="2854099624"/>
                   </a:ext>
                 </a:extLst>
               </a:tr>
@@ -12575,7 +15672,7 @@
                 </a:tc>
                 <a:extLst>
                   <a:ext uri="{0D108BD9-81ED-4DB2-BD59-A6C34878D82A}">
-                    <a16:rowId xmlns:a16="http://schemas.microsoft.com/office/drawing/2014/main" val="2977348846"/>
+                    <a16:rowId xmlns:a16="http://schemas.microsoft.com/office/drawing/2014/main" xmlns="" val="2977348846"/>
                   </a:ext>
                 </a:extLst>
               </a:tr>
@@ -12860,28 +15957,28 @@
                 <a:gridCol w="6371054">
                   <a:extLst>
                     <a:ext uri="{9D8B030D-6E8A-4147-A177-3AD203B41FA5}">
-                      <a16:colId xmlns:a16="http://schemas.microsoft.com/office/drawing/2014/main" val="204377024"/>
+                      <a16:colId xmlns:a16="http://schemas.microsoft.com/office/drawing/2014/main" xmlns="" val="204377024"/>
                     </a:ext>
                   </a:extLst>
                 </a:gridCol>
                 <a:gridCol w="1653610">
                   <a:extLst>
                     <a:ext uri="{9D8B030D-6E8A-4147-A177-3AD203B41FA5}">
-                      <a16:colId xmlns:a16="http://schemas.microsoft.com/office/drawing/2014/main" val="1510426864"/>
+                      <a16:colId xmlns:a16="http://schemas.microsoft.com/office/drawing/2014/main" xmlns="" val="1510426864"/>
                     </a:ext>
                   </a:extLst>
                 </a:gridCol>
                 <a:gridCol w="1653610">
                   <a:extLst>
                     <a:ext uri="{9D8B030D-6E8A-4147-A177-3AD203B41FA5}">
-                      <a16:colId xmlns:a16="http://schemas.microsoft.com/office/drawing/2014/main" val="2776710227"/>
+                      <a16:colId xmlns:a16="http://schemas.microsoft.com/office/drawing/2014/main" xmlns="" val="2776710227"/>
                     </a:ext>
                   </a:extLst>
                 </a:gridCol>
                 <a:gridCol w="1653610">
                   <a:extLst>
                     <a:ext uri="{9D8B030D-6E8A-4147-A177-3AD203B41FA5}">
-                      <a16:colId xmlns:a16="http://schemas.microsoft.com/office/drawing/2014/main" val="2642897958"/>
+                      <a16:colId xmlns:a16="http://schemas.microsoft.com/office/drawing/2014/main" xmlns="" val="2642897958"/>
                     </a:ext>
                   </a:extLst>
                 </a:gridCol>
@@ -13028,7 +16125,7 @@
                 </a:tc>
                 <a:extLst>
                   <a:ext uri="{0D108BD9-81ED-4DB2-BD59-A6C34878D82A}">
-                    <a16:rowId xmlns:a16="http://schemas.microsoft.com/office/drawing/2014/main" val="4006991564"/>
+                    <a16:rowId xmlns:a16="http://schemas.microsoft.com/office/drawing/2014/main" xmlns="" val="4006991564"/>
                   </a:ext>
                 </a:extLst>
               </a:tr>
@@ -13127,7 +16224,7 @@
                 </a:tc>
                 <a:extLst>
                   <a:ext uri="{0D108BD9-81ED-4DB2-BD59-A6C34878D82A}">
-                    <a16:rowId xmlns:a16="http://schemas.microsoft.com/office/drawing/2014/main" val="2995567574"/>
+                    <a16:rowId xmlns:a16="http://schemas.microsoft.com/office/drawing/2014/main" xmlns="" val="2995567574"/>
                   </a:ext>
                 </a:extLst>
               </a:tr>
@@ -13222,7 +16319,7 @@
                 </a:tc>
                 <a:extLst>
                   <a:ext uri="{0D108BD9-81ED-4DB2-BD59-A6C34878D82A}">
-                    <a16:rowId xmlns:a16="http://schemas.microsoft.com/office/drawing/2014/main" val="1284826741"/>
+                    <a16:rowId xmlns:a16="http://schemas.microsoft.com/office/drawing/2014/main" xmlns="" val="1284826741"/>
                   </a:ext>
                 </a:extLst>
               </a:tr>
@@ -13345,7 +16442,7 @@
                 </a:tc>
                 <a:extLst>
                   <a:ext uri="{0D108BD9-81ED-4DB2-BD59-A6C34878D82A}">
-                    <a16:rowId xmlns:a16="http://schemas.microsoft.com/office/drawing/2014/main" val="2625775543"/>
+                    <a16:rowId xmlns:a16="http://schemas.microsoft.com/office/drawing/2014/main" xmlns="" val="2625775543"/>
                   </a:ext>
                 </a:extLst>
               </a:tr>
